--- a/slides/python_biopython_Seq_Object.pptx
+++ b/slides/python_biopython_Seq_Object.pptx
@@ -334,7 +334,7 @@
           <a:p>
             <a:fld id="{5EB47243-285B-2741-8C7D-C88258D9CCFA}" type="datetimeFigureOut">
               <a:rPr lang="fr-FR" smtClean="0"/>
-              <a:t>02/11/16</a:t>
+              <a:t>15/11/16</a:t>
             </a:fld>
             <a:endParaRPr lang="fr-FR"/>
           </a:p>
@@ -500,7 +500,7 @@
           <a:p>
             <a:fld id="{7D088D39-B4EA-D24B-B9C3-6A64886EABE2}" type="datetimeFigureOut">
               <a:rPr lang="fr-FR" smtClean="0"/>
-              <a:t>02/11/16</a:t>
+              <a:t>15/11/16</a:t>
             </a:fld>
             <a:endParaRPr lang="fr-FR"/>
           </a:p>
@@ -5040,7 +5040,7 @@
           <a:p>
             <a:fld id="{751463B9-2A29-154C-A5AC-383AEA094CA9}" type="datetime1">
               <a:rPr lang="fr-FR" smtClean="0"/>
-              <a:t>02/11/16</a:t>
+              <a:t>15/11/16</a:t>
             </a:fld>
             <a:endParaRPr lang="fr-FR" dirty="0"/>
           </a:p>
@@ -5541,7 +5541,7 @@
           <a:p>
             <a:fld id="{093F68C3-195D-9E4F-A0F2-F73993E4FFAC}" type="datetime1">
               <a:rPr lang="fr-FR" smtClean="0"/>
-              <a:t>02/11/16</a:t>
+              <a:t>15/11/16</a:t>
             </a:fld>
             <a:endParaRPr lang="fr-FR" dirty="0"/>
           </a:p>
@@ -6964,7 +6964,7 @@
           <a:p>
             <a:fld id="{797E56E4-32A0-A24B-AE7B-5E5E4DFEC148}" type="datetime1">
               <a:rPr lang="fr-FR" smtClean="0"/>
-              <a:t>02/11/16</a:t>
+              <a:t>15/11/16</a:t>
             </a:fld>
             <a:endParaRPr lang="fr-FR" dirty="0"/>
           </a:p>
@@ -7875,7 +7875,7 @@
           <a:p>
             <a:fld id="{DE9A3856-CABC-754C-812C-14B8D30E1B18}" type="datetime1">
               <a:rPr lang="fr-FR" smtClean="0"/>
-              <a:t>02/11/16</a:t>
+              <a:t>15/11/16</a:t>
             </a:fld>
             <a:endParaRPr lang="fr-FR" dirty="0"/>
           </a:p>
@@ -8527,7 +8527,7 @@
           <a:p>
             <a:fld id="{93CBED37-D7BB-174A-9FC7-56685CD6E865}" type="datetime1">
               <a:rPr lang="fr-FR" smtClean="0"/>
-              <a:t>02/11/16</a:t>
+              <a:t>15/11/16</a:t>
             </a:fld>
             <a:endParaRPr lang="fr-FR" dirty="0"/>
           </a:p>
@@ -10138,7 +10138,7 @@
           <a:p>
             <a:fld id="{4A36708A-A74F-D144-99B7-9E7373111E3F}" type="datetime1">
               <a:rPr lang="fr-FR" smtClean="0"/>
-              <a:t>02/11/16</a:t>
+              <a:t>15/11/16</a:t>
             </a:fld>
             <a:endParaRPr lang="fr-FR" dirty="0"/>
           </a:p>
@@ -11310,7 +11310,7 @@
           <a:p>
             <a:fld id="{AB52CF4D-4ED3-CD4E-AAB3-2DE1E5BFD40C}" type="datetime1">
               <a:rPr lang="fr-FR" smtClean="0"/>
-              <a:t>02/11/16</a:t>
+              <a:t>15/11/16</a:t>
             </a:fld>
             <a:endParaRPr lang="fr-FR" dirty="0"/>
           </a:p>
@@ -12412,7 +12412,7 @@
           <a:p>
             <a:fld id="{96FB2786-AAD5-FD45-887E-EF5E7CD549BC}" type="datetime1">
               <a:rPr lang="fr-FR" smtClean="0"/>
-              <a:t>02/11/16</a:t>
+              <a:t>15/11/16</a:t>
             </a:fld>
             <a:endParaRPr lang="fr-FR" dirty="0"/>
           </a:p>
@@ -13481,7 +13481,7 @@
           <a:p>
             <a:fld id="{BAF8E10C-8EC3-0445-8AC7-B6EC4208D61D}" type="datetime1">
               <a:rPr lang="fr-FR" smtClean="0"/>
-              <a:t>02/11/16</a:t>
+              <a:t>15/11/16</a:t>
             </a:fld>
             <a:endParaRPr lang="fr-FR" dirty="0"/>
           </a:p>
@@ -14793,7 +14793,7 @@
           <a:p>
             <a:fld id="{699AB616-0234-D54F-99FF-8E04F0C35AB0}" type="datetime1">
               <a:rPr lang="fr-FR" smtClean="0"/>
-              <a:t>02/11/16</a:t>
+              <a:t>15/11/16</a:t>
             </a:fld>
             <a:endParaRPr lang="fr-FR" dirty="0"/>
           </a:p>
@@ -15812,7 +15812,7 @@
           <a:p>
             <a:fld id="{60307B84-0F4B-7440-A630-E7011DC2BC1B}" type="datetime1">
               <a:rPr lang="fr-FR" smtClean="0"/>
-              <a:t>02/11/16</a:t>
+              <a:t>15/11/16</a:t>
             </a:fld>
             <a:endParaRPr lang="fr-FR" dirty="0"/>
           </a:p>
@@ -17086,7 +17086,7 @@
           <a:p>
             <a:fld id="{1FFBF990-51E3-ED4E-9917-247F77CC2235}" type="datetime1">
               <a:rPr lang="fr-FR" smtClean="0"/>
-              <a:t>02/11/16</a:t>
+              <a:t>15/11/16</a:t>
             </a:fld>
             <a:endParaRPr lang="fr-FR" dirty="0"/>
           </a:p>
@@ -18034,7 +18034,7 @@
           <a:p>
             <a:fld id="{879AD418-6C33-B94F-B67F-88D6EBB6E0D6}" type="datetime1">
               <a:rPr lang="fr-FR" smtClean="0"/>
-              <a:t>02/11/16</a:t>
+              <a:t>15/11/16</a:t>
             </a:fld>
             <a:endParaRPr lang="fr-FR" dirty="0"/>
           </a:p>
@@ -19307,7 +19307,7 @@
           <a:p>
             <a:fld id="{D3144878-28D7-2449-A858-242300DEEEF2}" type="datetime1">
               <a:rPr lang="fr-FR" smtClean="0"/>
-              <a:t>02/11/16</a:t>
+              <a:t>15/11/16</a:t>
             </a:fld>
             <a:endParaRPr lang="fr-FR" dirty="0"/>
           </a:p>
@@ -20221,7 +20221,7 @@
           <a:p>
             <a:fld id="{25BE81B4-6103-C545-A085-99043BCEEEB0}" type="datetime1">
               <a:rPr lang="fr-FR" smtClean="0"/>
-              <a:t>02/11/16</a:t>
+              <a:t>15/11/16</a:t>
             </a:fld>
             <a:endParaRPr lang="fr-FR" dirty="0"/>
           </a:p>
@@ -20885,7 +20885,7 @@
           <a:p>
             <a:fld id="{1C313947-E3B0-C84E-9706-2E44F61BCD95}" type="datetime1">
               <a:rPr lang="fr-FR" smtClean="0"/>
-              <a:t>02/11/16</a:t>
+              <a:t>15/11/16</a:t>
             </a:fld>
             <a:endParaRPr lang="fr-FR" dirty="0"/>
           </a:p>
@@ -21849,7 +21849,7 @@
           <a:p>
             <a:fld id="{D451B79B-677F-5E43-B8AA-276A40053AD2}" type="datetime1">
               <a:rPr lang="fr-FR" smtClean="0"/>
-              <a:t>02/11/16</a:t>
+              <a:t>15/11/16</a:t>
             </a:fld>
             <a:endParaRPr lang="fr-FR" dirty="0"/>
           </a:p>
@@ -22757,7 +22757,7 @@
           <a:p>
             <a:fld id="{2D279393-B109-1841-B1A2-56CECB19BBFD}" type="datetime1">
               <a:rPr lang="fr-FR" smtClean="0"/>
-              <a:t>02/11/16</a:t>
+              <a:t>15/11/16</a:t>
             </a:fld>
             <a:endParaRPr lang="fr-FR" dirty="0"/>
           </a:p>
@@ -24260,7 +24260,7 @@
           <a:p>
             <a:fld id="{DB41915D-5741-AE4A-919E-812B067D5353}" type="datetime1">
               <a:rPr lang="fr-FR" smtClean="0"/>
-              <a:t>02/11/16</a:t>
+              <a:t>15/11/16</a:t>
             </a:fld>
             <a:endParaRPr lang="fr-FR" dirty="0"/>
           </a:p>
@@ -25141,7 +25141,7 @@
           <a:p>
             <a:fld id="{1756404F-D190-1049-81CC-036776657879}" type="datetime1">
               <a:rPr lang="fr-FR" smtClean="0"/>
-              <a:t>02/11/16</a:t>
+              <a:t>15/11/16</a:t>
             </a:fld>
             <a:endParaRPr lang="fr-FR" dirty="0"/>
           </a:p>
@@ -25868,7 +25868,7 @@
           <a:p>
             <a:fld id="{9FDB5FE5-E111-8B43-907E-911C1A8B8ACA}" type="datetime1">
               <a:rPr lang="fr-FR" smtClean="0"/>
-              <a:t>02/11/16</a:t>
+              <a:t>15/11/16</a:t>
             </a:fld>
             <a:endParaRPr lang="fr-FR" dirty="0"/>
           </a:p>
@@ -26329,7 +26329,7 @@
           <a:p>
             <a:fld id="{90CA1F5A-103A-244D-8F4A-262A8624F39D}" type="datetime1">
               <a:rPr lang="fr-FR" smtClean="0"/>
-              <a:t>02/11/16</a:t>
+              <a:t>15/11/16</a:t>
             </a:fld>
             <a:endParaRPr lang="fr-FR" dirty="0"/>
           </a:p>
@@ -26895,7 +26895,7 @@
           <a:p>
             <a:fld id="{91722139-D3E7-4C40-A912-CF1D68207057}" type="datetime1">
               <a:rPr lang="fr-FR" smtClean="0"/>
-              <a:t>02/11/16</a:t>
+              <a:t>15/11/16</a:t>
             </a:fld>
             <a:endParaRPr lang="fr-FR" dirty="0"/>
           </a:p>
@@ -27533,7 +27533,7 @@
           <a:p>
             <a:fld id="{F575202B-7270-FA4F-9347-72520CA09DD1}" type="datetime1">
               <a:rPr lang="fr-FR" smtClean="0"/>
-              <a:t>02/11/16</a:t>
+              <a:t>15/11/16</a:t>
             </a:fld>
             <a:endParaRPr lang="fr-FR" dirty="0"/>
           </a:p>
@@ -27831,7 +27831,10 @@
             <a:avLst/>
           </a:prstGeom>
           <a:solidFill>
-            <a:srgbClr val="ED7C43"/>
+            <a:schemeClr val="accent6">
+              <a:lumMod val="60000"/>
+              <a:lumOff val="40000"/>
+            </a:schemeClr>
           </a:solidFill>
         </p:spPr>
         <p:txBody>
@@ -28077,6 +28080,13 @@
   <p:clrMapOvr>
     <a:masterClrMapping/>
   </p:clrMapOvr>
+  <p:timing>
+    <p:tnLst>
+      <p:par>
+        <p:cTn xmlns:p14="http://schemas.microsoft.com/office/powerpoint/2010/main" id="1" dur="indefinite" restart="never" nodeType="tmRoot"/>
+      </p:par>
+    </p:tnLst>
+  </p:timing>
 </p:sld>
 </file>
 
@@ -28137,47 +28147,80 @@
           <a:p>
             <a:r>
               <a:rPr lang="en-US" dirty="0" smtClean="0"/>
-              <a:t>The </a:t>
+              <a:t>Le </a:t>
+            </a:r>
+            <a:r>
+              <a:rPr lang="en-US" dirty="0" err="1" smtClean="0"/>
+              <a:t>projet</a:t>
+            </a:r>
+            <a:r>
+              <a:rPr lang="en-US" dirty="0" smtClean="0"/>
+              <a:t> Biopython </a:t>
+            </a:r>
+            <a:r>
+              <a:rPr lang="en-US" dirty="0" err="1" smtClean="0"/>
+              <a:t>est</a:t>
+            </a:r>
+            <a:r>
+              <a:rPr lang="en-US" dirty="0" smtClean="0"/>
+              <a:t> </a:t>
+            </a:r>
+            <a:r>
+              <a:rPr lang="en-US" dirty="0" err="1" smtClean="0"/>
+              <a:t>une</a:t>
+            </a:r>
+            <a:r>
+              <a:rPr lang="en-US" dirty="0" smtClean="0"/>
+              <a:t> </a:t>
+            </a:r>
+            <a:r>
+              <a:rPr lang="en-US" dirty="0" smtClean="0"/>
+              <a:t>association de </a:t>
+            </a:r>
+            <a:r>
+              <a:rPr lang="en-US" dirty="0" err="1" smtClean="0"/>
+              <a:t>dévellopeurs</a:t>
+            </a:r>
+            <a:r>
+              <a:rPr lang="en-US" dirty="0" smtClean="0"/>
+              <a:t> </a:t>
+            </a:r>
+            <a:r>
+              <a:rPr lang="en-US" dirty="0" err="1" smtClean="0"/>
+              <a:t>d’outils</a:t>
+            </a:r>
+            <a:r>
+              <a:rPr lang="en-US" dirty="0" smtClean="0"/>
+              <a:t> python </a:t>
+            </a:r>
+            <a:r>
+              <a:rPr lang="en-US" dirty="0" err="1" smtClean="0"/>
+              <a:t>disponible</a:t>
+            </a:r>
+            <a:r>
+              <a:rPr lang="en-US" dirty="0" smtClean="0"/>
+              <a:t> pour la bio-</a:t>
+            </a:r>
+            <a:r>
+              <a:rPr lang="en-US" dirty="0" err="1" smtClean="0"/>
+              <a:t>informatique</a:t>
+            </a:r>
+            <a:endParaRPr lang="en-US" dirty="0" smtClean="0"/>
+          </a:p>
+          <a:p>
+            <a:endParaRPr lang="en-US" dirty="0" smtClean="0"/>
+          </a:p>
+          <a:p>
+            <a:r>
+              <a:rPr lang="en-US" dirty="0" smtClean="0"/>
+              <a:t>Le site web (</a:t>
             </a:r>
             <a:r>
               <a:rPr lang="en-US" dirty="0"/>
-              <a:t>Biopython Project is an international association of developers of freely available Python </a:t>
-            </a:r>
-            <a:r>
-              <a:rPr lang="en-US" dirty="0" smtClean="0"/>
-              <a:t>tools </a:t>
-            </a:r>
-            <a:r>
-              <a:rPr lang="en-US" dirty="0"/>
-              <a:t>for computational molecular biology</a:t>
-            </a:r>
-          </a:p>
-          <a:p>
-            <a:endParaRPr lang="en-US" dirty="0" smtClean="0"/>
-          </a:p>
-          <a:p>
-            <a:r>
-              <a:rPr lang="en-US" dirty="0" smtClean="0"/>
-              <a:t>The </a:t>
-            </a:r>
-            <a:r>
-              <a:rPr lang="en-US" dirty="0"/>
-              <a:t>Biopython web site </a:t>
-            </a:r>
-            <a:r>
-              <a:rPr lang="mr-IN" dirty="0" smtClean="0"/>
-              <a:t>(</a:t>
-            </a:r>
-            <a:r>
-              <a:rPr lang="en-US" dirty="0" smtClean="0"/>
-              <a:t>http</a:t>
-            </a:r>
-            <a:r>
-              <a:rPr lang="en-US" dirty="0"/>
-              <a:t>://</a:t>
-            </a:r>
-            <a:r>
-              <a:rPr lang="en-US" dirty="0" err="1" smtClean="0"/>
+              <a:t>http://</a:t>
+            </a:r>
+            <a:r>
+              <a:rPr lang="en-US" dirty="0" err="1"/>
               <a:t>www.biopython.org</a:t>
             </a:r>
             <a:r>
@@ -28185,28 +28228,71 @@
               <a:t>) </a:t>
             </a:r>
             <a:r>
-              <a:rPr lang="en-US" dirty="0"/>
-              <a:t>provides an </a:t>
+              <a:rPr lang="en-US" dirty="0" err="1" smtClean="0"/>
+              <a:t>fournit</a:t>
             </a:r>
             <a:r>
               <a:rPr lang="en-US" dirty="0" smtClean="0"/>
-              <a:t>online resource </a:t>
-            </a:r>
-            <a:r>
-              <a:rPr lang="en-US" dirty="0"/>
-              <a:t>for modules, scripts</a:t>
+              <a:t> des resources en </a:t>
+            </a:r>
+            <a:r>
+              <a:rPr lang="en-US" dirty="0" err="1" smtClean="0"/>
+              <a:t>ligne</a:t>
             </a:r>
             <a:r>
               <a:rPr lang="en-US" dirty="0" smtClean="0"/>
-              <a:t>, and </a:t>
-            </a:r>
-            <a:r>
-              <a:rPr lang="en-US" dirty="0"/>
-              <a:t>web links for developers of Python-based software for bioinformatics use and research. </a:t>
+              <a:t> pour les modules, scripts et liens </a:t>
+            </a:r>
+            <a:r>
+              <a:rPr lang="en-US" dirty="0" err="1" smtClean="0"/>
+              <a:t>utiles</a:t>
+            </a:r>
+            <a:r>
+              <a:rPr lang="en-US" dirty="0" smtClean="0"/>
+              <a:t> pour les </a:t>
+            </a:r>
+            <a:r>
+              <a:rPr lang="en-US" dirty="0" err="1" smtClean="0"/>
+              <a:t>developpeurs</a:t>
+            </a:r>
+            <a:r>
+              <a:rPr lang="en-US" dirty="0" smtClean="0"/>
+              <a:t> de </a:t>
+            </a:r>
+            <a:r>
+              <a:rPr lang="en-US" dirty="0" err="1" smtClean="0"/>
+              <a:t>logiciel</a:t>
+            </a:r>
+            <a:r>
+              <a:rPr lang="en-US" dirty="0" smtClean="0"/>
+              <a:t> </a:t>
+            </a:r>
+            <a:r>
+              <a:rPr lang="en-US" dirty="0" err="1" smtClean="0"/>
+              <a:t>basés</a:t>
+            </a:r>
+            <a:r>
+              <a:rPr lang="en-US" dirty="0" smtClean="0"/>
+              <a:t> </a:t>
+            </a:r>
+            <a:r>
+              <a:rPr lang="en-US" dirty="0" err="1" smtClean="0"/>
+              <a:t>sur</a:t>
+            </a:r>
+            <a:r>
+              <a:rPr lang="en-US" dirty="0" smtClean="0"/>
+              <a:t> Python pour la </a:t>
+            </a:r>
+            <a:r>
+              <a:rPr lang="en-US" dirty="0" err="1" smtClean="0"/>
+              <a:t>bioinformatique</a:t>
             </a:r>
             <a:endParaRPr lang="en-US" dirty="0" smtClean="0"/>
           </a:p>
           <a:p>
+            <a:pPr marL="0" indent="0">
+              <a:buNone/>
+            </a:pPr>
             <a:endParaRPr lang="en-US" dirty="0"/>
           </a:p>
           <a:p>
@@ -28262,7 +28348,7 @@
           <a:p>
             <a:fld id="{9BBFB046-DC18-C04D-BD7C-1BA0FC9E7F71}" type="datetime1">
               <a:rPr lang="fr-FR" smtClean="0"/>
-              <a:t>02/11/16</a:t>
+              <a:t>15/11/16</a:t>
             </a:fld>
             <a:endParaRPr lang="fr-FR" dirty="0"/>
           </a:p>
@@ -28476,7 +28562,7 @@
           <a:p>
             <a:fld id="{7CB59A03-4E78-3143-BA5B-9B04A458933E}" type="datetime1">
               <a:rPr lang="fr-FR" smtClean="0"/>
-              <a:t>02/11/16</a:t>
+              <a:t>15/11/16</a:t>
             </a:fld>
             <a:endParaRPr lang="fr-FR" dirty="0"/>
           </a:p>
@@ -29760,7 +29846,7 @@
           <a:p>
             <a:fld id="{816908AA-A60E-9D4B-A089-9B6A43B56327}" type="datetime1">
               <a:rPr lang="fr-FR" smtClean="0"/>
-              <a:t>02/11/16</a:t>
+              <a:t>15/11/16</a:t>
             </a:fld>
             <a:endParaRPr lang="fr-FR" dirty="0"/>
           </a:p>
@@ -30721,7 +30807,7 @@
           <a:p>
             <a:fld id="{FA7473CA-1C1D-5047-82A9-6D3164075AEC}" type="datetime1">
               <a:rPr lang="fr-FR" smtClean="0"/>
-              <a:t>02/11/16</a:t>
+              <a:t>15/11/16</a:t>
             </a:fld>
             <a:endParaRPr lang="fr-FR" dirty="0"/>
           </a:p>
@@ -31357,7 +31443,7 @@
           <a:p>
             <a:fld id="{9881040A-37B7-1E4F-8B8D-A8349C44DD58}" type="datetime1">
               <a:rPr lang="fr-FR" smtClean="0"/>
-              <a:t>02/11/16</a:t>
+              <a:t>15/11/16</a:t>
             </a:fld>
             <a:endParaRPr lang="fr-FR" dirty="0"/>
           </a:p>
@@ -31665,7 +31751,7 @@
           <a:p>
             <a:fld id="{B30A75EC-4088-B547-BDB8-649A7E021FEA}" type="datetime1">
               <a:rPr lang="fr-FR" smtClean="0"/>
-              <a:t>02/11/16</a:t>
+              <a:t>15/11/16</a:t>
             </a:fld>
             <a:endParaRPr lang="fr-FR" dirty="0"/>
           </a:p>
@@ -31955,7 +32041,7 @@
           <a:p>
             <a:fld id="{B78E4C01-D620-5F47-81AE-6CCE1DF3C584}" type="datetime1">
               <a:rPr lang="fr-FR" smtClean="0"/>
-              <a:t>02/11/16</a:t>
+              <a:t>15/11/16</a:t>
             </a:fld>
             <a:endParaRPr lang="fr-FR" dirty="0"/>
           </a:p>
@@ -32259,7 +32345,7 @@
           <a:p>
             <a:fld id="{CECE4330-7765-6A46-8D6E-E482C0B014EB}" type="datetime1">
               <a:rPr lang="fr-FR" smtClean="0"/>
-              <a:t>02/11/16</a:t>
+              <a:t>15/11/16</a:t>
             </a:fld>
             <a:endParaRPr lang="fr-FR" dirty="0"/>
           </a:p>
@@ -32482,7 +32568,7 @@
           <a:p>
             <a:fld id="{EA70A93A-7945-DF4B-9F61-E692557D4A7D}" type="datetime1">
               <a:rPr lang="fr-FR" smtClean="0"/>
-              <a:t>02/11/16</a:t>
+              <a:t>15/11/16</a:t>
             </a:fld>
             <a:endParaRPr lang="fr-FR" dirty="0"/>
           </a:p>
@@ -32804,7 +32890,7 @@
           <a:p>
             <a:fld id="{CB78E28A-D2CD-F44F-A0BB-600E48514626}" type="datetime1">
               <a:rPr lang="fr-FR" smtClean="0"/>
-              <a:t>02/11/16</a:t>
+              <a:t>15/11/16</a:t>
             </a:fld>
             <a:endParaRPr lang="fr-FR" dirty="0"/>
           </a:p>
@@ -32866,7 +32952,7 @@
         <p:spPr>
           <a:xfrm>
             <a:off x="279400" y="3231953"/>
-            <a:ext cx="8644466" cy="646331"/>
+            <a:ext cx="8644466" cy="461665"/>
           </a:xfrm>
           <a:prstGeom prst="rect">
             <a:avLst/>
@@ -32896,26 +32982,11 @@
           <a:p>
             <a:r>
               <a:rPr lang="fr-FR" sz="1200" dirty="0" smtClean="0"/>
-              <a:t>&gt;&gt;&gt;</a:t>
-            </a:r>
-            <a:r>
-              <a:rPr lang="mr-IN" sz="1200" dirty="0" smtClean="0"/>
-              <a:t>from </a:t>
-            </a:r>
-            <a:r>
-              <a:rPr lang="mr-IN" sz="1200" dirty="0"/>
-              <a:t>Bio.Seq import </a:t>
-            </a:r>
-            <a:r>
-              <a:rPr lang="mr-IN" sz="1200" dirty="0" smtClean="0"/>
-              <a:t>Seq</a:t>
-            </a:r>
-            <a:endParaRPr lang="mr-IN" sz="1200" dirty="0"/>
-          </a:p>
-          <a:p>
+              <a:t>&gt;</a:t>
+            </a:r>
             <a:r>
               <a:rPr lang="fr-FR" sz="1200" dirty="0"/>
-              <a:t>&gt;&gt;&gt;</a:t>
+              <a:t>&gt;&gt;</a:t>
             </a:r>
             <a:r>
               <a:rPr lang="mr-IN" sz="1200" dirty="0" smtClean="0"/>
@@ -33591,6 +33662,268 @@
   <p:clrMapOvr>
     <a:masterClrMapping/>
   </p:clrMapOvr>
+  <p:timing>
+    <p:tnLst>
+      <p:par>
+        <p:cTn xmlns:p14="http://schemas.microsoft.com/office/powerpoint/2010/main" id="1" dur="indefinite" restart="never" nodeType="tmRoot">
+          <p:childTnLst>
+            <p:seq concurrent="1" nextAc="seek">
+              <p:cTn id="2" dur="indefinite" nodeType="mainSeq">
+                <p:childTnLst>
+                  <p:par>
+                    <p:cTn id="3" fill="hold">
+                      <p:stCondLst>
+                        <p:cond delay="indefinite"/>
+                      </p:stCondLst>
+                      <p:childTnLst>
+                        <p:par>
+                          <p:cTn id="4" fill="hold">
+                            <p:stCondLst>
+                              <p:cond delay="0"/>
+                            </p:stCondLst>
+                            <p:childTnLst>
+                              <p:par>
+                                <p:cTn id="5" presetID="1" presetClass="entr" presetSubtype="0" fill="hold" grpId="0" nodeType="clickEffect">
+                                  <p:stCondLst>
+                                    <p:cond delay="0"/>
+                                  </p:stCondLst>
+                                  <p:childTnLst>
+                                    <p:set>
+                                      <p:cBhvr>
+                                        <p:cTn id="6" dur="1" fill="hold">
+                                          <p:stCondLst>
+                                            <p:cond delay="0"/>
+                                          </p:stCondLst>
+                                        </p:cTn>
+                                        <p:tgtEl>
+                                          <p:spTgt spid="17"/>
+                                        </p:tgtEl>
+                                        <p:attrNameLst>
+                                          <p:attrName>style.visibility</p:attrName>
+                                        </p:attrNameLst>
+                                      </p:cBhvr>
+                                      <p:to>
+                                        <p:strVal val="visible"/>
+                                      </p:to>
+                                    </p:set>
+                                  </p:childTnLst>
+                                </p:cTn>
+                              </p:par>
+                            </p:childTnLst>
+                          </p:cTn>
+                        </p:par>
+                      </p:childTnLst>
+                    </p:cTn>
+                  </p:par>
+                  <p:par>
+                    <p:cTn id="7" fill="hold">
+                      <p:stCondLst>
+                        <p:cond delay="indefinite"/>
+                      </p:stCondLst>
+                      <p:childTnLst>
+                        <p:par>
+                          <p:cTn id="8" fill="hold">
+                            <p:stCondLst>
+                              <p:cond delay="0"/>
+                            </p:stCondLst>
+                            <p:childTnLst>
+                              <p:par>
+                                <p:cTn id="9" presetID="1" presetClass="entr" presetSubtype="0" fill="hold" grpId="0" nodeType="clickEffect">
+                                  <p:stCondLst>
+                                    <p:cond delay="0"/>
+                                  </p:stCondLst>
+                                  <p:childTnLst>
+                                    <p:set>
+                                      <p:cBhvr>
+                                        <p:cTn id="10" dur="1" fill="hold">
+                                          <p:stCondLst>
+                                            <p:cond delay="0"/>
+                                          </p:stCondLst>
+                                        </p:cTn>
+                                        <p:tgtEl>
+                                          <p:spTgt spid="15"/>
+                                        </p:tgtEl>
+                                        <p:attrNameLst>
+                                          <p:attrName>style.visibility</p:attrName>
+                                        </p:attrNameLst>
+                                      </p:cBhvr>
+                                      <p:to>
+                                        <p:strVal val="visible"/>
+                                      </p:to>
+                                    </p:set>
+                                  </p:childTnLst>
+                                </p:cTn>
+                              </p:par>
+                            </p:childTnLst>
+                          </p:cTn>
+                        </p:par>
+                      </p:childTnLst>
+                    </p:cTn>
+                  </p:par>
+                  <p:par>
+                    <p:cTn id="11" fill="hold">
+                      <p:stCondLst>
+                        <p:cond delay="indefinite"/>
+                      </p:stCondLst>
+                      <p:childTnLst>
+                        <p:par>
+                          <p:cTn id="12" fill="hold">
+                            <p:stCondLst>
+                              <p:cond delay="0"/>
+                            </p:stCondLst>
+                            <p:childTnLst>
+                              <p:par>
+                                <p:cTn id="13" presetID="1" presetClass="entr" presetSubtype="0" fill="hold" grpId="0" nodeType="clickEffect">
+                                  <p:stCondLst>
+                                    <p:cond delay="0"/>
+                                  </p:stCondLst>
+                                  <p:childTnLst>
+                                    <p:set>
+                                      <p:cBhvr>
+                                        <p:cTn id="14" dur="1" fill="hold">
+                                          <p:stCondLst>
+                                            <p:cond delay="0"/>
+                                          </p:stCondLst>
+                                        </p:cTn>
+                                        <p:tgtEl>
+                                          <p:spTgt spid="13"/>
+                                        </p:tgtEl>
+                                        <p:attrNameLst>
+                                          <p:attrName>style.visibility</p:attrName>
+                                        </p:attrNameLst>
+                                      </p:cBhvr>
+                                      <p:to>
+                                        <p:strVal val="visible"/>
+                                      </p:to>
+                                    </p:set>
+                                  </p:childTnLst>
+                                </p:cTn>
+                              </p:par>
+                            </p:childTnLst>
+                          </p:cTn>
+                        </p:par>
+                      </p:childTnLst>
+                    </p:cTn>
+                  </p:par>
+                  <p:par>
+                    <p:cTn id="15" fill="hold">
+                      <p:stCondLst>
+                        <p:cond delay="indefinite"/>
+                      </p:stCondLst>
+                      <p:childTnLst>
+                        <p:par>
+                          <p:cTn id="16" fill="hold">
+                            <p:stCondLst>
+                              <p:cond delay="0"/>
+                            </p:stCondLst>
+                            <p:childTnLst>
+                              <p:par>
+                                <p:cTn id="17" presetID="1" presetClass="entr" presetSubtype="0" fill="hold" grpId="0" nodeType="clickEffect">
+                                  <p:stCondLst>
+                                    <p:cond delay="0"/>
+                                  </p:stCondLst>
+                                  <p:childTnLst>
+                                    <p:set>
+                                      <p:cBhvr>
+                                        <p:cTn id="18" dur="1" fill="hold">
+                                          <p:stCondLst>
+                                            <p:cond delay="0"/>
+                                          </p:stCondLst>
+                                        </p:cTn>
+                                        <p:tgtEl>
+                                          <p:spTgt spid="11"/>
+                                        </p:tgtEl>
+                                        <p:attrNameLst>
+                                          <p:attrName>style.visibility</p:attrName>
+                                        </p:attrNameLst>
+                                      </p:cBhvr>
+                                      <p:to>
+                                        <p:strVal val="visible"/>
+                                      </p:to>
+                                    </p:set>
+                                  </p:childTnLst>
+                                </p:cTn>
+                              </p:par>
+                            </p:childTnLst>
+                          </p:cTn>
+                        </p:par>
+                      </p:childTnLst>
+                    </p:cTn>
+                  </p:par>
+                  <p:par>
+                    <p:cTn id="19" fill="hold">
+                      <p:stCondLst>
+                        <p:cond delay="indefinite"/>
+                      </p:stCondLst>
+                      <p:childTnLst>
+                        <p:par>
+                          <p:cTn id="20" fill="hold">
+                            <p:stCondLst>
+                              <p:cond delay="0"/>
+                            </p:stCondLst>
+                            <p:childTnLst>
+                              <p:par>
+                                <p:cTn id="21" presetID="1" presetClass="entr" presetSubtype="0" fill="hold" grpId="0" nodeType="clickEffect">
+                                  <p:stCondLst>
+                                    <p:cond delay="0"/>
+                                  </p:stCondLst>
+                                  <p:childTnLst>
+                                    <p:set>
+                                      <p:cBhvr>
+                                        <p:cTn id="22" dur="1" fill="hold">
+                                          <p:stCondLst>
+                                            <p:cond delay="0"/>
+                                          </p:stCondLst>
+                                        </p:cTn>
+                                        <p:tgtEl>
+                                          <p:spTgt spid="8"/>
+                                        </p:tgtEl>
+                                        <p:attrNameLst>
+                                          <p:attrName>style.visibility</p:attrName>
+                                        </p:attrNameLst>
+                                      </p:cBhvr>
+                                      <p:to>
+                                        <p:strVal val="visible"/>
+                                      </p:to>
+                                    </p:set>
+                                  </p:childTnLst>
+                                </p:cTn>
+                              </p:par>
+                            </p:childTnLst>
+                          </p:cTn>
+                        </p:par>
+                      </p:childTnLst>
+                    </p:cTn>
+                  </p:par>
+                </p:childTnLst>
+              </p:cTn>
+              <p:prevCondLst>
+                <p:cond evt="onPrev" delay="0">
+                  <p:tgtEl>
+                    <p:sldTgt/>
+                  </p:tgtEl>
+                </p:cond>
+              </p:prevCondLst>
+              <p:nextCondLst>
+                <p:cond evt="onNext" delay="0">
+                  <p:tgtEl>
+                    <p:sldTgt/>
+                  </p:tgtEl>
+                </p:cond>
+              </p:nextCondLst>
+            </p:seq>
+          </p:childTnLst>
+        </p:cTn>
+      </p:par>
+    </p:tnLst>
+    <p:bldLst>
+      <p:bldP spid="8" grpId="0" animBg="1"/>
+      <p:bldP spid="11" grpId="0" animBg="1"/>
+      <p:bldP spid="13" grpId="0" animBg="1"/>
+      <p:bldP spid="15" grpId="0" animBg="1"/>
+      <p:bldP spid="17" grpId="0" animBg="1"/>
+    </p:bldLst>
+  </p:timing>
 </p:sld>
 </file>
 
@@ -34041,7 +34374,7 @@
           <a:p>
             <a:fld id="{67C2DE1B-3D66-5E48-B45C-4460F9197AEE}" type="datetime1">
               <a:rPr lang="fr-FR" smtClean="0"/>
-              <a:t>02/11/16</a:t>
+              <a:t>15/11/16</a:t>
             </a:fld>
             <a:endParaRPr lang="fr-FR" dirty="0"/>
           </a:p>
@@ -34104,6 +34437,13 @@
   <p:clrMapOvr>
     <a:masterClrMapping/>
   </p:clrMapOvr>
+  <p:timing>
+    <p:tnLst>
+      <p:par>
+        <p:cTn xmlns:p14="http://schemas.microsoft.com/office/powerpoint/2010/main" id="1" dur="indefinite" restart="never" nodeType="tmRoot"/>
+      </p:par>
+    </p:tnLst>
+  </p:timing>
 </p:sld>
 </file>
 

--- a/slides/python_biopython_Seq_Object.pptx
+++ b/slides/python_biopython_Seq_Object.pptx
@@ -334,7 +334,7 @@
           <a:p>
             <a:fld id="{5EB47243-285B-2741-8C7D-C88258D9CCFA}" type="datetimeFigureOut">
               <a:rPr lang="fr-FR" smtClean="0"/>
-              <a:t>15/11/16</a:t>
+              <a:t>16/11/16</a:t>
             </a:fld>
             <a:endParaRPr lang="fr-FR"/>
           </a:p>
@@ -500,7 +500,7 @@
           <a:p>
             <a:fld id="{7D088D39-B4EA-D24B-B9C3-6A64886EABE2}" type="datetimeFigureOut">
               <a:rPr lang="fr-FR" smtClean="0"/>
-              <a:t>15/11/16</a:t>
+              <a:t>16/11/16</a:t>
             </a:fld>
             <a:endParaRPr lang="fr-FR"/>
           </a:p>
@@ -3605,188 +3605,6 @@
           <a:bodyPr/>
           <a:lstStyle/>
           <a:p>
-            <a:r>
-              <a:rPr lang="en-US" sz="1200" kern="1200" dirty="0" smtClean="0">
-                <a:solidFill>
-                  <a:schemeClr val="tx1"/>
-                </a:solidFill>
-                <a:effectLst/>
-                <a:latin typeface="+mn-lt"/>
-                <a:ea typeface="+mn-ea"/>
-                <a:cs typeface="+mn-cs"/>
-              </a:rPr>
-              <a:t>Also use the</a:t>
-            </a:r>
-            <a:r>
-              <a:rPr lang="en-US" sz="1200" kern="1200" baseline="0" dirty="0" smtClean="0">
-                <a:solidFill>
-                  <a:schemeClr val="tx1"/>
-                </a:solidFill>
-                <a:effectLst/>
-                <a:latin typeface="+mn-lt"/>
-                <a:ea typeface="+mn-ea"/>
-                <a:cs typeface="+mn-cs"/>
-              </a:rPr>
-              <a:t> </a:t>
-            </a:r>
-            <a:r>
-              <a:rPr lang="en-US" sz="1200" kern="1200" dirty="0" err="1" smtClean="0">
-                <a:solidFill>
-                  <a:schemeClr val="tx1"/>
-                </a:solidFill>
-                <a:effectLst/>
-                <a:latin typeface="+mn-lt"/>
-                <a:ea typeface="+mn-ea"/>
-                <a:cs typeface="+mn-cs"/>
-              </a:rPr>
-              <a:t>Seq</a:t>
-            </a:r>
-            <a:r>
-              <a:rPr lang="en-US" sz="1200" kern="1200" baseline="0" dirty="0" smtClean="0">
-                <a:solidFill>
-                  <a:schemeClr val="tx1"/>
-                </a:solidFill>
-                <a:effectLst/>
-                <a:latin typeface="+mn-lt"/>
-                <a:ea typeface="+mn-ea"/>
-                <a:cs typeface="+mn-cs"/>
-              </a:rPr>
-              <a:t> </a:t>
-            </a:r>
-            <a:r>
-              <a:rPr lang="en-US" sz="1200" kern="1200" dirty="0" smtClean="0">
-                <a:solidFill>
-                  <a:schemeClr val="tx1"/>
-                </a:solidFill>
-                <a:effectLst/>
-                <a:latin typeface="+mn-lt"/>
-                <a:ea typeface="+mn-ea"/>
-                <a:cs typeface="+mn-cs"/>
-              </a:rPr>
-              <a:t>object directly with a</a:t>
-            </a:r>
-            <a:r>
-              <a:rPr lang="en-US" sz="1200" kern="1200" baseline="0" dirty="0" smtClean="0">
-                <a:solidFill>
-                  <a:schemeClr val="tx1"/>
-                </a:solidFill>
-                <a:effectLst/>
-                <a:latin typeface="+mn-lt"/>
-                <a:ea typeface="+mn-ea"/>
-                <a:cs typeface="+mn-cs"/>
-              </a:rPr>
-              <a:t> </a:t>
-            </a:r>
-            <a:r>
-              <a:rPr lang="en-US" sz="1200" kern="1200" dirty="0" smtClean="0">
-                <a:solidFill>
-                  <a:schemeClr val="tx1"/>
-                </a:solidFill>
-                <a:effectLst/>
-                <a:latin typeface="+mn-lt"/>
-                <a:ea typeface="+mn-ea"/>
-                <a:cs typeface="+mn-cs"/>
-              </a:rPr>
-              <a:t>%s</a:t>
-            </a:r>
-            <a:r>
-              <a:rPr lang="en-US" sz="1200" kern="1200" baseline="0" dirty="0" smtClean="0">
-                <a:solidFill>
-                  <a:schemeClr val="tx1"/>
-                </a:solidFill>
-                <a:effectLst/>
-                <a:latin typeface="+mn-lt"/>
-                <a:ea typeface="+mn-ea"/>
-                <a:cs typeface="+mn-cs"/>
-              </a:rPr>
-              <a:t> </a:t>
-            </a:r>
-            <a:r>
-              <a:rPr lang="en-US" sz="1200" kern="1200" dirty="0" smtClean="0">
-                <a:solidFill>
-                  <a:schemeClr val="tx1"/>
-                </a:solidFill>
-                <a:effectLst/>
-                <a:latin typeface="+mn-lt"/>
-                <a:ea typeface="+mn-ea"/>
-                <a:cs typeface="+mn-cs"/>
-              </a:rPr>
-              <a:t>placeholder when using the Python string formatting</a:t>
-            </a:r>
-            <a:r>
-              <a:rPr lang="en-US" sz="1200" kern="1200" baseline="0" dirty="0" smtClean="0">
-                <a:solidFill>
-                  <a:schemeClr val="tx1"/>
-                </a:solidFill>
-                <a:effectLst/>
-                <a:latin typeface="+mn-lt"/>
-                <a:ea typeface="+mn-ea"/>
-                <a:cs typeface="+mn-cs"/>
-              </a:rPr>
-              <a:t> </a:t>
-            </a:r>
-            <a:r>
-              <a:rPr lang="en-US" sz="1200" kern="1200" dirty="0" smtClean="0">
-                <a:solidFill>
-                  <a:schemeClr val="tx1"/>
-                </a:solidFill>
-                <a:effectLst/>
-                <a:latin typeface="+mn-lt"/>
-                <a:ea typeface="+mn-ea"/>
-                <a:cs typeface="+mn-cs"/>
-              </a:rPr>
-              <a:t>or interpolation operator (</a:t>
-            </a:r>
-            <a:r>
-              <a:rPr lang="en-US" sz="1200" kern="1200" baseline="0" dirty="0" smtClean="0">
-                <a:solidFill>
-                  <a:schemeClr val="tx1"/>
-                </a:solidFill>
-                <a:effectLst/>
-                <a:latin typeface="+mn-lt"/>
-                <a:ea typeface="+mn-ea"/>
-                <a:cs typeface="+mn-cs"/>
-              </a:rPr>
-              <a:t> </a:t>
-            </a:r>
-            <a:r>
-              <a:rPr lang="en-US" sz="1200" kern="1200" dirty="0" smtClean="0">
-                <a:solidFill>
-                  <a:schemeClr val="tx1"/>
-                </a:solidFill>
-                <a:effectLst/>
-                <a:latin typeface="+mn-lt"/>
-                <a:ea typeface="+mn-ea"/>
-                <a:cs typeface="+mn-cs"/>
-              </a:rPr>
-              <a:t>%</a:t>
-            </a:r>
-            <a:r>
-              <a:rPr lang="en-US" sz="1200" kern="1200" baseline="0" dirty="0" smtClean="0">
-                <a:solidFill>
-                  <a:schemeClr val="tx1"/>
-                </a:solidFill>
-                <a:effectLst/>
-                <a:latin typeface="+mn-lt"/>
-                <a:ea typeface="+mn-ea"/>
-                <a:cs typeface="+mn-cs"/>
-              </a:rPr>
-              <a:t> </a:t>
-            </a:r>
-            <a:r>
-              <a:rPr lang="en-US" sz="1200" kern="1200" dirty="0" smtClean="0">
-                <a:solidFill>
-                  <a:schemeClr val="tx1"/>
-                </a:solidFill>
-                <a:effectLst/>
-                <a:latin typeface="+mn-lt"/>
-                <a:ea typeface="+mn-ea"/>
-                <a:cs typeface="+mn-cs"/>
-              </a:rPr>
-              <a:t>)</a:t>
-            </a:r>
-          </a:p>
-          <a:p>
             <a:endParaRPr lang="fr-FR" dirty="0"/>
           </a:p>
         </p:txBody>
@@ -5040,7 +4858,7 @@
           <a:p>
             <a:fld id="{751463B9-2A29-154C-A5AC-383AEA094CA9}" type="datetime1">
               <a:rPr lang="fr-FR" smtClean="0"/>
-              <a:t>15/11/16</a:t>
+              <a:t>16/11/16</a:t>
             </a:fld>
             <a:endParaRPr lang="fr-FR" dirty="0"/>
           </a:p>
@@ -5541,7 +5359,7 @@
           <a:p>
             <a:fld id="{093F68C3-195D-9E4F-A0F2-F73993E4FFAC}" type="datetime1">
               <a:rPr lang="fr-FR" smtClean="0"/>
-              <a:t>15/11/16</a:t>
+              <a:t>16/11/16</a:t>
             </a:fld>
             <a:endParaRPr lang="fr-FR" dirty="0"/>
           </a:p>
@@ -6964,7 +6782,7 @@
           <a:p>
             <a:fld id="{797E56E4-32A0-A24B-AE7B-5E5E4DFEC148}" type="datetime1">
               <a:rPr lang="fr-FR" smtClean="0"/>
-              <a:t>15/11/16</a:t>
+              <a:t>16/11/16</a:t>
             </a:fld>
             <a:endParaRPr lang="fr-FR" dirty="0"/>
           </a:p>
@@ -7875,7 +7693,7 @@
           <a:p>
             <a:fld id="{DE9A3856-CABC-754C-812C-14B8D30E1B18}" type="datetime1">
               <a:rPr lang="fr-FR" smtClean="0"/>
-              <a:t>15/11/16</a:t>
+              <a:t>16/11/16</a:t>
             </a:fld>
             <a:endParaRPr lang="fr-FR" dirty="0"/>
           </a:p>
@@ -8527,7 +8345,7 @@
           <a:p>
             <a:fld id="{93CBED37-D7BB-174A-9FC7-56685CD6E865}" type="datetime1">
               <a:rPr lang="fr-FR" smtClean="0"/>
-              <a:t>15/11/16</a:t>
+              <a:t>16/11/16</a:t>
             </a:fld>
             <a:endParaRPr lang="fr-FR" dirty="0"/>
           </a:p>
@@ -10138,7 +9956,7 @@
           <a:p>
             <a:fld id="{4A36708A-A74F-D144-99B7-9E7373111E3F}" type="datetime1">
               <a:rPr lang="fr-FR" smtClean="0"/>
-              <a:t>15/11/16</a:t>
+              <a:t>16/11/16</a:t>
             </a:fld>
             <a:endParaRPr lang="fr-FR" dirty="0"/>
           </a:p>
@@ -11310,7 +11128,7 @@
           <a:p>
             <a:fld id="{AB52CF4D-4ED3-CD4E-AAB3-2DE1E5BFD40C}" type="datetime1">
               <a:rPr lang="fr-FR" smtClean="0"/>
-              <a:t>15/11/16</a:t>
+              <a:t>16/11/16</a:t>
             </a:fld>
             <a:endParaRPr lang="fr-FR" dirty="0"/>
           </a:p>
@@ -11401,18 +11219,30 @@
           </a:lstStyle>
           <a:p>
             <a:r>
-              <a:rPr lang="fr-FR" sz="1200" dirty="0" smtClean="0"/>
+              <a:rPr lang="fr-FR" sz="1200" dirty="0" smtClean="0">
+                <a:latin typeface="Arial"/>
+                <a:cs typeface="Arial"/>
+              </a:rPr>
               <a:t>&gt;&gt;&gt; </a:t>
             </a:r>
             <a:r>
-              <a:rPr lang="mr-IN" sz="1200" dirty="0" smtClean="0"/>
+              <a:rPr lang="mr-IN" sz="1200" dirty="0" smtClean="0">
+                <a:latin typeface="Arial"/>
+                <a:cs typeface="Arial"/>
+              </a:rPr>
               <a:t>"</a:t>
             </a:r>
             <a:r>
-              <a:rPr lang="mr-IN" sz="1200" dirty="0"/>
+              <a:rPr lang="mr-IN" sz="1200" dirty="0">
+                <a:latin typeface="Arial"/>
+                <a:cs typeface="Arial"/>
+              </a:rPr>
               <a:t>AAAA".count("AA")</a:t>
             </a:r>
-            <a:endParaRPr lang="en-US" sz="1200" dirty="0"/>
+            <a:endParaRPr lang="en-US" sz="1200" dirty="0">
+              <a:latin typeface="Arial"/>
+              <a:cs typeface="Arial"/>
+            </a:endParaRPr>
           </a:p>
         </p:txBody>
       </p:sp>
@@ -12412,7 +12242,7 @@
           <a:p>
             <a:fld id="{96FB2786-AAD5-FD45-887E-EF5E7CD549BC}" type="datetime1">
               <a:rPr lang="fr-FR" smtClean="0"/>
-              <a:t>15/11/16</a:t>
+              <a:t>16/11/16</a:t>
             </a:fld>
             <a:endParaRPr lang="fr-FR" dirty="0"/>
           </a:p>
@@ -13296,16 +13126,32 @@
             </a:r>
             <a:r>
               <a:rPr lang="en-US" dirty="0"/>
-              <a:t> object is in some ways \read-only". If you need to edit your sequence, for example simulating a point mutation, look at the Section 3.12 below which talks about the </a:t>
-            </a:r>
-            <a:r>
-              <a:rPr lang="en-US" dirty="0" err="1"/>
+              <a:t> object is in some ways \read-only". </a:t>
+            </a:r>
+            <a:endParaRPr lang="en-US" dirty="0" smtClean="0"/>
+          </a:p>
+          <a:p>
+            <a:r>
+              <a:rPr lang="en-US" dirty="0" smtClean="0"/>
+              <a:t>If </a:t>
+            </a:r>
+            <a:r>
+              <a:rPr lang="en-US" dirty="0"/>
+              <a:t>you need to edit your sequence, for example simulating a point mutation, </a:t>
+            </a:r>
+            <a:r>
+              <a:rPr lang="en-US" dirty="0" smtClean="0"/>
+              <a:t>you need to use a </a:t>
+            </a:r>
+            <a:r>
+              <a:rPr lang="en-US" dirty="0" err="1" smtClean="0"/>
               <a:t>MutableSeq</a:t>
             </a:r>
             <a:r>
-              <a:rPr lang="en-US" dirty="0"/>
-              <a:t> object.</a:t>
-            </a:r>
+              <a:rPr lang="en-US" dirty="0" smtClean="0"/>
+              <a:t> object).</a:t>
+            </a:r>
+            <a:endParaRPr lang="en-US" dirty="0"/>
           </a:p>
           <a:p>
             <a:endParaRPr lang="en-US" dirty="0"/>
@@ -13481,7 +13327,7 @@
           <a:p>
             <a:fld id="{BAF8E10C-8EC3-0445-8AC7-B6EC4208D61D}" type="datetime1">
               <a:rPr lang="fr-FR" smtClean="0"/>
-              <a:t>15/11/16</a:t>
+              <a:t>16/11/16</a:t>
             </a:fld>
             <a:endParaRPr lang="fr-FR" dirty="0"/>
           </a:p>
@@ -14793,7 +14639,7 @@
           <a:p>
             <a:fld id="{699AB616-0234-D54F-99FF-8E04F0C35AB0}" type="datetime1">
               <a:rPr lang="fr-FR" smtClean="0"/>
-              <a:t>15/11/16</a:t>
+              <a:t>16/11/16</a:t>
             </a:fld>
             <a:endParaRPr lang="fr-FR" dirty="0"/>
           </a:p>
@@ -14889,7 +14735,19 @@
             </a:r>
             <a:r>
               <a:rPr lang="mr-IN" sz="1200" dirty="0" smtClean="0"/>
-              <a:t> fasta_format_string = “</a:t>
+              <a:t> </a:t>
+            </a:r>
+            <a:r>
+              <a:rPr lang="mr-IN" sz="1200" smtClean="0"/>
+              <a:t>fasta_format_string </a:t>
+            </a:r>
+            <a:r>
+              <a:rPr lang="fr-FR" sz="1200" smtClean="0"/>
+              <a:t>=</a:t>
+            </a:r>
+            <a:r>
+              <a:rPr lang="mr-IN" sz="1200" dirty="0" smtClean="0"/>
+              <a:t>“</a:t>
             </a:r>
             <a:r>
               <a:rPr lang="fr-FR" sz="1200" dirty="0" smtClean="0"/>
@@ -15812,7 +15670,7 @@
           <a:p>
             <a:fld id="{60307B84-0F4B-7440-A630-E7011DC2BC1B}" type="datetime1">
               <a:rPr lang="fr-FR" smtClean="0"/>
-              <a:t>15/11/16</a:t>
+              <a:t>16/11/16</a:t>
             </a:fld>
             <a:endParaRPr lang="fr-FR" dirty="0"/>
           </a:p>
@@ -17086,7 +16944,7 @@
           <a:p>
             <a:fld id="{1FFBF990-51E3-ED4E-9917-247F77CC2235}" type="datetime1">
               <a:rPr lang="fr-FR" smtClean="0"/>
-              <a:t>15/11/16</a:t>
+              <a:t>16/11/16</a:t>
             </a:fld>
             <a:endParaRPr lang="fr-FR" dirty="0"/>
           </a:p>
@@ -18034,7 +17892,7 @@
           <a:p>
             <a:fld id="{879AD418-6C33-B94F-B67F-88D6EBB6E0D6}" type="datetime1">
               <a:rPr lang="fr-FR" smtClean="0"/>
-              <a:t>15/11/16</a:t>
+              <a:t>16/11/16</a:t>
             </a:fld>
             <a:endParaRPr lang="fr-FR" dirty="0"/>
           </a:p>
@@ -19307,7 +19165,7 @@
           <a:p>
             <a:fld id="{D3144878-28D7-2449-A858-242300DEEEF2}" type="datetime1">
               <a:rPr lang="fr-FR" smtClean="0"/>
-              <a:t>15/11/16</a:t>
+              <a:t>16/11/16</a:t>
             </a:fld>
             <a:endParaRPr lang="fr-FR" dirty="0"/>
           </a:p>
@@ -20221,7 +20079,7 @@
           <a:p>
             <a:fld id="{25BE81B4-6103-C545-A085-99043BCEEEB0}" type="datetime1">
               <a:rPr lang="fr-FR" smtClean="0"/>
-              <a:t>15/11/16</a:t>
+              <a:t>16/11/16</a:t>
             </a:fld>
             <a:endParaRPr lang="fr-FR" dirty="0"/>
           </a:p>
@@ -20885,7 +20743,7 @@
           <a:p>
             <a:fld id="{1C313947-E3B0-C84E-9706-2E44F61BCD95}" type="datetime1">
               <a:rPr lang="fr-FR" smtClean="0"/>
-              <a:t>15/11/16</a:t>
+              <a:t>16/11/16</a:t>
             </a:fld>
             <a:endParaRPr lang="fr-FR" dirty="0"/>
           </a:p>
@@ -21081,12 +20939,12 @@
               <a:t>template_dna </a:t>
             </a:r>
             <a:r>
-              <a:rPr lang="mr-IN" sz="1200" dirty="0"/>
-              <a:t>= </a:t>
+              <a:rPr lang="fr-FR" sz="1200" dirty="0"/>
+              <a:t>=</a:t>
             </a:r>
             <a:r>
               <a:rPr lang="mr-IN" sz="1200" dirty="0" smtClean="0"/>
-              <a:t>coding_dna.reverse_complement</a:t>
+              <a:t> coding_dna.reverse_complement</a:t>
             </a:r>
             <a:r>
               <a:rPr lang="fr-FR" sz="1200" dirty="0" smtClean="0"/>
@@ -21849,7 +21707,7 @@
           <a:p>
             <a:fld id="{D451B79B-677F-5E43-B8AA-276A40053AD2}" type="datetime1">
               <a:rPr lang="fr-FR" smtClean="0"/>
-              <a:t>15/11/16</a:t>
+              <a:t>16/11/16</a:t>
             </a:fld>
             <a:endParaRPr lang="fr-FR" dirty="0"/>
           </a:p>
@@ -22757,7 +22615,7 @@
           <a:p>
             <a:fld id="{2D279393-B109-1841-B1A2-56CECB19BBFD}" type="datetime1">
               <a:rPr lang="fr-FR" smtClean="0"/>
-              <a:t>15/11/16</a:t>
+              <a:t>16/11/16</a:t>
             </a:fld>
             <a:endParaRPr lang="fr-FR" dirty="0"/>
           </a:p>
@@ -24260,7 +24118,7 @@
           <a:p>
             <a:fld id="{DB41915D-5741-AE4A-919E-812B067D5353}" type="datetime1">
               <a:rPr lang="fr-FR" smtClean="0"/>
-              <a:t>15/11/16</a:t>
+              <a:t>16/11/16</a:t>
             </a:fld>
             <a:endParaRPr lang="fr-FR" dirty="0"/>
           </a:p>
@@ -25141,7 +24999,7 @@
           <a:p>
             <a:fld id="{1756404F-D190-1049-81CC-036776657879}" type="datetime1">
               <a:rPr lang="fr-FR" smtClean="0"/>
-              <a:t>15/11/16</a:t>
+              <a:t>16/11/16</a:t>
             </a:fld>
             <a:endParaRPr lang="fr-FR" dirty="0"/>
           </a:p>
@@ -25868,7 +25726,7 @@
           <a:p>
             <a:fld id="{9FDB5FE5-E111-8B43-907E-911C1A8B8ACA}" type="datetime1">
               <a:rPr lang="fr-FR" smtClean="0"/>
-              <a:t>15/11/16</a:t>
+              <a:t>16/11/16</a:t>
             </a:fld>
             <a:endParaRPr lang="fr-FR" dirty="0"/>
           </a:p>
@@ -26329,7 +26187,7 @@
           <a:p>
             <a:fld id="{90CA1F5A-103A-244D-8F4A-262A8624F39D}" type="datetime1">
               <a:rPr lang="fr-FR" smtClean="0"/>
-              <a:t>15/11/16</a:t>
+              <a:t>16/11/16</a:t>
             </a:fld>
             <a:endParaRPr lang="fr-FR" dirty="0"/>
           </a:p>
@@ -26895,7 +26753,7 @@
           <a:p>
             <a:fld id="{91722139-D3E7-4C40-A912-CF1D68207057}" type="datetime1">
               <a:rPr lang="fr-FR" smtClean="0"/>
-              <a:t>15/11/16</a:t>
+              <a:t>16/11/16</a:t>
             </a:fld>
             <a:endParaRPr lang="fr-FR" dirty="0"/>
           </a:p>
@@ -27533,7 +27391,7 @@
           <a:p>
             <a:fld id="{F575202B-7270-FA4F-9347-72520CA09DD1}" type="datetime1">
               <a:rPr lang="fr-FR" smtClean="0"/>
-              <a:t>15/11/16</a:t>
+              <a:t>16/11/16</a:t>
             </a:fld>
             <a:endParaRPr lang="fr-FR" dirty="0"/>
           </a:p>
@@ -28123,8 +27981,24 @@
           <a:lstStyle/>
           <a:p>
             <a:r>
+              <a:rPr lang="fr-FR" dirty="0" err="1" smtClean="0"/>
+              <a:t>What</a:t>
+            </a:r>
+            <a:r>
               <a:rPr lang="fr-FR" dirty="0" smtClean="0"/>
-              <a:t>Qu’est ce que Biopython ?</a:t>
+              <a:t> </a:t>
+            </a:r>
+            <a:r>
+              <a:rPr lang="fr-FR" dirty="0" err="1" smtClean="0"/>
+              <a:t>is</a:t>
+            </a:r>
+            <a:r>
+              <a:rPr lang="fr-FR" dirty="0" smtClean="0"/>
+              <a:t> Biopython </a:t>
+            </a:r>
+            <a:r>
+              <a:rPr lang="fr-FR" dirty="0" smtClean="0"/>
+              <a:t>?</a:t>
             </a:r>
             <a:endParaRPr lang="fr-FR" dirty="0"/>
           </a:p>
@@ -28146,153 +28020,48 @@
           <a:lstStyle/>
           <a:p>
             <a:r>
+              <a:rPr lang="en-US" dirty="0"/>
+              <a:t>The Biopython Project is an international association of developers of freely available Python (</a:t>
+            </a:r>
+            <a:r>
+              <a:rPr lang="en-US" dirty="0">
+                <a:hlinkClick r:id="rId3"/>
+              </a:rPr>
+              <a:t>http://www.python.org</a:t>
+            </a:r>
+            <a:r>
+              <a:rPr lang="en-US" dirty="0"/>
+              <a:t>) tools for computational molecular </a:t>
+            </a:r>
+            <a:r>
               <a:rPr lang="en-US" dirty="0" smtClean="0"/>
-              <a:t>Le </a:t>
-            </a:r>
-            <a:r>
-              <a:rPr lang="en-US" dirty="0" err="1" smtClean="0"/>
-              <a:t>projet</a:t>
+              <a:t>biology</a:t>
+            </a:r>
+          </a:p>
+          <a:p>
+            <a:endParaRPr lang="en-US" dirty="0" smtClean="0"/>
+          </a:p>
+          <a:p>
+            <a:r>
+              <a:rPr lang="en-US" dirty="0"/>
+              <a:t>The Biopython web site (</a:t>
+            </a:r>
+            <a:r>
+              <a:rPr lang="en-US" dirty="0">
+                <a:hlinkClick r:id="rId4"/>
+              </a:rPr>
+              <a:t>http://www.biopython.org</a:t>
+            </a:r>
+            <a:r>
+              <a:rPr lang="en-US" dirty="0"/>
+              <a:t>) provides an online resource for modules, scripts, and web links for developers of Python-based software for bioinformatics use and </a:t>
             </a:r>
             <a:r>
               <a:rPr lang="en-US" dirty="0" smtClean="0"/>
-              <a:t> Biopython </a:t>
-            </a:r>
-            <a:r>
-              <a:rPr lang="en-US" dirty="0" err="1" smtClean="0"/>
-              <a:t>est</a:t>
-            </a:r>
-            <a:r>
-              <a:rPr lang="en-US" dirty="0" smtClean="0"/>
-              <a:t> </a:t>
-            </a:r>
-            <a:r>
-              <a:rPr lang="en-US" dirty="0" err="1" smtClean="0"/>
-              <a:t>une</a:t>
-            </a:r>
-            <a:r>
-              <a:rPr lang="en-US" dirty="0" smtClean="0"/>
-              <a:t> </a:t>
-            </a:r>
-            <a:r>
-              <a:rPr lang="en-US" dirty="0" smtClean="0"/>
-              <a:t>association de </a:t>
-            </a:r>
-            <a:r>
-              <a:rPr lang="en-US" dirty="0" err="1" smtClean="0"/>
-              <a:t>dévellopeurs</a:t>
-            </a:r>
-            <a:r>
-              <a:rPr lang="en-US" dirty="0" smtClean="0"/>
-              <a:t> </a:t>
-            </a:r>
-            <a:r>
-              <a:rPr lang="en-US" dirty="0" err="1" smtClean="0"/>
-              <a:t>d’outils</a:t>
-            </a:r>
-            <a:r>
-              <a:rPr lang="en-US" dirty="0" smtClean="0"/>
-              <a:t> python </a:t>
-            </a:r>
-            <a:r>
-              <a:rPr lang="en-US" dirty="0" err="1" smtClean="0"/>
-              <a:t>disponible</a:t>
-            </a:r>
-            <a:r>
-              <a:rPr lang="en-US" dirty="0" smtClean="0"/>
-              <a:t> pour la bio-</a:t>
-            </a:r>
-            <a:r>
-              <a:rPr lang="en-US" dirty="0" err="1" smtClean="0"/>
-              <a:t>informatique</a:t>
-            </a:r>
-            <a:endParaRPr lang="en-US" dirty="0" smtClean="0"/>
-          </a:p>
-          <a:p>
-            <a:endParaRPr lang="en-US" dirty="0" smtClean="0"/>
-          </a:p>
-          <a:p>
-            <a:r>
-              <a:rPr lang="en-US" dirty="0" smtClean="0"/>
-              <a:t>Le site web (</a:t>
-            </a:r>
-            <a:r>
-              <a:rPr lang="en-US" dirty="0"/>
-              <a:t>http://</a:t>
-            </a:r>
-            <a:r>
-              <a:rPr lang="en-US" dirty="0" err="1"/>
-              <a:t>www.biopython.org</a:t>
-            </a:r>
-            <a:r>
-              <a:rPr lang="en-US" dirty="0" smtClean="0"/>
-              <a:t>) </a:t>
-            </a:r>
-            <a:r>
-              <a:rPr lang="en-US" dirty="0" err="1" smtClean="0"/>
-              <a:t>fournit</a:t>
-            </a:r>
-            <a:r>
-              <a:rPr lang="en-US" dirty="0" smtClean="0"/>
-              <a:t> des resources en </a:t>
-            </a:r>
-            <a:r>
-              <a:rPr lang="en-US" dirty="0" err="1" smtClean="0"/>
-              <a:t>ligne</a:t>
-            </a:r>
-            <a:r>
-              <a:rPr lang="en-US" dirty="0" smtClean="0"/>
-              <a:t> pour les modules, scripts et liens </a:t>
-            </a:r>
-            <a:r>
-              <a:rPr lang="en-US" dirty="0" err="1" smtClean="0"/>
-              <a:t>utiles</a:t>
-            </a:r>
-            <a:r>
-              <a:rPr lang="en-US" dirty="0" smtClean="0"/>
-              <a:t> pour les </a:t>
-            </a:r>
-            <a:r>
-              <a:rPr lang="en-US" dirty="0" err="1" smtClean="0"/>
-              <a:t>developpeurs</a:t>
-            </a:r>
-            <a:r>
-              <a:rPr lang="en-US" dirty="0" smtClean="0"/>
-              <a:t> de </a:t>
-            </a:r>
-            <a:r>
-              <a:rPr lang="en-US" dirty="0" err="1" smtClean="0"/>
-              <a:t>logiciel</a:t>
-            </a:r>
-            <a:r>
-              <a:rPr lang="en-US" dirty="0" smtClean="0"/>
-              <a:t> </a:t>
-            </a:r>
-            <a:r>
-              <a:rPr lang="en-US" dirty="0" err="1" smtClean="0"/>
-              <a:t>basés</a:t>
-            </a:r>
-            <a:r>
-              <a:rPr lang="en-US" dirty="0" smtClean="0"/>
-              <a:t> </a:t>
-            </a:r>
-            <a:r>
-              <a:rPr lang="en-US" dirty="0" err="1" smtClean="0"/>
-              <a:t>sur</a:t>
-            </a:r>
-            <a:r>
-              <a:rPr lang="en-US" dirty="0" smtClean="0"/>
-              <a:t> Python pour la </a:t>
-            </a:r>
-            <a:r>
-              <a:rPr lang="en-US" dirty="0" err="1" smtClean="0"/>
-              <a:t>bioinformatique</a:t>
-            </a:r>
-            <a:endParaRPr lang="en-US" dirty="0" smtClean="0"/>
-          </a:p>
-          <a:p>
-            <a:pPr marL="0" indent="0">
-              <a:buNone/>
-            </a:pPr>
+              <a:t>research</a:t>
+            </a:r>
+          </a:p>
+          <a:p>
             <a:endParaRPr lang="en-US" dirty="0"/>
           </a:p>
           <a:p>
@@ -28321,8 +28090,8 @@
               <a:t>modules and </a:t>
             </a:r>
             <a:r>
-              <a:rPr lang="en-US" dirty="0" err="1"/>
-              <a:t>classe</a:t>
+              <a:rPr lang="en-US" dirty="0" smtClean="0"/>
+              <a:t>classes</a:t>
             </a:r>
             <a:endParaRPr lang="en-US" dirty="0"/>
           </a:p>
@@ -28348,7 +28117,7 @@
           <a:p>
             <a:fld id="{9BBFB046-DC18-C04D-BD7C-1BA0FC9E7F71}" type="datetime1">
               <a:rPr lang="fr-FR" smtClean="0"/>
-              <a:t>15/11/16</a:t>
+              <a:t>16/11/16</a:t>
             </a:fld>
             <a:endParaRPr lang="fr-FR" dirty="0"/>
           </a:p>
@@ -28562,7 +28331,7 @@
           <a:p>
             <a:fld id="{7CB59A03-4E78-3143-BA5B-9B04A458933E}" type="datetime1">
               <a:rPr lang="fr-FR" smtClean="0"/>
-              <a:t>15/11/16</a:t>
+              <a:t>16/11/16</a:t>
             </a:fld>
             <a:endParaRPr lang="fr-FR" dirty="0"/>
           </a:p>
@@ -29846,7 +29615,7 @@
           <a:p>
             <a:fld id="{816908AA-A60E-9D4B-A089-9B6A43B56327}" type="datetime1">
               <a:rPr lang="fr-FR" smtClean="0"/>
-              <a:t>15/11/16</a:t>
+              <a:t>16/11/16</a:t>
             </a:fld>
             <a:endParaRPr lang="fr-FR" dirty="0"/>
           </a:p>
@@ -30807,7 +30576,7 @@
           <a:p>
             <a:fld id="{FA7473CA-1C1D-5047-82A9-6D3164075AEC}" type="datetime1">
               <a:rPr lang="fr-FR" smtClean="0"/>
-              <a:t>15/11/16</a:t>
+              <a:t>16/11/16</a:t>
             </a:fld>
             <a:endParaRPr lang="fr-FR" dirty="0"/>
           </a:p>
@@ -31443,7 +31212,7 @@
           <a:p>
             <a:fld id="{9881040A-37B7-1E4F-8B8D-A8349C44DD58}" type="datetime1">
               <a:rPr lang="fr-FR" smtClean="0"/>
-              <a:t>15/11/16</a:t>
+              <a:t>16/11/16</a:t>
             </a:fld>
             <a:endParaRPr lang="fr-FR" dirty="0"/>
           </a:p>
@@ -31542,8 +31311,12 @@
           <a:lstStyle/>
           <a:p>
             <a:r>
-              <a:rPr lang="fr-FR" dirty="0" smtClean="0"/>
-              <a:t>Les fonctionnalités Biopython </a:t>
+              <a:rPr lang="fr-FR" dirty="0"/>
+              <a:t>Biopython </a:t>
+            </a:r>
+            <a:r>
+              <a:rPr lang="fr-FR" dirty="0" err="1"/>
+              <a:t>functionalities</a:t>
             </a:r>
             <a:r>
               <a:rPr lang="mr-IN" dirty="0" smtClean="0"/>
@@ -31751,7 +31524,7 @@
           <a:p>
             <a:fld id="{B30A75EC-4088-B547-BDB8-649A7E021FEA}" type="datetime1">
               <a:rPr lang="fr-FR" smtClean="0"/>
-              <a:t>15/11/16</a:t>
+              <a:t>16/11/16</a:t>
             </a:fld>
             <a:endParaRPr lang="fr-FR" dirty="0"/>
           </a:p>
@@ -31850,8 +31623,12 @@
           <a:lstStyle/>
           <a:p>
             <a:r>
-              <a:rPr lang="fr-FR" dirty="0"/>
-              <a:t>Les fonctionnalités Biopython </a:t>
+              <a:rPr lang="fr-FR" dirty="0" smtClean="0"/>
+              <a:t>Biopython </a:t>
+            </a:r>
+            <a:r>
+              <a:rPr lang="fr-FR" dirty="0" err="1" smtClean="0"/>
+              <a:t>functionalities</a:t>
             </a:r>
             <a:r>
               <a:rPr lang="mr-IN" dirty="0" smtClean="0"/>
@@ -32041,7 +31818,7 @@
           <a:p>
             <a:fld id="{B78E4C01-D620-5F47-81AE-6CCE1DF3C584}" type="datetime1">
               <a:rPr lang="fr-FR" smtClean="0"/>
-              <a:t>15/11/16</a:t>
+              <a:t>16/11/16</a:t>
             </a:fld>
             <a:endParaRPr lang="fr-FR" dirty="0"/>
           </a:p>
@@ -32345,7 +32122,7 @@
           <a:p>
             <a:fld id="{CECE4330-7765-6A46-8D6E-E482C0B014EB}" type="datetime1">
               <a:rPr lang="fr-FR" smtClean="0"/>
-              <a:t>15/11/16</a:t>
+              <a:t>16/11/16</a:t>
             </a:fld>
             <a:endParaRPr lang="fr-FR" dirty="0"/>
           </a:p>
@@ -32412,7 +32189,7 @@
 </file>
 
 <file path=ppt/slides/slide7.xml><?xml version="1.0" encoding="utf-8"?>
-<p:sld xmlns:a="http://schemas.openxmlformats.org/drawingml/2006/main" xmlns:r="http://schemas.openxmlformats.org/officeDocument/2006/relationships" xmlns:p="http://schemas.openxmlformats.org/presentationml/2006/main">
+<p:sld xmlns:a="http://schemas.openxmlformats.org/drawingml/2006/main" xmlns:r="http://schemas.openxmlformats.org/officeDocument/2006/relationships" xmlns:p="http://schemas.openxmlformats.org/presentationml/2006/main" show="0">
   <p:cSld>
     <p:spTree>
       <p:nvGrpSpPr>
@@ -32568,7 +32345,7 @@
           <a:p>
             <a:fld id="{EA70A93A-7945-DF4B-9F61-E692557D4A7D}" type="datetime1">
               <a:rPr lang="fr-FR" smtClean="0"/>
-              <a:t>15/11/16</a:t>
+              <a:t>16/11/16</a:t>
             </a:fld>
             <a:endParaRPr lang="fr-FR" dirty="0"/>
           </a:p>
@@ -32691,6 +32468,14 @@
   <p:clrMapOvr>
     <a:masterClrMapping/>
   </p:clrMapOvr>
+  <mc:AlternateContent xmlns:mc="http://schemas.openxmlformats.org/markup-compatibility/2006">
+    <mc:Choice xmlns:p14="http://schemas.microsoft.com/office/powerpoint/2010/main" Requires="p14">
+      <p:transition spd="slow" p14:dur="2000"/>
+    </mc:Choice>
+    <mc:Fallback>
+      <p:transition xmlns:p14="http://schemas.microsoft.com/office/powerpoint/2010/main" spd="slow"/>
+    </mc:Fallback>
+  </mc:AlternateContent>
 </p:sld>
 </file>
 
@@ -32890,7 +32675,7 @@
           <a:p>
             <a:fld id="{CB78E28A-D2CD-F44F-A0BB-600E48514626}" type="datetime1">
               <a:rPr lang="fr-FR" smtClean="0"/>
-              <a:t>15/11/16</a:t>
+              <a:t>16/11/16</a:t>
             </a:fld>
             <a:endParaRPr lang="fr-FR" dirty="0"/>
           </a:p>
@@ -34374,7 +34159,7 @@
           <a:p>
             <a:fld id="{67C2DE1B-3D66-5E48-B45C-4460F9197AEE}" type="datetime1">
               <a:rPr lang="fr-FR" smtClean="0"/>
-              <a:t>15/11/16</a:t>
+              <a:t>16/11/16</a:t>
             </a:fld>
             <a:endParaRPr lang="fr-FR" dirty="0"/>
           </a:p>

--- a/slides/python_biopython_Seq_Object.pptx
+++ b/slides/python_biopython_Seq_Object.pptx
@@ -248,6 +248,20 @@
         </p14:section>
       </p14:sectionLst>
     </p:ext>
+    <p:ext uri="{EFAFB233-063F-42B5-8137-9DF3F51BA10A}">
+      <p15:sldGuideLst xmlns:p15="http://schemas.microsoft.com/office/powerpoint/2012/main">
+        <p15:guide id="1" orient="horz" pos="2160">
+          <p15:clr>
+            <a:srgbClr val="A4A3A4"/>
+          </p15:clr>
+        </p15:guide>
+        <p15:guide id="2" pos="2880">
+          <p15:clr>
+            <a:srgbClr val="A4A3A4"/>
+          </p15:clr>
+        </p15:guide>
+      </p15:sldGuideLst>
+    </p:ext>
   </p:extLst>
 </p:presentation>
 </file>
@@ -334,7 +348,7 @@
           <a:p>
             <a:fld id="{5EB47243-285B-2741-8C7D-C88258D9CCFA}" type="datetimeFigureOut">
               <a:rPr lang="fr-FR" smtClean="0"/>
-              <a:t>16/11/16</a:t>
+              <a:t>08/11/2018</a:t>
             </a:fld>
             <a:endParaRPr lang="fr-FR"/>
           </a:p>
@@ -400,7 +414,7 @@
           <a:p>
             <a:fld id="{C5CA9166-BC48-2C47-B9BF-6F57720E77B8}" type="slidenum">
               <a:rPr lang="fr-FR" smtClean="0"/>
-              <a:t>‹#›</a:t>
+              <a:t>‹N°›</a:t>
             </a:fld>
             <a:endParaRPr lang="fr-FR"/>
           </a:p>
@@ -500,7 +514,7 @@
           <a:p>
             <a:fld id="{7D088D39-B4EA-D24B-B9C3-6A64886EABE2}" type="datetimeFigureOut">
               <a:rPr lang="fr-FR" smtClean="0"/>
-              <a:t>16/11/16</a:t>
+              <a:t>08/11/2018</a:t>
             </a:fld>
             <a:endParaRPr lang="fr-FR"/>
           </a:p>
@@ -564,38 +578,37 @@
           <a:p>
             <a:pPr lvl="0"/>
             <a:r>
-              <a:rPr lang="fr-FR" smtClean="0"/>
+              <a:rPr lang="fr-FR"/>
               <a:t>Cliquez pour modifier les styles du texte du masque</a:t>
             </a:r>
           </a:p>
           <a:p>
             <a:pPr lvl="1"/>
             <a:r>
-              <a:rPr lang="fr-FR" smtClean="0"/>
+              <a:rPr lang="fr-FR"/>
               <a:t>Deuxième niveau</a:t>
             </a:r>
           </a:p>
           <a:p>
             <a:pPr lvl="2"/>
             <a:r>
-              <a:rPr lang="fr-FR" smtClean="0"/>
+              <a:rPr lang="fr-FR"/>
               <a:t>Troisième niveau</a:t>
             </a:r>
           </a:p>
           <a:p>
             <a:pPr lvl="3"/>
             <a:r>
-              <a:rPr lang="fr-FR" smtClean="0"/>
+              <a:rPr lang="fr-FR"/>
               <a:t>Quatrième niveau</a:t>
             </a:r>
           </a:p>
           <a:p>
             <a:pPr lvl="4"/>
             <a:r>
-              <a:rPr lang="fr-FR" smtClean="0"/>
+              <a:rPr lang="fr-FR"/>
               <a:t>Cinquième niveau</a:t>
             </a:r>
-            <a:endParaRPr lang="fr-FR"/>
           </a:p>
         </p:txBody>
       </p:sp>
@@ -659,7 +672,7 @@
           <a:p>
             <a:fld id="{1C0E2CBA-6097-B848-A7DA-4D7BD6EB303B}" type="slidenum">
               <a:rPr lang="fr-FR" smtClean="0"/>
-              <a:t>‹#›</a:t>
+              <a:t>‹N°›</a:t>
             </a:fld>
             <a:endParaRPr lang="fr-FR"/>
           </a:p>
@@ -814,26 +827,26 @@
           <a:lstStyle/>
           <a:p>
             <a:r>
-              <a:rPr lang="fr-FR" dirty="0" smtClean="0"/>
+              <a:rPr lang="fr-FR" dirty="0"/>
               <a:t>Cpte élève:</a:t>
             </a:r>
             <a:r>
-              <a:rPr lang="fr-FR" baseline="0" dirty="0" smtClean="0"/>
+              <a:rPr lang="fr-FR" baseline="0" dirty="0"/>
               <a:t> </a:t>
             </a:r>
             <a:r>
-              <a:rPr lang="fr-FR" baseline="0" dirty="0" err="1" smtClean="0"/>
+              <a:rPr lang="fr-FR" baseline="0" dirty="0" err="1"/>
               <a:t>padawan</a:t>
             </a:r>
-            <a:endParaRPr lang="fr-FR" dirty="0" smtClean="0"/>
-          </a:p>
-          <a:p>
-            <a:r>
-              <a:rPr lang="fr-FR" dirty="0" smtClean="0"/>
+            <a:endParaRPr lang="fr-FR" dirty="0"/>
+          </a:p>
+          <a:p>
+            <a:r>
+              <a:rPr lang="fr-FR" dirty="0"/>
               <a:t>Mot de passe:</a:t>
             </a:r>
             <a:r>
-              <a:rPr lang="fr-FR" baseline="0" dirty="0" smtClean="0"/>
+              <a:rPr lang="fr-FR" baseline="0" dirty="0"/>
               <a:t> trust</a:t>
             </a:r>
             <a:endParaRPr lang="fr-FR" dirty="0"/>
@@ -921,7 +934,7 @@
           <a:lstStyle/>
           <a:p>
             <a:r>
-              <a:rPr lang="mr-IN" sz="1200" kern="1200" dirty="0" smtClean="0">
+              <a:rPr lang="mr-IN" sz="1200" kern="1200" dirty="0">
                 <a:solidFill>
                   <a:schemeClr val="tx1"/>
                 </a:solidFill>
@@ -935,7 +948,7 @@
           </a:p>
           <a:p>
             <a:r>
-              <a:rPr lang="mr-IN" sz="1200" kern="1200" dirty="0" smtClean="0">
+              <a:rPr lang="mr-IN" sz="1200" kern="1200" dirty="0">
                 <a:solidFill>
                   <a:schemeClr val="tx1"/>
                 </a:solidFill>
@@ -946,15 +959,6 @@
               </a:rPr>
               <a:t>Seq('acgt', DNAAlphabet())</a:t>
             </a:r>
-            <a:endParaRPr lang="mr-IN" sz="1200" kern="1200" dirty="0">
-              <a:solidFill>
-                <a:schemeClr val="tx1"/>
-              </a:solidFill>
-              <a:effectLst/>
-              <a:latin typeface="Arial"/>
-              <a:ea typeface="+mn-ea"/>
-              <a:cs typeface="Arial"/>
-            </a:endParaRPr>
           </a:p>
         </p:txBody>
       </p:sp>
@@ -1207,7 +1211,7 @@
           <a:lstStyle/>
           <a:p>
             <a:r>
-              <a:rPr lang="pt-BR" sz="1200" kern="1200" dirty="0" err="1" smtClean="0">
+              <a:rPr lang="pt-BR" sz="1200" kern="1200" dirty="0" err="1">
                 <a:solidFill>
                   <a:schemeClr val="tx1"/>
                 </a:solidFill>
@@ -1219,7 +1223,7 @@
               <a:t>Seq</a:t>
             </a:r>
             <a:r>
-              <a:rPr lang="pt-BR" sz="1200" kern="1200" dirty="0" smtClean="0">
+              <a:rPr lang="pt-BR" sz="1200" kern="1200" dirty="0">
                 <a:solidFill>
                   <a:schemeClr val="tx1"/>
                 </a:solidFill>
@@ -1231,7 +1235,7 @@
               <a:t>(‘CTATCGGGCACCCTTTCAGCGGCCCATTACAATGGCCAT’, </a:t>
             </a:r>
             <a:r>
-              <a:rPr lang="pt-BR" sz="1200" kern="1200" dirty="0" err="1" smtClean="0">
+              <a:rPr lang="pt-BR" sz="1200" kern="1200" dirty="0" err="1">
                 <a:solidFill>
                   <a:schemeClr val="tx1"/>
                 </a:solidFill>
@@ -1243,7 +1247,7 @@
               <a:t>IUPACUnambiguousDNA</a:t>
             </a:r>
             <a:r>
-              <a:rPr lang="pt-BR" sz="1200" kern="1200" dirty="0" smtClean="0">
+              <a:rPr lang="pt-BR" sz="1200" kern="1200" dirty="0">
                 <a:solidFill>
                   <a:schemeClr val="tx1"/>
                 </a:solidFill>
@@ -1341,7 +1345,7 @@
           <a:lstStyle/>
           <a:p>
             <a:r>
-              <a:rPr lang="en-US" sz="1200" kern="1200" dirty="0" smtClean="0">
+              <a:rPr lang="en-US" sz="1200" kern="1200" dirty="0">
                 <a:solidFill>
                   <a:schemeClr val="tx1"/>
                 </a:solidFill>
@@ -1353,7 +1357,7 @@
               <a:t>&gt;&gt;&gt; from </a:t>
             </a:r>
             <a:r>
-              <a:rPr lang="en-US" sz="1200" kern="1200" dirty="0" err="1" smtClean="0">
+              <a:rPr lang="en-US" sz="1200" kern="1200" dirty="0" err="1">
                 <a:solidFill>
                   <a:schemeClr val="tx1"/>
                 </a:solidFill>
@@ -1365,7 +1369,7 @@
               <a:t>Bio.Seq</a:t>
             </a:r>
             <a:r>
-              <a:rPr lang="en-US" sz="1200" kern="1200" dirty="0" smtClean="0">
+              <a:rPr lang="en-US" sz="1200" kern="1200" dirty="0">
                 <a:solidFill>
                   <a:schemeClr val="tx1"/>
                 </a:solidFill>
@@ -1377,7 +1381,7 @@
               <a:t> import </a:t>
             </a:r>
             <a:r>
-              <a:rPr lang="en-US" sz="1200" kern="1200" dirty="0" err="1" smtClean="0">
+              <a:rPr lang="en-US" sz="1200" kern="1200" dirty="0" err="1">
                 <a:solidFill>
                   <a:schemeClr val="tx1"/>
                 </a:solidFill>
@@ -1388,7 +1392,7 @@
               </a:rPr>
               <a:t>Seq</a:t>
             </a:r>
-            <a:endParaRPr lang="en-US" sz="1200" kern="1200" dirty="0" smtClean="0">
+            <a:endParaRPr lang="en-US" sz="1200" kern="1200" dirty="0">
               <a:solidFill>
                 <a:schemeClr val="tx1"/>
               </a:solidFill>
@@ -1400,7 +1404,7 @@
           </a:p>
           <a:p>
             <a:r>
-              <a:rPr lang="en-US" sz="1200" kern="1200" dirty="0" smtClean="0">
+              <a:rPr lang="en-US" sz="1200" kern="1200" dirty="0">
                 <a:solidFill>
                   <a:schemeClr val="tx1"/>
                 </a:solidFill>
@@ -1412,7 +1416,7 @@
               <a:t>&gt;&gt;&gt; from </a:t>
             </a:r>
             <a:r>
-              <a:rPr lang="en-US" sz="1200" kern="1200" dirty="0" err="1" smtClean="0">
+              <a:rPr lang="en-US" sz="1200" kern="1200" dirty="0" err="1">
                 <a:solidFill>
                   <a:schemeClr val="tx1"/>
                 </a:solidFill>
@@ -1424,7 +1428,7 @@
               <a:t>Bio.Alphabet</a:t>
             </a:r>
             <a:r>
-              <a:rPr lang="en-US" sz="1200" kern="1200" dirty="0" smtClean="0">
+              <a:rPr lang="en-US" sz="1200" kern="1200" dirty="0">
                 <a:solidFill>
                   <a:schemeClr val="tx1"/>
                 </a:solidFill>
@@ -1438,7 +1442,7 @@
           </a:p>
           <a:p>
             <a:r>
-              <a:rPr lang="en-US" sz="1200" kern="1200" dirty="0" smtClean="0">
+              <a:rPr lang="en-US" sz="1200" kern="1200" dirty="0">
                 <a:solidFill>
                   <a:schemeClr val="tx1"/>
                 </a:solidFill>
@@ -1450,7 +1454,7 @@
               <a:t>&gt;&gt;&gt; </a:t>
             </a:r>
             <a:r>
-              <a:rPr lang="en-US" sz="1200" kern="1200" dirty="0" err="1" smtClean="0">
+              <a:rPr lang="en-US" sz="1200" kern="1200" dirty="0" err="1">
                 <a:solidFill>
                   <a:schemeClr val="tx1"/>
                 </a:solidFill>
@@ -1462,7 +1466,7 @@
               <a:t>messenger_rna</a:t>
             </a:r>
             <a:r>
-              <a:rPr lang="en-US" sz="1200" kern="1200" dirty="0" smtClean="0">
+              <a:rPr lang="en-US" sz="1200" kern="1200" dirty="0">
                 <a:solidFill>
                   <a:schemeClr val="tx1"/>
                 </a:solidFill>
@@ -1474,7 +1478,7 @@
               <a:t> = </a:t>
             </a:r>
             <a:r>
-              <a:rPr lang="en-US" sz="1200" kern="1200" dirty="0" err="1" smtClean="0">
+              <a:rPr lang="en-US" sz="1200" kern="1200" dirty="0" err="1">
                 <a:solidFill>
                   <a:schemeClr val="tx1"/>
                 </a:solidFill>
@@ -1486,7 +1490,7 @@
               <a:t>Seq</a:t>
             </a:r>
             <a:r>
-              <a:rPr lang="en-US" sz="1200" kern="1200" dirty="0" smtClean="0">
+              <a:rPr lang="en-US" sz="1200" kern="1200" dirty="0">
                 <a:solidFill>
                   <a:schemeClr val="tx1"/>
                 </a:solidFill>
@@ -1498,7 +1502,7 @@
               <a:t>("AUGGCCAUUGUAAUGGGCCGCUGAAAGGGUGCCCGAUAG", </a:t>
             </a:r>
             <a:r>
-              <a:rPr lang="en-US" sz="1200" kern="1200" dirty="0" err="1" smtClean="0">
+              <a:rPr lang="en-US" sz="1200" kern="1200" dirty="0" err="1">
                 <a:solidFill>
                   <a:schemeClr val="tx1"/>
                 </a:solidFill>
@@ -1510,7 +1514,7 @@
               <a:t>IUPAC.unambiguous_rna</a:t>
             </a:r>
             <a:r>
-              <a:rPr lang="en-US" sz="1200" kern="1200" dirty="0" smtClean="0">
+              <a:rPr lang="en-US" sz="1200" kern="1200" dirty="0">
                 <a:solidFill>
                   <a:schemeClr val="tx1"/>
                 </a:solidFill>
@@ -1524,7 +1528,7 @@
           </a:p>
           <a:p>
             <a:r>
-              <a:rPr lang="en-US" sz="1200" kern="1200" dirty="0" smtClean="0">
+              <a:rPr lang="en-US" sz="1200" kern="1200" dirty="0">
                 <a:solidFill>
                   <a:schemeClr val="tx1"/>
                 </a:solidFill>
@@ -1536,7 +1540,7 @@
               <a:t>&gt;&gt;&gt; </a:t>
             </a:r>
             <a:r>
-              <a:rPr lang="en-US" sz="1200" kern="1200" dirty="0" err="1" smtClean="0">
+              <a:rPr lang="en-US" sz="1200" kern="1200" dirty="0" err="1">
                 <a:solidFill>
                   <a:schemeClr val="tx1"/>
                 </a:solidFill>
@@ -1657,7 +1661,7 @@
               <a:defRPr/>
             </a:pPr>
             <a:r>
-              <a:rPr lang="en-US" sz="1200" kern="1200" dirty="0" smtClean="0">
+              <a:rPr lang="en-US" sz="1200" kern="1200" dirty="0">
                 <a:solidFill>
                   <a:schemeClr val="tx1"/>
                 </a:solidFill>
@@ -1755,7 +1759,7 @@
           <a:lstStyle/>
           <a:p>
             <a:r>
-              <a:rPr lang="en-US" sz="1200" kern="1200" dirty="0" smtClean="0">
+              <a:rPr lang="en-US" sz="1200" kern="1200" dirty="0">
                 <a:solidFill>
                   <a:schemeClr val="tx1"/>
                 </a:solidFill>
@@ -1767,7 +1771,7 @@
               <a:t>translate the nucleotides up to the </a:t>
             </a:r>
             <a:r>
-              <a:rPr lang="en-US" sz="1200" kern="1200" dirty="0" err="1" smtClean="0">
+              <a:rPr lang="en-US" sz="1200" kern="1200" dirty="0" err="1">
                 <a:solidFill>
                   <a:schemeClr val="tx1"/>
                 </a:solidFill>
@@ -1779,7 +1783,7 @@
               <a:t>rst</a:t>
             </a:r>
             <a:r>
-              <a:rPr lang="en-US" sz="1200" kern="1200" dirty="0" smtClean="0">
+              <a:rPr lang="en-US" sz="1200" kern="1200" dirty="0">
                 <a:solidFill>
                   <a:schemeClr val="tx1"/>
                 </a:solidFill>
@@ -1791,7 +1795,7 @@
               <a:t> in frame stop codon, and then stop (as</a:t>
             </a:r>
             <a:r>
-              <a:rPr lang="en-US" sz="1200" kern="1200" baseline="0" dirty="0" smtClean="0">
+              <a:rPr lang="en-US" sz="1200" kern="1200" baseline="0" dirty="0">
                 <a:solidFill>
                   <a:schemeClr val="tx1"/>
                 </a:solidFill>
@@ -1803,7 +1807,7 @@
               <a:t> </a:t>
             </a:r>
             <a:r>
-              <a:rPr lang="en-US" sz="1200" kern="1200" dirty="0" smtClean="0">
+              <a:rPr lang="en-US" sz="1200" kern="1200" dirty="0">
                 <a:solidFill>
                   <a:schemeClr val="tx1"/>
                 </a:solidFill>
@@ -1814,15 +1818,6 @@
               </a:rPr>
               <a:t>happens in nature)</a:t>
             </a:r>
-            <a:endParaRPr lang="en-US" sz="1200" kern="1200" dirty="0">
-              <a:solidFill>
-                <a:schemeClr val="tx1"/>
-              </a:solidFill>
-              <a:effectLst/>
-              <a:latin typeface="+mn-lt"/>
-              <a:ea typeface="+mn-ea"/>
-              <a:cs typeface="+mn-cs"/>
-            </a:endParaRPr>
           </a:p>
         </p:txBody>
       </p:sp>
@@ -1907,7 +1902,7 @@
           <a:lstStyle/>
           <a:p>
             <a:r>
-              <a:rPr lang="en-US" sz="1200" kern="1200" dirty="0" smtClean="0">
+              <a:rPr lang="en-US" sz="1200" kern="1200" dirty="0">
                 <a:solidFill>
                   <a:schemeClr val="tx1"/>
                 </a:solidFill>
@@ -1919,7 +1914,7 @@
               <a:t>This happens a lot in</a:t>
             </a:r>
             <a:r>
-              <a:rPr lang="en-US" sz="1200" kern="1200" baseline="0" dirty="0" smtClean="0">
+              <a:rPr lang="en-US" sz="1200" kern="1200" baseline="0" dirty="0">
                 <a:solidFill>
                   <a:schemeClr val="tx1"/>
                 </a:solidFill>
@@ -1931,7 +1926,7 @@
               <a:t> </a:t>
             </a:r>
             <a:r>
-              <a:rPr lang="en-US" sz="1200" kern="1200" dirty="0" smtClean="0">
+              <a:rPr lang="en-US" sz="1200" kern="1200" dirty="0">
                 <a:solidFill>
                   <a:schemeClr val="tx1"/>
                 </a:solidFill>
@@ -1943,7 +1938,7 @@
               <a:t>bacteria,</a:t>
             </a:r>
             <a:r>
-              <a:rPr lang="en-US" sz="1200" kern="1200" baseline="0" dirty="0" smtClean="0">
+              <a:rPr lang="en-US" sz="1200" kern="1200" baseline="0" dirty="0">
                 <a:solidFill>
                   <a:schemeClr val="tx1"/>
                 </a:solidFill>
@@ -1955,7 +1950,7 @@
               <a:t> </a:t>
             </a:r>
             <a:r>
-              <a:rPr lang="en-US" sz="1200" kern="1200" dirty="0" smtClean="0">
+              <a:rPr lang="en-US" sz="1200" kern="1200" dirty="0">
                 <a:solidFill>
                   <a:schemeClr val="tx1"/>
                 </a:solidFill>
@@ -1967,7 +1962,7 @@
               <a:t>for example, the gene </a:t>
             </a:r>
             <a:r>
-              <a:rPr lang="en-US" sz="1200" kern="1200" dirty="0" err="1" smtClean="0">
+              <a:rPr lang="en-US" sz="1200" kern="1200" dirty="0" err="1">
                 <a:solidFill>
                   <a:schemeClr val="tx1"/>
                 </a:solidFill>
@@ -1979,7 +1974,7 @@
               <a:t>yaaX</a:t>
             </a:r>
             <a:r>
-              <a:rPr lang="en-US" sz="1200" kern="1200" dirty="0" smtClean="0">
+              <a:rPr lang="en-US" sz="1200" kern="1200" dirty="0">
                 <a:solidFill>
                   <a:schemeClr val="tx1"/>
                 </a:solidFill>
@@ -1991,7 +1986,7 @@
               <a:t> in</a:t>
             </a:r>
             <a:r>
-              <a:rPr lang="en-US" sz="1200" kern="1200" baseline="0" dirty="0" smtClean="0">
+              <a:rPr lang="en-US" sz="1200" kern="1200" baseline="0" dirty="0">
                 <a:solidFill>
                   <a:schemeClr val="tx1"/>
                 </a:solidFill>
@@ -2003,7 +1998,7 @@
               <a:t> </a:t>
             </a:r>
             <a:r>
-              <a:rPr lang="en-US" sz="1200" kern="1200" dirty="0" smtClean="0">
+              <a:rPr lang="en-US" sz="1200" kern="1200" dirty="0">
                 <a:solidFill>
                   <a:schemeClr val="tx1"/>
                 </a:solidFill>
@@ -2015,7 +2010,7 @@
               <a:t>E. coli</a:t>
             </a:r>
             <a:r>
-              <a:rPr lang="en-US" sz="1200" kern="1200" baseline="0" dirty="0" smtClean="0">
+              <a:rPr lang="en-US" sz="1200" kern="1200" baseline="0" dirty="0">
                 <a:solidFill>
                   <a:schemeClr val="tx1"/>
                 </a:solidFill>
@@ -2027,7 +2022,7 @@
               <a:t> </a:t>
             </a:r>
             <a:r>
-              <a:rPr lang="en-US" sz="1200" kern="1200" dirty="0" smtClean="0">
+              <a:rPr lang="en-US" sz="1200" kern="1200" dirty="0">
                 <a:solidFill>
                   <a:schemeClr val="tx1"/>
                 </a:solidFill>
@@ -2125,7 +2120,7 @@
           <a:lstStyle/>
           <a:p>
             <a:r>
-              <a:rPr lang="de-DE" sz="1200" kern="1200" dirty="0" smtClean="0">
+              <a:rPr lang="de-DE" sz="1200" kern="1200" dirty="0">
                 <a:solidFill>
                   <a:schemeClr val="tx1"/>
                 </a:solidFill>
@@ -2137,7 +2132,7 @@
             </a:r>
           </a:p>
           <a:p>
-            <a:endParaRPr lang="fr-FR" sz="1200" kern="1200" dirty="0" smtClean="0">
+            <a:endParaRPr lang="fr-FR" sz="1200" kern="1200" dirty="0">
               <a:solidFill>
                 <a:schemeClr val="tx1"/>
               </a:solidFill>
@@ -2148,7 +2143,7 @@
           </a:p>
           <a:p>
             <a:r>
-              <a:rPr lang="de-DE" sz="1200" kern="1200" dirty="0" smtClean="0">
+              <a:rPr lang="de-DE" sz="1200" kern="1200" dirty="0">
                 <a:solidFill>
                   <a:schemeClr val="tx1"/>
                 </a:solidFill>
@@ -2161,7 +2156,7 @@
           </a:p>
           <a:p>
             <a:r>
-              <a:rPr lang="mr-IN" sz="1200" kern="1200" dirty="0" smtClean="0">
+              <a:rPr lang="mr-IN" sz="1200" kern="1200" dirty="0">
                 <a:solidFill>
                   <a:schemeClr val="tx1"/>
                 </a:solidFill>
@@ -2174,7 +2169,7 @@
           </a:p>
           <a:p>
             <a:r>
-              <a:rPr lang="hr-HR" sz="1200" kern="1200" dirty="0" smtClean="0">
+              <a:rPr lang="hr-HR" sz="1200" kern="1200" dirty="0">
                 <a:solidFill>
                   <a:schemeClr val="tx1"/>
                 </a:solidFill>
@@ -2187,7 +2182,7 @@
           </a:p>
           <a:p>
             <a:r>
-              <a:rPr lang="hr-HR" sz="1200" kern="1200" dirty="0" smtClean="0">
+              <a:rPr lang="hr-HR" sz="1200" kern="1200" dirty="0">
                 <a:solidFill>
                   <a:schemeClr val="tx1"/>
                 </a:solidFill>
@@ -2200,7 +2195,7 @@
           </a:p>
           <a:p>
             <a:r>
-              <a:rPr lang="hr-HR" sz="1200" kern="1200" dirty="0" smtClean="0">
+              <a:rPr lang="hr-HR" sz="1200" kern="1200" dirty="0">
                 <a:solidFill>
                   <a:schemeClr val="tx1"/>
                 </a:solidFill>
@@ -2213,7 +2208,7 @@
           </a:p>
           <a:p>
             <a:r>
-              <a:rPr lang="hr-HR" sz="1200" kern="1200" dirty="0" smtClean="0">
+              <a:rPr lang="hr-HR" sz="1200" kern="1200" dirty="0">
                 <a:solidFill>
                   <a:schemeClr val="tx1"/>
                 </a:solidFill>
@@ -2226,7 +2221,7 @@
           </a:p>
           <a:p>
             <a:r>
-              <a:rPr lang="mr-IN" sz="1200" kern="1200" dirty="0" smtClean="0">
+              <a:rPr lang="mr-IN" sz="1200" kern="1200" dirty="0">
                 <a:solidFill>
                   <a:schemeClr val="tx1"/>
                 </a:solidFill>
@@ -2239,7 +2234,7 @@
           </a:p>
           <a:p>
             <a:r>
-              <a:rPr lang="hr-HR" sz="1200" kern="1200" dirty="0" smtClean="0">
+              <a:rPr lang="hr-HR" sz="1200" kern="1200" dirty="0">
                 <a:solidFill>
                   <a:schemeClr val="tx1"/>
                 </a:solidFill>
@@ -2252,7 +2247,7 @@
           </a:p>
           <a:p>
             <a:r>
-              <a:rPr lang="hr-HR" sz="1200" kern="1200" dirty="0" smtClean="0">
+              <a:rPr lang="hr-HR" sz="1200" kern="1200" dirty="0">
                 <a:solidFill>
                   <a:schemeClr val="tx1"/>
                 </a:solidFill>
@@ -2265,7 +2260,7 @@
           </a:p>
           <a:p>
             <a:r>
-              <a:rPr lang="hr-HR" sz="1200" kern="1200" dirty="0" smtClean="0">
+              <a:rPr lang="hr-HR" sz="1200" kern="1200" dirty="0">
                 <a:solidFill>
                   <a:schemeClr val="tx1"/>
                 </a:solidFill>
@@ -2278,7 +2273,7 @@
           </a:p>
           <a:p>
             <a:r>
-              <a:rPr lang="hr-HR" sz="1200" kern="1200" dirty="0" smtClean="0">
+              <a:rPr lang="hr-HR" sz="1200" kern="1200" dirty="0">
                 <a:solidFill>
                   <a:schemeClr val="tx1"/>
                 </a:solidFill>
@@ -2291,7 +2286,7 @@
           </a:p>
           <a:p>
             <a:r>
-              <a:rPr lang="mr-IN" sz="1200" kern="1200" dirty="0" smtClean="0">
+              <a:rPr lang="mr-IN" sz="1200" kern="1200" dirty="0">
                 <a:solidFill>
                   <a:schemeClr val="tx1"/>
                 </a:solidFill>
@@ -2304,7 +2299,7 @@
           </a:p>
           <a:p>
             <a:r>
-              <a:rPr lang="hr-HR" sz="1200" kern="1200" dirty="0" smtClean="0">
+              <a:rPr lang="hr-HR" sz="1200" kern="1200" dirty="0">
                 <a:solidFill>
                   <a:schemeClr val="tx1"/>
                 </a:solidFill>
@@ -2317,7 +2312,7 @@
           </a:p>
           <a:p>
             <a:r>
-              <a:rPr lang="hr-HR" sz="1200" kern="1200" dirty="0" smtClean="0">
+              <a:rPr lang="hr-HR" sz="1200" kern="1200" dirty="0">
                 <a:solidFill>
                   <a:schemeClr val="tx1"/>
                 </a:solidFill>
@@ -2330,7 +2325,7 @@
           </a:p>
           <a:p>
             <a:r>
-              <a:rPr lang="hr-HR" sz="1200" kern="1200" dirty="0" smtClean="0">
+              <a:rPr lang="hr-HR" sz="1200" kern="1200" dirty="0">
                 <a:solidFill>
                   <a:schemeClr val="tx1"/>
                 </a:solidFill>
@@ -2343,7 +2338,7 @@
           </a:p>
           <a:p>
             <a:r>
-              <a:rPr lang="hr-HR" sz="1200" kern="1200" dirty="0" smtClean="0">
+              <a:rPr lang="hr-HR" sz="1200" kern="1200" dirty="0">
                 <a:solidFill>
                   <a:schemeClr val="tx1"/>
                 </a:solidFill>
@@ -2356,7 +2351,7 @@
           </a:p>
           <a:p>
             <a:r>
-              <a:rPr lang="mr-IN" sz="1200" kern="1200" dirty="0" smtClean="0">
+              <a:rPr lang="mr-IN" sz="1200" kern="1200" dirty="0">
                 <a:solidFill>
                   <a:schemeClr val="tx1"/>
                 </a:solidFill>
@@ -2369,7 +2364,7 @@
           </a:p>
           <a:p>
             <a:r>
-              <a:rPr lang="hr-HR" sz="1200" kern="1200" dirty="0" smtClean="0">
+              <a:rPr lang="hr-HR" sz="1200" kern="1200" dirty="0">
                 <a:solidFill>
                   <a:schemeClr val="tx1"/>
                 </a:solidFill>
@@ -2382,7 +2377,7 @@
           </a:p>
           <a:p>
             <a:r>
-              <a:rPr lang="hr-HR" sz="1200" kern="1200" dirty="0" smtClean="0">
+              <a:rPr lang="hr-HR" sz="1200" kern="1200" dirty="0">
                 <a:solidFill>
                   <a:schemeClr val="tx1"/>
                 </a:solidFill>
@@ -2395,7 +2390,7 @@
           </a:p>
           <a:p>
             <a:r>
-              <a:rPr lang="hr-HR" sz="1200" kern="1200" dirty="0" smtClean="0">
+              <a:rPr lang="hr-HR" sz="1200" kern="1200" dirty="0">
                 <a:solidFill>
                   <a:schemeClr val="tx1"/>
                 </a:solidFill>
@@ -2408,7 +2403,7 @@
           </a:p>
           <a:p>
             <a:r>
-              <a:rPr lang="hr-HR" sz="1200" kern="1200" dirty="0" smtClean="0">
+              <a:rPr lang="hr-HR" sz="1200" kern="1200" dirty="0">
                 <a:solidFill>
                   <a:schemeClr val="tx1"/>
                 </a:solidFill>
@@ -2421,7 +2416,7 @@
           </a:p>
           <a:p>
             <a:r>
-              <a:rPr lang="mr-IN" sz="1200" kern="1200" dirty="0" smtClean="0">
+              <a:rPr lang="mr-IN" sz="1200" kern="1200" dirty="0">
                 <a:solidFill>
                   <a:schemeClr val="tx1"/>
                 </a:solidFill>
@@ -2516,7 +2511,7 @@
           <a:lstStyle/>
           <a:p>
             <a:r>
-              <a:rPr lang="mr-IN" sz="1200" kern="1200" dirty="0" smtClean="0">
+              <a:rPr lang="mr-IN" sz="1200" kern="1200" dirty="0">
                 <a:solidFill>
                   <a:schemeClr val="tx1"/>
                 </a:solidFill>
@@ -2530,7 +2525,7 @@
           </a:p>
           <a:p>
             <a:r>
-              <a:rPr lang="mr-IN" sz="1200" kern="1200" dirty="0" smtClean="0">
+              <a:rPr lang="mr-IN" sz="1200" kern="1200" dirty="0">
                 <a:solidFill>
                   <a:schemeClr val="tx1"/>
                 </a:solidFill>
@@ -2544,7 +2539,7 @@
           </a:p>
           <a:p>
             <a:r>
-              <a:rPr lang="mr-IN" sz="1200" kern="1200" dirty="0" smtClean="0">
+              <a:rPr lang="mr-IN" sz="1200" kern="1200" dirty="0">
                 <a:solidFill>
                   <a:schemeClr val="tx1"/>
                 </a:solidFill>
@@ -2558,7 +2553,7 @@
           </a:p>
           <a:p>
             <a:r>
-              <a:rPr lang="mr-IN" sz="1200" kern="1200" dirty="0" smtClean="0">
+              <a:rPr lang="mr-IN" sz="1200" kern="1200" dirty="0">
                 <a:solidFill>
                   <a:schemeClr val="tx1"/>
                 </a:solidFill>
@@ -2572,7 +2567,7 @@
           </a:p>
           <a:p>
             <a:r>
-              <a:rPr lang="mr-IN" sz="1200" kern="1200" dirty="0" smtClean="0">
+              <a:rPr lang="mr-IN" sz="1200" kern="1200" dirty="0">
                 <a:solidFill>
                   <a:schemeClr val="tx1"/>
                 </a:solidFill>
@@ -2586,7 +2581,7 @@
           </a:p>
           <a:p>
             <a:r>
-              <a:rPr lang="mr-IN" sz="1200" kern="1200" dirty="0" smtClean="0">
+              <a:rPr lang="mr-IN" sz="1200" kern="1200" dirty="0">
                 <a:solidFill>
                   <a:schemeClr val="tx1"/>
                 </a:solidFill>
@@ -2768,7 +2763,7 @@
           <a:lstStyle/>
           <a:p>
             <a:r>
-              <a:rPr lang="mr-IN" sz="1200" kern="1200" dirty="0" smtClean="0">
+              <a:rPr lang="mr-IN" sz="1200" kern="1200" dirty="0">
                 <a:solidFill>
                   <a:schemeClr val="tx1"/>
                 </a:solidFill>
@@ -2782,7 +2777,7 @@
           </a:p>
           <a:p>
             <a:r>
-              <a:rPr lang="mr-IN" sz="1200" kern="1200" dirty="0" smtClean="0">
+              <a:rPr lang="mr-IN" sz="1200" kern="1200" dirty="0">
                 <a:solidFill>
                   <a:schemeClr val="tx1"/>
                 </a:solidFill>
@@ -2796,7 +2791,7 @@
           </a:p>
           <a:p>
             <a:r>
-              <a:rPr lang="mr-IN" sz="1200" kern="1200" dirty="0" smtClean="0">
+              <a:rPr lang="mr-IN" sz="1200" kern="1200" dirty="0">
                 <a:solidFill>
                   <a:schemeClr val="tx1"/>
                 </a:solidFill>
@@ -2810,7 +2805,7 @@
           </a:p>
           <a:p>
             <a:r>
-              <a:rPr lang="mr-IN" sz="1200" kern="1200" dirty="0" smtClean="0">
+              <a:rPr lang="mr-IN" sz="1200" kern="1200" dirty="0">
                 <a:solidFill>
                   <a:schemeClr val="tx1"/>
                 </a:solidFill>
@@ -2925,7 +2920,7 @@
               <a:defRPr/>
             </a:pPr>
             <a:r>
-              <a:rPr lang="en-US" sz="1200" kern="1200" dirty="0" smtClean="0">
+              <a:rPr lang="en-US" sz="1200" kern="1200" dirty="0">
                 <a:solidFill>
                   <a:schemeClr val="tx1"/>
                 </a:solidFill>
@@ -2936,56 +2931,56 @@
               </a:rPr>
               <a:t>Observe what happens if you try to edit the sequence:</a:t>
             </a:r>
-            <a:endParaRPr lang="en-US" sz="1200" dirty="0" smtClean="0">
+            <a:endParaRPr lang="en-US" sz="1200" dirty="0">
               <a:latin typeface="Arial"/>
               <a:cs typeface="Arial"/>
             </a:endParaRPr>
           </a:p>
           <a:p>
             <a:r>
-              <a:rPr lang="en-US" sz="1200" dirty="0" smtClean="0">
+              <a:rPr lang="en-US" sz="1200" dirty="0">
                 <a:latin typeface="Arial"/>
                 <a:cs typeface="Arial"/>
               </a:rPr>
               <a:t>However, you can convert it into a mutable sequence (a</a:t>
             </a:r>
             <a:r>
-              <a:rPr lang="en-US" sz="1200" baseline="0" dirty="0" smtClean="0">
+              <a:rPr lang="en-US" sz="1200" baseline="0" dirty="0">
                 <a:latin typeface="Arial"/>
                 <a:cs typeface="Arial"/>
               </a:rPr>
               <a:t> </a:t>
             </a:r>
             <a:r>
-              <a:rPr lang="en-US" sz="1200" dirty="0" err="1" smtClean="0">
+              <a:rPr lang="en-US" sz="1200" dirty="0" err="1">
                 <a:latin typeface="Arial"/>
                 <a:cs typeface="Arial"/>
               </a:rPr>
               <a:t>MutableSeq</a:t>
             </a:r>
             <a:r>
-              <a:rPr lang="en-US" sz="1200" baseline="0" dirty="0" smtClean="0">
+              <a:rPr lang="en-US" sz="1200" baseline="0" dirty="0">
                 <a:latin typeface="Arial"/>
                 <a:cs typeface="Arial"/>
               </a:rPr>
               <a:t> </a:t>
             </a:r>
             <a:r>
-              <a:rPr lang="en-US" sz="1200" dirty="0" smtClean="0">
+              <a:rPr lang="en-US" sz="1200" dirty="0">
                 <a:latin typeface="Arial"/>
                 <a:cs typeface="Arial"/>
               </a:rPr>
               <a:t>object) and do pretty much anything</a:t>
             </a:r>
             <a:r>
-              <a:rPr lang="en-US" sz="1200" baseline="0" dirty="0" smtClean="0">
+              <a:rPr lang="en-US" sz="1200" baseline="0" dirty="0">
                 <a:latin typeface="Arial"/>
                 <a:cs typeface="Arial"/>
               </a:rPr>
               <a:t> </a:t>
             </a:r>
             <a:r>
-              <a:rPr lang="en-US" sz="1200" dirty="0" smtClean="0">
+              <a:rPr lang="en-US" sz="1200" dirty="0">
                 <a:latin typeface="Arial"/>
                 <a:cs typeface="Arial"/>
               </a:rPr>
@@ -3011,21 +3006,21 @@
               <a:defRPr/>
             </a:pPr>
             <a:r>
-              <a:rPr lang="en-US" sz="1200" dirty="0" smtClean="0">
+              <a:rPr lang="en-US" sz="1200" dirty="0">
                 <a:latin typeface="Arial"/>
                 <a:cs typeface="Arial"/>
               </a:rPr>
               <a:t>Alternatively, you can create a </a:t>
             </a:r>
             <a:r>
-              <a:rPr lang="en-US" sz="1200" dirty="0" err="1" smtClean="0">
+              <a:rPr lang="en-US" sz="1200" dirty="0" err="1">
                 <a:latin typeface="Arial"/>
                 <a:cs typeface="Arial"/>
               </a:rPr>
               <a:t>MutableSeq</a:t>
             </a:r>
             <a:r>
-              <a:rPr lang="en-US" sz="1200" dirty="0" smtClean="0">
+              <a:rPr lang="en-US" sz="1200" dirty="0">
                 <a:latin typeface="Arial"/>
                 <a:cs typeface="Arial"/>
               </a:rPr>
@@ -3033,7 +3028,7 @@
             </a:r>
           </a:p>
           <a:p>
-            <a:endParaRPr lang="en-US" sz="1200" dirty="0" smtClean="0">
+            <a:endParaRPr lang="en-US" sz="1200" dirty="0">
               <a:latin typeface="Arial"/>
               <a:cs typeface="Arial"/>
             </a:endParaRPr>
@@ -3124,7 +3119,7 @@
           <a:lstStyle/>
           <a:p>
             <a:r>
-              <a:rPr lang="en-US" dirty="0" smtClean="0"/>
+              <a:rPr lang="en-US" dirty="0"/>
               <a:t>specify the alphabet explicitly</a:t>
             </a:r>
             <a:endParaRPr lang="en-US" sz="1200" kern="1200" dirty="0">
@@ -3220,7 +3215,7 @@
           <a:lstStyle/>
           <a:p>
             <a:r>
-              <a:rPr lang="mr-IN" sz="1200" kern="1200" dirty="0" smtClean="0">
+              <a:rPr lang="mr-IN" sz="1200" kern="1200" dirty="0">
                 <a:solidFill>
                   <a:schemeClr val="tx1"/>
                 </a:solidFill>
@@ -3231,15 +3226,6 @@
               </a:rPr>
               <a:t>&gt;&gt;&gt; print(len(my_seq))</a:t>
             </a:r>
-            <a:endParaRPr lang="mr-IN" sz="1200" kern="1200" dirty="0">
-              <a:solidFill>
-                <a:schemeClr val="tx1"/>
-              </a:solidFill>
-              <a:effectLst/>
-              <a:latin typeface="+mn-lt"/>
-              <a:ea typeface="+mn-ea"/>
-              <a:cs typeface="+mn-cs"/>
-            </a:endParaRPr>
           </a:p>
         </p:txBody>
       </p:sp>
@@ -3324,92 +3310,92 @@
           <a:lstStyle/>
           <a:p>
             <a:r>
-              <a:rPr lang="en-US" dirty="0" smtClean="0"/>
+              <a:rPr lang="en-US" dirty="0"/>
               <a:t>&gt;&gt;&gt; from </a:t>
             </a:r>
             <a:r>
-              <a:rPr lang="en-US" dirty="0" err="1" smtClean="0"/>
+              <a:rPr lang="en-US" dirty="0" err="1"/>
               <a:t>Bio.Seq</a:t>
             </a:r>
             <a:r>
-              <a:rPr lang="en-US" dirty="0" smtClean="0"/>
+              <a:rPr lang="en-US" dirty="0"/>
               <a:t> import </a:t>
             </a:r>
             <a:r>
-              <a:rPr lang="en-US" dirty="0" err="1" smtClean="0"/>
+              <a:rPr lang="en-US" dirty="0" err="1"/>
               <a:t>Seq</a:t>
             </a:r>
-            <a:endParaRPr lang="en-US" dirty="0" smtClean="0"/>
-          </a:p>
-          <a:p>
-            <a:r>
-              <a:rPr lang="en-US" dirty="0" smtClean="0"/>
+            <a:endParaRPr lang="en-US" dirty="0"/>
+          </a:p>
+          <a:p>
+            <a:r>
+              <a:rPr lang="en-US" dirty="0"/>
               <a:t>&gt;&gt;&gt; from </a:t>
             </a:r>
             <a:r>
-              <a:rPr lang="en-US" dirty="0" err="1" smtClean="0"/>
+              <a:rPr lang="en-US" dirty="0" err="1"/>
               <a:t>Bio.Alphabet</a:t>
             </a:r>
             <a:r>
-              <a:rPr lang="en-US" dirty="0" smtClean="0"/>
+              <a:rPr lang="en-US" dirty="0"/>
               <a:t> import IUPAC</a:t>
             </a:r>
           </a:p>
           <a:p>
             <a:r>
-              <a:rPr lang="en-US" dirty="0" smtClean="0"/>
+              <a:rPr lang="en-US" dirty="0"/>
               <a:t>&gt;&gt;&gt; from </a:t>
             </a:r>
             <a:r>
-              <a:rPr lang="en-US" dirty="0" err="1" smtClean="0"/>
+              <a:rPr lang="en-US" dirty="0" err="1"/>
               <a:t>Bio.SeqUtils</a:t>
             </a:r>
             <a:r>
-              <a:rPr lang="en-US" dirty="0" smtClean="0"/>
+              <a:rPr lang="en-US" dirty="0"/>
               <a:t> import GC</a:t>
             </a:r>
           </a:p>
           <a:p>
             <a:r>
-              <a:rPr lang="en-US" dirty="0" smtClean="0"/>
+              <a:rPr lang="en-US" dirty="0"/>
               <a:t>&gt;&gt;&gt; </a:t>
             </a:r>
             <a:r>
-              <a:rPr lang="en-US" dirty="0" err="1" smtClean="0"/>
+              <a:rPr lang="en-US" dirty="0" err="1"/>
               <a:t>my_seq</a:t>
             </a:r>
             <a:r>
-              <a:rPr lang="en-US" dirty="0" smtClean="0"/>
+              <a:rPr lang="en-US" dirty="0"/>
               <a:t> = </a:t>
             </a:r>
             <a:r>
-              <a:rPr lang="en-US" dirty="0" err="1" smtClean="0"/>
+              <a:rPr lang="en-US" dirty="0" err="1"/>
               <a:t>Seq</a:t>
             </a:r>
             <a:r>
-              <a:rPr lang="en-US" dirty="0" smtClean="0"/>
+              <a:rPr lang="en-US" dirty="0"/>
               <a:t>('GATCGATGGGCCTATATAGGATCGAAAATCGC', </a:t>
             </a:r>
             <a:r>
-              <a:rPr lang="en-US" dirty="0" err="1" smtClean="0"/>
+              <a:rPr lang="en-US" dirty="0" err="1"/>
               <a:t>IUPAC.unambiguous_dna</a:t>
             </a:r>
             <a:r>
-              <a:rPr lang="en-US" dirty="0" smtClean="0"/>
+              <a:rPr lang="en-US" dirty="0"/>
               <a:t>)</a:t>
             </a:r>
           </a:p>
           <a:p>
             <a:r>
-              <a:rPr lang="en-US" dirty="0" smtClean="0"/>
+              <a:rPr lang="en-US" dirty="0"/>
               <a:t>&gt;&gt;&gt; GC(</a:t>
             </a:r>
             <a:r>
-              <a:rPr lang="en-US" dirty="0" err="1" smtClean="0"/>
+              <a:rPr lang="en-US" dirty="0" err="1"/>
               <a:t>my_seq</a:t>
             </a:r>
             <a:r>
-              <a:rPr lang="en-US" dirty="0" smtClean="0"/>
+              <a:rPr lang="en-US" dirty="0"/>
               <a:t>)</a:t>
             </a:r>
           </a:p>
@@ -3516,7 +3502,7 @@
               <a:defRPr/>
             </a:pPr>
             <a:r>
-              <a:rPr lang="en-US" dirty="0" smtClean="0"/>
+              <a:rPr lang="en-US" dirty="0"/>
               <a:t>First item is included (i.e. 4 in this case) and the last is excluded (12 in this case)</a:t>
             </a:r>
           </a:p>
@@ -3707,7 +3693,7 @@
               <a:defRPr/>
             </a:pPr>
             <a:r>
-              <a:rPr lang="en-US" dirty="0" smtClean="0"/>
+              <a:rPr lang="en-US" dirty="0"/>
               <a:t>Adding a generic nucleotide sequence to an unambiguous IUPAC DNA sequence, resulting in an ambiguous nucleotide sequence:</a:t>
             </a:r>
           </a:p>
@@ -3797,7 +3783,7 @@
           <a:lstStyle/>
           <a:p>
             <a:r>
-              <a:rPr lang="mr-IN" dirty="0" smtClean="0"/>
+              <a:rPr lang="mr-IN" dirty="0"/>
               <a:t>Seq('ACGTAACCGGTT', DNAAlphabet())</a:t>
             </a:r>
             <a:endParaRPr lang="fr-FR" dirty="0"/>
@@ -3902,7 +3888,7 @@
               <a:defRPr/>
             </a:pPr>
             <a:r>
-              <a:rPr kumimoji="0" lang="fr-FR" sz="1800" b="0" i="0" u="none" strike="noStrike" kern="0" cap="none" spc="0" normalizeH="0" baseline="0" noProof="0" dirty="0" smtClean="0">
+              <a:rPr kumimoji="0" lang="fr-FR" sz="1800" b="0" i="0" u="none" strike="noStrike" kern="0" cap="none" spc="0" normalizeH="0" baseline="0" noProof="0" dirty="0">
                 <a:ln>
                   <a:noFill/>
                 </a:ln>
@@ -3918,20 +3904,6 @@
               </a:rPr>
               <a:t> </a:t>
             </a:r>
-            <a:endParaRPr kumimoji="0" lang="fr-FR" sz="1800" b="0" i="0" u="none" strike="noStrike" kern="0" cap="none" spc="0" normalizeH="0" baseline="0" noProof="0" dirty="0">
-              <a:ln>
-                <a:noFill/>
-              </a:ln>
-              <a:solidFill>
-                <a:srgbClr val="000000"/>
-              </a:solidFill>
-              <a:effectLst/>
-              <a:uLnTx/>
-              <a:uFillTx/>
-              <a:latin typeface="Arial"/>
-              <a:ea typeface="+mn-ea"/>
-              <a:cs typeface="+mn-cs"/>
-            </a:endParaRPr>
           </a:p>
         </p:txBody>
       </p:sp>
@@ -4068,7 +4040,7 @@
               <a:defRPr/>
             </a:pPr>
             <a:r>
-              <a:rPr kumimoji="0" lang="fr-FR" sz="1800" b="0" i="0" u="none" strike="noStrike" kern="0" cap="none" spc="0" normalizeH="0" baseline="0" noProof="0" dirty="0" smtClean="0">
+              <a:rPr kumimoji="0" lang="fr-FR" sz="1800" b="0" i="0" u="none" strike="noStrike" kern="0" cap="none" spc="0" normalizeH="0" baseline="0" noProof="0" dirty="0">
                 <a:ln>
                   <a:noFill/>
                 </a:ln>
@@ -4081,17 +4053,6 @@
               </a:rPr>
               <a:t>Cliquez pour modifier le style des sous-titres du masque</a:t>
             </a:r>
-            <a:endParaRPr kumimoji="0" lang="fr-FR" sz="1800" b="0" i="0" u="none" strike="noStrike" kern="0" cap="none" spc="0" normalizeH="0" baseline="0" noProof="0" dirty="0">
-              <a:ln>
-                <a:noFill/>
-              </a:ln>
-              <a:solidFill>
-                <a:srgbClr val="FFFFFF"/>
-              </a:solidFill>
-              <a:effectLst/>
-              <a:uLnTx/>
-              <a:uFillTx/>
-            </a:endParaRPr>
           </a:p>
         </p:txBody>
       </p:sp>
@@ -4154,10 +4115,9 @@
           </a:lstStyle>
           <a:p>
             <a:r>
-              <a:rPr lang="fr-FR" dirty="0" smtClean="0"/>
+              <a:rPr lang="fr-FR" dirty="0"/>
               <a:t>Cliquez et modifiez le titre</a:t>
             </a:r>
-            <a:endParaRPr lang="fr-FR" dirty="0"/>
           </a:p>
         </p:txBody>
       </p:sp>
@@ -4171,13 +4131,6 @@
   <p:clrMapOvr>
     <a:masterClrMapping/>
   </p:clrMapOvr>
-  <p:timing>
-    <p:tnLst>
-      <p:par>
-        <p:cTn xmlns:p14="http://schemas.microsoft.com/office/powerpoint/2010/main" id="1" dur="indefinite" restart="never" nodeType="tmRoot"/>
-      </p:par>
-    </p:tnLst>
-  </p:timing>
 </p:sldLayout>
 </file>
 
@@ -4321,18 +4274,13 @@
           <a:p>
             <a:pPr algn="ctr"/>
             <a:r>
-              <a:rPr lang="fr-FR" dirty="0" smtClean="0">
+              <a:rPr lang="fr-FR" dirty="0">
                 <a:solidFill>
                   <a:schemeClr val="bg1"/>
                 </a:solidFill>
               </a:rPr>
               <a:t> </a:t>
             </a:r>
-            <a:endParaRPr lang="fr-FR" dirty="0">
-              <a:solidFill>
-                <a:schemeClr val="bg1"/>
-              </a:solidFill>
-            </a:endParaRPr>
           </a:p>
         </p:txBody>
       </p:sp>
@@ -4380,18 +4328,13 @@
           <a:p>
             <a:pPr algn="ctr"/>
             <a:r>
-              <a:rPr lang="fr-FR" dirty="0" smtClean="0">
+              <a:rPr lang="fr-FR" dirty="0">
                 <a:solidFill>
                   <a:schemeClr val="bg1"/>
                 </a:solidFill>
               </a:rPr>
               <a:t> </a:t>
             </a:r>
-            <a:endParaRPr lang="fr-FR" dirty="0">
-              <a:solidFill>
-                <a:schemeClr val="bg1"/>
-              </a:solidFill>
-            </a:endParaRPr>
           </a:p>
         </p:txBody>
       </p:sp>
@@ -4405,13 +4348,6 @@
   <p:clrMapOvr>
     <a:masterClrMapping/>
   </p:clrMapOvr>
-  <p:timing>
-    <p:tnLst>
-      <p:par>
-        <p:cTn xmlns:p14="http://schemas.microsoft.com/office/powerpoint/2010/main" id="1" dur="indefinite" restart="never" nodeType="tmRoot"/>
-      </p:par>
-    </p:tnLst>
-  </p:timing>
 </p:sldLayout>
 </file>
 
@@ -4511,10 +4447,9 @@
           </a:lstStyle>
           <a:p>
             <a:r>
-              <a:rPr lang="fr-FR" dirty="0" smtClean="0"/>
+              <a:rPr lang="fr-FR" dirty="0"/>
               <a:t>Cliquez et modifiez le titre</a:t>
             </a:r>
-            <a:endParaRPr lang="fr-FR" dirty="0"/>
           </a:p>
         </p:txBody>
       </p:sp>
@@ -4646,7 +4581,7 @@
               <a:defRPr/>
             </a:pPr>
             <a:r>
-              <a:rPr kumimoji="0" lang="fr-FR" sz="2000" b="0" i="0" u="none" strike="noStrike" kern="1200" cap="none" spc="0" normalizeH="0" baseline="0" noProof="0" dirty="0" smtClean="0">
+              <a:rPr kumimoji="0" lang="fr-FR" sz="2000" b="0" i="0" u="none" strike="noStrike" kern="1200" cap="none" spc="0" normalizeH="0" baseline="0" noProof="0" dirty="0">
                 <a:ln>
                   <a:noFill/>
                 </a:ln>
@@ -4684,7 +4619,7 @@
               <a:defRPr/>
             </a:pPr>
             <a:r>
-              <a:rPr kumimoji="0" lang="fr-FR" sz="1600" b="0" i="0" u="none" strike="noStrike" kern="1200" cap="none" spc="0" normalizeH="0" baseline="0" noProof="0" dirty="0" smtClean="0">
+              <a:rPr kumimoji="0" lang="fr-FR" sz="1600" b="0" i="0" u="none" strike="noStrike" kern="1200" cap="none" spc="0" normalizeH="0" baseline="0" noProof="0" dirty="0">
                 <a:ln>
                   <a:noFill/>
                 </a:ln>
@@ -4720,7 +4655,7 @@
               <a:defRPr/>
             </a:pPr>
             <a:r>
-              <a:rPr kumimoji="0" lang="fr-FR" sz="1600" b="0" i="0" u="none" strike="noStrike" kern="1200" cap="none" spc="0" normalizeH="0" baseline="0" noProof="0" dirty="0" smtClean="0">
+              <a:rPr kumimoji="0" lang="fr-FR" sz="1600" b="0" i="0" u="none" strike="noStrike" kern="1200" cap="none" spc="0" normalizeH="0" baseline="0" noProof="0" dirty="0">
                 <a:ln>
                   <a:noFill/>
                 </a:ln>
@@ -4756,7 +4691,7 @@
               <a:defRPr/>
             </a:pPr>
             <a:r>
-              <a:rPr kumimoji="0" lang="fr-FR" sz="1600" b="0" i="0" u="none" strike="noStrike" kern="1200" cap="none" spc="0" normalizeH="0" baseline="0" noProof="0" dirty="0" smtClean="0">
+              <a:rPr kumimoji="0" lang="fr-FR" sz="1600" b="0" i="0" u="none" strike="noStrike" kern="1200" cap="none" spc="0" normalizeH="0" baseline="0" noProof="0" dirty="0">
                 <a:ln>
                   <a:noFill/>
                 </a:ln>
@@ -4792,7 +4727,7 @@
               <a:defRPr/>
             </a:pPr>
             <a:r>
-              <a:rPr kumimoji="0" lang="fr-FR" sz="1600" b="0" i="0" u="none" strike="noStrike" kern="1200" cap="none" spc="0" normalizeH="0" baseline="0" noProof="0" dirty="0" smtClean="0">
+              <a:rPr kumimoji="0" lang="fr-FR" sz="1600" b="0" i="0" u="none" strike="noStrike" kern="1200" cap="none" spc="0" normalizeH="0" baseline="0" noProof="0" dirty="0">
                 <a:ln>
                   <a:noFill/>
                 </a:ln>
@@ -4808,20 +4743,6 @@
               </a:rPr>
               <a:t>Cinquième niveau</a:t>
             </a:r>
-            <a:endParaRPr kumimoji="0" lang="fr-FR" sz="1600" b="0" i="0" u="none" strike="noStrike" kern="1200" cap="none" spc="0" normalizeH="0" baseline="0" noProof="0" dirty="0">
-              <a:ln>
-                <a:noFill/>
-              </a:ln>
-              <a:solidFill>
-                <a:srgbClr val="000000"/>
-              </a:solidFill>
-              <a:effectLst/>
-              <a:uLnTx/>
-              <a:uFillTx/>
-              <a:latin typeface="+mn-lt"/>
-              <a:ea typeface="+mn-ea"/>
-              <a:cs typeface="+mn-cs"/>
-            </a:endParaRPr>
           </a:p>
         </p:txBody>
       </p:sp>
@@ -4858,7 +4779,7 @@
           <a:p>
             <a:fld id="{751463B9-2A29-154C-A5AC-383AEA094CA9}" type="datetime1">
               <a:rPr lang="fr-FR" smtClean="0"/>
-              <a:t>16/11/16</a:t>
+              <a:t>08/11/2018</a:t>
             </a:fld>
             <a:endParaRPr lang="fr-FR" dirty="0"/>
           </a:p>
@@ -4896,7 +4817,7 @@
           </a:lstStyle>
           <a:p>
             <a:r>
-              <a:rPr lang="fr-FR" smtClean="0"/>
+              <a:rPr lang="fr-FR"/>
               <a:t>Python pour la biologie</a:t>
             </a:r>
             <a:endParaRPr lang="fr-FR" dirty="0"/>
@@ -4937,7 +4858,7 @@
             <a:fld id="{DCE37727-CC04-7A46-938D-2CCFF056F773}" type="slidenum">
               <a:rPr lang="fr-FR" smtClean="0"/>
               <a:pPr/>
-              <a:t>‹#›</a:t>
+              <a:t>‹N°›</a:t>
             </a:fld>
             <a:endParaRPr lang="fr-FR" dirty="0"/>
           </a:p>
@@ -5009,13 +4930,6 @@
   <p:clrMapOvr>
     <a:masterClrMapping/>
   </p:clrMapOvr>
-  <p:timing>
-    <p:tnLst>
-      <p:par>
-        <p:cTn xmlns:p14="http://schemas.microsoft.com/office/powerpoint/2010/main" id="1" dur="indefinite" restart="never" nodeType="tmRoot"/>
-      </p:par>
-    </p:tnLst>
-  </p:timing>
 </p:sldLayout>
 </file>
 
@@ -5091,38 +5005,37 @@
           <a:p>
             <a:pPr lvl="0"/>
             <a:r>
-              <a:rPr lang="fr-FR" dirty="0" smtClean="0"/>
+              <a:rPr lang="fr-FR" dirty="0"/>
               <a:t>Cliquez pour modifier les styles du texte du masque</a:t>
             </a:r>
           </a:p>
           <a:p>
             <a:pPr lvl="1"/>
             <a:r>
-              <a:rPr lang="fr-FR" dirty="0" smtClean="0"/>
+              <a:rPr lang="fr-FR" dirty="0"/>
               <a:t>Deuxième niveau</a:t>
             </a:r>
           </a:p>
           <a:p>
             <a:pPr lvl="2"/>
             <a:r>
-              <a:rPr lang="fr-FR" dirty="0" smtClean="0"/>
+              <a:rPr lang="fr-FR" dirty="0"/>
               <a:t>Troisième niveau</a:t>
             </a:r>
           </a:p>
           <a:p>
             <a:pPr lvl="3"/>
             <a:r>
-              <a:rPr lang="fr-FR" dirty="0" smtClean="0"/>
+              <a:rPr lang="fr-FR" dirty="0"/>
               <a:t>Quatrième niveau</a:t>
             </a:r>
           </a:p>
           <a:p>
             <a:pPr lvl="4"/>
             <a:r>
-              <a:rPr lang="fr-FR" dirty="0" smtClean="0"/>
+              <a:rPr lang="fr-FR" dirty="0"/>
               <a:t>Cinquième niveau</a:t>
             </a:r>
-            <a:endParaRPr lang="fr-FR" dirty="0"/>
           </a:p>
         </p:txBody>
       </p:sp>
@@ -5181,38 +5094,37 @@
           <a:p>
             <a:pPr lvl="0"/>
             <a:r>
-              <a:rPr lang="fr-FR" dirty="0" smtClean="0"/>
+              <a:rPr lang="fr-FR" dirty="0"/>
               <a:t>Cliquez pour modifier les styles du texte du masque</a:t>
             </a:r>
           </a:p>
           <a:p>
             <a:pPr lvl="1"/>
             <a:r>
-              <a:rPr lang="fr-FR" dirty="0" smtClean="0"/>
+              <a:rPr lang="fr-FR" dirty="0"/>
               <a:t>Deuxième niveau</a:t>
             </a:r>
           </a:p>
           <a:p>
             <a:pPr lvl="2"/>
             <a:r>
-              <a:rPr lang="fr-FR" dirty="0" smtClean="0"/>
+              <a:rPr lang="fr-FR" dirty="0"/>
               <a:t>Troisième niveau</a:t>
             </a:r>
           </a:p>
           <a:p>
             <a:pPr lvl="3"/>
             <a:r>
-              <a:rPr lang="fr-FR" dirty="0" smtClean="0"/>
+              <a:rPr lang="fr-FR" dirty="0"/>
               <a:t>Quatrième niveau</a:t>
             </a:r>
           </a:p>
           <a:p>
             <a:pPr lvl="4"/>
             <a:r>
-              <a:rPr lang="fr-FR" dirty="0" smtClean="0"/>
+              <a:rPr lang="fr-FR" dirty="0"/>
               <a:t>Cinquième niveau</a:t>
             </a:r>
-            <a:endParaRPr lang="fr-FR" dirty="0"/>
           </a:p>
         </p:txBody>
       </p:sp>
@@ -5295,10 +5207,9 @@
           </a:lstStyle>
           <a:p>
             <a:r>
-              <a:rPr lang="fr-FR" dirty="0" smtClean="0"/>
+              <a:rPr lang="fr-FR" dirty="0"/>
               <a:t>Cliquez et modifiez le titre</a:t>
             </a:r>
-            <a:endParaRPr lang="fr-FR" dirty="0"/>
           </a:p>
         </p:txBody>
       </p:sp>
@@ -5359,7 +5270,7 @@
           <a:p>
             <a:fld id="{093F68C3-195D-9E4F-A0F2-F73993E4FFAC}" type="datetime1">
               <a:rPr lang="fr-FR" smtClean="0"/>
-              <a:t>16/11/16</a:t>
+              <a:t>08/11/2018</a:t>
             </a:fld>
             <a:endParaRPr lang="fr-FR" dirty="0"/>
           </a:p>
@@ -5397,7 +5308,7 @@
           </a:lstStyle>
           <a:p>
             <a:r>
-              <a:rPr lang="fr-FR" smtClean="0"/>
+              <a:rPr lang="fr-FR"/>
               <a:t>Python pour la biologie</a:t>
             </a:r>
             <a:endParaRPr lang="fr-FR" dirty="0"/>
@@ -5438,7 +5349,7 @@
             <a:fld id="{DCE37727-CC04-7A46-938D-2CCFF056F773}" type="slidenum">
               <a:rPr lang="fr-FR" smtClean="0"/>
               <a:pPr/>
-              <a:t>‹#›</a:t>
+              <a:t>‹N°›</a:t>
             </a:fld>
             <a:endParaRPr lang="fr-FR" dirty="0"/>
           </a:p>
@@ -5486,13 +5397,6 @@
   <p:clrMapOvr>
     <a:masterClrMapping/>
   </p:clrMapOvr>
-  <p:timing>
-    <p:tnLst>
-      <p:par>
-        <p:cTn xmlns:p14="http://schemas.microsoft.com/office/powerpoint/2010/main" id="1" dur="indefinite" restart="never" nodeType="tmRoot"/>
-      </p:par>
-    </p:tnLst>
-  </p:timing>
 </p:sldLayout>
 </file>
 
@@ -5580,18 +5484,13 @@
           <a:lstStyle/>
           <a:p>
             <a:r>
-              <a:rPr lang="fr-FR" sz="3200" dirty="0" smtClean="0">
+              <a:rPr lang="fr-FR" sz="3200" dirty="0">
                 <a:solidFill>
                   <a:srgbClr val="009DE0"/>
                 </a:solidFill>
               </a:rPr>
               <a:t>Chapitre 2</a:t>
             </a:r>
-            <a:endParaRPr lang="fr-FR" sz="3200" dirty="0">
-              <a:solidFill>
-                <a:srgbClr val="009DE0"/>
-              </a:solidFill>
-            </a:endParaRPr>
           </a:p>
         </p:txBody>
       </p:sp>
@@ -5687,13 +5586,6 @@
   <p:clrMapOvr>
     <a:masterClrMapping/>
   </p:clrMapOvr>
-  <p:timing>
-    <p:tnLst>
-      <p:par>
-        <p:cTn xmlns:p14="http://schemas.microsoft.com/office/powerpoint/2010/main" id="1" dur="indefinite" restart="never" nodeType="tmRoot"/>
-      </p:par>
-    </p:tnLst>
-  </p:timing>
 </p:sldLayout>
 </file>
 
@@ -5882,21 +5774,8 @@
                   <a:srgbClr val="FFFFFF"/>
                 </a:solidFill>
               </a:rPr>
-              <a:t>ditione dic tem hiciliciist, con rem aut volest, sedi doles erro te sa sam volum dolumqui aceprae eicipsa </a:t>
-            </a:r>
-            <a:r>
-              <a:rPr lang="fr-FR" baseline="30000" dirty="0" smtClean="0">
-                <a:solidFill>
-                  <a:srgbClr val="FFFFFF"/>
-                </a:solidFill>
-              </a:rPr>
-              <a:t>pelesequod</a:t>
-            </a:r>
-            <a:endParaRPr lang="fr-FR" baseline="30000" dirty="0">
-              <a:solidFill>
-                <a:srgbClr val="FFFFFF"/>
-              </a:solidFill>
-            </a:endParaRPr>
+              <a:t>ditione dic tem hiciliciist, con rem aut volest, sedi doles erro te sa sam volum dolumqui aceprae eicipsa pelesequod</a:t>
+            </a:r>
           </a:p>
         </p:txBody>
       </p:sp>
@@ -6097,18 +5976,13 @@
               <a:buNone/>
             </a:pPr>
             <a:r>
-              <a:rPr lang="fr-FR" sz="1200" b="1" dirty="0" smtClean="0">
+              <a:rPr lang="fr-FR" sz="1200" b="1" dirty="0">
                 <a:solidFill>
                   <a:schemeClr val="accent1"/>
                 </a:solidFill>
               </a:rPr>
               <a:t>titre</a:t>
             </a:r>
-            <a:endParaRPr lang="fr-FR" sz="1200" b="1" dirty="0">
-              <a:solidFill>
-                <a:schemeClr val="accent1"/>
-              </a:solidFill>
-            </a:endParaRPr>
           </a:p>
         </p:txBody>
       </p:sp>
@@ -6307,18 +6181,13 @@
               <a:buNone/>
             </a:pPr>
             <a:r>
-              <a:rPr lang="fr-FR" sz="1200" b="1" dirty="0" smtClean="0">
+              <a:rPr lang="fr-FR" sz="1200" b="1" dirty="0">
                 <a:solidFill>
                   <a:srgbClr val="FFFFFF"/>
                 </a:solidFill>
               </a:rPr>
               <a:t>titre</a:t>
             </a:r>
-            <a:endParaRPr lang="fr-FR" sz="1200" b="1" dirty="0">
-              <a:solidFill>
-                <a:srgbClr val="FFFFFF"/>
-              </a:solidFill>
-            </a:endParaRPr>
           </a:p>
         </p:txBody>
       </p:sp>
@@ -6356,19 +6225,14 @@
               <a:rPr lang="fr-FR" sz="3200" b="1" baseline="30000" dirty="0"/>
               <a:t>Itas eaquis et </a:t>
             </a:r>
-            <a:endParaRPr lang="fr-FR" sz="3200" b="1" baseline="30000" dirty="0" smtClean="0"/>
           </a:p>
           <a:p>
             <a:pPr>
               <a:buSzPct val="90000"/>
             </a:pPr>
             <a:r>
-              <a:rPr lang="fr-FR" sz="2400" b="1" baseline="30000" dirty="0" smtClean="0"/>
-              <a:t>excerferum </a:t>
-            </a:r>
-            <a:r>
               <a:rPr lang="fr-FR" sz="2400" b="1" baseline="30000" dirty="0"/>
-              <a:t>nuscien </a:t>
+              <a:t>excerferum nuscien </a:t>
             </a:r>
             <a:r>
               <a:rPr lang="fr-FR" sz="2400" baseline="30000" dirty="0"/>
@@ -6465,7 +6329,7 @@
               <a:t>, </a:t>
             </a:r>
             <a:r>
-              <a:rPr lang="fr-FR" sz="2400" baseline="30000" dirty="0" err="1" smtClean="0"/>
+              <a:rPr lang="fr-FR" sz="2400" baseline="30000" dirty="0" err="1"/>
               <a:t>iliquo</a:t>
             </a:r>
             <a:endParaRPr lang="fr-FR" sz="2400" baseline="30000" dirty="0"/>
@@ -6480,11 +6344,11 @@
               <a:buChar char="›"/>
             </a:pPr>
             <a:r>
-              <a:rPr lang="fr-FR" sz="2400" baseline="30000" dirty="0" err="1" smtClean="0"/>
+              <a:rPr lang="fr-FR" sz="2400" baseline="30000" dirty="0" err="1"/>
               <a:t>omnis</a:t>
             </a:r>
             <a:r>
-              <a:rPr lang="fr-FR" sz="2400" baseline="30000" dirty="0" smtClean="0"/>
+              <a:rPr lang="fr-FR" sz="2400" baseline="30000" dirty="0"/>
               <a:t> </a:t>
             </a:r>
             <a:r>
@@ -6568,71 +6432,71 @@
               <a:t> </a:t>
             </a:r>
             <a:r>
-              <a:rPr lang="fr-FR" sz="2400" baseline="30000" dirty="0" err="1" smtClean="0"/>
+              <a:rPr lang="fr-FR" sz="2400" baseline="30000" dirty="0" err="1"/>
               <a:t>iliciae</a:t>
             </a:r>
             <a:r>
-              <a:rPr lang="fr-FR" sz="2400" baseline="30000" dirty="0" smtClean="0"/>
+              <a:rPr lang="fr-FR" sz="2400" baseline="30000" dirty="0"/>
               <a:t> </a:t>
             </a:r>
             <a:r>
-              <a:rPr lang="fr-FR" sz="2400" baseline="30000" dirty="0" err="1" smtClean="0"/>
+              <a:rPr lang="fr-FR" sz="2400" baseline="30000" dirty="0" err="1"/>
               <a:t>cepernat</a:t>
             </a:r>
             <a:r>
-              <a:rPr lang="fr-FR" sz="2400" baseline="30000" dirty="0" smtClean="0"/>
+              <a:rPr lang="fr-FR" sz="2400" baseline="30000" dirty="0"/>
               <a:t> </a:t>
             </a:r>
             <a:r>
-              <a:rPr lang="fr-FR" sz="2400" baseline="30000" dirty="0" err="1" smtClean="0"/>
+              <a:rPr lang="fr-FR" sz="2400" baseline="30000" dirty="0" err="1"/>
               <a:t>fugitas</a:t>
             </a:r>
             <a:r>
-              <a:rPr lang="fr-FR" sz="2400" baseline="30000" dirty="0" smtClean="0"/>
+              <a:rPr lang="fr-FR" sz="2400" baseline="30000" dirty="0"/>
               <a:t> sa </a:t>
             </a:r>
             <a:r>
-              <a:rPr lang="fr-FR" sz="2400" baseline="30000" dirty="0" err="1" smtClean="0"/>
+              <a:rPr lang="fr-FR" sz="2400" baseline="30000" dirty="0" err="1"/>
               <a:t>conse</a:t>
             </a:r>
             <a:r>
-              <a:rPr lang="fr-FR" sz="2400" baseline="30000" dirty="0" smtClean="0"/>
+              <a:rPr lang="fr-FR" sz="2400" baseline="30000" dirty="0"/>
               <a:t> </a:t>
             </a:r>
             <a:r>
-              <a:rPr lang="fr-FR" sz="2400" baseline="30000" dirty="0" err="1" smtClean="0"/>
+              <a:rPr lang="fr-FR" sz="2400" baseline="30000" dirty="0" err="1"/>
               <a:t>molo</a:t>
             </a:r>
             <a:r>
-              <a:rPr lang="fr-FR" sz="2400" baseline="30000" dirty="0" smtClean="0"/>
+              <a:rPr lang="fr-FR" sz="2400" baseline="30000" dirty="0"/>
               <a:t> </a:t>
             </a:r>
             <a:r>
-              <a:rPr lang="fr-FR" sz="2400" baseline="30000" dirty="0" err="1" smtClean="0"/>
+              <a:rPr lang="fr-FR" sz="2400" baseline="30000" dirty="0" err="1"/>
               <a:t>modi</a:t>
             </a:r>
             <a:r>
-              <a:rPr lang="fr-FR" sz="2400" baseline="30000" dirty="0" smtClean="0"/>
+              <a:rPr lang="fr-FR" sz="2400" baseline="30000" dirty="0"/>
               <a:t> </a:t>
             </a:r>
             <a:r>
-              <a:rPr lang="fr-FR" sz="2400" baseline="30000" dirty="0" err="1" smtClean="0"/>
+              <a:rPr lang="fr-FR" sz="2400" baseline="30000" dirty="0" err="1"/>
               <a:t>berecti</a:t>
             </a:r>
             <a:r>
-              <a:rPr lang="fr-FR" sz="2400" baseline="30000" dirty="0" smtClean="0"/>
+              <a:rPr lang="fr-FR" sz="2400" baseline="30000" dirty="0"/>
               <a:t> tem </a:t>
             </a:r>
             <a:r>
-              <a:rPr lang="fr-FR" sz="2400" baseline="30000" dirty="0" err="1" smtClean="0"/>
+              <a:rPr lang="fr-FR" sz="2400" baseline="30000" dirty="0" err="1"/>
               <a:t>ius</a:t>
             </a:r>
             <a:r>
-              <a:rPr lang="fr-FR" sz="2400" baseline="30000" dirty="0" smtClean="0"/>
+              <a:rPr lang="fr-FR" sz="2400" baseline="30000" dirty="0"/>
               <a:t>, officie </a:t>
             </a:r>
             <a:r>
-              <a:rPr lang="fr-FR" sz="2400" baseline="30000" dirty="0" err="1" smtClean="0"/>
+              <a:rPr lang="fr-FR" sz="2400" baseline="30000" dirty="0" err="1"/>
               <a:t>ndiscipsam</a:t>
             </a:r>
             <a:endParaRPr lang="fr-FR" sz="2400" i="1" dirty="0"/>
@@ -6718,10 +6582,9 @@
           </a:lstStyle>
           <a:p>
             <a:r>
-              <a:rPr lang="fr-FR" dirty="0" smtClean="0"/>
+              <a:rPr lang="fr-FR" dirty="0"/>
               <a:t>Cliquez et modifiez le titre</a:t>
             </a:r>
-            <a:endParaRPr lang="fr-FR" dirty="0"/>
           </a:p>
         </p:txBody>
       </p:sp>
@@ -6782,7 +6645,7 @@
           <a:p>
             <a:fld id="{797E56E4-32A0-A24B-AE7B-5E5E4DFEC148}" type="datetime1">
               <a:rPr lang="fr-FR" smtClean="0"/>
-              <a:t>16/11/16</a:t>
+              <a:t>08/11/2018</a:t>
             </a:fld>
             <a:endParaRPr lang="fr-FR" dirty="0"/>
           </a:p>
@@ -6820,10 +6683,9 @@
           </a:lstStyle>
           <a:p>
             <a:r>
-              <a:rPr lang="fr-FR" smtClean="0"/>
+              <a:rPr lang="fr-FR"/>
               <a:t>Python pour la biologie</a:t>
             </a:r>
-            <a:endParaRPr lang="fr-FR"/>
           </a:p>
         </p:txBody>
       </p:sp>
@@ -6861,7 +6723,7 @@
             <a:fld id="{DCE37727-CC04-7A46-938D-2CCFF056F773}" type="slidenum">
               <a:rPr lang="fr-FR" smtClean="0"/>
               <a:pPr/>
-              <a:t>‹#›</a:t>
+              <a:t>‹N°›</a:t>
             </a:fld>
             <a:endParaRPr lang="fr-FR"/>
           </a:p>
@@ -7094,18 +6956,13 @@
               <a:buNone/>
             </a:pPr>
             <a:r>
-              <a:rPr lang="fr-FR" sz="1200" b="1" dirty="0" smtClean="0">
+              <a:rPr lang="fr-FR" sz="1200" b="1" dirty="0">
                 <a:solidFill>
                   <a:srgbClr val="FFFFFF"/>
                 </a:solidFill>
               </a:rPr>
               <a:t>titre</a:t>
             </a:r>
-            <a:endParaRPr lang="fr-FR" sz="1200" b="1" dirty="0">
-              <a:solidFill>
-                <a:srgbClr val="FFFFFF"/>
-              </a:solidFill>
-            </a:endParaRPr>
           </a:p>
         </p:txBody>
       </p:sp>
@@ -7119,13 +6976,6 @@
   <p:clrMapOvr>
     <a:masterClrMapping/>
   </p:clrMapOvr>
-  <p:timing>
-    <p:tnLst>
-      <p:par>
-        <p:cTn xmlns:p14="http://schemas.microsoft.com/office/powerpoint/2010/main" id="1" dur="indefinite" restart="never" nodeType="tmRoot"/>
-      </p:par>
-    </p:tnLst>
-  </p:timing>
 </p:sldLayout>
 </file>
 
@@ -7216,10 +7066,9 @@
               <a:tabLst/>
             </a:pPr>
             <a:r>
-              <a:rPr lang="fr-FR" sz="2800" b="1" i="0" baseline="30000" dirty="0" smtClean="0"/>
+              <a:rPr lang="fr-FR" sz="2800" b="1" i="0" baseline="30000" dirty="0"/>
               <a:t>excerferum nuscien</a:t>
             </a:r>
-            <a:endParaRPr lang="fr-FR" sz="2800" b="1" i="0" baseline="30000" dirty="0"/>
           </a:p>
           <a:p>
             <a:pPr marL="355600" indent="-355600" defTabSz="541338">
@@ -7235,14 +7084,9 @@
               <a:tabLst/>
             </a:pPr>
             <a:r>
-              <a:rPr lang="fr-FR" sz="2800" b="1" i="0" baseline="30000" dirty="0" smtClean="0"/>
-              <a:t>ditione </a:t>
-            </a:r>
-            <a:r>
               <a:rPr lang="fr-FR" sz="2800" b="1" i="0" baseline="30000" dirty="0"/>
-              <a:t>dic tem hiciliciist, con rem aut volest, sedi doles </a:t>
-            </a:r>
-            <a:endParaRPr lang="fr-FR" sz="2800" b="1" i="0" baseline="30000" dirty="0" smtClean="0"/>
+              <a:t>ditione dic tem hiciliciist, con rem aut volest, sedi doles </a:t>
+            </a:r>
           </a:p>
           <a:p>
             <a:pPr marL="355600" indent="-355600" defTabSz="541338">
@@ -7258,16 +7102,12 @@
               <a:tabLst/>
             </a:pPr>
             <a:r>
-              <a:rPr lang="fr-FR" sz="2800" b="1" i="0" baseline="30000" dirty="0" err="1" smtClean="0"/>
+              <a:rPr lang="fr-FR" sz="2800" b="1" i="0" baseline="30000" dirty="0" err="1"/>
               <a:t>erro</a:t>
             </a:r>
             <a:r>
-              <a:rPr lang="fr-FR" sz="2800" b="1" i="0" baseline="30000" dirty="0" smtClean="0"/>
-              <a:t> </a:t>
-            </a:r>
-            <a:r>
               <a:rPr lang="fr-FR" sz="2800" b="1" i="0" baseline="30000" dirty="0"/>
-              <a:t>te sa </a:t>
+              <a:t> te sa </a:t>
             </a:r>
             <a:r>
               <a:rPr lang="fr-FR" sz="2800" b="1" i="0" baseline="30000" dirty="0" err="1"/>
@@ -7302,10 +7142,10 @@
               <a:t> </a:t>
             </a:r>
             <a:r>
-              <a:rPr lang="fr-FR" sz="2800" b="1" i="0" baseline="30000" dirty="0" err="1" smtClean="0"/>
+              <a:rPr lang="fr-FR" sz="2800" b="1" i="0" baseline="30000" dirty="0" err="1"/>
               <a:t>eicipsa</a:t>
             </a:r>
-            <a:endParaRPr lang="fr-FR" sz="2800" b="1" i="0" baseline="30000" dirty="0" smtClean="0"/>
+            <a:endParaRPr lang="fr-FR" sz="2800" b="1" i="0" baseline="30000" dirty="0"/>
           </a:p>
           <a:p>
             <a:pPr marL="355600" indent="-355600" defTabSz="541338">
@@ -7321,19 +7161,15 @@
               <a:tabLst/>
             </a:pPr>
             <a:r>
-              <a:rPr lang="fr-FR" sz="2800" b="1" i="0" baseline="30000" dirty="0" err="1" smtClean="0"/>
+              <a:rPr lang="fr-FR" sz="2800" b="1" i="0" baseline="30000" dirty="0" err="1"/>
               <a:t>pelesequod</a:t>
             </a:r>
             <a:r>
-              <a:rPr lang="fr-FR" sz="2800" b="1" i="0" baseline="30000" dirty="0" smtClean="0"/>
-              <a:t> </a:t>
-            </a:r>
-            <a:r>
               <a:rPr lang="fr-FR" sz="2800" b="1" i="0" baseline="30000" dirty="0"/>
-              <a:t>que cum </a:t>
-            </a:r>
-            <a:r>
-              <a:rPr lang="fr-FR" sz="2800" b="1" i="0" baseline="30000" dirty="0" err="1" smtClean="0"/>
+              <a:t> que cum </a:t>
+            </a:r>
+            <a:r>
+              <a:rPr lang="fr-FR" sz="2800" b="1" i="0" baseline="30000" dirty="0" err="1"/>
               <a:t>hicieni</a:t>
             </a:r>
             <a:endParaRPr lang="fr-FR" sz="2800" b="1" i="0" dirty="0"/>
@@ -7535,7 +7371,7 @@
               <a:buNone/>
             </a:pPr>
             <a:r>
-              <a:rPr lang="fr-FR" sz="1800" b="1" smtClean="0">
+              <a:rPr lang="fr-FR" sz="1800" b="1">
                 <a:solidFill>
                   <a:srgbClr val="FFFFFF"/>
                 </a:solidFill>
@@ -7653,10 +7489,9 @@
           </a:lstStyle>
           <a:p>
             <a:r>
-              <a:rPr lang="fr-FR" dirty="0" smtClean="0"/>
+              <a:rPr lang="fr-FR" dirty="0"/>
               <a:t>Cliquez et modifiez le titre</a:t>
             </a:r>
-            <a:endParaRPr lang="fr-FR" dirty="0"/>
           </a:p>
         </p:txBody>
       </p:sp>
@@ -7693,7 +7528,7 @@
           <a:p>
             <a:fld id="{DE9A3856-CABC-754C-812C-14B8D30E1B18}" type="datetime1">
               <a:rPr lang="fr-FR" smtClean="0"/>
-              <a:t>16/11/16</a:t>
+              <a:t>08/11/2018</a:t>
             </a:fld>
             <a:endParaRPr lang="fr-FR" dirty="0"/>
           </a:p>
@@ -7731,10 +7566,9 @@
           </a:lstStyle>
           <a:p>
             <a:r>
-              <a:rPr lang="fr-FR" smtClean="0"/>
+              <a:rPr lang="fr-FR"/>
               <a:t>Python pour la biologie</a:t>
             </a:r>
-            <a:endParaRPr lang="fr-FR"/>
           </a:p>
         </p:txBody>
       </p:sp>
@@ -7772,7 +7606,7 @@
             <a:fld id="{DCE37727-CC04-7A46-938D-2CCFF056F773}" type="slidenum">
               <a:rPr lang="fr-FR" smtClean="0"/>
               <a:pPr/>
-              <a:t>‹#›</a:t>
+              <a:t>‹N°›</a:t>
             </a:fld>
             <a:endParaRPr lang="fr-FR"/>
           </a:p>
@@ -7820,13 +7654,6 @@
   <p:clrMapOvr>
     <a:masterClrMapping/>
   </p:clrMapOvr>
-  <p:timing>
-    <p:tnLst>
-      <p:par>
-        <p:cTn xmlns:p14="http://schemas.microsoft.com/office/powerpoint/2010/main" id="1" dur="indefinite" restart="never" nodeType="tmRoot"/>
-      </p:par>
-    </p:tnLst>
-  </p:timing>
 </p:sldLayout>
 </file>
 
@@ -7878,10 +7705,9 @@
           <a:lstStyle/>
           <a:p>
             <a:r>
-              <a:rPr lang="fr-FR" smtClean="0"/>
+              <a:rPr lang="fr-FR"/>
               <a:t>Cliquez et modifiez le titre</a:t>
             </a:r>
-            <a:endParaRPr lang="fr-FR"/>
           </a:p>
         </p:txBody>
       </p:sp>
@@ -7932,13 +7758,6 @@
     <p:sldLayoutId id="2147483655" r:id="rId6"/>
     <p:sldLayoutId id="2147483656" r:id="rId7"/>
   </p:sldLayoutIdLst>
-  <p:timing>
-    <p:tnLst>
-      <p:par>
-        <p:cTn xmlns:p14="http://schemas.microsoft.com/office/powerpoint/2010/main" id="1" dur="indefinite" restart="never" nodeType="tmRoot"/>
-      </p:par>
-    </p:tnLst>
-  </p:timing>
   <p:hf hdr="0"/>
   <p:txStyles>
     <p:titleStyle>
@@ -8235,16 +8054,9 @@
   <p:clrMapOvr>
     <a:masterClrMapping/>
   </p:clrMapOvr>
-  <p:transition xmlns:p14="http://schemas.microsoft.com/office/powerpoint/2010/main" spd="slow">
+  <p:transition spd="slow">
     <p:wipe/>
   </p:transition>
-  <p:timing>
-    <p:tnLst>
-      <p:par>
-        <p:cTn xmlns:p14="http://schemas.microsoft.com/office/powerpoint/2010/main" id="1" dur="indefinite" restart="never" nodeType="tmRoot"/>
-      </p:par>
-    </p:tnLst>
-  </p:timing>
 </p:sld>
 </file>
 
@@ -8281,14 +8093,13 @@
           <a:lstStyle/>
           <a:p>
             <a:r>
-              <a:rPr lang="fr-FR" dirty="0" err="1" smtClean="0"/>
+              <a:rPr lang="fr-FR" dirty="0" err="1"/>
               <a:t>Sequences</a:t>
             </a:r>
             <a:r>
-              <a:rPr lang="fr-FR" dirty="0" smtClean="0"/>
+              <a:rPr lang="fr-FR" dirty="0"/>
               <a:t> et Alphabet (2)</a:t>
             </a:r>
-            <a:endParaRPr lang="fr-FR" dirty="0"/>
           </a:p>
         </p:txBody>
       </p:sp>
@@ -8313,16 +8124,8 @@
           <a:lstStyle/>
           <a:p>
             <a:r>
-              <a:rPr lang="en-US" dirty="0" smtClean="0"/>
-              <a:t>Create </a:t>
-            </a:r>
-            <a:r>
               <a:rPr lang="en-US" dirty="0"/>
-              <a:t>an ambiguous sequence with the default generic </a:t>
-            </a:r>
-            <a:r>
-              <a:rPr lang="en-US" dirty="0" smtClean="0"/>
-              <a:t>alphabet:</a:t>
+              <a:t>Create an ambiguous sequence with the default generic alphabet:</a:t>
             </a:r>
             <a:endParaRPr lang="fr-FR" dirty="0"/>
           </a:p>
@@ -8345,7 +8148,7 @@
           <a:p>
             <a:fld id="{93CBED37-D7BB-174A-9FC7-56685CD6E865}" type="datetime1">
               <a:rPr lang="fr-FR" smtClean="0"/>
-              <a:t>16/11/16</a:t>
+              <a:t>08/11/2018</a:t>
             </a:fld>
             <a:endParaRPr lang="fr-FR" dirty="0"/>
           </a:p>
@@ -8367,7 +8170,7 @@
           <a:lstStyle/>
           <a:p>
             <a:r>
-              <a:rPr lang="fr-FR" smtClean="0"/>
+              <a:rPr lang="fr-FR"/>
               <a:t>Python pour la biologie</a:t>
             </a:r>
             <a:endParaRPr lang="fr-FR" dirty="0"/>
@@ -8436,49 +8239,36 @@
           </a:lstStyle>
           <a:p>
             <a:r>
-              <a:rPr lang="en-US" sz="1200" dirty="0" smtClean="0"/>
-              <a:t>&gt;</a:t>
-            </a:r>
-            <a:r>
-              <a:rPr lang="en-US" sz="1200" dirty="0"/>
-              <a:t>&gt;&gt; </a:t>
-            </a:r>
-            <a:r>
-              <a:rPr lang="mr-IN" sz="1200" dirty="0" smtClean="0"/>
-              <a:t>my_seq </a:t>
-            </a:r>
-            <a:r>
-              <a:rPr lang="mr-IN" sz="1200" dirty="0"/>
-              <a:t>= </a:t>
-            </a:r>
-            <a:r>
-              <a:rPr lang="mr-IN" sz="1200" dirty="0" smtClean="0"/>
-              <a:t>Seq</a:t>
-            </a:r>
-            <a:r>
-              <a:rPr lang="fr-FR" sz="1200" dirty="0" smtClean="0"/>
-              <a:t>(</a:t>
-            </a:r>
-            <a:r>
-              <a:rPr lang="mr-IN" sz="1200" dirty="0" smtClean="0"/>
-              <a:t>"AGTACACTGGT”</a:t>
-            </a:r>
-            <a:r>
-              <a:rPr lang="fr-FR" sz="1200" dirty="0" smtClean="0"/>
-              <a:t>)</a:t>
-            </a:r>
-            <a:endParaRPr lang="mr-IN" sz="1200" dirty="0"/>
-          </a:p>
-          <a:p>
-            <a:r>
               <a:rPr lang="en-US" sz="1200" dirty="0"/>
               <a:t>&gt;&gt;&gt; </a:t>
             </a:r>
             <a:r>
-              <a:rPr lang="mr-IN" sz="1200" dirty="0" smtClean="0"/>
+              <a:rPr lang="mr-IN" sz="1200" dirty="0"/>
+              <a:t>my_seq = Seq</a:t>
+            </a:r>
+            <a:r>
+              <a:rPr lang="fr-FR" sz="1200" dirty="0"/>
+              <a:t>(</a:t>
+            </a:r>
+            <a:r>
+              <a:rPr lang="mr-IN" sz="1200" dirty="0"/>
+              <a:t>"AGTACACTGGT”</a:t>
+            </a:r>
+            <a:r>
+              <a:rPr lang="fr-FR" sz="1200" dirty="0"/>
+              <a:t>)</a:t>
+            </a:r>
+            <a:endParaRPr lang="mr-IN" sz="1200" dirty="0"/>
+          </a:p>
+          <a:p>
+            <a:r>
+              <a:rPr lang="en-US" sz="1200" dirty="0"/>
+              <a:t>&gt;&gt;&gt; </a:t>
+            </a:r>
+            <a:r>
+              <a:rPr lang="mr-IN" sz="1200" dirty="0"/>
               <a:t>my_seq</a:t>
             </a:r>
-            <a:endParaRPr lang="mr-IN" sz="1200" dirty="0"/>
           </a:p>
         </p:txBody>
       </p:sp>
@@ -8520,12 +8310,8 @@
           </a:lstStyle>
           <a:p>
             <a:r>
-              <a:rPr lang="en-US" sz="1200" dirty="0" smtClean="0"/>
-              <a:t>&gt;</a:t>
-            </a:r>
-            <a:r>
               <a:rPr lang="en-US" sz="1200" dirty="0"/>
-              <a:t>&gt;&gt; from </a:t>
+              <a:t>&gt;&gt;&gt; from </a:t>
             </a:r>
             <a:r>
               <a:rPr lang="en-US" sz="1200" dirty="0" err="1"/>
@@ -8572,7 +8358,7 @@
               <a:t>&gt;&gt;&gt; </a:t>
             </a:r>
             <a:r>
-              <a:rPr lang="en-US" sz="1200" dirty="0" err="1" smtClean="0"/>
+              <a:rPr lang="en-US" sz="1200" dirty="0" err="1"/>
               <a:t>my_seq</a:t>
             </a:r>
             <a:endParaRPr lang="en-US" sz="1200" dirty="0"/>
@@ -8617,12 +8403,8 @@
           </a:lstStyle>
           <a:p>
             <a:r>
-              <a:rPr lang="en-US" sz="1200" dirty="0" smtClean="0"/>
-              <a:t>&gt;</a:t>
-            </a:r>
-            <a:r>
               <a:rPr lang="en-US" sz="1200" dirty="0"/>
-              <a:t>&gt;&gt; from </a:t>
+              <a:t>&gt;&gt;&gt; from </a:t>
             </a:r>
             <a:r>
               <a:rPr lang="en-US" sz="1200" dirty="0" err="1"/>
@@ -8669,7 +8451,7 @@
               <a:t>&gt;&gt;&gt; </a:t>
             </a:r>
             <a:r>
-              <a:rPr lang="en-US" sz="1200" dirty="0" err="1" smtClean="0"/>
+              <a:rPr lang="en-US" sz="1200" dirty="0" err="1"/>
               <a:t>my_prot</a:t>
             </a:r>
             <a:endParaRPr lang="en-US" sz="1200" dirty="0"/>
@@ -8885,12 +8667,8 @@
           </a:lstStyle>
           <a:p>
             <a:r>
-              <a:rPr lang="en-US" dirty="0" smtClean="0"/>
-              <a:t>Specify </a:t>
-            </a:r>
-            <a:r>
               <a:rPr lang="en-US" dirty="0"/>
-              <a:t>the alphabet explicitly</a:t>
+              <a:t>Specify the alphabet explicitly</a:t>
             </a:r>
           </a:p>
         </p:txBody>
@@ -8933,7 +8711,7 @@
           </a:lstStyle>
           <a:p>
             <a:r>
-              <a:rPr lang="mr-IN" sz="1200" dirty="0" smtClean="0">
+              <a:rPr lang="mr-IN" sz="1200" dirty="0">
                 <a:solidFill>
                   <a:srgbClr val="FF0000"/>
                 </a:solidFill>
@@ -8941,7 +8719,7 @@
               <a:t>Alphabet</a:t>
             </a:r>
             <a:r>
-              <a:rPr lang="fr-FR" sz="1200" dirty="0" smtClean="0">
+              <a:rPr lang="fr-FR" sz="1200" dirty="0">
                 <a:solidFill>
                   <a:srgbClr val="FF0000"/>
                 </a:solidFill>
@@ -8994,18 +8772,13 @@
           </a:lstStyle>
           <a:p>
             <a:r>
-              <a:rPr lang="en-US" sz="1200" dirty="0" smtClean="0"/>
-              <a:t>&gt;</a:t>
-            </a:r>
-            <a:r>
               <a:rPr lang="en-US" sz="1200" dirty="0"/>
-              <a:t>&gt;&gt; </a:t>
-            </a:r>
-            <a:r>
-              <a:rPr lang="mr-IN" sz="1200" dirty="0" smtClean="0"/>
+              <a:t>&gt;&gt;&gt; </a:t>
+            </a:r>
+            <a:r>
+              <a:rPr lang="mr-IN" sz="1200" dirty="0"/>
               <a:t>my_seq.alphabet</a:t>
             </a:r>
-            <a:endParaRPr lang="mr-IN" sz="1200" dirty="0"/>
           </a:p>
         </p:txBody>
       </p:sp>
@@ -9047,31 +8820,15 @@
           </a:lstStyle>
           <a:p>
             <a:r>
-              <a:rPr lang="mr-IN" sz="1200" dirty="0" smtClean="0">
+              <a:rPr lang="mr-IN" sz="1200" dirty="0">
                 <a:solidFill>
                   <a:srgbClr val="FF0000"/>
                 </a:solidFill>
               </a:rPr>
-              <a:t>Seq</a:t>
-            </a:r>
-            <a:r>
-              <a:rPr lang="mr-IN" sz="1200" dirty="0">
-                <a:solidFill>
-                  <a:srgbClr val="FF0000"/>
-                </a:solidFill>
-              </a:rPr>
-              <a:t>('AGTACACTGGT', </a:t>
-            </a:r>
-            <a:r>
-              <a:rPr lang="mr-IN" sz="1200" dirty="0" smtClean="0">
-                <a:solidFill>
-                  <a:srgbClr val="FF0000"/>
-                </a:solidFill>
-              </a:rPr>
-              <a:t>Alphabet</a:t>
-            </a:r>
-            <a:r>
-              <a:rPr lang="fr-FR" sz="1200" dirty="0" smtClean="0">
+              <a:t>Seq('AGTACACTGGT', Alphabet</a:t>
+            </a:r>
+            <a:r>
+              <a:rPr lang="fr-FR" sz="1200" dirty="0">
                 <a:solidFill>
                   <a:srgbClr val="FF0000"/>
                 </a:solidFill>
@@ -9124,7 +8881,7 @@
           </a:lstStyle>
           <a:p>
             <a:r>
-              <a:rPr lang="en-US" sz="1200" dirty="0" err="1" smtClean="0">
+              <a:rPr lang="en-US" sz="1200" dirty="0" err="1">
                 <a:solidFill>
                   <a:srgbClr val="FF0000"/>
                 </a:solidFill>
@@ -9180,15 +8937,11 @@
           </a:lstStyle>
           <a:p>
             <a:r>
-              <a:rPr lang="en-US" sz="1200" dirty="0" smtClean="0"/>
-              <a:t>&gt;</a:t>
-            </a:r>
-            <a:r>
               <a:rPr lang="en-US" sz="1200" dirty="0"/>
-              <a:t>&gt;&gt; </a:t>
-            </a:r>
-            <a:r>
-              <a:rPr lang="en-US" sz="1200" dirty="0" err="1" smtClean="0"/>
+              <a:t>&gt;&gt;&gt; </a:t>
+            </a:r>
+            <a:r>
+              <a:rPr lang="en-US" sz="1200" dirty="0" err="1"/>
               <a:t>my_seq.alphabet</a:t>
             </a:r>
             <a:endParaRPr lang="en-US" sz="1200" dirty="0"/>
@@ -9233,7 +8986,7 @@
           </a:lstStyle>
           <a:p>
             <a:r>
-              <a:rPr lang="en-US" sz="1200" dirty="0" err="1" smtClean="0">
+              <a:rPr lang="en-US" sz="1200" dirty="0" err="1">
                 <a:solidFill>
                   <a:srgbClr val="FF0000"/>
                 </a:solidFill>
@@ -9262,21 +9015,8 @@
                   <a:srgbClr val="FF0000"/>
                 </a:solidFill>
               </a:rPr>
-              <a:t>()</a:t>
-            </a:r>
-            <a:r>
-              <a:rPr lang="en-US" sz="1200" dirty="0" smtClean="0">
-                <a:solidFill>
-                  <a:srgbClr val="FF0000"/>
-                </a:solidFill>
-              </a:rPr>
-              <a:t>)</a:t>
-            </a:r>
-            <a:endParaRPr lang="en-US" sz="1200" dirty="0">
-              <a:solidFill>
-                <a:srgbClr val="FF0000"/>
-              </a:solidFill>
-            </a:endParaRPr>
+              <a:t>())</a:t>
+            </a:r>
           </a:p>
         </p:txBody>
       </p:sp>
@@ -9318,7 +9058,7 @@
           </a:lstStyle>
           <a:p>
             <a:r>
-              <a:rPr lang="en-US" sz="1200" dirty="0" err="1" smtClean="0">
+              <a:rPr lang="en-US" sz="1200" dirty="0" err="1">
                 <a:solidFill>
                   <a:srgbClr val="FF0000"/>
                 </a:solidFill>
@@ -9374,15 +9114,11 @@
           </a:lstStyle>
           <a:p>
             <a:r>
-              <a:rPr lang="en-US" sz="1200" dirty="0" smtClean="0"/>
-              <a:t>&gt;</a:t>
-            </a:r>
-            <a:r>
               <a:rPr lang="en-US" sz="1200" dirty="0"/>
-              <a:t>&gt;&gt; </a:t>
-            </a:r>
-            <a:r>
-              <a:rPr lang="en-US" sz="1200" dirty="0" err="1" smtClean="0"/>
+              <a:t>&gt;&gt;&gt; </a:t>
+            </a:r>
+            <a:r>
+              <a:rPr lang="en-US" sz="1200" dirty="0" err="1"/>
               <a:t>my_prot.alphabet</a:t>
             </a:r>
             <a:endParaRPr lang="en-US" sz="1200" dirty="0"/>
@@ -9427,7 +9163,7 @@
           </a:lstStyle>
           <a:p>
             <a:r>
-              <a:rPr lang="en-US" sz="1200" dirty="0" err="1" smtClean="0">
+              <a:rPr lang="en-US" sz="1200" dirty="0" err="1">
                 <a:solidFill>
                   <a:srgbClr val="FF0000"/>
                 </a:solidFill>
@@ -9456,21 +9192,8 @@
                   <a:srgbClr val="FF0000"/>
                 </a:solidFill>
               </a:rPr>
-              <a:t>()</a:t>
-            </a:r>
-            <a:r>
-              <a:rPr lang="en-US" sz="1200" dirty="0" smtClean="0">
-                <a:solidFill>
-                  <a:srgbClr val="FF0000"/>
-                </a:solidFill>
-              </a:rPr>
-              <a:t>)</a:t>
-            </a:r>
-            <a:endParaRPr lang="en-US" sz="1200" dirty="0">
-              <a:solidFill>
-                <a:srgbClr val="FF0000"/>
-              </a:solidFill>
-            </a:endParaRPr>
+              <a:t>())</a:t>
+            </a:r>
           </a:p>
         </p:txBody>
       </p:sp>
@@ -9487,7 +9210,7 @@
   <p:timing>
     <p:tnLst>
       <p:par>
-        <p:cTn xmlns:p14="http://schemas.microsoft.com/office/powerpoint/2010/main" id="1" dur="indefinite" restart="never" nodeType="tmRoot">
+        <p:cTn id="1" dur="indefinite" restart="never" nodeType="tmRoot">
           <p:childTnLst>
             <p:seq concurrent="1" nextAc="seek">
               <p:cTn id="2" dur="indefinite" nodeType="mainSeq">
@@ -9845,18 +9568,7 @@
                 <a:ea typeface="Lucida Grande"/>
                 <a:cs typeface="Lucida Grande"/>
               </a:rPr>
-              <a:t> </a:t>
-            </a:r>
-            <a:r>
-              <a:rPr lang="fr-FR" dirty="0" smtClean="0">
-                <a:solidFill>
-                  <a:schemeClr val="bg1"/>
-                </a:solidFill>
-                <a:latin typeface="Lucida Grande"/>
-                <a:ea typeface="Lucida Grande"/>
-                <a:cs typeface="Lucida Grande"/>
-              </a:rPr>
-              <a:t>strings (1)</a:t>
+              <a:t> strings (1)</a:t>
             </a:r>
             <a:endParaRPr lang="fr-FR" dirty="0">
               <a:solidFill>
@@ -9888,15 +9600,7 @@
           <a:p>
             <a:r>
               <a:rPr lang="en-US" dirty="0"/>
-              <a:t>D</a:t>
-            </a:r>
-            <a:r>
-              <a:rPr lang="en-US" dirty="0" smtClean="0"/>
-              <a:t>eal </a:t>
-            </a:r>
-            <a:r>
-              <a:rPr lang="en-US" dirty="0"/>
-              <a:t>with </a:t>
+              <a:t>Deal with </a:t>
             </a:r>
             <a:r>
               <a:rPr lang="en-US" dirty="0" err="1"/>
@@ -9904,34 +9608,13 @@
             </a:r>
             <a:r>
               <a:rPr lang="en-US" dirty="0"/>
-              <a:t> objects as if they were normal Python </a:t>
-            </a:r>
-            <a:r>
-              <a:rPr lang="en-US" dirty="0" smtClean="0"/>
-              <a:t>strings</a:t>
-            </a:r>
-            <a:endParaRPr lang="en-US" dirty="0"/>
+              <a:t> objects as if they were normal Python strings</a:t>
+            </a:r>
           </a:p>
           <a:p>
             <a:r>
               <a:rPr lang="en-US" dirty="0"/>
-              <a:t>F</a:t>
-            </a:r>
-            <a:r>
-              <a:rPr lang="en-US" dirty="0" smtClean="0"/>
-              <a:t>or </a:t>
-            </a:r>
-            <a:r>
-              <a:rPr lang="en-US" dirty="0"/>
-              <a:t>example getting </a:t>
-            </a:r>
-            <a:r>
-              <a:rPr lang="en-US" dirty="0" smtClean="0"/>
-              <a:t>the length</a:t>
-            </a:r>
-            <a:r>
-              <a:rPr lang="en-US" dirty="0"/>
-              <a:t>, or iterating over the elements:</a:t>
+              <a:t>For example getting the length, or iterating over the elements:</a:t>
             </a:r>
           </a:p>
           <a:p>
@@ -9956,7 +9639,7 @@
           <a:p>
             <a:fld id="{4A36708A-A74F-D144-99B7-9E7373111E3F}" type="datetime1">
               <a:rPr lang="fr-FR" smtClean="0"/>
-              <a:t>16/11/16</a:t>
+              <a:t>08/11/2018</a:t>
             </a:fld>
             <a:endParaRPr lang="fr-FR" dirty="0"/>
           </a:p>
@@ -9978,7 +9661,7 @@
           <a:lstStyle/>
           <a:p>
             <a:r>
-              <a:rPr lang="fr-FR" smtClean="0"/>
+              <a:rPr lang="fr-FR"/>
               <a:t>Python pour la biologie</a:t>
             </a:r>
             <a:endParaRPr lang="fr-FR" dirty="0"/>
@@ -10047,12 +9730,8 @@
           </a:lstStyle>
           <a:p>
             <a:r>
-              <a:rPr lang="en-US" sz="1200" dirty="0" smtClean="0"/>
-              <a:t>&gt;</a:t>
-            </a:r>
-            <a:r>
               <a:rPr lang="en-US" sz="1200" dirty="0"/>
-              <a:t>&gt;&gt; from </a:t>
+              <a:t>&gt;&gt;&gt; from </a:t>
             </a:r>
             <a:r>
               <a:rPr lang="en-US" sz="1200" dirty="0" err="1"/>
@@ -10082,15 +9761,7 @@
             </a:r>
             <a:r>
               <a:rPr lang="en-US" sz="1200" dirty="0"/>
-              <a:t>("</a:t>
-            </a:r>
-            <a:r>
-              <a:rPr lang="en-US" sz="1200" dirty="0" smtClean="0"/>
-              <a:t>GATC"</a:t>
-            </a:r>
-            <a:r>
-              <a:rPr lang="en-US" sz="1200" dirty="0"/>
-              <a:t>, </a:t>
+              <a:t>("GATC", </a:t>
             </a:r>
             <a:r>
               <a:rPr lang="en-US" sz="1200" dirty="0" err="1"/>
@@ -10204,21 +9875,8 @@
                   <a:srgbClr val="FF0000"/>
                 </a:solidFill>
               </a:rPr>
-              <a:t>3 </a:t>
-            </a:r>
-            <a:r>
-              <a:rPr lang="tr-TR" sz="1200" dirty="0" smtClean="0">
-                <a:solidFill>
-                  <a:srgbClr val="FF0000"/>
-                </a:solidFill>
-              </a:rPr>
-              <a:t>C</a:t>
-            </a:r>
-            <a:endParaRPr lang="tr-TR" sz="1200" dirty="0">
-              <a:solidFill>
-                <a:srgbClr val="FF0000"/>
-              </a:solidFill>
-            </a:endParaRPr>
+              <a:t>3 C</a:t>
+            </a:r>
           </a:p>
         </p:txBody>
       </p:sp>
@@ -10260,31 +9918,31 @@
           </a:lstStyle>
           <a:p>
             <a:r>
-              <a:rPr lang="fr-FR" sz="1200" dirty="0" smtClean="0"/>
+              <a:rPr lang="fr-FR" sz="1200" dirty="0"/>
               <a:t>&gt;&gt;&gt; </a:t>
             </a:r>
             <a:r>
-              <a:rPr lang="mr-IN" sz="1200" dirty="0" smtClean="0"/>
+              <a:rPr lang="mr-IN" sz="1200" dirty="0"/>
               <a:t>print</a:t>
             </a:r>
             <a:r>
-              <a:rPr lang="fr-FR" sz="1200" dirty="0" smtClean="0"/>
+              <a:rPr lang="fr-FR" sz="1200" dirty="0"/>
               <a:t>(</a:t>
             </a:r>
             <a:r>
-              <a:rPr lang="mr-IN" sz="1200" dirty="0" smtClean="0"/>
+              <a:rPr lang="mr-IN" sz="1200" dirty="0"/>
               <a:t>len</a:t>
             </a:r>
             <a:r>
-              <a:rPr lang="fr-FR" sz="1200" dirty="0" smtClean="0"/>
+              <a:rPr lang="fr-FR" sz="1200" dirty="0"/>
               <a:t>(</a:t>
             </a:r>
             <a:r>
-              <a:rPr lang="mr-IN" sz="1200" dirty="0" smtClean="0"/>
+              <a:rPr lang="mr-IN" sz="1200" dirty="0"/>
               <a:t>my_seq</a:t>
             </a:r>
             <a:r>
-              <a:rPr lang="fr-FR" sz="1200" dirty="0" smtClean="0"/>
+              <a:rPr lang="fr-FR" sz="1200" dirty="0"/>
               <a:t>))</a:t>
             </a:r>
           </a:p>
@@ -10337,13 +9995,8 @@
             </a:r>
             <a:r>
               <a:rPr lang="en-US" sz="1200" dirty="0"/>
-              <a:t>[0]) #first </a:t>
-            </a:r>
-            <a:r>
-              <a:rPr lang="en-US" sz="1200" dirty="0" smtClean="0"/>
-              <a:t>letter</a:t>
-            </a:r>
-            <a:endParaRPr lang="en-US" sz="1200" dirty="0"/>
+              <a:t>[0]) #first letter</a:t>
+            </a:r>
           </a:p>
         </p:txBody>
       </p:sp>
@@ -10438,18 +10091,13 @@
           </a:lstStyle>
           <a:p>
             <a:r>
-              <a:rPr lang="en-US" sz="1200" dirty="0" smtClean="0">
+              <a:rPr lang="en-US" sz="1200" dirty="0">
                 <a:solidFill>
                   <a:srgbClr val="FF0000"/>
                 </a:solidFill>
               </a:rPr>
               <a:t>G</a:t>
             </a:r>
-            <a:endParaRPr lang="en-US" sz="1200" dirty="0">
-              <a:solidFill>
-                <a:srgbClr val="FF0000"/>
-              </a:solidFill>
-            </a:endParaRPr>
           </a:p>
         </p:txBody>
       </p:sp>
@@ -10491,12 +10139,8 @@
           </a:lstStyle>
           <a:p>
             <a:r>
-              <a:rPr lang="en-US" sz="1200" dirty="0" smtClean="0"/>
-              <a:t>&gt;</a:t>
-            </a:r>
-            <a:r>
               <a:rPr lang="en-US" sz="1200" dirty="0"/>
-              <a:t>&gt;&gt; print(</a:t>
+              <a:t>&gt;&gt;&gt; print(</a:t>
             </a:r>
             <a:r>
               <a:rPr lang="en-US" sz="1200" dirty="0" err="1"/>
@@ -10504,13 +10148,8 @@
             </a:r>
             <a:r>
               <a:rPr lang="en-US" sz="1200" dirty="0"/>
-              <a:t>[2]) #third </a:t>
-            </a:r>
-            <a:r>
-              <a:rPr lang="en-US" sz="1200" dirty="0" smtClean="0"/>
-              <a:t>letter</a:t>
-            </a:r>
-            <a:endParaRPr lang="en-US" sz="1200" dirty="0"/>
+              <a:t>[2]) #third letter</a:t>
+            </a:r>
           </a:p>
         </p:txBody>
       </p:sp>
@@ -10552,18 +10191,13 @@
           </a:lstStyle>
           <a:p>
             <a:r>
-              <a:rPr lang="en-US" sz="1200" dirty="0" smtClean="0">
+              <a:rPr lang="en-US" sz="1200" dirty="0">
                 <a:solidFill>
                   <a:srgbClr val="FF0000"/>
                 </a:solidFill>
               </a:rPr>
               <a:t>T</a:t>
             </a:r>
-            <a:endParaRPr lang="en-US" sz="1200" dirty="0">
-              <a:solidFill>
-                <a:srgbClr val="FF0000"/>
-              </a:solidFill>
-            </a:endParaRPr>
           </a:p>
         </p:txBody>
       </p:sp>
@@ -10605,12 +10239,8 @@
           </a:lstStyle>
           <a:p>
             <a:r>
-              <a:rPr lang="en-US" sz="1200" dirty="0" smtClean="0"/>
-              <a:t>&gt;</a:t>
-            </a:r>
-            <a:r>
               <a:rPr lang="en-US" sz="1200" dirty="0"/>
-              <a:t>&gt;&gt; print(</a:t>
+              <a:t>&gt;&gt;&gt; print(</a:t>
             </a:r>
             <a:r>
               <a:rPr lang="en-US" sz="1200" dirty="0" err="1"/>
@@ -10618,13 +10248,8 @@
             </a:r>
             <a:r>
               <a:rPr lang="en-US" sz="1200" dirty="0"/>
-              <a:t>[-1]) #last </a:t>
-            </a:r>
-            <a:r>
-              <a:rPr lang="en-US" sz="1200" dirty="0" smtClean="0"/>
-              <a:t>letter</a:t>
-            </a:r>
-            <a:endParaRPr lang="en-US" sz="1200" dirty="0"/>
+              <a:t>[-1]) #last letter</a:t>
+            </a:r>
           </a:p>
         </p:txBody>
       </p:sp>
@@ -10666,18 +10291,13 @@
           </a:lstStyle>
           <a:p>
             <a:r>
-              <a:rPr lang="en-US" sz="1200" dirty="0" smtClean="0">
+              <a:rPr lang="en-US" sz="1200" dirty="0">
                 <a:solidFill>
                   <a:srgbClr val="FF0000"/>
                 </a:solidFill>
               </a:rPr>
               <a:t>G</a:t>
             </a:r>
-            <a:endParaRPr lang="en-US" sz="1200" dirty="0">
-              <a:solidFill>
-                <a:srgbClr val="FF0000"/>
-              </a:solidFill>
-            </a:endParaRPr>
           </a:p>
         </p:txBody>
       </p:sp>
@@ -10890,16 +10510,8 @@
           </a:lstStyle>
           <a:p>
             <a:r>
-              <a:rPr lang="en-US" dirty="0" smtClean="0"/>
-              <a:t>Access </a:t>
-            </a:r>
-            <a:r>
               <a:rPr lang="en-US" dirty="0"/>
-              <a:t>elements of the sequence in the same way </a:t>
-            </a:r>
-            <a:r>
-              <a:rPr lang="en-US" dirty="0" smtClean="0"/>
-              <a:t>as </a:t>
+              <a:t>Access elements of the sequence in the same way as </a:t>
             </a:r>
             <a:r>
               <a:rPr lang="nb-NO" dirty="0"/>
@@ -10910,7 +10522,7 @@
               <a:t>string</a:t>
             </a:r>
             <a:r>
-              <a:rPr lang="en-US" dirty="0" smtClean="0"/>
+              <a:rPr lang="en-US" dirty="0"/>
               <a:t> </a:t>
             </a:r>
             <a:endParaRPr lang="fr-FR" dirty="0"/>
@@ -10927,13 +10539,6 @@
   <p:clrMapOvr>
     <a:masterClrMapping/>
   </p:clrMapOvr>
-  <p:timing>
-    <p:tnLst>
-      <p:par>
-        <p:cTn xmlns:p14="http://schemas.microsoft.com/office/powerpoint/2010/main" id="1" dur="indefinite" restart="never" nodeType="tmRoot"/>
-      </p:par>
-    </p:tnLst>
-  </p:timing>
 </p:sld>
 </file>
 
@@ -11015,15 +10620,7 @@
                 <a:ea typeface="Lucida Grande"/>
                 <a:cs typeface="Lucida Grande"/>
               </a:rPr>
-              <a:t> </a:t>
-            </a:r>
-            <a:r>
-              <a:rPr lang="fr-FR" dirty="0" smtClean="0">
-                <a:latin typeface="Lucida Grande"/>
-                <a:ea typeface="Lucida Grande"/>
-                <a:cs typeface="Lucida Grande"/>
-              </a:rPr>
-              <a:t>strings (2)</a:t>
+              <a:t> strings (2)</a:t>
             </a:r>
             <a:endParaRPr lang="fr-FR" dirty="0"/>
           </a:p>
@@ -11050,60 +10647,12 @@
           <a:lstStyle/>
           <a:p>
             <a:r>
-              <a:rPr lang="en-US" dirty="0" err="1" smtClean="0"/>
+              <a:rPr lang="en-US" dirty="0" err="1"/>
               <a:t>TheSeq</a:t>
             </a:r>
             <a:r>
               <a:rPr lang="en-US" dirty="0"/>
-              <a:t> </a:t>
-            </a:r>
-            <a:r>
-              <a:rPr lang="en-US" dirty="0" smtClean="0"/>
-              <a:t>object </a:t>
-            </a:r>
-            <a:r>
-              <a:rPr lang="en-US" dirty="0"/>
-              <a:t>has </a:t>
-            </a:r>
-            <a:r>
-              <a:rPr lang="en-US" dirty="0" smtClean="0"/>
-              <a:t>a “.count</a:t>
-            </a:r>
-            <a:r>
-              <a:rPr lang="en-US" dirty="0"/>
-              <a:t>(</a:t>
-            </a:r>
-            <a:r>
-              <a:rPr lang="en-US" dirty="0" smtClean="0"/>
-              <a:t>)” method</a:t>
-            </a:r>
-            <a:r>
-              <a:rPr lang="en-US" dirty="0"/>
-              <a:t>, just like a string. Note that this means that like a </a:t>
-            </a:r>
-            <a:r>
-              <a:rPr lang="en-US" dirty="0" smtClean="0"/>
-              <a:t>Python string</a:t>
-            </a:r>
-            <a:r>
-              <a:rPr lang="en-US" dirty="0"/>
-              <a:t>, this gives </a:t>
-            </a:r>
-            <a:r>
-              <a:rPr lang="en-US" dirty="0" smtClean="0"/>
-              <a:t>a non</a:t>
-            </a:r>
-            <a:r>
-              <a:rPr lang="en-US" dirty="0"/>
-              <a:t>-</a:t>
-            </a:r>
-            <a:r>
-              <a:rPr lang="en-US" dirty="0" smtClean="0"/>
-              <a:t>overlapping count</a:t>
-            </a:r>
-            <a:r>
-              <a:rPr lang="en-US" dirty="0"/>
-              <a:t>:</a:t>
+              <a:t> object has a “.count()” method, just like a string. Note that this means that like a Python string, this gives a non-overlapping count:</a:t>
             </a:r>
           </a:p>
           <a:p>
@@ -11128,7 +10677,7 @@
           <a:p>
             <a:fld id="{AB52CF4D-4ED3-CD4E-AAB3-2DE1E5BFD40C}" type="datetime1">
               <a:rPr lang="fr-FR" smtClean="0"/>
-              <a:t>16/11/16</a:t>
+              <a:t>08/11/2018</a:t>
             </a:fld>
             <a:endParaRPr lang="fr-FR" dirty="0"/>
           </a:p>
@@ -11150,7 +10699,7 @@
           <a:lstStyle/>
           <a:p>
             <a:r>
-              <a:rPr lang="fr-FR" smtClean="0"/>
+              <a:rPr lang="fr-FR"/>
               <a:t>Python pour la biologie</a:t>
             </a:r>
             <a:endParaRPr lang="fr-FR" dirty="0"/>
@@ -11219,25 +10768,18 @@
           </a:lstStyle>
           <a:p>
             <a:r>
-              <a:rPr lang="fr-FR" sz="1200" dirty="0" smtClean="0">
+              <a:rPr lang="fr-FR" sz="1200" dirty="0">
                 <a:latin typeface="Arial"/>
                 <a:cs typeface="Arial"/>
               </a:rPr>
               <a:t>&gt;&gt;&gt; </a:t>
-            </a:r>
-            <a:r>
-              <a:rPr lang="mr-IN" sz="1200" dirty="0" smtClean="0">
-                <a:latin typeface="Arial"/>
-                <a:cs typeface="Arial"/>
-              </a:rPr>
-              <a:t>"</a:t>
             </a:r>
             <a:r>
               <a:rPr lang="mr-IN" sz="1200" dirty="0">
                 <a:latin typeface="Arial"/>
                 <a:cs typeface="Arial"/>
               </a:rPr>
-              <a:t>AAAA".count("AA")</a:t>
+              <a:t>"AAAA".count("AA")</a:t>
             </a:r>
             <a:endParaRPr lang="en-US" sz="1200" dirty="0">
               <a:latin typeface="Arial"/>
@@ -11288,14 +10830,13 @@
               <a:t>&gt;&gt;&gt; from </a:t>
             </a:r>
             <a:r>
-              <a:rPr lang="en-US" sz="1200" dirty="0" err="1" smtClean="0"/>
+              <a:rPr lang="en-US" sz="1200" dirty="0" err="1"/>
               <a:t>Bio.Alphabet</a:t>
             </a:r>
             <a:r>
-              <a:rPr lang="en-US" sz="1200" dirty="0" smtClean="0"/>
+              <a:rPr lang="en-US" sz="1200" dirty="0"/>
               <a:t> import IUPAC</a:t>
             </a:r>
-            <a:endParaRPr lang="en-US" sz="1200" dirty="0"/>
           </a:p>
           <a:p>
             <a:r>
@@ -11345,10 +10886,10 @@
               <a:t>my_seq</a:t>
             </a:r>
             <a:r>
-              <a:rPr lang="en-US" sz="1200" dirty="0" smtClean="0"/>
+              <a:rPr lang="en-US" sz="1200" dirty="0"/>
               <a:t>)</a:t>
             </a:r>
-            <a:endParaRPr lang="fr-FR" sz="1200" dirty="0" smtClean="0"/>
+            <a:endParaRPr lang="fr-FR" sz="1200" dirty="0"/>
           </a:p>
         </p:txBody>
       </p:sp>
@@ -11562,23 +11103,7 @@
           <a:p>
             <a:r>
               <a:rPr lang="en-US" dirty="0"/>
-              <a:t>For some biological uses, you may actually want an overlapping count (i.e. 3 in this trivial example). </a:t>
-            </a:r>
-            <a:r>
-              <a:rPr lang="en-US" dirty="0" smtClean="0"/>
-              <a:t>When searching </a:t>
-            </a:r>
-            <a:r>
-              <a:rPr lang="en-US" dirty="0"/>
-              <a:t>for single letters, this makes no </a:t>
-            </a:r>
-            <a:r>
-              <a:rPr lang="en-US" dirty="0" smtClean="0"/>
-              <a:t>difference</a:t>
-            </a:r>
-            <a:r>
-              <a:rPr lang="en-US" dirty="0"/>
-              <a:t>:</a:t>
+              <a:t>For some biological uses, you may actually want an overlapping count (i.e. 3 in this trivial example). When searching for single letters, this makes no difference:</a:t>
             </a:r>
           </a:p>
           <a:p>
@@ -11624,18 +11149,13 @@
           </a:lstStyle>
           <a:p>
             <a:r>
-              <a:rPr lang="en-US" sz="1200" dirty="0" smtClean="0">
+              <a:rPr lang="en-US" sz="1200" dirty="0">
                 <a:solidFill>
                   <a:srgbClr val="FF0000"/>
                 </a:solidFill>
               </a:rPr>
               <a:t>2</a:t>
             </a:r>
-            <a:endParaRPr lang="en-US" sz="1200" dirty="0">
-              <a:solidFill>
-                <a:srgbClr val="FF0000"/>
-              </a:solidFill>
-            </a:endParaRPr>
           </a:p>
         </p:txBody>
       </p:sp>
@@ -11677,39 +11197,39 @@
           </a:lstStyle>
           <a:p>
             <a:r>
-              <a:rPr lang="fr-FR" sz="1200" dirty="0" smtClean="0"/>
+              <a:rPr lang="fr-FR" sz="1200" dirty="0"/>
               <a:t>&gt;&gt;&gt;</a:t>
             </a:r>
             <a:r>
-              <a:rPr lang="mr-IN" sz="1200" dirty="0" smtClean="0"/>
+              <a:rPr lang="mr-IN" sz="1200" dirty="0"/>
               <a:t> Seq</a:t>
             </a:r>
             <a:r>
-              <a:rPr lang="fr-FR" sz="1200" dirty="0" smtClean="0"/>
+              <a:rPr lang="fr-FR" sz="1200" dirty="0"/>
               <a:t>(</a:t>
             </a:r>
             <a:r>
-              <a:rPr lang="mr-IN" sz="1200" dirty="0" smtClean="0"/>
+              <a:rPr lang="mr-IN" sz="1200" dirty="0"/>
               <a:t>"AAAA”</a:t>
             </a:r>
             <a:r>
-              <a:rPr lang="fr-FR" sz="1200" dirty="0" smtClean="0"/>
+              <a:rPr lang="fr-FR" sz="1200" dirty="0"/>
               <a:t>)</a:t>
             </a:r>
             <a:r>
-              <a:rPr lang="mr-IN" sz="1200" dirty="0" smtClean="0"/>
+              <a:rPr lang="mr-IN" sz="1200" dirty="0"/>
               <a:t>.count</a:t>
             </a:r>
             <a:r>
-              <a:rPr lang="fr-FR" sz="1200" dirty="0" smtClean="0"/>
+              <a:rPr lang="fr-FR" sz="1200" dirty="0"/>
               <a:t>(</a:t>
             </a:r>
             <a:r>
-              <a:rPr lang="mr-IN" sz="1200" dirty="0" smtClean="0"/>
+              <a:rPr lang="mr-IN" sz="1200" dirty="0"/>
               <a:t>"AA”</a:t>
             </a:r>
             <a:r>
-              <a:rPr lang="fr-FR" sz="1200" dirty="0" smtClean="0"/>
+              <a:rPr lang="fr-FR" sz="1200" dirty="0"/>
               <a:t>)</a:t>
             </a:r>
             <a:endParaRPr lang="en-US" sz="1200" dirty="0"/>
@@ -11754,18 +11274,13 @@
           </a:lstStyle>
           <a:p>
             <a:r>
-              <a:rPr lang="en-US" sz="1200" dirty="0" smtClean="0">
+              <a:rPr lang="en-US" sz="1200" dirty="0">
                 <a:solidFill>
                   <a:srgbClr val="FF0000"/>
                 </a:solidFill>
               </a:rPr>
               <a:t>2</a:t>
             </a:r>
-            <a:endParaRPr lang="en-US" sz="1200" dirty="0">
-              <a:solidFill>
-                <a:srgbClr val="FF0000"/>
-              </a:solidFill>
-            </a:endParaRPr>
           </a:p>
         </p:txBody>
       </p:sp>
@@ -11855,7 +11370,7 @@
           </a:lstStyle>
           <a:p>
             <a:r>
-              <a:rPr lang="fr-FR" sz="1200" dirty="0" smtClean="0">
+              <a:rPr lang="fr-FR" sz="1200" dirty="0">
                 <a:solidFill>
                   <a:srgbClr val="FF0000"/>
                 </a:solidFill>
@@ -11908,7 +11423,7 @@
           </a:lstStyle>
           <a:p>
             <a:r>
-              <a:rPr lang="fr-FR" sz="1200" dirty="0" smtClean="0">
+              <a:rPr lang="fr-FR" sz="1200" dirty="0">
                 <a:solidFill>
                   <a:srgbClr val="FF0000"/>
                 </a:solidFill>
@@ -11961,87 +11476,63 @@
           </a:lstStyle>
           <a:p>
             <a:r>
-              <a:rPr lang="fr-FR" sz="1200" dirty="0" smtClean="0"/>
+              <a:rPr lang="fr-FR" sz="1200" dirty="0"/>
               <a:t>&gt;&gt;&gt;</a:t>
             </a:r>
             <a:r>
-              <a:rPr lang="mr-IN" sz="1200" dirty="0" smtClean="0"/>
-              <a:t> </a:t>
-            </a:r>
-            <a:r>
               <a:rPr lang="mr-IN" sz="1200" dirty="0"/>
-              <a:t>100 * </a:t>
-            </a:r>
-            <a:r>
-              <a:rPr lang="mr-IN" sz="1200" dirty="0" smtClean="0"/>
-              <a:t>float</a:t>
-            </a:r>
-            <a:r>
-              <a:rPr lang="fr-FR" sz="1200" dirty="0" smtClean="0"/>
+              <a:t> 100 * float</a:t>
+            </a:r>
+            <a:r>
+              <a:rPr lang="fr-FR" sz="1200" dirty="0"/>
               <a:t>(</a:t>
             </a:r>
             <a:r>
-              <a:rPr lang="mr-IN" sz="1200" dirty="0" smtClean="0"/>
+              <a:rPr lang="mr-IN" sz="1200" dirty="0"/>
               <a:t>my_seq.count</a:t>
             </a:r>
             <a:r>
-              <a:rPr lang="fr-FR" sz="1200" dirty="0" smtClean="0"/>
+              <a:rPr lang="fr-FR" sz="1200" dirty="0"/>
               <a:t>(‘</a:t>
             </a:r>
             <a:r>
-              <a:rPr lang="mr-IN" sz="1200" dirty="0" smtClean="0"/>
+              <a:rPr lang="mr-IN" sz="1200" dirty="0"/>
               <a:t>G</a:t>
             </a:r>
             <a:r>
-              <a:rPr lang="fr-FR" sz="1200" dirty="0" smtClean="0"/>
+              <a:rPr lang="fr-FR" sz="1200" dirty="0"/>
               <a:t>’)</a:t>
             </a:r>
             <a:r>
-              <a:rPr lang="mr-IN" sz="1200" dirty="0" smtClean="0"/>
-              <a:t> </a:t>
-            </a:r>
-            <a:r>
               <a:rPr lang="mr-IN" sz="1200" dirty="0"/>
-              <a:t>+ </a:t>
-            </a:r>
-            <a:r>
-              <a:rPr lang="mr-IN" sz="1200" dirty="0" smtClean="0"/>
-              <a:t>my_seq.count</a:t>
-            </a:r>
-            <a:r>
-              <a:rPr lang="fr-FR" sz="1200" dirty="0" smtClean="0"/>
+              <a:t> + my_seq.count</a:t>
+            </a:r>
+            <a:r>
+              <a:rPr lang="fr-FR" sz="1200" dirty="0"/>
               <a:t>(‘</a:t>
             </a:r>
             <a:r>
-              <a:rPr lang="mr-IN" sz="1200" dirty="0" smtClean="0"/>
+              <a:rPr lang="mr-IN" sz="1200" dirty="0"/>
               <a:t>C</a:t>
             </a:r>
             <a:r>
-              <a:rPr lang="fr-FR" sz="1200" dirty="0" smtClean="0"/>
+              <a:rPr lang="fr-FR" sz="1200" dirty="0"/>
               <a:t>’))</a:t>
             </a:r>
             <a:r>
-              <a:rPr lang="mr-IN" sz="1200" dirty="0" smtClean="0"/>
-              <a:t> </a:t>
-            </a:r>
-            <a:r>
               <a:rPr lang="mr-IN" sz="1200" dirty="0"/>
-              <a:t>/ </a:t>
-            </a:r>
-            <a:r>
-              <a:rPr lang="mr-IN" sz="1200" dirty="0" smtClean="0"/>
-              <a:t>len</a:t>
-            </a:r>
-            <a:r>
-              <a:rPr lang="fr-FR" sz="1200" dirty="0" smtClean="0"/>
+              <a:t> / len</a:t>
+            </a:r>
+            <a:r>
+              <a:rPr lang="fr-FR" sz="1200" dirty="0"/>
               <a:t>(</a:t>
             </a:r>
             <a:r>
-              <a:rPr lang="mr-IN" sz="1200" dirty="0" smtClean="0"/>
+              <a:rPr lang="mr-IN" sz="1200" dirty="0"/>
               <a:t>my_seq</a:t>
             </a:r>
             <a:r>
-              <a:rPr lang="fr-FR" sz="1200" dirty="0" smtClean="0"/>
+              <a:rPr lang="fr-FR" sz="1200" dirty="0"/>
               <a:t>)</a:t>
             </a:r>
             <a:endParaRPr lang="mr-IN" sz="1200" dirty="0"/>
@@ -12086,30 +11577,13 @@
           </a:lstStyle>
           <a:p>
             <a:r>
-              <a:rPr lang="fr-FR" sz="1200" dirty="0" smtClean="0"/>
-              <a:t>&gt;</a:t>
-            </a:r>
-            <a:r>
               <a:rPr lang="fr-FR" sz="1200" dirty="0"/>
-              <a:t>&gt;&gt;</a:t>
+              <a:t>&gt;&gt;&gt;</a:t>
             </a:r>
             <a:r>
               <a:rPr lang="mr-IN" sz="1200" dirty="0"/>
-              <a:t> </a:t>
-            </a:r>
-            <a:r>
-              <a:rPr lang="mr-IN" sz="1200" dirty="0" smtClean="0"/>
-              <a:t>my_seq.count</a:t>
-            </a:r>
-            <a:r>
-              <a:rPr lang="mr-IN" sz="1200" dirty="0"/>
-              <a:t>("</a:t>
-            </a:r>
-            <a:r>
-              <a:rPr lang="mr-IN" sz="1200" dirty="0" smtClean="0"/>
-              <a:t>G”)</a:t>
-            </a:r>
-            <a:endParaRPr lang="mr-IN" sz="1200" dirty="0"/>
+              <a:t> my_seq.count("G”)</a:t>
+            </a:r>
           </a:p>
         </p:txBody>
       </p:sp>
@@ -12123,13 +11597,6 @@
   <p:clrMapOvr>
     <a:masterClrMapping/>
   </p:clrMapOvr>
-  <p:timing>
-    <p:tnLst>
-      <p:par>
-        <p:cTn xmlns:p14="http://schemas.microsoft.com/office/powerpoint/2010/main" id="1" dur="indefinite" restart="never" nodeType="tmRoot"/>
-      </p:par>
-    </p:tnLst>
-  </p:timing>
 </p:sld>
 </file>
 
@@ -12211,15 +11678,7 @@
                 <a:ea typeface="Lucida Grande"/>
                 <a:cs typeface="Lucida Grande"/>
               </a:rPr>
-              <a:t> </a:t>
-            </a:r>
-            <a:r>
-              <a:rPr lang="fr-FR" dirty="0" smtClean="0">
-                <a:latin typeface="Lucida Grande"/>
-                <a:ea typeface="Lucida Grande"/>
-                <a:cs typeface="Lucida Grande"/>
-              </a:rPr>
-              <a:t>strings (3)</a:t>
+              <a:t> strings (3)</a:t>
             </a:r>
             <a:endParaRPr lang="fr-FR" dirty="0"/>
           </a:p>
@@ -12242,7 +11701,7 @@
           <a:p>
             <a:fld id="{96FB2786-AAD5-FD45-887E-EF5E7CD549BC}" type="datetime1">
               <a:rPr lang="fr-FR" smtClean="0"/>
-              <a:t>16/11/16</a:t>
+              <a:t>08/11/2018</a:t>
             </a:fld>
             <a:endParaRPr lang="fr-FR" dirty="0"/>
           </a:p>
@@ -12264,7 +11723,7 @@
           <a:lstStyle/>
           <a:p>
             <a:r>
-              <a:rPr lang="fr-FR" smtClean="0"/>
+              <a:rPr lang="fr-FR"/>
               <a:t>Python pour la biologie</a:t>
             </a:r>
             <a:endParaRPr lang="fr-FR" dirty="0"/>
@@ -12507,43 +11966,22 @@
           <a:p>
             <a:r>
               <a:rPr lang="en-US" dirty="0"/>
-              <a:t>While you could use the above snippet of code to calculate a GC%, note that </a:t>
-            </a:r>
-            <a:r>
-              <a:rPr lang="en-US" dirty="0" smtClean="0"/>
-              <a:t>the </a:t>
-            </a:r>
-            <a:r>
-              <a:rPr lang="en-US" dirty="0" err="1" smtClean="0"/>
+              <a:t>While you could use the above snippet of code to calculate a GC%, note that the </a:t>
+            </a:r>
+            <a:r>
+              <a:rPr lang="en-US" dirty="0" err="1"/>
               <a:t>Bio.SeqUtils</a:t>
             </a:r>
             <a:r>
               <a:rPr lang="en-US" dirty="0"/>
-              <a:t> </a:t>
-            </a:r>
-            <a:r>
-              <a:rPr lang="en-US" dirty="0" smtClean="0"/>
-              <a:t>module</a:t>
-            </a:r>
-            <a:r>
-              <a:rPr lang="en-US" dirty="0"/>
-              <a:t> </a:t>
-            </a:r>
-            <a:r>
-              <a:rPr lang="en-US" dirty="0" smtClean="0"/>
-              <a:t>has </a:t>
-            </a:r>
-            <a:r>
-              <a:rPr lang="en-US" dirty="0"/>
-              <a:t>several GC functions already built. </a:t>
-            </a:r>
-            <a:endParaRPr lang="en-US" dirty="0" smtClean="0"/>
+              <a:t> module has several GC functions already built. </a:t>
+            </a:r>
           </a:p>
           <a:p>
             <a:pPr marL="0" indent="0">
               <a:buNone/>
             </a:pPr>
-            <a:endParaRPr lang="en-US" dirty="0" smtClean="0"/>
+            <a:endParaRPr lang="en-US" dirty="0"/>
           </a:p>
         </p:txBody>
       </p:sp>
@@ -12894,13 +12332,8 @@
             </a:r>
             <a:r>
               <a:rPr lang="en-US" dirty="0"/>
-              <a:t>() function should automatically cope with mixed case sequences and the ambiguous nucleotide S which means G or C</a:t>
-            </a:r>
-            <a:r>
-              <a:rPr lang="en-US" dirty="0" smtClean="0"/>
-              <a:t>.</a:t>
-            </a:r>
-            <a:endParaRPr lang="en-US" dirty="0"/>
+              <a:t>() function should automatically cope with mixed case sequences and the ambiguous nucleotide S which means G or C.</a:t>
+            </a:r>
           </a:p>
         </p:txBody>
       </p:sp>
@@ -13113,12 +12546,8 @@
           </a:lstStyle>
           <a:p>
             <a:r>
-              <a:rPr lang="en-US" dirty="0" smtClean="0"/>
-              <a:t>Also </a:t>
-            </a:r>
-            <a:r>
               <a:rPr lang="en-US" dirty="0"/>
-              <a:t>note that just like a normal Python string, the </a:t>
+              <a:t>Also note that just like a normal Python string, the </a:t>
             </a:r>
             <a:r>
               <a:rPr lang="en-US" dirty="0" err="1"/>
@@ -13128,30 +12557,20 @@
               <a:rPr lang="en-US" dirty="0"/>
               <a:t> object is in some ways \read-only". </a:t>
             </a:r>
-            <a:endParaRPr lang="en-US" dirty="0" smtClean="0"/>
-          </a:p>
-          <a:p>
-            <a:r>
-              <a:rPr lang="en-US" dirty="0" smtClean="0"/>
-              <a:t>If </a:t>
-            </a:r>
+          </a:p>
+          <a:p>
             <a:r>
               <a:rPr lang="en-US" dirty="0"/>
-              <a:t>you need to edit your sequence, for example simulating a point mutation, </a:t>
-            </a:r>
-            <a:r>
-              <a:rPr lang="en-US" dirty="0" smtClean="0"/>
-              <a:t>you need to use a </a:t>
-            </a:r>
-            <a:r>
-              <a:rPr lang="en-US" dirty="0" err="1" smtClean="0"/>
+              <a:t>If you need to edit your sequence, for example simulating a point mutation, you need to use a </a:t>
+            </a:r>
+            <a:r>
+              <a:rPr lang="en-US" dirty="0" err="1"/>
               <a:t>MutableSeq</a:t>
             </a:r>
             <a:r>
-              <a:rPr lang="en-US" dirty="0" smtClean="0"/>
+              <a:rPr lang="en-US" dirty="0"/>
               <a:t> object).</a:t>
             </a:r>
-            <a:endParaRPr lang="en-US" dirty="0"/>
           </a:p>
           <a:p>
             <a:endParaRPr lang="en-US" dirty="0"/>
@@ -13216,13 +12635,6 @@
   <p:clrMapOvr>
     <a:masterClrMapping/>
   </p:clrMapOvr>
-  <p:timing>
-    <p:tnLst>
-      <p:par>
-        <p:cTn xmlns:p14="http://schemas.microsoft.com/office/powerpoint/2010/main" id="1" dur="indefinite" restart="never" nodeType="tmRoot"/>
-      </p:par>
-    </p:tnLst>
-  </p:timing>
 </p:sld>
 </file>
 
@@ -13259,15 +12671,15 @@
           <a:lstStyle/>
           <a:p>
             <a:r>
-              <a:rPr lang="fr-FR" dirty="0" err="1" smtClean="0"/>
+              <a:rPr lang="fr-FR" dirty="0" err="1"/>
               <a:t>Slicing</a:t>
             </a:r>
             <a:r>
-              <a:rPr lang="fr-FR" dirty="0" smtClean="0"/>
+              <a:rPr lang="fr-FR" dirty="0"/>
               <a:t> a </a:t>
             </a:r>
             <a:r>
-              <a:rPr lang="fr-FR" dirty="0" err="1" smtClean="0"/>
+              <a:rPr lang="fr-FR" dirty="0" err="1"/>
               <a:t>sequence</a:t>
             </a:r>
             <a:endParaRPr lang="fr-FR" dirty="0"/>
@@ -13296,15 +12708,7 @@
           <a:p>
             <a:r>
               <a:rPr lang="en-US" dirty="0"/>
-              <a:t>L</a:t>
-            </a:r>
-            <a:r>
-              <a:rPr lang="en-US" dirty="0" smtClean="0"/>
-              <a:t>et's </a:t>
-            </a:r>
-            <a:r>
-              <a:rPr lang="en-US" dirty="0"/>
-              <a:t>get a slice of the sequence</a:t>
+              <a:t>Let's get a slice of the sequence</a:t>
             </a:r>
             <a:endParaRPr lang="fr-FR" dirty="0"/>
           </a:p>
@@ -13327,7 +12731,7 @@
           <a:p>
             <a:fld id="{BAF8E10C-8EC3-0445-8AC7-B6EC4208D61D}" type="datetime1">
               <a:rPr lang="fr-FR" smtClean="0"/>
-              <a:t>16/11/16</a:t>
+              <a:t>08/11/2018</a:t>
             </a:fld>
             <a:endParaRPr lang="fr-FR" dirty="0"/>
           </a:p>
@@ -13349,7 +12753,7 @@
           <a:lstStyle/>
           <a:p>
             <a:r>
-              <a:rPr lang="fr-FR" smtClean="0"/>
+              <a:rPr lang="fr-FR"/>
               <a:t>Python pour la biologie</a:t>
             </a:r>
             <a:endParaRPr lang="fr-FR" dirty="0"/>
@@ -13490,13 +12894,8 @@
             </a:r>
             <a:r>
               <a:rPr lang="en-US" sz="1200" dirty="0"/>
-              <a:t>[4:12</a:t>
-            </a:r>
-            <a:r>
-              <a:rPr lang="en-US" sz="1200" dirty="0" smtClean="0"/>
-              <a:t>]</a:t>
-            </a:r>
-            <a:endParaRPr lang="en-US" sz="1200" dirty="0"/>
+              <a:t>[4:12]</a:t>
+            </a:r>
           </a:p>
         </p:txBody>
       </p:sp>
@@ -13538,31 +12937,31 @@
           </a:lstStyle>
           <a:p>
             <a:r>
-              <a:rPr lang="fr-FR" sz="1200" dirty="0" smtClean="0"/>
+              <a:rPr lang="fr-FR" sz="1200" dirty="0"/>
               <a:t>&gt;&gt;&gt; </a:t>
             </a:r>
             <a:r>
-              <a:rPr lang="mr-IN" sz="1200" dirty="0" smtClean="0"/>
+              <a:rPr lang="mr-IN" sz="1200" dirty="0"/>
               <a:t>my_seq</a:t>
             </a:r>
             <a:r>
-              <a:rPr lang="fr-FR" sz="1200" dirty="0" smtClean="0"/>
+              <a:rPr lang="fr-FR" sz="1200" dirty="0"/>
               <a:t>[</a:t>
             </a:r>
             <a:r>
-              <a:rPr lang="mr-IN" sz="1200" dirty="0" smtClean="0"/>
+              <a:rPr lang="mr-IN" sz="1200" dirty="0"/>
               <a:t>0</a:t>
             </a:r>
             <a:r>
-              <a:rPr lang="fr-FR" sz="1200" dirty="0" smtClean="0"/>
+              <a:rPr lang="fr-FR" sz="1200" dirty="0"/>
               <a:t>::</a:t>
             </a:r>
             <a:r>
-              <a:rPr lang="mr-IN" sz="1200" dirty="0" smtClean="0"/>
+              <a:rPr lang="mr-IN" sz="1200" dirty="0"/>
               <a:t>3</a:t>
             </a:r>
             <a:r>
-              <a:rPr lang="fr-FR" sz="1200" dirty="0" smtClean="0"/>
+              <a:rPr lang="fr-FR" sz="1200" dirty="0"/>
               <a:t>]</a:t>
             </a:r>
             <a:endParaRPr lang="en-US" sz="1200" dirty="0"/>
@@ -13623,28 +13022,12 @@
               <a:t>(</a:t>
             </a:r>
             <a:r>
-              <a:rPr lang="mr-IN" sz="1200" dirty="0" smtClean="0">
+              <a:rPr lang="mr-IN" sz="1200" dirty="0">
                 <a:solidFill>
                   <a:srgbClr val="FF0000"/>
                 </a:solidFill>
               </a:rPr>
-              <a:t>AGGCATGCATC</a:t>
-            </a:r>
-            <a:r>
-              <a:rPr lang="mr-IN" sz="1200" dirty="0">
-                <a:solidFill>
-                  <a:srgbClr val="FF0000"/>
-                </a:solidFill>
-              </a:rPr>
-              <a:t>', </a:t>
-            </a:r>
-            <a:r>
-              <a:rPr lang="mr-IN" sz="1200" dirty="0" smtClean="0">
-                <a:solidFill>
-                  <a:srgbClr val="FF0000"/>
-                </a:solidFill>
-              </a:rPr>
-              <a:t>IUPACUnambiguousDNA</a:t>
+              <a:t>AGGCATGCATC', IUPACUnambiguousDNA</a:t>
             </a:r>
             <a:r>
               <a:rPr lang="es-ES_tradnl" sz="1200" dirty="0">
@@ -13700,31 +13083,23 @@
           </a:lstStyle>
           <a:p>
             <a:r>
-              <a:rPr lang="fr-FR" sz="1200" dirty="0" smtClean="0"/>
+              <a:rPr lang="fr-FR" sz="1200" dirty="0"/>
               <a:t>&gt;&gt;&gt; </a:t>
             </a:r>
             <a:r>
-              <a:rPr lang="mr-IN" sz="1200" dirty="0" smtClean="0"/>
+              <a:rPr lang="mr-IN" sz="1200" dirty="0"/>
               <a:t>my_seq</a:t>
             </a:r>
             <a:r>
-              <a:rPr lang="fr-FR" sz="1200" dirty="0" smtClean="0"/>
-              <a:t>[</a:t>
-            </a:r>
-            <a:r>
               <a:rPr lang="fr-FR" sz="1200" dirty="0"/>
-              <a:t>1</a:t>
-            </a:r>
-            <a:r>
-              <a:rPr lang="fr-FR" sz="1200" dirty="0" smtClean="0"/>
-              <a:t>::</a:t>
-            </a:r>
-            <a:r>
-              <a:rPr lang="mr-IN" sz="1200" dirty="0" smtClean="0"/>
+              <a:t>[1::</a:t>
+            </a:r>
+            <a:r>
+              <a:rPr lang="mr-IN" sz="1200" dirty="0"/>
               <a:t>3</a:t>
             </a:r>
             <a:r>
-              <a:rPr lang="fr-FR" sz="1200" dirty="0" smtClean="0"/>
+              <a:rPr lang="fr-FR" sz="1200" dirty="0"/>
               <a:t>]</a:t>
             </a:r>
             <a:endParaRPr lang="en-US" sz="1200" dirty="0"/>
@@ -13769,23 +13144,23 @@
           </a:lstStyle>
           <a:p>
             <a:r>
-              <a:rPr lang="fr-FR" sz="1200" dirty="0" smtClean="0"/>
+              <a:rPr lang="fr-FR" sz="1200" dirty="0"/>
               <a:t>&gt;&gt;&gt; </a:t>
             </a:r>
             <a:r>
-              <a:rPr lang="mr-IN" sz="1200" dirty="0" smtClean="0"/>
+              <a:rPr lang="mr-IN" sz="1200" dirty="0"/>
               <a:t>my_seq</a:t>
             </a:r>
             <a:r>
-              <a:rPr lang="fr-FR" sz="1200" dirty="0" smtClean="0"/>
+              <a:rPr lang="fr-FR" sz="1200" dirty="0"/>
               <a:t>[2::</a:t>
             </a:r>
             <a:r>
-              <a:rPr lang="mr-IN" sz="1200" dirty="0" smtClean="0"/>
+              <a:rPr lang="mr-IN" sz="1200" dirty="0"/>
               <a:t>3</a:t>
             </a:r>
             <a:r>
-              <a:rPr lang="fr-FR" sz="1200" dirty="0" smtClean="0"/>
+              <a:rPr lang="fr-FR" sz="1200" dirty="0"/>
               <a:t>]</a:t>
             </a:r>
             <a:endParaRPr lang="en-US" sz="1200" dirty="0"/>
@@ -13936,15 +13311,7 @@
                   <a:srgbClr val="FF0000"/>
                 </a:solidFill>
               </a:rPr>
-              <a:t>()</a:t>
-            </a:r>
-            <a:r>
-              <a:rPr lang="es-ES_tradnl" sz="1200" dirty="0" smtClean="0">
-                <a:solidFill>
-                  <a:srgbClr val="FF0000"/>
-                </a:solidFill>
-              </a:rPr>
-              <a:t>)</a:t>
+              <a:t>())</a:t>
             </a:r>
           </a:p>
         </p:txBody>
@@ -14000,39 +13367,23 @@
                   <a:srgbClr val="FF0000"/>
                 </a:solidFill>
               </a:rPr>
-              <a:t>(</a:t>
-            </a:r>
-            <a:r>
-              <a:rPr lang="es-ES_tradnl" sz="1200" dirty="0" smtClean="0">
+              <a:t>('</a:t>
+            </a:r>
+            <a:r>
+              <a:rPr lang="en-US" sz="1200" dirty="0">
                 <a:solidFill>
                   <a:srgbClr val="FF0000"/>
                 </a:solidFill>
               </a:rPr>
-              <a:t>'</a:t>
-            </a:r>
-            <a:r>
-              <a:rPr lang="en-US" sz="1200" dirty="0">
+              <a:t>GATGGGCC</a:t>
+            </a:r>
+            <a:r>
+              <a:rPr lang="es-ES_tradnl" sz="1200" dirty="0">
                 <a:solidFill>
                   <a:srgbClr val="FF0000"/>
                 </a:solidFill>
               </a:rPr>
-              <a:t>GATGGGCC</a:t>
-            </a:r>
-            <a:r>
-              <a:rPr lang="es-ES_tradnl" sz="1200" dirty="0" smtClean="0">
-                <a:solidFill>
-                  <a:srgbClr val="FF0000"/>
-                </a:solidFill>
-              </a:rPr>
-              <a:t>'</a:t>
-            </a:r>
-            <a:r>
-              <a:rPr lang="es-ES_tradnl" sz="1200" dirty="0">
-                <a:solidFill>
-                  <a:srgbClr val="FF0000"/>
-                </a:solidFill>
-              </a:rPr>
-              <a:t>, </a:t>
+              <a:t>', </a:t>
             </a:r>
             <a:r>
               <a:rPr lang="es-ES_tradnl" sz="1200" dirty="0" err="1">
@@ -14268,75 +13619,30 @@
           <a:p>
             <a:r>
               <a:rPr lang="en-US" dirty="0"/>
-              <a:t>T</a:t>
-            </a:r>
-            <a:r>
-              <a:rPr lang="en-US" dirty="0" smtClean="0"/>
-              <a:t>he </a:t>
+              <a:t>The new object produced is another </a:t>
+            </a:r>
+            <a:r>
+              <a:rPr lang="en-US" dirty="0" err="1"/>
+              <a:t>Seq</a:t>
             </a:r>
             <a:r>
               <a:rPr lang="en-US" dirty="0"/>
-              <a:t>new </a:t>
-            </a:r>
-            <a:r>
-              <a:rPr lang="en-US" dirty="0" smtClean="0"/>
-              <a:t>object produced </a:t>
+              <a:t> object which retains the alphabet information from the original </a:t>
+            </a:r>
+            <a:r>
+              <a:rPr lang="en-US" dirty="0" err="1"/>
+              <a:t>Seq</a:t>
             </a:r>
             <a:r>
               <a:rPr lang="en-US" dirty="0"/>
-              <a:t>is </a:t>
-            </a:r>
-            <a:r>
-              <a:rPr lang="en-US" dirty="0" smtClean="0"/>
-              <a:t>another </a:t>
-            </a:r>
-            <a:r>
-              <a:rPr lang="en-US" dirty="0" err="1" smtClean="0"/>
-              <a:t>Seq</a:t>
-            </a:r>
+              <a:t> object</a:t>
+            </a:r>
+          </a:p>
+          <a:p>
             <a:r>
               <a:rPr lang="en-US" dirty="0"/>
-              <a:t> </a:t>
-            </a:r>
-            <a:r>
-              <a:rPr lang="en-US" dirty="0" smtClean="0"/>
-              <a:t>object </a:t>
-            </a:r>
-            <a:r>
-              <a:rPr lang="en-US" dirty="0"/>
-              <a:t>which retains </a:t>
-            </a:r>
-            <a:r>
-              <a:rPr lang="en-US" dirty="0" smtClean="0"/>
-              <a:t>the alphabet </a:t>
-            </a:r>
-            <a:r>
-              <a:rPr lang="en-US" dirty="0"/>
-              <a:t>information from the </a:t>
-            </a:r>
-            <a:r>
-              <a:rPr lang="en-US" dirty="0" smtClean="0"/>
-              <a:t>original </a:t>
-            </a:r>
-            <a:r>
-              <a:rPr lang="en-US" dirty="0" err="1" smtClean="0"/>
-              <a:t>Seq</a:t>
-            </a:r>
-            <a:r>
-              <a:rPr lang="en-US" dirty="0"/>
-              <a:t> </a:t>
-            </a:r>
-            <a:r>
-              <a:rPr lang="en-US" dirty="0" smtClean="0"/>
-              <a:t>object</a:t>
-            </a:r>
-          </a:p>
-          <a:p>
-            <a:r>
-              <a:rPr lang="en-US" dirty="0" smtClean="0"/>
               <a:t>Get the first, second and third codons positions using “stride” (“::”) :</a:t>
             </a:r>
-            <a:endParaRPr lang="en-US" dirty="0"/>
           </a:p>
         </p:txBody>
       </p:sp>
@@ -14378,27 +13684,27 @@
           </a:lstStyle>
           <a:p>
             <a:r>
-              <a:rPr lang="fr-FR" sz="1200" dirty="0" smtClean="0"/>
+              <a:rPr lang="fr-FR" sz="1200" dirty="0"/>
               <a:t>&gt;&gt;&gt; </a:t>
             </a:r>
             <a:r>
-              <a:rPr lang="mr-IN" sz="1200" dirty="0" smtClean="0"/>
+              <a:rPr lang="mr-IN" sz="1200" dirty="0"/>
               <a:t>my_seq</a:t>
             </a:r>
             <a:r>
-              <a:rPr lang="fr-FR" sz="1200" dirty="0" smtClean="0"/>
+              <a:rPr lang="fr-FR" sz="1200" dirty="0"/>
               <a:t>[::-1] ## </a:t>
             </a:r>
             <a:r>
-              <a:rPr lang="fr-FR" sz="1200" dirty="0" err="1" smtClean="0"/>
+              <a:rPr lang="fr-FR" sz="1200" dirty="0" err="1"/>
               <a:t>Get</a:t>
             </a:r>
             <a:r>
-              <a:rPr lang="fr-FR" sz="1200" dirty="0" smtClean="0"/>
+              <a:rPr lang="fr-FR" sz="1200" dirty="0"/>
               <a:t> the reverse </a:t>
             </a:r>
             <a:r>
-              <a:rPr lang="fr-FR" sz="1200" dirty="0" err="1" smtClean="0"/>
+              <a:rPr lang="fr-FR" sz="1200" dirty="0" err="1"/>
               <a:t>sequence</a:t>
             </a:r>
             <a:endParaRPr lang="en-US" sz="1200" dirty="0"/>
@@ -14456,31 +13762,31 @@
                   <a:srgbClr val="FF0000"/>
                 </a:solidFill>
               </a:rPr>
-              <a:t>(</a:t>
-            </a:r>
-            <a:r>
-              <a:rPr lang="es-ES_tradnl" sz="1200" dirty="0" smtClean="0">
+              <a:t>('</a:t>
+            </a:r>
+            <a:r>
+              <a:rPr lang="en-US" sz="1200" dirty="0">
                 <a:solidFill>
                   <a:srgbClr val="FF0000"/>
                 </a:solidFill>
               </a:rPr>
-              <a:t>'</a:t>
-            </a:r>
-            <a:r>
-              <a:rPr lang="en-US" sz="1200" dirty="0">
+              <a:t>CGCTAAAAGCTAGGATATATCCGGGTAGCTAG</a:t>
+            </a:r>
+            <a:r>
+              <a:rPr lang="es-ES_tradnl" sz="1200" dirty="0">
                 <a:solidFill>
                   <a:srgbClr val="FF0000"/>
                 </a:solidFill>
               </a:rPr>
-              <a:t>CGCTAAAAGCTAGGATATATCCGGGTAGCTAG</a:t>
-            </a:r>
-            <a:r>
-              <a:rPr lang="es-ES_tradnl" sz="1200" dirty="0" smtClean="0">
+              <a:t>', </a:t>
+            </a:r>
+            <a:r>
+              <a:rPr lang="es-ES_tradnl" sz="1200" dirty="0" err="1">
                 <a:solidFill>
                   <a:srgbClr val="FF0000"/>
                 </a:solidFill>
               </a:rPr>
-              <a:t>'</a:t>
+              <a:t>IUPACUnambiguousDNA</a:t>
             </a:r>
             <a:r>
               <a:rPr lang="es-ES_tradnl" sz="1200" dirty="0">
@@ -14488,31 +13794,7 @@
                   <a:srgbClr val="FF0000"/>
                 </a:solidFill>
               </a:rPr>
-              <a:t>, </a:t>
-            </a:r>
-            <a:r>
-              <a:rPr lang="es-ES_tradnl" sz="1200" dirty="0" err="1">
-                <a:solidFill>
-                  <a:srgbClr val="FF0000"/>
-                </a:solidFill>
-              </a:rPr>
-              <a:t>IUPACUnambiguousDNA</a:t>
-            </a:r>
-            <a:r>
-              <a:rPr lang="es-ES_tradnl" sz="1200" dirty="0">
-                <a:solidFill>
-                  <a:srgbClr val="FF0000"/>
-                </a:solidFill>
-              </a:rPr>
-              <a:t>()</a:t>
-            </a:r>
-            <a:r>
-              <a:rPr lang="es-ES_tradnl" sz="1200" dirty="0" smtClean="0">
-                <a:solidFill>
-                  <a:srgbClr val="FF0000"/>
-                </a:solidFill>
-              </a:rPr>
-              <a:t>)</a:t>
+              <a:t>())</a:t>
             </a:r>
           </a:p>
         </p:txBody>
@@ -14599,24 +13881,8 @@
           <a:lstStyle/>
           <a:p>
             <a:r>
-              <a:rPr lang="en-US" dirty="0" smtClean="0"/>
-              <a:t>To </a:t>
-            </a:r>
-            <a:r>
               <a:rPr lang="en-US" dirty="0"/>
-              <a:t>write to a </a:t>
-            </a:r>
-            <a:r>
-              <a:rPr lang="en-US" dirty="0" smtClean="0"/>
-              <a:t>file</a:t>
-            </a:r>
-            <a:r>
-              <a:rPr lang="en-US" dirty="0"/>
-              <a:t>, or insert into a </a:t>
-            </a:r>
-            <a:r>
-              <a:rPr lang="en-US" dirty="0" smtClean="0"/>
-              <a:t>database</a:t>
+              <a:t>To write to a file, or insert into a database</a:t>
             </a:r>
             <a:endParaRPr lang="fr-FR" dirty="0"/>
           </a:p>
@@ -14639,7 +13905,7 @@
           <a:p>
             <a:fld id="{699AB616-0234-D54F-99FF-8E04F0C35AB0}" type="datetime1">
               <a:rPr lang="fr-FR" smtClean="0"/>
-              <a:t>16/11/16</a:t>
+              <a:t>08/11/2018</a:t>
             </a:fld>
             <a:endParaRPr lang="fr-FR" dirty="0"/>
           </a:p>
@@ -14661,7 +13927,7 @@
           <a:lstStyle/>
           <a:p>
             <a:r>
-              <a:rPr lang="fr-FR" smtClean="0"/>
+              <a:rPr lang="fr-FR"/>
               <a:t>Python pour la biologie</a:t>
             </a:r>
             <a:endParaRPr lang="fr-FR" dirty="0"/>
@@ -14730,57 +13996,49 @@
           </a:lstStyle>
           <a:p>
             <a:r>
-              <a:rPr lang="fr-FR" sz="1200" dirty="0" smtClean="0"/>
+              <a:rPr lang="fr-FR" sz="1200" dirty="0"/>
               <a:t>&gt;&gt;&gt;</a:t>
             </a:r>
             <a:r>
-              <a:rPr lang="mr-IN" sz="1200" dirty="0" smtClean="0"/>
+              <a:rPr lang="mr-IN" sz="1200" dirty="0"/>
               <a:t> </a:t>
             </a:r>
             <a:r>
-              <a:rPr lang="mr-IN" sz="1200" smtClean="0"/>
+              <a:rPr lang="mr-IN" sz="1200"/>
               <a:t>fasta_format_string </a:t>
             </a:r>
             <a:r>
-              <a:rPr lang="fr-FR" sz="1200" smtClean="0"/>
+              <a:rPr lang="fr-FR" sz="1200"/>
               <a:t>=</a:t>
-            </a:r>
-            <a:r>
-              <a:rPr lang="mr-IN" sz="1200" dirty="0" smtClean="0"/>
-              <a:t>“</a:t>
-            </a:r>
-            <a:r>
-              <a:rPr lang="fr-FR" sz="1200" dirty="0" smtClean="0"/>
-              <a:t>&gt;</a:t>
-            </a:r>
-            <a:r>
-              <a:rPr lang="mr-IN" sz="1200" dirty="0" smtClean="0"/>
-              <a:t>Name\n%s\n</a:t>
             </a:r>
             <a:r>
               <a:rPr lang="mr-IN" sz="1200" dirty="0"/>
               <a:t>“</a:t>
             </a:r>
             <a:r>
-              <a:rPr lang="mr-IN" sz="1200" dirty="0" smtClean="0"/>
-              <a:t> % my_seq</a:t>
-            </a:r>
-          </a:p>
-          <a:p>
-            <a:r>
-              <a:rPr lang="fr-FR" sz="1200" dirty="0" smtClean="0"/>
+              <a:rPr lang="fr-FR" sz="1200" dirty="0"/>
+              <a:t>&gt;</a:t>
+            </a:r>
+            <a:r>
+              <a:rPr lang="mr-IN" sz="1200" dirty="0"/>
+              <a:t>Name\n%s\n“ % my_seq</a:t>
+            </a:r>
+          </a:p>
+          <a:p>
+            <a:r>
+              <a:rPr lang="fr-FR" sz="1200" dirty="0"/>
               <a:t>&gt;&gt;&gt;</a:t>
             </a:r>
             <a:r>
-              <a:rPr lang="mr-IN" sz="1200" dirty="0" smtClean="0"/>
+              <a:rPr lang="mr-IN" sz="1200" dirty="0"/>
               <a:t> print</a:t>
             </a:r>
             <a:r>
-              <a:rPr lang="fr-FR" sz="1200" dirty="0" smtClean="0"/>
+              <a:rPr lang="fr-FR" sz="1200" dirty="0"/>
               <a:t>(</a:t>
             </a:r>
             <a:r>
-              <a:rPr lang="mr-IN" sz="1200" dirty="0" smtClean="0"/>
+              <a:rPr lang="mr-IN" sz="1200" dirty="0"/>
               <a:t>fasta_format_string</a:t>
             </a:r>
             <a:r>
@@ -14829,23 +14087,23 @@
           </a:lstStyle>
           <a:p>
             <a:r>
-              <a:rPr lang="fr-FR" sz="1200" dirty="0" smtClean="0"/>
+              <a:rPr lang="fr-FR" sz="1200" dirty="0"/>
               <a:t>&gt;&gt;&gt; </a:t>
             </a:r>
             <a:r>
-              <a:rPr lang="mr-IN" sz="1200" dirty="0" smtClean="0"/>
+              <a:rPr lang="mr-IN" sz="1200" dirty="0"/>
               <a:t>print</a:t>
             </a:r>
             <a:r>
-              <a:rPr lang="fr-FR" sz="1200" dirty="0" smtClean="0"/>
+              <a:rPr lang="fr-FR" sz="1200" dirty="0"/>
               <a:t>(</a:t>
             </a:r>
             <a:r>
-              <a:rPr lang="mr-IN" sz="1200" dirty="0" smtClean="0"/>
+              <a:rPr lang="mr-IN" sz="1200" dirty="0"/>
               <a:t>my_se</a:t>
             </a:r>
             <a:r>
-              <a:rPr lang="fr-FR" sz="1200" dirty="0" smtClean="0"/>
+              <a:rPr lang="fr-FR" sz="1200" dirty="0"/>
               <a:t>q)</a:t>
             </a:r>
             <a:endParaRPr lang="en-US" sz="1200" dirty="0"/>
@@ -14938,23 +14196,23 @@
           </a:lstStyle>
           <a:p>
             <a:r>
-              <a:rPr lang="fr-FR" sz="1200" dirty="0" smtClean="0"/>
+              <a:rPr lang="fr-FR" sz="1200" dirty="0"/>
               <a:t>&gt;&gt;&gt; </a:t>
             </a:r>
             <a:r>
-              <a:rPr lang="mr-IN" sz="1200" dirty="0" smtClean="0"/>
+              <a:rPr lang="mr-IN" sz="1200" dirty="0"/>
               <a:t>str</a:t>
             </a:r>
             <a:r>
-              <a:rPr lang="fr-FR" sz="1200" dirty="0" smtClean="0"/>
+              <a:rPr lang="fr-FR" sz="1200" dirty="0"/>
               <a:t>(</a:t>
             </a:r>
             <a:r>
-              <a:rPr lang="mr-IN" sz="1200" dirty="0" smtClean="0"/>
+              <a:rPr lang="mr-IN" sz="1200" dirty="0"/>
               <a:t>my_seq</a:t>
             </a:r>
             <a:r>
-              <a:rPr lang="fr-FR" sz="1200" dirty="0" smtClean="0"/>
+              <a:rPr lang="fr-FR" sz="1200" dirty="0"/>
               <a:t>)</a:t>
             </a:r>
             <a:endParaRPr lang="en-US" sz="1200" dirty="0"/>
@@ -15314,11 +14572,7 @@
             </a:r>
             <a:r>
               <a:rPr lang="en-US" dirty="0"/>
-              <a:t> object returns the full sequence as a </a:t>
-            </a:r>
-            <a:r>
-              <a:rPr lang="en-US" dirty="0" smtClean="0"/>
-              <a:t>string</a:t>
+              <a:t> object returns the full sequence as a string</a:t>
             </a:r>
           </a:p>
           <a:p>
@@ -15538,12 +14792,8 @@
           </a:lstStyle>
           <a:p>
             <a:r>
-              <a:rPr lang="en-US" dirty="0" smtClean="0"/>
-              <a:t>Also </a:t>
-            </a:r>
-            <a:r>
               <a:rPr lang="en-US" dirty="0"/>
-              <a:t>use the </a:t>
+              <a:t>Also use the </a:t>
             </a:r>
             <a:r>
               <a:rPr lang="en-US" dirty="0" err="1"/>
@@ -15635,19 +14885,7 @@
           <a:p>
             <a:r>
               <a:rPr lang="en-US" dirty="0"/>
-              <a:t>C</a:t>
-            </a:r>
-            <a:r>
-              <a:rPr lang="en-US" dirty="0" smtClean="0"/>
-              <a:t>an't </a:t>
-            </a:r>
-            <a:r>
-              <a:rPr lang="en-US" dirty="0"/>
-              <a:t>add sequences with incompatible alphabets, </a:t>
-            </a:r>
-            <a:r>
-              <a:rPr lang="en-US" dirty="0" smtClean="0"/>
-              <a:t>(protein and DNA)</a:t>
+              <a:t>Can't add sequences with incompatible alphabets, (protein and DNA)</a:t>
             </a:r>
             <a:endParaRPr lang="fr-FR" dirty="0"/>
           </a:p>
@@ -15670,7 +14908,7 @@
           <a:p>
             <a:fld id="{60307B84-0F4B-7440-A630-E7011DC2BC1B}" type="datetime1">
               <a:rPr lang="fr-FR" smtClean="0"/>
-              <a:t>16/11/16</a:t>
+              <a:t>08/11/2018</a:t>
             </a:fld>
             <a:endParaRPr lang="fr-FR" dirty="0"/>
           </a:p>
@@ -15692,7 +14930,7 @@
           <a:lstStyle/>
           <a:p>
             <a:r>
-              <a:rPr lang="fr-FR" smtClean="0"/>
+              <a:rPr lang="fr-FR"/>
               <a:t>Python pour la biologie</a:t>
             </a:r>
             <a:endParaRPr lang="fr-FR" dirty="0"/>
@@ -15775,12 +15013,8 @@
           </a:p>
           <a:p>
             <a:r>
-              <a:rPr lang="en-US" sz="1200" dirty="0" smtClean="0"/>
-              <a:t>&gt;</a:t>
-            </a:r>
-            <a:r>
               <a:rPr lang="en-US" sz="1200" dirty="0"/>
-              <a:t>&gt;&gt; </a:t>
+              <a:t>&gt;&gt;&gt; </a:t>
             </a:r>
             <a:r>
               <a:rPr lang="en-US" sz="1200" dirty="0" err="1"/>
@@ -15851,7 +15085,7 @@
               <a:t> + </a:t>
             </a:r>
             <a:r>
-              <a:rPr lang="en-US" sz="1200" dirty="0" err="1" smtClean="0"/>
+              <a:rPr lang="en-US" sz="1200" dirty="0" err="1"/>
               <a:t>dna_seq</a:t>
             </a:r>
             <a:endParaRPr lang="en-US" sz="1200" dirty="0"/>
@@ -15965,7 +15199,7 @@
               <a:t> + </a:t>
             </a:r>
             <a:r>
-              <a:rPr lang="en-US" sz="1200" dirty="0" err="1" smtClean="0"/>
+              <a:rPr lang="en-US" sz="1200" dirty="0" err="1"/>
               <a:t>dna_seq</a:t>
             </a:r>
             <a:endParaRPr lang="en-US" sz="1200" dirty="0"/>
@@ -16181,7 +15415,7 @@
           </a:lstStyle>
           <a:p>
             <a:r>
-              <a:rPr lang="en-US" dirty="0" smtClean="0"/>
+              <a:rPr lang="en-US" dirty="0"/>
               <a:t>To do this, first give both sequences generic alphabets</a:t>
             </a:r>
           </a:p>
@@ -16228,7 +15462,7 @@
           </a:lstStyle>
           <a:p>
             <a:r>
-              <a:rPr lang="en-US" sz="1200" dirty="0" err="1" smtClean="0">
+              <a:rPr lang="en-US" sz="1200" dirty="0" err="1">
                 <a:solidFill>
                   <a:srgbClr val="FF0000"/>
                 </a:solidFill>
@@ -16236,20 +15470,12 @@
               <a:t>Traceback</a:t>
             </a:r>
             <a:r>
-              <a:rPr lang="en-US" sz="1200" dirty="0" smtClean="0">
+              <a:rPr lang="en-US" sz="1200" dirty="0">
                 <a:solidFill>
                   <a:srgbClr val="FF0000"/>
                 </a:solidFill>
               </a:rPr>
-              <a:t> </a:t>
-            </a:r>
-            <a:r>
-              <a:rPr lang="en-US" sz="1200" dirty="0">
-                <a:solidFill>
-                  <a:srgbClr val="FF0000"/>
-                </a:solidFill>
-              </a:rPr>
-              <a:t>(most recent call last):</a:t>
+              <a:t> (most recent call last):</a:t>
             </a:r>
           </a:p>
           <a:p>
@@ -16356,7 +15582,7 @@
           </a:lstStyle>
           <a:p>
             <a:r>
-              <a:rPr lang="en-US" sz="1200" dirty="0" err="1" smtClean="0">
+              <a:rPr lang="en-US" sz="1200" dirty="0" err="1">
                 <a:solidFill>
                   <a:srgbClr val="FF0000"/>
                 </a:solidFill>
@@ -16516,12 +15742,8 @@
               <a:t>&gt;&gt;&gt; </a:t>
             </a:r>
             <a:r>
-              <a:rPr lang="mr-IN" sz="1200" dirty="0" smtClean="0"/>
-              <a:t>nuc_seq </a:t>
-            </a:r>
-            <a:r>
               <a:rPr lang="mr-IN" sz="1200" dirty="0"/>
-              <a:t>+ dna_seq</a:t>
+              <a:t>nuc_seq + dna_seq</a:t>
             </a:r>
           </a:p>
         </p:txBody>
@@ -16813,23 +16035,7 @@
           <a:p>
             <a:r>
               <a:rPr lang="en-US" dirty="0"/>
-              <a:t>Adding a generic nucleotide </a:t>
-            </a:r>
-            <a:r>
-              <a:rPr lang="en-US" dirty="0" smtClean="0"/>
-              <a:t>seq. </a:t>
-            </a:r>
-            <a:r>
-              <a:rPr lang="en-US" dirty="0"/>
-              <a:t>to an unambiguous IUPAC </a:t>
-            </a:r>
-            <a:r>
-              <a:rPr lang="en-US" dirty="0" smtClean="0"/>
-              <a:t>DNA seq</a:t>
-            </a:r>
-            <a:r>
-              <a:rPr lang="en-US" dirty="0"/>
-              <a:t>.</a:t>
+              <a:t>Adding a generic nucleotide seq. to an unambiguous IUPAC DNA seq.</a:t>
             </a:r>
             <a:endParaRPr lang="fr-FR" dirty="0"/>
           </a:p>
@@ -16882,11 +16088,7 @@
           <a:p>
             <a:r>
               <a:rPr lang="en-US" dirty="0"/>
-              <a:t>Concatenating or adding </a:t>
-            </a:r>
-            <a:r>
-              <a:rPr lang="en-US" dirty="0" smtClean="0"/>
-              <a:t>sequences (2)</a:t>
+              <a:t>Concatenating or adding sequences (2)</a:t>
             </a:r>
             <a:endParaRPr lang="fr-FR" dirty="0"/>
           </a:p>
@@ -16914,13 +16116,8 @@
           <a:p>
             <a:r>
               <a:rPr lang="en-US" dirty="0"/>
-              <a:t>Many sequences to add </a:t>
-            </a:r>
-            <a:r>
-              <a:rPr lang="en-US" dirty="0" smtClean="0"/>
-              <a:t>together:</a:t>
-            </a:r>
-            <a:endParaRPr lang="en-US" dirty="0"/>
+              <a:t>Many sequences to add together:</a:t>
+            </a:r>
           </a:p>
           <a:p>
             <a:endParaRPr lang="fr-FR" dirty="0"/>
@@ -16944,7 +16141,7 @@
           <a:p>
             <a:fld id="{1FFBF990-51E3-ED4E-9917-247F77CC2235}" type="datetime1">
               <a:rPr lang="fr-FR" smtClean="0"/>
-              <a:t>16/11/16</a:t>
+              <a:t>08/11/2018</a:t>
             </a:fld>
             <a:endParaRPr lang="fr-FR" dirty="0"/>
           </a:p>
@@ -16966,7 +16163,7 @@
           <a:lstStyle/>
           <a:p>
             <a:r>
-              <a:rPr lang="fr-FR" smtClean="0"/>
+              <a:rPr lang="fr-FR"/>
               <a:t>Python pour la biologie</a:t>
             </a:r>
             <a:endParaRPr lang="fr-FR" dirty="0"/>
@@ -17035,37 +16232,29 @@
           </a:lstStyle>
           <a:p>
             <a:r>
-              <a:rPr lang="fr-FR" sz="1200" dirty="0" smtClean="0"/>
+              <a:rPr lang="fr-FR" sz="1200" dirty="0"/>
               <a:t>&gt;&gt;&gt;</a:t>
             </a:r>
             <a:r>
-              <a:rPr lang="mr-IN" sz="1200" dirty="0" smtClean="0"/>
-              <a:t> </a:t>
-            </a:r>
-            <a:r>
               <a:rPr lang="mr-IN" sz="1200" dirty="0"/>
-              <a:t>from Bio.Alphabet import generic_dna</a:t>
-            </a:r>
-          </a:p>
-          <a:p>
-            <a:r>
-              <a:rPr lang="fr-FR" sz="1200" dirty="0" smtClean="0"/>
+              <a:t> from Bio.Alphabet import generic_dna</a:t>
+            </a:r>
+          </a:p>
+          <a:p>
+            <a:r>
+              <a:rPr lang="fr-FR" sz="1200" dirty="0"/>
               <a:t>&gt;&gt;&gt;</a:t>
             </a:r>
             <a:r>
-              <a:rPr lang="mr-IN" sz="1200" dirty="0" smtClean="0"/>
-              <a:t> </a:t>
-            </a:r>
-            <a:r>
               <a:rPr lang="mr-IN" sz="1200" dirty="0"/>
-              <a:t>list_of_seqs = </a:t>
-            </a:r>
-            <a:r>
-              <a:rPr lang="fr-FR" sz="1200" dirty="0" smtClean="0"/>
+              <a:t> list_of_seqs = </a:t>
+            </a:r>
+            <a:r>
+              <a:rPr lang="fr-FR" sz="1200" dirty="0"/>
               <a:t>[</a:t>
             </a:r>
             <a:r>
-              <a:rPr lang="mr-IN" sz="1200" dirty="0" smtClean="0"/>
+              <a:rPr lang="mr-IN" sz="1200" dirty="0"/>
               <a:t>Seq</a:t>
             </a:r>
             <a:r>
@@ -17073,118 +16262,74 @@
               <a:t>(</a:t>
             </a:r>
             <a:r>
-              <a:rPr lang="mr-IN" sz="1200" dirty="0" smtClean="0"/>
-              <a:t>"</a:t>
-            </a:r>
-            <a:r>
               <a:rPr lang="mr-IN" sz="1200" dirty="0"/>
-              <a:t>ACGT", </a:t>
-            </a:r>
-            <a:r>
-              <a:rPr lang="mr-IN" sz="1200" dirty="0" smtClean="0"/>
-              <a:t>generic_dna</a:t>
-            </a:r>
-            <a:r>
-              <a:rPr lang="fr-FR" sz="1200" dirty="0" smtClean="0"/>
+              <a:t>"ACGT", generic_dna</a:t>
+            </a:r>
+            <a:r>
+              <a:rPr lang="fr-FR" sz="1200" dirty="0"/>
               <a:t>)</a:t>
             </a:r>
             <a:r>
-              <a:rPr lang="mr-IN" sz="1200" dirty="0" smtClean="0"/>
+              <a:rPr lang="mr-IN" sz="1200" dirty="0"/>
               <a:t>, Seq</a:t>
             </a:r>
             <a:r>
-              <a:rPr lang="fr-FR" sz="1200" dirty="0" smtClean="0"/>
+              <a:rPr lang="fr-FR" sz="1200" dirty="0"/>
               <a:t>(</a:t>
             </a:r>
             <a:r>
-              <a:rPr lang="mr-IN" sz="1200" dirty="0" smtClean="0"/>
-              <a:t>"</a:t>
-            </a:r>
-            <a:r>
               <a:rPr lang="mr-IN" sz="1200" dirty="0"/>
-              <a:t>AACC", </a:t>
-            </a:r>
-            <a:r>
-              <a:rPr lang="mr-IN" sz="1200" dirty="0" smtClean="0"/>
-              <a:t>generic_dna</a:t>
-            </a:r>
-            <a:r>
-              <a:rPr lang="fr-FR" sz="1200" dirty="0" smtClean="0"/>
+              <a:t>"AACC", generic_dna</a:t>
+            </a:r>
+            <a:r>
+              <a:rPr lang="fr-FR" sz="1200" dirty="0"/>
               <a:t>)</a:t>
             </a:r>
             <a:r>
-              <a:rPr lang="mr-IN" sz="1200" dirty="0" smtClean="0"/>
+              <a:rPr lang="mr-IN" sz="1200" dirty="0"/>
               <a:t>, Seq</a:t>
             </a:r>
             <a:r>
-              <a:rPr lang="fr-FR" sz="1200" dirty="0" smtClean="0"/>
+              <a:rPr lang="fr-FR" sz="1200" dirty="0"/>
               <a:t>(</a:t>
             </a:r>
             <a:r>
-              <a:rPr lang="mr-IN" sz="1200" dirty="0" smtClean="0"/>
-              <a:t>"</a:t>
-            </a:r>
-            <a:r>
               <a:rPr lang="mr-IN" sz="1200" dirty="0"/>
-              <a:t>GGTT", </a:t>
-            </a:r>
-            <a:r>
-              <a:rPr lang="mr-IN" sz="1200" dirty="0" smtClean="0"/>
-              <a:t>generic_dna</a:t>
-            </a:r>
-            <a:r>
-              <a:rPr lang="fr-FR" sz="1200" dirty="0" smtClean="0"/>
-              <a:t>)</a:t>
+              <a:t>"GGTT", generic_dna</a:t>
             </a:r>
             <a:r>
               <a:rPr lang="fr-FR" sz="1200" dirty="0"/>
-              <a:t>]</a:t>
+              <a:t>)]</a:t>
             </a:r>
             <a:endParaRPr lang="mr-IN" sz="1200" dirty="0"/>
           </a:p>
           <a:p>
             <a:r>
-              <a:rPr lang="fr-FR" sz="1200" dirty="0" smtClean="0"/>
+              <a:rPr lang="fr-FR" sz="1200" dirty="0"/>
               <a:t>&gt;&gt;&gt;</a:t>
             </a:r>
             <a:r>
-              <a:rPr lang="mr-IN" sz="1200" dirty="0" smtClean="0"/>
+              <a:rPr lang="mr-IN" sz="1200" dirty="0"/>
               <a:t> sum</a:t>
             </a:r>
             <a:r>
-              <a:rPr lang="fr-FR" sz="1200" dirty="0" smtClean="0"/>
+              <a:rPr lang="fr-FR" sz="1200" dirty="0"/>
               <a:t>(</a:t>
             </a:r>
             <a:r>
-              <a:rPr lang="mr-IN" sz="1200" dirty="0" smtClean="0"/>
-              <a:t>list_of_seqs</a:t>
-            </a:r>
-            <a:r>
               <a:rPr lang="mr-IN" sz="1200" dirty="0"/>
-              <a:t>, </a:t>
-            </a:r>
-            <a:r>
-              <a:rPr lang="mr-IN" sz="1200" dirty="0" smtClean="0"/>
-              <a:t>Seq</a:t>
-            </a:r>
-            <a:r>
-              <a:rPr lang="fr-FR" sz="1200" dirty="0" smtClean="0"/>
+              <a:t>list_of_seqs, Seq</a:t>
+            </a:r>
+            <a:r>
+              <a:rPr lang="fr-FR" sz="1200" dirty="0"/>
               <a:t>(</a:t>
             </a:r>
             <a:r>
-              <a:rPr lang="mr-IN" sz="1200" dirty="0" smtClean="0"/>
-              <a:t>"</a:t>
-            </a:r>
-            <a:r>
               <a:rPr lang="mr-IN" sz="1200" dirty="0"/>
-              <a:t>", </a:t>
-            </a:r>
-            <a:r>
-              <a:rPr lang="mr-IN" sz="1200" dirty="0" smtClean="0"/>
-              <a:t>generic_dna</a:t>
-            </a:r>
-            <a:r>
-              <a:rPr lang="fr-FR" sz="1200" dirty="0" smtClean="0"/>
+              <a:t>"", generic_dna</a:t>
+            </a:r>
+            <a:r>
+              <a:rPr lang="fr-FR" sz="1200" dirty="0"/>
               <a:t>))</a:t>
             </a:r>
             <a:endParaRPr lang="mr-IN" sz="1200" dirty="0"/>
@@ -17401,25 +16546,8 @@
           <a:p>
             <a:r>
               <a:rPr lang="en-US" dirty="0"/>
-              <a:t>more elegant </a:t>
-            </a:r>
-            <a:r>
-              <a:rPr lang="en-US" dirty="0" smtClean="0"/>
-              <a:t>approach </a:t>
-            </a:r>
-            <a:r>
-              <a:rPr lang="en-US" dirty="0"/>
-              <a:t>using </a:t>
-            </a:r>
-            <a:r>
-              <a:rPr lang="en-US" dirty="0" smtClean="0"/>
-              <a:t>sum function </a:t>
-            </a:r>
-            <a:r>
-              <a:rPr lang="en-US" dirty="0"/>
-              <a:t>with its optional start value argument</a:t>
-            </a:r>
-            <a:endParaRPr lang="en-US" dirty="0" smtClean="0"/>
+              <a:t>more elegant approach using sum function with its optional start value argument</a:t>
+            </a:r>
           </a:p>
           <a:p>
             <a:endParaRPr lang="fr-FR" dirty="0"/>
@@ -17464,139 +16592,138 @@
           </a:lstStyle>
           <a:p>
             <a:r>
-              <a:rPr lang="en-US" sz="1200" dirty="0" smtClean="0"/>
+              <a:rPr lang="en-US" sz="1200" dirty="0"/>
               <a:t>&gt;&gt;&gt; from </a:t>
             </a:r>
             <a:r>
-              <a:rPr lang="en-US" sz="1200" dirty="0" err="1" smtClean="0"/>
+              <a:rPr lang="en-US" sz="1200" dirty="0" err="1"/>
               <a:t>Bio.Alphabet</a:t>
             </a:r>
             <a:r>
-              <a:rPr lang="en-US" sz="1200" dirty="0" smtClean="0"/>
+              <a:rPr lang="en-US" sz="1200" dirty="0"/>
               <a:t> import </a:t>
             </a:r>
             <a:r>
-              <a:rPr lang="en-US" sz="1200" dirty="0" err="1" smtClean="0"/>
+              <a:rPr lang="en-US" sz="1200" dirty="0" err="1"/>
               <a:t>generic_dna</a:t>
             </a:r>
-            <a:endParaRPr lang="en-US" sz="1200" dirty="0" smtClean="0"/>
-          </a:p>
-          <a:p>
-            <a:r>
-              <a:rPr lang="en-US" sz="1200" dirty="0" smtClean="0"/>
+            <a:endParaRPr lang="en-US" sz="1200" dirty="0"/>
+          </a:p>
+          <a:p>
+            <a:r>
+              <a:rPr lang="en-US" sz="1200" dirty="0"/>
               <a:t>&gt;&gt;&gt; </a:t>
             </a:r>
             <a:r>
-              <a:rPr lang="en-US" sz="1200" dirty="0" err="1" smtClean="0"/>
+              <a:rPr lang="en-US" sz="1200" dirty="0" err="1"/>
               <a:t>list_of_seqs</a:t>
             </a:r>
             <a:r>
-              <a:rPr lang="en-US" sz="1200" dirty="0" smtClean="0"/>
+              <a:rPr lang="en-US" sz="1200" dirty="0"/>
               <a:t> = [</a:t>
             </a:r>
             <a:r>
-              <a:rPr lang="en-US" sz="1200" dirty="0" err="1" smtClean="0"/>
+              <a:rPr lang="en-US" sz="1200" dirty="0" err="1"/>
               <a:t>Seq</a:t>
             </a:r>
             <a:r>
-              <a:rPr lang="en-US" sz="1200" dirty="0" smtClean="0"/>
+              <a:rPr lang="en-US" sz="1200" dirty="0"/>
               <a:t>("ACGT", </a:t>
             </a:r>
             <a:r>
-              <a:rPr lang="en-US" sz="1200" dirty="0" err="1" smtClean="0"/>
+              <a:rPr lang="en-US" sz="1200" dirty="0" err="1"/>
               <a:t>generic_dna</a:t>
             </a:r>
             <a:r>
-              <a:rPr lang="en-US" sz="1200" dirty="0" smtClean="0"/>
+              <a:rPr lang="en-US" sz="1200" dirty="0"/>
               <a:t>), </a:t>
             </a:r>
             <a:r>
-              <a:rPr lang="en-US" sz="1200" dirty="0" err="1" smtClean="0"/>
+              <a:rPr lang="en-US" sz="1200" dirty="0" err="1"/>
               <a:t>Seq</a:t>
             </a:r>
             <a:r>
-              <a:rPr lang="en-US" sz="1200" dirty="0" smtClean="0"/>
+              <a:rPr lang="en-US" sz="1200" dirty="0"/>
               <a:t>("AACC", </a:t>
             </a:r>
             <a:r>
-              <a:rPr lang="en-US" sz="1200" dirty="0" err="1" smtClean="0"/>
+              <a:rPr lang="en-US" sz="1200" dirty="0" err="1"/>
               <a:t>generic_dna</a:t>
             </a:r>
             <a:r>
-              <a:rPr lang="en-US" sz="1200" dirty="0" smtClean="0"/>
+              <a:rPr lang="en-US" sz="1200" dirty="0"/>
               <a:t>), </a:t>
             </a:r>
             <a:r>
-              <a:rPr lang="en-US" sz="1200" dirty="0" err="1" smtClean="0"/>
+              <a:rPr lang="en-US" sz="1200" dirty="0" err="1"/>
               <a:t>Seq</a:t>
             </a:r>
             <a:r>
-              <a:rPr lang="en-US" sz="1200" dirty="0" smtClean="0"/>
+              <a:rPr lang="en-US" sz="1200" dirty="0"/>
               <a:t>("GGTT", </a:t>
             </a:r>
             <a:r>
-              <a:rPr lang="en-US" sz="1200" dirty="0" err="1" smtClean="0"/>
+              <a:rPr lang="en-US" sz="1200" dirty="0" err="1"/>
               <a:t>generic_dna</a:t>
             </a:r>
             <a:r>
-              <a:rPr lang="en-US" sz="1200" dirty="0" smtClean="0"/>
+              <a:rPr lang="en-US" sz="1200" dirty="0"/>
               <a:t>)]</a:t>
             </a:r>
           </a:p>
           <a:p>
             <a:r>
-              <a:rPr lang="en-US" sz="1200" dirty="0" smtClean="0"/>
+              <a:rPr lang="en-US" sz="1200" dirty="0"/>
               <a:t>&gt;&gt;&gt; concatenated = </a:t>
             </a:r>
             <a:r>
-              <a:rPr lang="en-US" sz="1200" dirty="0" err="1" smtClean="0"/>
+              <a:rPr lang="en-US" sz="1200" dirty="0" err="1"/>
               <a:t>Seq</a:t>
             </a:r>
             <a:r>
-              <a:rPr lang="en-US" sz="1200" dirty="0" smtClean="0"/>
+              <a:rPr lang="en-US" sz="1200" dirty="0"/>
               <a:t>("", </a:t>
             </a:r>
             <a:r>
-              <a:rPr lang="en-US" sz="1200" dirty="0" err="1" smtClean="0"/>
+              <a:rPr lang="en-US" sz="1200" dirty="0" err="1"/>
               <a:t>generic_dna</a:t>
             </a:r>
             <a:r>
-              <a:rPr lang="en-US" sz="1200" dirty="0" smtClean="0"/>
+              <a:rPr lang="en-US" sz="1200" dirty="0"/>
               <a:t>)</a:t>
             </a:r>
           </a:p>
           <a:p>
             <a:r>
-              <a:rPr lang="en-US" sz="1200" dirty="0" smtClean="0"/>
+              <a:rPr lang="en-US" sz="1200" dirty="0"/>
               <a:t>&gt;&gt;&gt; for s in </a:t>
             </a:r>
             <a:r>
-              <a:rPr lang="en-US" sz="1200" dirty="0" err="1" smtClean="0"/>
+              <a:rPr lang="en-US" sz="1200" dirty="0" err="1"/>
               <a:t>list_of_seqs</a:t>
             </a:r>
             <a:r>
-              <a:rPr lang="en-US" sz="1200" dirty="0" smtClean="0"/>
+              <a:rPr lang="en-US" sz="1200" dirty="0"/>
               <a:t>:</a:t>
             </a:r>
           </a:p>
           <a:p>
             <a:r>
-              <a:rPr lang="en-US" sz="1200" dirty="0" smtClean="0"/>
+              <a:rPr lang="en-US" sz="1200" dirty="0"/>
               <a:t>... concatenated += s</a:t>
             </a:r>
           </a:p>
           <a:p>
             <a:r>
-              <a:rPr lang="en-US" sz="1200" dirty="0" smtClean="0"/>
+              <a:rPr lang="en-US" sz="1200" dirty="0"/>
               <a:t>...</a:t>
             </a:r>
           </a:p>
           <a:p>
             <a:r>
-              <a:rPr lang="en-US" sz="1200" dirty="0" smtClean="0"/>
+              <a:rPr lang="en-US" sz="1200" dirty="0"/>
               <a:t>&gt;&gt;&gt; concatenated</a:t>
             </a:r>
-            <a:endParaRPr lang="en-US" sz="1200" dirty="0"/>
           </a:p>
         </p:txBody>
       </p:sp>
@@ -17638,7 +16765,7 @@
           </a:lstStyle>
           <a:p>
             <a:r>
-              <a:rPr lang="mr-IN" sz="1200" dirty="0" smtClean="0">
+              <a:rPr lang="mr-IN" sz="1200" dirty="0">
                 <a:solidFill>
                   <a:srgbClr val="FF0000"/>
                 </a:solidFill>
@@ -17646,7 +16773,7 @@
               <a:t>Seq</a:t>
             </a:r>
             <a:r>
-              <a:rPr lang="fr-FR" sz="1200" dirty="0" smtClean="0">
+              <a:rPr lang="fr-FR" sz="1200" dirty="0">
                 <a:solidFill>
                   <a:srgbClr val="FF0000"/>
                 </a:solidFill>
@@ -17654,38 +16781,22 @@
               <a:t>(</a:t>
             </a:r>
             <a:r>
-              <a:rPr lang="mr-IN" sz="1200" dirty="0" smtClean="0">
+              <a:rPr lang="mr-IN" sz="1200" dirty="0">
                 <a:solidFill>
                   <a:srgbClr val="FF0000"/>
                 </a:solidFill>
               </a:rPr>
-              <a:t>ACGTAACCGGTT</a:t>
-            </a:r>
-            <a:r>
-              <a:rPr lang="mr-IN" sz="1200" dirty="0">
+              <a:t>ACGTAACCGGTT', DNAAlphabet</a:t>
+            </a:r>
+            <a:r>
+              <a:rPr lang="fr-FR" sz="1200" dirty="0">
                 <a:solidFill>
                   <a:srgbClr val="FF0000"/>
                 </a:solidFill>
               </a:rPr>
-              <a:t>', </a:t>
-            </a:r>
-            <a:r>
-              <a:rPr lang="mr-IN" sz="1200" dirty="0" smtClean="0">
-                <a:solidFill>
-                  <a:srgbClr val="FF0000"/>
-                </a:solidFill>
-              </a:rPr>
-              <a:t>DNAAlphabet</a:t>
-            </a:r>
-            <a:r>
-              <a:rPr lang="fr-FR" sz="1200" dirty="0" smtClean="0">
-                <a:solidFill>
-                  <a:srgbClr val="FF0000"/>
-                </a:solidFill>
-              </a:rPr>
               <a:t>())</a:t>
             </a:r>
-            <a:endParaRPr lang="en-US" sz="1200" dirty="0" smtClean="0">
+            <a:endParaRPr lang="en-US" sz="1200" dirty="0">
               <a:solidFill>
                 <a:srgbClr val="FF0000"/>
               </a:solidFill>
@@ -17731,7 +16842,7 @@
           </a:lstStyle>
           <a:p>
             <a:r>
-              <a:rPr lang="mr-IN" sz="1200" dirty="0" smtClean="0">
+              <a:rPr lang="mr-IN" sz="1200" dirty="0">
                 <a:solidFill>
                   <a:srgbClr val="FF0000"/>
                 </a:solidFill>
@@ -17739,7 +16850,7 @@
               <a:t>Seq</a:t>
             </a:r>
             <a:r>
-              <a:rPr lang="fr-FR" sz="1200" dirty="0" smtClean="0">
+              <a:rPr lang="fr-FR" sz="1200" dirty="0">
                 <a:solidFill>
                   <a:srgbClr val="FF0000"/>
                 </a:solidFill>
@@ -17747,42 +16858,21 @@
               <a:t>(</a:t>
             </a:r>
             <a:r>
-              <a:rPr lang="mr-IN" sz="1200" dirty="0" smtClean="0">
+              <a:rPr lang="mr-IN" sz="1200" dirty="0">
                 <a:solidFill>
                   <a:srgbClr val="FF0000"/>
                 </a:solidFill>
               </a:rPr>
-              <a:t>ACGTAACCGGTT</a:t>
-            </a:r>
-            <a:r>
-              <a:rPr lang="mr-IN" sz="1200" dirty="0">
+              <a:t>ACGTAACCGGTT', DNAAlphabet</a:t>
+            </a:r>
+            <a:r>
+              <a:rPr lang="fr-FR" sz="1200" dirty="0">
                 <a:solidFill>
                   <a:srgbClr val="FF0000"/>
                 </a:solidFill>
               </a:rPr>
-              <a:t>', </a:t>
-            </a:r>
-            <a:r>
-              <a:rPr lang="mr-IN" sz="1200" dirty="0" smtClean="0">
-                <a:solidFill>
-                  <a:srgbClr val="FF0000"/>
-                </a:solidFill>
-              </a:rPr>
-              <a:t>DNAAlphabet</a:t>
-            </a:r>
-            <a:r>
-              <a:rPr lang="fr-FR" sz="1200" dirty="0" smtClean="0">
-                <a:solidFill>
-                  <a:srgbClr val="FF0000"/>
-                </a:solidFill>
-              </a:rPr>
               <a:t>())</a:t>
             </a:r>
-            <a:endParaRPr lang="fr-FR" sz="1200" dirty="0">
-              <a:solidFill>
-                <a:srgbClr val="FF0000"/>
-              </a:solidFill>
-            </a:endParaRPr>
           </a:p>
         </p:txBody>
       </p:sp>
@@ -17838,39 +16928,7 @@
           <a:p>
             <a:r>
               <a:rPr lang="en-US" dirty="0"/>
-              <a:t>very </a:t>
-            </a:r>
-            <a:r>
-              <a:rPr lang="en-US" dirty="0" smtClean="0"/>
-              <a:t>useful upper</a:t>
-            </a:r>
-            <a:r>
-              <a:rPr lang="en-US" dirty="0"/>
-              <a:t> </a:t>
-            </a:r>
-            <a:r>
-              <a:rPr lang="en-US" dirty="0" smtClean="0"/>
-              <a:t>and</a:t>
-            </a:r>
-            <a:r>
-              <a:rPr lang="en-US" dirty="0"/>
-              <a:t> </a:t>
-            </a:r>
-            <a:r>
-              <a:rPr lang="en-US" dirty="0" smtClean="0"/>
-              <a:t>lower</a:t>
-            </a:r>
-            <a:r>
-              <a:rPr lang="en-US" dirty="0"/>
-              <a:t> </a:t>
-            </a:r>
-            <a:r>
-              <a:rPr lang="en-US" dirty="0" smtClean="0"/>
-              <a:t>methods </a:t>
-            </a:r>
-            <a:r>
-              <a:rPr lang="en-US" dirty="0"/>
-              <a:t>for changing the case</a:t>
+              <a:t>very useful upper and lower methods for changing the case</a:t>
             </a:r>
           </a:p>
         </p:txBody>
@@ -17892,7 +16950,7 @@
           <a:p>
             <a:fld id="{879AD418-6C33-B94F-B67F-88D6EBB6E0D6}" type="datetime1">
               <a:rPr lang="fr-FR" smtClean="0"/>
-              <a:t>16/11/16</a:t>
+              <a:t>08/11/2018</a:t>
             </a:fld>
             <a:endParaRPr lang="fr-FR" dirty="0"/>
           </a:p>
@@ -17914,7 +16972,7 @@
           <a:lstStyle/>
           <a:p>
             <a:r>
-              <a:rPr lang="fr-FR" smtClean="0"/>
+              <a:rPr lang="fr-FR"/>
               <a:t>Python pour la biologie</a:t>
             </a:r>
             <a:endParaRPr lang="fr-FR" dirty="0"/>
@@ -17983,12 +17041,8 @@
           </a:lstStyle>
           <a:p>
             <a:r>
-              <a:rPr lang="en-US" sz="1200" dirty="0" smtClean="0"/>
-              <a:t>&gt;</a:t>
-            </a:r>
-            <a:r>
               <a:rPr lang="en-US" sz="1200" dirty="0"/>
-              <a:t>&gt;&gt; from </a:t>
+              <a:t>&gt;&gt;&gt; from </a:t>
             </a:r>
             <a:r>
               <a:rPr lang="en-US" sz="1200" dirty="0" err="1"/>
@@ -18093,21 +17147,21 @@
           </a:lstStyle>
           <a:p>
             <a:r>
-              <a:rPr lang="fr-FR" sz="1200" dirty="0" smtClean="0">
+              <a:rPr lang="fr-FR" sz="1200" dirty="0">
                 <a:latin typeface="Arial"/>
                 <a:cs typeface="Arial"/>
               </a:rPr>
               <a:t>&gt;&gt;&gt; </a:t>
             </a:r>
             <a:r>
-              <a:rPr lang="mr-IN" sz="1200" dirty="0" smtClean="0">
+              <a:rPr lang="mr-IN" sz="1200" dirty="0">
                 <a:latin typeface="Arial"/>
                 <a:cs typeface="Arial"/>
               </a:rPr>
               <a:t>dna_seq.upper</a:t>
             </a:r>
             <a:r>
-              <a:rPr lang="fr-FR" sz="1200" dirty="0" smtClean="0">
+              <a:rPr lang="fr-FR" sz="1200" dirty="0">
                 <a:latin typeface="Arial"/>
                 <a:cs typeface="Arial"/>
               </a:rPr>
@@ -18158,7 +17212,7 @@
           </a:lstStyle>
           <a:p>
             <a:r>
-              <a:rPr lang="fr-FR" sz="1200" dirty="0" smtClean="0">
+              <a:rPr lang="fr-FR" sz="1200" dirty="0">
                 <a:solidFill>
                   <a:srgbClr val="FF0000"/>
                 </a:solidFill>
@@ -18211,25 +17265,18 @@
           </a:lstStyle>
           <a:p>
             <a:r>
-              <a:rPr lang="fr-FR" sz="1200" dirty="0" smtClean="0">
+              <a:rPr lang="fr-FR" sz="1200" dirty="0">
                 <a:latin typeface="Arial"/>
                 <a:cs typeface="Arial"/>
               </a:rPr>
               <a:t>&gt;&gt;&gt; </a:t>
-            </a:r>
-            <a:r>
-              <a:rPr lang="mr-IN" sz="1200" dirty="0" smtClean="0">
-                <a:latin typeface="Arial"/>
-                <a:cs typeface="Arial"/>
-              </a:rPr>
-              <a:t>"</a:t>
             </a:r>
             <a:r>
               <a:rPr lang="mr-IN" sz="1200" dirty="0">
                 <a:latin typeface="Arial"/>
                 <a:cs typeface="Arial"/>
               </a:rPr>
-              <a:t>GTAC" in dna_seq</a:t>
+              <a:t>"GTAC" in dna_seq</a:t>
             </a:r>
             <a:endParaRPr lang="en-US" sz="1200" dirty="0">
               <a:latin typeface="Arial"/>
@@ -18276,49 +17323,35 @@
           </a:lstStyle>
           <a:p>
             <a:r>
-              <a:rPr lang="fr-FR" sz="1200" dirty="0" smtClean="0">
+              <a:rPr lang="fr-FR" sz="1200" dirty="0">
                 <a:latin typeface="Arial"/>
                 <a:cs typeface="Arial"/>
               </a:rPr>
               <a:t>&gt;&gt;&gt;</a:t>
-            </a:r>
-            <a:r>
-              <a:rPr lang="mr-IN" sz="1200" dirty="0" smtClean="0">
-                <a:latin typeface="Arial"/>
-                <a:cs typeface="Arial"/>
-              </a:rPr>
-              <a:t> </a:t>
             </a:r>
             <a:r>
               <a:rPr lang="mr-IN" sz="1200" dirty="0">
                 <a:latin typeface="Arial"/>
                 <a:cs typeface="Arial"/>
               </a:rPr>
-              <a:t>"GTAC" in </a:t>
-            </a:r>
-            <a:r>
-              <a:rPr lang="mr-IN" sz="1200" dirty="0" smtClean="0">
+              <a:t> "GTAC" in dna_seq</a:t>
+            </a:r>
+            <a:r>
+              <a:rPr lang="fr-FR" sz="1200" dirty="0">
                 <a:latin typeface="Arial"/>
                 <a:cs typeface="Arial"/>
               </a:rPr>
-              <a:t>dna_seq</a:t>
-            </a:r>
-            <a:r>
-              <a:rPr lang="fr-FR" sz="1200" dirty="0" smtClean="0">
+              <a:t>.</a:t>
+            </a:r>
+            <a:r>
+              <a:rPr lang="fr-FR" sz="1200" dirty="0" err="1">
                 <a:latin typeface="Arial"/>
                 <a:cs typeface="Arial"/>
               </a:rPr>
-              <a:t>.</a:t>
-            </a:r>
-            <a:r>
-              <a:rPr lang="fr-FR" sz="1200" dirty="0" err="1" smtClean="0">
-                <a:latin typeface="Arial"/>
-                <a:cs typeface="Arial"/>
-              </a:rPr>
               <a:t>upper</a:t>
             </a:r>
             <a:r>
-              <a:rPr lang="fr-FR" sz="1200" dirty="0" smtClean="0">
+              <a:rPr lang="fr-FR" sz="1200" dirty="0">
                 <a:latin typeface="Arial"/>
                 <a:cs typeface="Arial"/>
               </a:rPr>
@@ -18369,7 +17402,7 @@
           </a:lstStyle>
           <a:p>
             <a:r>
-              <a:rPr lang="mr-IN" sz="1200" dirty="0" smtClean="0">
+              <a:rPr lang="mr-IN" sz="1200" dirty="0">
                 <a:solidFill>
                   <a:srgbClr val="FF0000"/>
                 </a:solidFill>
@@ -18379,7 +17412,7 @@
               <a:t>Seq</a:t>
             </a:r>
             <a:r>
-              <a:rPr lang="fr-FR" sz="1200" dirty="0" smtClean="0">
+              <a:rPr lang="fr-FR" sz="1200" dirty="0">
                 <a:solidFill>
                   <a:srgbClr val="FF0000"/>
                 </a:solidFill>
@@ -18389,37 +17422,17 @@
               <a:t>(</a:t>
             </a:r>
             <a:r>
-              <a:rPr lang="mr-IN" sz="1200" dirty="0" smtClean="0">
+              <a:rPr lang="mr-IN" sz="1200" dirty="0">
                 <a:solidFill>
                   <a:srgbClr val="FF0000"/>
                 </a:solidFill>
                 <a:latin typeface="Arial"/>
                 <a:cs typeface="Arial"/>
               </a:rPr>
-              <a:t>ACGTACGT</a:t>
-            </a:r>
-            <a:r>
-              <a:rPr lang="mr-IN" sz="1200" dirty="0">
-                <a:solidFill>
-                  <a:srgbClr val="FF0000"/>
-                </a:solidFill>
-                <a:latin typeface="Arial"/>
-                <a:cs typeface="Arial"/>
-              </a:rPr>
-              <a:t>', </a:t>
-            </a:r>
-            <a:r>
-              <a:rPr lang="mr-IN" sz="1200" dirty="0" smtClean="0">
-                <a:solidFill>
-                  <a:srgbClr val="FF0000"/>
-                </a:solidFill>
-                <a:latin typeface="Arial"/>
-                <a:cs typeface="Arial"/>
-              </a:rPr>
-              <a:t>DNAAlphabet</a:t>
-            </a:r>
-            <a:r>
-              <a:rPr lang="fr-FR" sz="1200" dirty="0" smtClean="0">
+              <a:t>ACGTACGT', DNAAlphabet</a:t>
+            </a:r>
+            <a:r>
+              <a:rPr lang="fr-FR" sz="1200" dirty="0">
                 <a:solidFill>
                   <a:srgbClr val="FF0000"/>
                 </a:solidFill>
@@ -18476,7 +17489,7 @@
           </a:lstStyle>
           <a:p>
             <a:r>
-              <a:rPr lang="es-ES_tradnl" sz="1200" dirty="0" smtClean="0">
+              <a:rPr lang="es-ES_tradnl" sz="1200" dirty="0">
                 <a:solidFill>
                   <a:srgbClr val="FF0000"/>
                 </a:solidFill>
@@ -18581,35 +17594,35 @@
           </a:lstStyle>
           <a:p>
             <a:r>
-              <a:rPr lang="fr-FR" sz="1200" dirty="0" smtClean="0">
+              <a:rPr lang="fr-FR" sz="1200" dirty="0">
                 <a:latin typeface="Arial"/>
                 <a:cs typeface="Arial"/>
               </a:rPr>
               <a:t>&gt;&gt;&gt; </a:t>
             </a:r>
             <a:r>
-              <a:rPr lang="mr-IN" sz="1200" dirty="0" smtClean="0">
+              <a:rPr lang="mr-IN" sz="1200" dirty="0">
                 <a:latin typeface="Arial"/>
                 <a:cs typeface="Arial"/>
               </a:rPr>
               <a:t>dna_seq.</a:t>
             </a:r>
             <a:r>
-              <a:rPr lang="fr-FR" sz="1200" dirty="0" err="1" smtClean="0">
+              <a:rPr lang="fr-FR" sz="1200" dirty="0" err="1">
                 <a:latin typeface="Arial"/>
                 <a:cs typeface="Arial"/>
               </a:rPr>
               <a:t>low</a:t>
             </a:r>
             <a:r>
-              <a:rPr lang="mr-IN" sz="1200" dirty="0" smtClean="0">
+              <a:rPr lang="mr-IN" sz="1200" dirty="0">
                 <a:latin typeface="Arial"/>
                 <a:cs typeface="Arial"/>
               </a:rPr>
               <a:t>er</a:t>
             </a:r>
             <a:r>
-              <a:rPr lang="fr-FR" sz="1200" dirty="0" smtClean="0">
+              <a:rPr lang="fr-FR" sz="1200" dirty="0">
                 <a:latin typeface="Arial"/>
                 <a:cs typeface="Arial"/>
               </a:rPr>
@@ -18660,7 +17673,7 @@
           </a:lstStyle>
           <a:p>
             <a:r>
-              <a:rPr lang="mr-IN" sz="1200" dirty="0" smtClean="0">
+              <a:rPr lang="mr-IN" sz="1200" dirty="0">
                 <a:solidFill>
                   <a:srgbClr val="FF0000"/>
                 </a:solidFill>
@@ -18668,7 +17681,7 @@
               <a:t>Seq</a:t>
             </a:r>
             <a:r>
-              <a:rPr lang="fr-FR" sz="1200" dirty="0" smtClean="0">
+              <a:rPr lang="fr-FR" sz="1200" dirty="0">
                 <a:solidFill>
                   <a:srgbClr val="FF0000"/>
                 </a:solidFill>
@@ -18676,7 +17689,7 @@
               <a:t>(</a:t>
             </a:r>
             <a:r>
-              <a:rPr lang="fr-FR" sz="1200" dirty="0" err="1" smtClean="0">
+              <a:rPr lang="fr-FR" sz="1200" dirty="0" err="1">
                 <a:solidFill>
                   <a:srgbClr val="FF0000"/>
                 </a:solidFill>
@@ -18684,7 +17697,7 @@
               <a:t>acgtacgt</a:t>
             </a:r>
             <a:r>
-              <a:rPr lang="mr-IN" sz="1200" dirty="0" smtClean="0">
+              <a:rPr lang="mr-IN" sz="1200" dirty="0">
                 <a:solidFill>
                   <a:srgbClr val="FF0000"/>
                 </a:solidFill>
@@ -18692,7 +17705,7 @@
               <a:t>, DNAAlphabet</a:t>
             </a:r>
             <a:r>
-              <a:rPr lang="fr-FR" sz="1200" dirty="0" smtClean="0">
+              <a:rPr lang="fr-FR" sz="1200" dirty="0">
                 <a:solidFill>
                   <a:srgbClr val="FF0000"/>
                 </a:solidFill>
@@ -18768,12 +17781,8 @@
           </a:lstStyle>
           <a:p>
             <a:r>
-              <a:rPr lang="en-US" sz="1200" dirty="0" smtClean="0"/>
-              <a:t>&gt;</a:t>
-            </a:r>
-            <a:r>
               <a:rPr lang="en-US" sz="1200" dirty="0"/>
-              <a:t>&gt;&gt; from </a:t>
+              <a:t>&gt;&gt;&gt; from </a:t>
             </a:r>
             <a:r>
               <a:rPr lang="en-US" sz="1200" dirty="0" err="1"/>
@@ -18965,25 +17974,18 @@
           </a:lstStyle>
           <a:p>
             <a:r>
-              <a:rPr lang="fr-FR" sz="1200" dirty="0" smtClean="0">
+              <a:rPr lang="fr-FR" sz="1200" dirty="0">
                 <a:latin typeface="Arial"/>
                 <a:cs typeface="Arial"/>
               </a:rPr>
               <a:t>&gt;&gt;&gt;</a:t>
-            </a:r>
-            <a:r>
-              <a:rPr lang="mr-IN" sz="1200" dirty="0" smtClean="0">
-                <a:latin typeface="Arial"/>
-                <a:cs typeface="Arial"/>
-              </a:rPr>
-              <a:t> </a:t>
             </a:r>
             <a:r>
               <a:rPr lang="mr-IN" sz="1200" dirty="0">
                 <a:latin typeface="Arial"/>
                 <a:cs typeface="Arial"/>
               </a:rPr>
-              <a:t>dna_seq.lower()</a:t>
+              <a:t> dna_seq.lower()</a:t>
             </a:r>
           </a:p>
         </p:txBody>
@@ -19086,16 +18088,8 @@
           <a:lstStyle/>
           <a:p>
             <a:r>
-              <a:rPr lang="en-US" dirty="0" smtClean="0"/>
-              <a:t>Nucleotide </a:t>
-            </a:r>
-            <a:r>
               <a:rPr lang="en-US" dirty="0"/>
-              <a:t>sequences and (reverse) </a:t>
-            </a:r>
-            <a:r>
-              <a:rPr lang="en-US" dirty="0" smtClean="0"/>
-              <a:t>complements</a:t>
+              <a:t>Nucleotide sequences and (reverse) complements</a:t>
             </a:r>
             <a:endParaRPr lang="fr-FR" dirty="0"/>
           </a:p>
@@ -19123,27 +18117,15 @@
           <a:p>
             <a:r>
               <a:rPr lang="en-US" dirty="0"/>
-              <a:t>For nucleotide sequences, you can easily obtain the complement or reverse complement of </a:t>
-            </a:r>
-            <a:r>
-              <a:rPr lang="en-US" dirty="0" smtClean="0"/>
-              <a:t>a </a:t>
-            </a:r>
-            <a:r>
-              <a:rPr lang="en-US" dirty="0" err="1" smtClean="0"/>
+              <a:t>For nucleotide sequences, you can easily obtain the complement or reverse complement of a </a:t>
+            </a:r>
+            <a:r>
+              <a:rPr lang="en-US" dirty="0" err="1"/>
               <a:t>Seq</a:t>
             </a:r>
             <a:r>
               <a:rPr lang="en-US" dirty="0"/>
-              <a:t> </a:t>
-            </a:r>
-            <a:r>
-              <a:rPr lang="en-US" dirty="0" smtClean="0"/>
-              <a:t>object using its </a:t>
-            </a:r>
-            <a:r>
-              <a:rPr lang="en-US" dirty="0"/>
-              <a:t>built-in methods:</a:t>
+              <a:t> object using its built-in methods:</a:t>
             </a:r>
           </a:p>
         </p:txBody>
@@ -19165,7 +18147,7 @@
           <a:p>
             <a:fld id="{D3144878-28D7-2449-A858-242300DEEEF2}" type="datetime1">
               <a:rPr lang="fr-FR" smtClean="0"/>
-              <a:t>16/11/16</a:t>
+              <a:t>08/11/2018</a:t>
             </a:fld>
             <a:endParaRPr lang="fr-FR" dirty="0"/>
           </a:p>
@@ -19187,7 +18169,7 @@
           <a:lstStyle/>
           <a:p>
             <a:r>
-              <a:rPr lang="fr-FR" smtClean="0"/>
+              <a:rPr lang="fr-FR"/>
               <a:t>Python pour la biologie</a:t>
             </a:r>
             <a:endParaRPr lang="fr-FR" dirty="0"/>
@@ -19256,12 +18238,8 @@
           </a:lstStyle>
           <a:p>
             <a:r>
-              <a:rPr lang="en-US" sz="1200" dirty="0" smtClean="0"/>
-              <a:t>&gt;</a:t>
-            </a:r>
-            <a:r>
               <a:rPr lang="en-US" sz="1200" dirty="0"/>
-              <a:t>&gt;&gt; from </a:t>
+              <a:t>&gt;&gt;&gt; from </a:t>
             </a:r>
             <a:r>
               <a:rPr lang="en-US" sz="1200" dirty="0" err="1"/>
@@ -19357,19 +18335,8 @@
                 <a:latin typeface="Arial"/>
                 <a:cs typeface="Arial"/>
               </a:rPr>
-              <a:t>&gt;&gt;&gt; my_seq.complement(</a:t>
-            </a:r>
-            <a:r>
-              <a:rPr lang="mr-IN" sz="1200" dirty="0" smtClean="0">
-                <a:latin typeface="Arial"/>
-                <a:cs typeface="Arial"/>
-              </a:rPr>
-              <a:t>)</a:t>
-            </a:r>
-            <a:endParaRPr lang="mr-IN" sz="1200" dirty="0">
-              <a:latin typeface="Arial"/>
-              <a:cs typeface="Arial"/>
-            </a:endParaRPr>
+              <a:t>&gt;&gt;&gt; my_seq.complement()</a:t>
+            </a:r>
           </a:p>
         </p:txBody>
       </p:sp>
@@ -19807,10 +18774,9 @@
           <a:p>
             <a:pPr algn="ctr"/>
             <a:r>
-              <a:rPr lang="fr-FR" dirty="0" smtClean="0"/>
+              <a:rPr lang="fr-FR" dirty="0"/>
               <a:t>Biopython</a:t>
             </a:r>
-            <a:endParaRPr lang="fr-FR" dirty="0"/>
           </a:p>
         </p:txBody>
       </p:sp>
@@ -19836,44 +18802,32 @@
           </a:bodyPr>
           <a:lstStyle/>
           <a:p>
-            <a:r>
-              <a:rPr lang="fr-FR" dirty="0" smtClean="0"/>
-              <a:t/>
-            </a:r>
-            <a:br>
-              <a:rPr lang="fr-FR" dirty="0" smtClean="0"/>
-            </a:br>
-            <a:r>
-              <a:rPr lang="fr-FR" dirty="0"/>
-              <a:t/>
-            </a:r>
             <a:br>
               <a:rPr lang="fr-FR" dirty="0"/>
             </a:br>
-            <a:r>
-              <a:rPr lang="fr-FR" dirty="0" smtClean="0">
+            <a:br>
+              <a:rPr lang="fr-FR" dirty="0"/>
+            </a:br>
+            <a:r>
+              <a:rPr lang="fr-FR" dirty="0">
                 <a:solidFill>
                   <a:schemeClr val="tx1"/>
                 </a:solidFill>
               </a:rPr>
               <a:t>Formation CNRS</a:t>
             </a:r>
-            <a:r>
-              <a:rPr lang="fr-FR" dirty="0" smtClean="0"/>
-              <a:t/>
-            </a:r>
             <a:br>
-              <a:rPr lang="fr-FR" dirty="0" smtClean="0"/>
+              <a:rPr lang="fr-FR"/>
             </a:br>
             <a:r>
-              <a:rPr lang="fr-FR" dirty="0" smtClean="0"/>
-              <a:t>18 Novembre 2016</a:t>
+              <a:rPr lang="fr-FR"/>
+              <a:t>8 Novembre 2018</a:t>
             </a:r>
             <a:br>
-              <a:rPr lang="fr-FR" dirty="0" smtClean="0"/>
+              <a:rPr lang="fr-FR" dirty="0"/>
             </a:br>
             <a:r>
-              <a:rPr lang="en-US" b="1" dirty="0" smtClean="0">
+              <a:rPr lang="en-US" b="1" dirty="0">
                 <a:solidFill>
                   <a:schemeClr val="tx1"/>
                 </a:solidFill>
@@ -19881,24 +18835,16 @@
               <a:t>Python pour la </a:t>
             </a:r>
             <a:r>
-              <a:rPr lang="en-US" b="1" dirty="0" err="1" smtClean="0">
+              <a:rPr lang="en-US" b="1" dirty="0" err="1">
                 <a:solidFill>
                   <a:schemeClr val="tx1"/>
                 </a:solidFill>
               </a:rPr>
               <a:t>biologie</a:t>
-            </a:r>
-            <a:r>
-              <a:rPr lang="en-US" b="1" dirty="0"/>
-              <a:t/>
             </a:r>
             <a:br>
               <a:rPr lang="en-US" b="1" dirty="0"/>
             </a:br>
-            <a:r>
-              <a:rPr lang="fr-FR" dirty="0"/>
-              <a:t/>
-            </a:r>
             <a:br>
               <a:rPr lang="fr-FR" dirty="0"/>
             </a:br>
@@ -19976,16 +18922,9 @@
   <p:clrMapOvr>
     <a:masterClrMapping/>
   </p:clrMapOvr>
-  <p:transition xmlns:p14="http://schemas.microsoft.com/office/powerpoint/2010/main" spd="slow">
+  <p:transition spd="slow">
     <p:wipe/>
   </p:transition>
-  <p:timing>
-    <p:tnLst>
-      <p:par>
-        <p:cTn xmlns:p14="http://schemas.microsoft.com/office/powerpoint/2010/main" id="1" dur="indefinite" restart="never" nodeType="tmRoot"/>
-      </p:par>
-    </p:tnLst>
-  </p:timing>
 </p:sld>
 </file>
 
@@ -20022,10 +18961,9 @@
           <a:lstStyle/>
           <a:p>
             <a:r>
-              <a:rPr lang="fr-FR" dirty="0" smtClean="0"/>
+              <a:rPr lang="fr-FR" dirty="0"/>
               <a:t>Transcription</a:t>
             </a:r>
-            <a:endParaRPr lang="fr-FR" dirty="0"/>
           </a:p>
         </p:txBody>
       </p:sp>
@@ -20079,7 +19017,7 @@
           <a:p>
             <a:fld id="{25BE81B4-6103-C545-A085-99043BCEEEB0}" type="datetime1">
               <a:rPr lang="fr-FR" smtClean="0"/>
-              <a:t>16/11/16</a:t>
+              <a:t>08/11/2018</a:t>
             </a:fld>
             <a:endParaRPr lang="fr-FR" dirty="0"/>
           </a:p>
@@ -20101,7 +19039,7 @@
           <a:lstStyle/>
           <a:p>
             <a:r>
-              <a:rPr lang="fr-FR" smtClean="0"/>
+              <a:rPr lang="fr-FR"/>
               <a:t>Python pour la biologie</a:t>
             </a:r>
             <a:endParaRPr lang="fr-FR" dirty="0"/>
@@ -20341,16 +19279,8 @@
           </a:lstStyle>
           <a:p>
             <a:r>
-              <a:rPr lang="en-US" dirty="0" smtClean="0"/>
-              <a:t>Consider </a:t>
-            </a:r>
-            <a:r>
               <a:rPr lang="en-US" dirty="0"/>
-              <a:t>the </a:t>
-            </a:r>
-            <a:r>
-              <a:rPr lang="en-US" dirty="0" smtClean="0"/>
-              <a:t>following:</a:t>
+              <a:t>Consider the following:</a:t>
             </a:r>
             <a:endParaRPr lang="fr-FR" dirty="0"/>
           </a:p>
@@ -20566,37 +19496,8 @@
           <a:p>
             <a:r>
               <a:rPr lang="en-US" dirty="0"/>
-              <a:t>The actual biological transcription process works from the template strand, doing a reverse </a:t>
-            </a:r>
-            <a:r>
-              <a:rPr lang="en-US" dirty="0" smtClean="0"/>
-              <a:t>complement (TCAG -&gt; CUGA</a:t>
-            </a:r>
-            <a:r>
-              <a:rPr lang="en-US" dirty="0"/>
-              <a:t>) to give the mRNA. However, in Biopython and bioinformatics in general, we </a:t>
-            </a:r>
-            <a:r>
-              <a:rPr lang="en-US" dirty="0" smtClean="0"/>
-              <a:t>typically work </a:t>
-            </a:r>
-            <a:r>
-              <a:rPr lang="en-US" dirty="0"/>
-              <a:t>directly with the coding strand because this means we can get the mRNA sequence just by </a:t>
-            </a:r>
-            <a:r>
-              <a:rPr lang="en-US" dirty="0" smtClean="0"/>
-              <a:t>switching T</a:t>
-            </a:r>
-            <a:r>
-              <a:rPr lang="en-US" dirty="0"/>
-              <a:t> </a:t>
-            </a:r>
-            <a:r>
-              <a:rPr lang="en-US" dirty="0" smtClean="0"/>
-              <a:t>-&gt; U</a:t>
-            </a:r>
-            <a:endParaRPr lang="en-US" dirty="0"/>
+              <a:t>The actual biological transcription process works from the template strand, doing a reverse complement (TCAG -&gt; CUGA) to give the mRNA. However, in Biopython and bioinformatics in general, we typically work directly with the coding strand because this means we can get the mRNA sequence just by switching T -&gt; U</a:t>
+            </a:r>
           </a:p>
         </p:txBody>
       </p:sp>
@@ -20647,13 +19548,8 @@
           <a:p>
             <a:r>
               <a:rPr lang="fr-FR" dirty="0"/>
-              <a:t>Transcription </a:t>
-            </a:r>
-            <a:r>
-              <a:rPr lang="fr-FR" dirty="0" smtClean="0"/>
-              <a:t>(2)</a:t>
-            </a:r>
-            <a:endParaRPr lang="fr-FR" dirty="0"/>
+              <a:t>Transcription (2)</a:t>
+            </a:r>
           </a:p>
         </p:txBody>
       </p:sp>
@@ -20679,46 +19575,14 @@
           <a:p>
             <a:r>
               <a:rPr lang="en-US" dirty="0"/>
-              <a:t>M</a:t>
-            </a:r>
-            <a:r>
-              <a:rPr lang="en-US" dirty="0" smtClean="0"/>
-              <a:t>atch </a:t>
-            </a:r>
-            <a:r>
-              <a:rPr lang="en-US" dirty="0"/>
-              <a:t>the </a:t>
-            </a:r>
-            <a:r>
-              <a:rPr lang="en-US" dirty="0" smtClean="0"/>
-              <a:t>figure above</a:t>
+              <a:t>Match the figure above</a:t>
             </a:r>
           </a:p>
           <a:p>
             <a:pPr lvl="1"/>
             <a:r>
-              <a:rPr lang="en-US" sz="1600" dirty="0" smtClean="0"/>
-              <a:t>remember </a:t>
-            </a:r>
-            <a:r>
               <a:rPr lang="en-US" sz="1600" dirty="0"/>
-              <a:t>by convention nucleotide sequences are normally read </a:t>
-            </a:r>
-            <a:r>
-              <a:rPr lang="en-US" sz="1600" dirty="0" smtClean="0"/>
-              <a:t>from the </a:t>
-            </a:r>
-            <a:r>
-              <a:rPr lang="en-US" sz="1600" dirty="0"/>
-              <a:t>5’ to 3’ direction, while in the </a:t>
-            </a:r>
-            <a:r>
-              <a:rPr lang="en-US" sz="1600" dirty="0" smtClean="0"/>
-              <a:t>figure </a:t>
-            </a:r>
-            <a:r>
-              <a:rPr lang="en-US" sz="1600" dirty="0"/>
-              <a:t>the template strand is shown reversed.</a:t>
+              <a:t>remember by convention nucleotide sequences are normally read from the 5’ to 3’ direction, while in the figure the template strand is shown reversed.</a:t>
             </a:r>
           </a:p>
           <a:p>
@@ -20743,7 +19607,7 @@
           <a:p>
             <a:fld id="{1C313947-E3B0-C84E-9706-2E44F61BCD95}" type="datetime1">
               <a:rPr lang="fr-FR" smtClean="0"/>
-              <a:t>16/11/16</a:t>
+              <a:t>08/11/2018</a:t>
             </a:fld>
             <a:endParaRPr lang="fr-FR" dirty="0"/>
           </a:p>
@@ -20765,10 +19629,9 @@
           <a:lstStyle/>
           <a:p>
             <a:r>
-              <a:rPr lang="fr-FR" dirty="0" smtClean="0"/>
+              <a:rPr lang="fr-FR" dirty="0"/>
               <a:t>Python pour la biologie</a:t>
             </a:r>
-            <a:endParaRPr lang="fr-FR" dirty="0"/>
           </a:p>
         </p:txBody>
       </p:sp>
@@ -20834,12 +19697,8 @@
           </a:lstStyle>
           <a:p>
             <a:r>
-              <a:rPr lang="en-US" sz="1200" dirty="0" smtClean="0"/>
-              <a:t>&gt;</a:t>
-            </a:r>
-            <a:r>
               <a:rPr lang="en-US" sz="1200" dirty="0"/>
-              <a:t>&gt;&gt; from </a:t>
+              <a:t>&gt;&gt;&gt; from </a:t>
             </a:r>
             <a:r>
               <a:rPr lang="en-US" sz="1200" dirty="0" err="1"/>
@@ -20935,7 +19794,7 @@
               <a:t>&gt;&gt;&gt; </a:t>
             </a:r>
             <a:r>
-              <a:rPr lang="mr-IN" sz="1200" dirty="0" smtClean="0"/>
+              <a:rPr lang="mr-IN" sz="1200" dirty="0"/>
               <a:t>template_dna </a:t>
             </a:r>
             <a:r>
@@ -20943,11 +19802,11 @@
               <a:t>=</a:t>
             </a:r>
             <a:r>
-              <a:rPr lang="mr-IN" sz="1200" dirty="0" smtClean="0"/>
+              <a:rPr lang="mr-IN" sz="1200" dirty="0"/>
               <a:t> coding_dna.reverse_complement</a:t>
             </a:r>
             <a:r>
-              <a:rPr lang="fr-FR" sz="1200" dirty="0" smtClean="0"/>
+              <a:rPr lang="fr-FR" sz="1200" dirty="0"/>
               <a:t>()</a:t>
             </a:r>
             <a:endParaRPr lang="mr-IN" sz="1200" dirty="0"/>
@@ -20958,10 +19817,9 @@
               <a:t>&gt;&gt;&gt; </a:t>
             </a:r>
             <a:r>
-              <a:rPr lang="mr-IN" sz="1200" dirty="0" smtClean="0"/>
+              <a:rPr lang="mr-IN" sz="1200" dirty="0"/>
               <a:t>template_dna</a:t>
             </a:r>
-            <a:endParaRPr lang="mr-IN" sz="1200" dirty="0"/>
           </a:p>
         </p:txBody>
       </p:sp>
@@ -21319,32 +20177,19 @@
           <a:p>
             <a:r>
               <a:rPr lang="en-US" dirty="0"/>
-              <a:t>T</a:t>
-            </a:r>
-            <a:r>
-              <a:rPr lang="en-US" dirty="0" smtClean="0"/>
-              <a:t>ranscribe the coding strand into corresponding mRNA, using </a:t>
-            </a:r>
-            <a:r>
-              <a:rPr lang="en-US" dirty="0" err="1" smtClean="0"/>
+              <a:t>Transcribe the coding strand into corresponding mRNA, using </a:t>
+            </a:r>
+            <a:r>
+              <a:rPr lang="en-US" dirty="0" err="1"/>
               <a:t>Seq</a:t>
             </a:r>
             <a:r>
-              <a:rPr lang="en-US" dirty="0" smtClean="0"/>
-              <a:t> object's built in transcribe method (switch T-&gt;U and adjust </a:t>
-            </a:r>
-            <a:r>
               <a:rPr lang="en-US" dirty="0"/>
-              <a:t>the </a:t>
-            </a:r>
-            <a:r>
-              <a:rPr lang="en-US" dirty="0" smtClean="0"/>
-              <a:t>alphabet)</a:t>
-            </a:r>
+              <a:t> object's built in transcribe method (switch T-&gt;U and adjust the alphabet)</a:t>
+            </a:r>
+          </a:p>
+          <a:p>
             <a:endParaRPr lang="en-US" dirty="0"/>
-          </a:p>
-          <a:p>
-            <a:endParaRPr lang="en-US" dirty="0" smtClean="0"/>
           </a:p>
           <a:p>
             <a:endParaRPr lang="fr-FR" dirty="0"/>
@@ -21541,10 +20386,9 @@
               <a:t>&gt;&gt;&gt; </a:t>
             </a:r>
             <a:r>
-              <a:rPr lang="mr-IN" sz="1200" dirty="0" smtClean="0"/>
+              <a:rPr lang="mr-IN" sz="1200" dirty="0"/>
               <a:t>coding_dna</a:t>
             </a:r>
-            <a:endParaRPr lang="mr-IN" sz="1200" dirty="0"/>
           </a:p>
         </p:txBody>
       </p:sp>
@@ -21671,19 +20515,19 @@
           <a:lstStyle/>
           <a:p>
             <a:r>
-              <a:rPr lang="fr-FR" dirty="0" smtClean="0"/>
+              <a:rPr lang="fr-FR" dirty="0"/>
               <a:t>Transcription (3) (</a:t>
             </a:r>
             <a:r>
-              <a:rPr lang="fr-FR" dirty="0" err="1" smtClean="0"/>
+              <a:rPr lang="fr-FR" dirty="0" err="1"/>
               <a:t>added</a:t>
             </a:r>
             <a:r>
-              <a:rPr lang="fr-FR" dirty="0" smtClean="0"/>
+              <a:rPr lang="fr-FR" dirty="0"/>
               <a:t> in </a:t>
             </a:r>
             <a:r>
-              <a:rPr lang="en-US" dirty="0" smtClean="0"/>
+              <a:rPr lang="en-US" dirty="0"/>
               <a:t>Biopython 1.49)</a:t>
             </a:r>
             <a:endParaRPr lang="fr-FR" dirty="0"/>
@@ -21707,7 +20551,7 @@
           <a:p>
             <a:fld id="{D451B79B-677F-5E43-B8AA-276A40053AD2}" type="datetime1">
               <a:rPr lang="fr-FR" smtClean="0"/>
-              <a:t>16/11/16</a:t>
+              <a:t>08/11/2018</a:t>
             </a:fld>
             <a:endParaRPr lang="fr-FR" dirty="0"/>
           </a:p>
@@ -21729,7 +20573,7 @@
           <a:lstStyle/>
           <a:p>
             <a:r>
-              <a:rPr lang="fr-FR" smtClean="0"/>
+              <a:rPr lang="fr-FR"/>
               <a:t>Python pour la biologie</a:t>
             </a:r>
             <a:endParaRPr lang="fr-FR" dirty="0"/>
@@ -21798,12 +20642,8 @@
           </a:lstStyle>
           <a:p>
             <a:r>
-              <a:rPr lang="en-US" sz="1200" dirty="0" smtClean="0"/>
-              <a:t>&gt;</a:t>
-            </a:r>
-            <a:r>
               <a:rPr lang="en-US" sz="1200" dirty="0"/>
-              <a:t>&gt;&gt; from </a:t>
+              <a:t>&gt;&gt;&gt; from </a:t>
             </a:r>
             <a:r>
               <a:rPr lang="en-US" sz="1200" dirty="0" err="1"/>
@@ -22033,39 +20873,23 @@
                   <a:srgbClr val="FF0000"/>
                 </a:solidFill>
               </a:rPr>
-              <a:t>(</a:t>
-            </a:r>
-            <a:r>
-              <a:rPr lang="en-US" sz="1200" dirty="0" smtClean="0">
+              <a:t>(‘</a:t>
+            </a:r>
+            <a:r>
+              <a:rPr lang="fr-FR" sz="1200" dirty="0">
                 <a:solidFill>
                   <a:srgbClr val="FF0000"/>
                 </a:solidFill>
               </a:rPr>
-              <a:t>‘</a:t>
-            </a:r>
-            <a:r>
-              <a:rPr lang="fr-FR" sz="1200" dirty="0">
+              <a:t>AUGGCCAUUGUAAUGGGCCGCUGAAAGGGUGCCCGAUAG</a:t>
+            </a:r>
+            <a:r>
+              <a:rPr lang="en-US" sz="1200" dirty="0">
                 <a:solidFill>
                   <a:srgbClr val="FF0000"/>
                 </a:solidFill>
               </a:rPr>
-              <a:t>AUGGCCAUUGUAAUGGGCCGCUGAAAGGGUGCCCGAUAG</a:t>
-            </a:r>
-            <a:r>
-              <a:rPr lang="en-US" sz="1200" dirty="0" smtClean="0">
-                <a:solidFill>
-                  <a:srgbClr val="FF0000"/>
-                </a:solidFill>
-              </a:rPr>
-              <a:t>’</a:t>
-            </a:r>
-            <a:r>
-              <a:rPr lang="en-US" sz="1200" dirty="0">
-                <a:solidFill>
-                  <a:srgbClr val="FF0000"/>
-                </a:solidFill>
-              </a:rPr>
-              <a:t>, </a:t>
+              <a:t>’, </a:t>
             </a:r>
             <a:r>
               <a:rPr lang="en-US" sz="1200" dirty="0" err="1">
@@ -22113,21 +20937,8 @@
           <a:p>
             <a:r>
               <a:rPr lang="en-US" dirty="0"/>
-              <a:t>D</a:t>
-            </a:r>
-            <a:r>
-              <a:rPr lang="en-US" dirty="0" smtClean="0"/>
-              <a:t>o </a:t>
-            </a:r>
-            <a:r>
-              <a:rPr lang="en-US" dirty="0"/>
-              <a:t>a true biological transcription starting with the template strand</a:t>
-            </a:r>
-            <a:r>
-              <a:rPr lang="en-US" dirty="0" smtClean="0"/>
-              <a:t>:</a:t>
-            </a:r>
-            <a:endParaRPr lang="en-US" dirty="0"/>
+              <a:t>Do a true biological transcription starting with the template strand:</a:t>
+            </a:r>
           </a:p>
         </p:txBody>
       </p:sp>
@@ -22340,42 +21151,21 @@
           </a:lstStyle>
           <a:p>
             <a:r>
-              <a:rPr lang="fr-FR" dirty="0" smtClean="0"/>
+              <a:rPr lang="fr-FR" dirty="0"/>
               <a:t>Th</a:t>
             </a:r>
             <a:r>
-              <a:rPr lang="en-US" dirty="0" smtClean="0"/>
+              <a:rPr lang="en-US" dirty="0"/>
               <a:t>e </a:t>
             </a:r>
             <a:r>
-              <a:rPr lang="en-US" dirty="0" err="1" smtClean="0"/>
+              <a:rPr lang="en-US" dirty="0" err="1"/>
               <a:t>Seq</a:t>
             </a:r>
             <a:r>
               <a:rPr lang="en-US" dirty="0"/>
-              <a:t> </a:t>
-            </a:r>
-            <a:r>
-              <a:rPr lang="en-US" dirty="0" smtClean="0"/>
-              <a:t>object </a:t>
-            </a:r>
-            <a:r>
-              <a:rPr lang="en-US" dirty="0"/>
-              <a:t>also includes a back-transcription method for going from the mRNA to the coding </a:t>
-            </a:r>
-            <a:r>
-              <a:rPr lang="en-US" dirty="0" smtClean="0"/>
-              <a:t>strand of </a:t>
-            </a:r>
-            <a:r>
-              <a:rPr lang="en-US" dirty="0"/>
-              <a:t>the </a:t>
-            </a:r>
-            <a:r>
-              <a:rPr lang="en-US" dirty="0" smtClean="0"/>
-              <a:t>DNA:</a:t>
-            </a:r>
-            <a:endParaRPr lang="en-US" dirty="0"/>
+              <a:t> object also includes a back-transcription method for going from the mRNA to the coding strand of the DNA:</a:t>
+            </a:r>
           </a:p>
         </p:txBody>
       </p:sp>
@@ -22549,10 +21339,9 @@
           <a:lstStyle/>
           <a:p>
             <a:r>
-              <a:rPr lang="fr-FR" dirty="0" smtClean="0"/>
+              <a:rPr lang="fr-FR" dirty="0"/>
               <a:t>Translation</a:t>
             </a:r>
-            <a:endParaRPr lang="fr-FR" dirty="0"/>
           </a:p>
         </p:txBody>
       </p:sp>
@@ -22577,20 +21366,16 @@
           <a:lstStyle/>
           <a:p>
             <a:r>
-              <a:rPr lang="fr-FR" dirty="0" err="1" smtClean="0"/>
+              <a:rPr lang="fr-FR" dirty="0" err="1"/>
               <a:t>T</a:t>
             </a:r>
             <a:r>
-              <a:rPr lang="en-US" dirty="0" err="1" smtClean="0"/>
+              <a:rPr lang="en-US" dirty="0" err="1"/>
               <a:t>ranslate</a:t>
             </a:r>
             <a:r>
-              <a:rPr lang="en-US" dirty="0" smtClean="0"/>
-              <a:t> mRNA into </a:t>
-            </a:r>
-            <a:r>
               <a:rPr lang="en-US" dirty="0"/>
-              <a:t>the corresponding protein sequence</a:t>
+              <a:t> mRNA into the corresponding protein sequence</a:t>
             </a:r>
           </a:p>
           <a:p>
@@ -22615,7 +21400,7 @@
           <a:p>
             <a:fld id="{2D279393-B109-1841-B1A2-56CECB19BBFD}" type="datetime1">
               <a:rPr lang="fr-FR" smtClean="0"/>
-              <a:t>16/11/16</a:t>
+              <a:t>08/11/2018</a:t>
             </a:fld>
             <a:endParaRPr lang="fr-FR" dirty="0"/>
           </a:p>
@@ -22637,7 +21422,7 @@
           <a:lstStyle/>
           <a:p>
             <a:r>
-              <a:rPr lang="fr-FR" smtClean="0"/>
+              <a:rPr lang="fr-FR"/>
               <a:t>Python pour la biologie</a:t>
             </a:r>
             <a:endParaRPr lang="fr-FR" dirty="0"/>
@@ -22706,12 +21491,8 @@
           </a:lstStyle>
           <a:p>
             <a:r>
-              <a:rPr lang="en-US" sz="1200" dirty="0" smtClean="0"/>
-              <a:t>&gt;</a:t>
-            </a:r>
-            <a:r>
               <a:rPr lang="en-US" sz="1200" dirty="0"/>
-              <a:t>&gt;&gt; from </a:t>
+              <a:t>&gt;&gt;&gt; from </a:t>
             </a:r>
             <a:r>
               <a:rPr lang="en-US" sz="1200" dirty="0" err="1"/>
@@ -23103,24 +21884,14 @@
           </a:lstStyle>
           <a:p>
             <a:r>
-              <a:rPr lang="mr-IN" sz="1200" dirty="0" smtClean="0">
+              <a:rPr lang="mr-IN" sz="1200" dirty="0">
                 <a:solidFill>
                   <a:srgbClr val="FF0000"/>
                 </a:solidFill>
                 <a:latin typeface="Arial"/>
                 <a:cs typeface="Arial"/>
               </a:rPr>
-              <a:t>Seq</a:t>
-            </a:r>
-            <a:r>
-              <a:rPr lang="mr-IN" sz="1200" dirty="0">
-                <a:solidFill>
-                  <a:srgbClr val="FF0000"/>
-                </a:solidFill>
-                <a:latin typeface="Arial"/>
-                <a:cs typeface="Arial"/>
-              </a:rPr>
-              <a:t>('MAIVMGR*KGAR*', HasStopCodon(IUPACProtein(), '*'))</a:t>
+              <a:t>Seq('MAIVMGR*KGAR*', HasStopCodon(IUPACProtein(), '*'))</a:t>
             </a:r>
           </a:p>
         </p:txBody>
@@ -23490,11 +22261,7 @@
           <a:p>
             <a:r>
               <a:rPr lang="en-US" dirty="0"/>
-              <a:t>A</a:t>
-            </a:r>
-            <a:r>
-              <a:rPr lang="en-US" dirty="0" smtClean="0"/>
-              <a:t>vailable in Biopython from the NCBI</a:t>
+              <a:t>Available in Biopython from the NCBI</a:t>
             </a:r>
             <a:endParaRPr lang="fr-FR" dirty="0"/>
           </a:p>
@@ -23885,12 +22652,8 @@
           </a:lstStyle>
           <a:p>
             <a:r>
-              <a:rPr lang="en-US" dirty="0" smtClean="0"/>
-              <a:t>Using </a:t>
-            </a:r>
-            <a:r>
               <a:rPr lang="en-US" dirty="0"/>
-              <a:t>the NCBI table number</a:t>
+              <a:t>Using the NCBI table number</a:t>
             </a:r>
             <a:endParaRPr lang="fr-FR" dirty="0"/>
           </a:p>
@@ -23981,12 +22744,8 @@
           </a:lstStyle>
           <a:p>
             <a:r>
-              <a:rPr lang="en-US" sz="1200" dirty="0" smtClean="0"/>
-              <a:t>&gt;</a:t>
-            </a:r>
-            <a:r>
               <a:rPr lang="en-US" sz="1200" dirty="0"/>
-              <a:t>&gt;&gt; from </a:t>
+              <a:t>&gt;&gt;&gt; from </a:t>
             </a:r>
             <a:r>
               <a:rPr lang="en-US" sz="1200" dirty="0" err="1"/>
@@ -24000,23 +22759,15 @@
           <a:p>
             <a:r>
               <a:rPr lang="en-US" sz="1200" dirty="0"/>
-              <a:t>&gt;&gt;</a:t>
-            </a:r>
-            <a:r>
-              <a:rPr lang="en-US" sz="1200" dirty="0" smtClean="0"/>
-              <a:t>&gt; </a:t>
-            </a:r>
-            <a:r>
-              <a:rPr lang="en-US" sz="1200" dirty="0" err="1" smtClean="0"/>
+              <a:t>&gt;&gt;&gt; </a:t>
+            </a:r>
+            <a:r>
+              <a:rPr lang="en-US" sz="1200" dirty="0" err="1"/>
               <a:t>coding_dna</a:t>
             </a:r>
             <a:r>
-              <a:rPr lang="en-US" sz="1200" dirty="0" smtClean="0"/>
-              <a:t> </a:t>
-            </a:r>
-            <a:r>
               <a:rPr lang="en-US" sz="1200" dirty="0"/>
-              <a:t>= </a:t>
+              <a:t> = </a:t>
             </a:r>
             <a:r>
               <a:rPr lang="en-US" sz="1200" dirty="0" err="1"/>
@@ -24041,7 +22792,7 @@
               <a:t>&gt;&gt;&gt; </a:t>
             </a:r>
             <a:r>
-              <a:rPr lang="en-US" sz="1200" dirty="0" err="1" smtClean="0"/>
+              <a:rPr lang="en-US" sz="1200" dirty="0" err="1"/>
               <a:t>coding_dna</a:t>
             </a:r>
             <a:endParaRPr lang="en-US" sz="1200" dirty="0"/>
@@ -24094,10 +22845,9 @@
           <a:lstStyle/>
           <a:p>
             <a:r>
-              <a:rPr lang="fr-FR" dirty="0" smtClean="0"/>
+              <a:rPr lang="fr-FR" dirty="0"/>
               <a:t>Translation (2)</a:t>
             </a:r>
-            <a:endParaRPr lang="fr-FR" dirty="0"/>
           </a:p>
         </p:txBody>
       </p:sp>
@@ -24118,7 +22868,7 @@
           <a:p>
             <a:fld id="{DB41915D-5741-AE4A-919E-812B067D5353}" type="datetime1">
               <a:rPr lang="fr-FR" smtClean="0"/>
-              <a:t>16/11/16</a:t>
+              <a:t>08/11/2018</a:t>
             </a:fld>
             <a:endParaRPr lang="fr-FR" dirty="0"/>
           </a:p>
@@ -24140,7 +22890,7 @@
           <a:lstStyle/>
           <a:p>
             <a:r>
-              <a:rPr lang="fr-FR" smtClean="0"/>
+              <a:rPr lang="fr-FR"/>
               <a:t>Python pour la biologie</a:t>
             </a:r>
             <a:endParaRPr lang="fr-FR" dirty="0"/>
@@ -24213,19 +22963,8 @@
                 <a:latin typeface="Arial"/>
                 <a:cs typeface="Arial"/>
               </a:rPr>
-              <a:t>&gt;&gt;&gt; coding_dna.translate(</a:t>
-            </a:r>
-            <a:r>
-              <a:rPr lang="mr-IN" sz="1200" dirty="0" smtClean="0">
-                <a:latin typeface="Arial"/>
-                <a:cs typeface="Arial"/>
-              </a:rPr>
-              <a:t>)</a:t>
-            </a:r>
-            <a:endParaRPr lang="mr-IN" sz="1200" dirty="0">
-              <a:latin typeface="Arial"/>
-              <a:cs typeface="Arial"/>
-            </a:endParaRPr>
+              <a:t>&gt;&gt;&gt; coding_dna.translate()</a:t>
+            </a:r>
           </a:p>
         </p:txBody>
       </p:sp>
@@ -24515,29 +23254,18 @@
                 <a:latin typeface="Arial"/>
                 <a:cs typeface="Arial"/>
               </a:rPr>
-              <a:t>&gt;&gt;&gt; coding_dna.translate(table=2, to_stop=True</a:t>
-            </a:r>
-            <a:r>
-              <a:rPr lang="mr-IN" sz="1200" dirty="0" smtClean="0">
+              <a:t>&gt;&gt;&gt; coding_dna.translate(table=2, to_stop=True)</a:t>
+            </a:r>
+            <a:r>
+              <a:rPr lang="fr-FR" sz="1200" dirty="0">
                 <a:latin typeface="Arial"/>
                 <a:cs typeface="Arial"/>
               </a:rPr>
-              <a:t>)</a:t>
-            </a:r>
-            <a:r>
-              <a:rPr lang="fr-FR" sz="1200" dirty="0" smtClean="0">
-                <a:latin typeface="Arial"/>
-                <a:cs typeface="Arial"/>
-              </a:rPr>
               <a:t> ## </a:t>
             </a:r>
             <a:r>
-              <a:rPr lang="en-US" sz="1200" dirty="0" smtClean="0"/>
-              <a:t>the </a:t>
-            </a:r>
-            <a:r>
               <a:rPr lang="en-US" sz="1200" dirty="0"/>
-              <a:t>stop codon itself is not translated</a:t>
+              <a:t>the stop codon itself is not translated</a:t>
             </a:r>
             <a:endParaRPr lang="mr-IN" sz="1200" dirty="0">
               <a:latin typeface="Arial"/>
@@ -24805,24 +23533,8 @@
           </a:lstStyle>
           <a:p>
             <a:r>
-              <a:rPr lang="en-US" dirty="0" smtClean="0"/>
-              <a:t>Translate nucleotides </a:t>
-            </a:r>
-            <a:r>
               <a:rPr lang="en-US" dirty="0"/>
-              <a:t>up to the </a:t>
-            </a:r>
-            <a:r>
-              <a:rPr lang="en-US" dirty="0" smtClean="0"/>
-              <a:t>first </a:t>
-            </a:r>
-            <a:r>
-              <a:rPr lang="en-US" dirty="0"/>
-              <a:t>in frame stop codon, and then </a:t>
-            </a:r>
-            <a:r>
-              <a:rPr lang="en-US" dirty="0" smtClean="0"/>
-              <a:t>stop</a:t>
+              <a:t>Translate nucleotides up to the first in frame stop codon, and then stop</a:t>
             </a:r>
             <a:endParaRPr lang="fr-FR" dirty="0"/>
           </a:p>
@@ -24866,43 +23578,23 @@
             </a:r>
             <a:r>
               <a:rPr lang="pt-BR" dirty="0"/>
-              <a:t> </a:t>
-            </a:r>
-            <a:r>
-              <a:rPr lang="pt-BR" dirty="0" smtClean="0"/>
-              <a:t>CDS, </a:t>
-            </a:r>
-            <a:r>
-              <a:rPr lang="en-US" dirty="0" smtClean="0"/>
-              <a:t>(e.g. mRNA </a:t>
+              <a:t> CDS, </a:t>
             </a:r>
             <a:r>
               <a:rPr lang="en-US" dirty="0"/>
-              <a:t>{ after any splicing</a:t>
-            </a:r>
-            <a:r>
-              <a:rPr lang="en-US" dirty="0" smtClean="0"/>
-              <a:t>)</a:t>
+              <a:t>(e.g. mRNA { after any splicing)</a:t>
             </a:r>
           </a:p>
           <a:p>
             <a:r>
               <a:rPr lang="en-US" dirty="0"/>
-              <a:t>commences with a start codon, ends with a stop codon, and has no internal in-frame stop </a:t>
-            </a:r>
-            <a:r>
-              <a:rPr lang="en-US" dirty="0" smtClean="0"/>
-              <a:t>codons</a:t>
+              <a:t>commences with a start codon, ends with a stop codon, and has no internal in-frame stop codons</a:t>
             </a:r>
           </a:p>
           <a:p>
             <a:r>
               <a:rPr lang="en-US" dirty="0"/>
-              <a:t>what if your sequence uses a non-standard start codon</a:t>
-            </a:r>
-            <a:r>
-              <a:rPr lang="en-US" dirty="0" smtClean="0"/>
-              <a:t>?</a:t>
+              <a:t>what if your sequence uses a non-standard start codon?</a:t>
             </a:r>
           </a:p>
           <a:p>
@@ -24916,13 +23608,8 @@
             </a:r>
             <a:r>
               <a:rPr lang="en-US" dirty="0"/>
-              <a:t> in E. coli </a:t>
-            </a:r>
-            <a:r>
-              <a:rPr lang="en-US" dirty="0" smtClean="0"/>
-              <a:t>K12</a:t>
-            </a:r>
-            <a:endParaRPr lang="en-US" dirty="0"/>
+              <a:t> in E. coli K12</a:t>
+            </a:r>
           </a:p>
           <a:p>
             <a:endParaRPr lang="fr-FR" dirty="0"/>
@@ -24975,10 +23662,9 @@
           <a:lstStyle/>
           <a:p>
             <a:r>
-              <a:rPr lang="fr-FR" dirty="0" smtClean="0"/>
+              <a:rPr lang="fr-FR" dirty="0"/>
               <a:t>Translation (3)</a:t>
             </a:r>
-            <a:endParaRPr lang="fr-FR" dirty="0"/>
           </a:p>
         </p:txBody>
       </p:sp>
@@ -24999,7 +23685,7 @@
           <a:p>
             <a:fld id="{1756404F-D190-1049-81CC-036776657879}" type="datetime1">
               <a:rPr lang="fr-FR" smtClean="0"/>
-              <a:t>16/11/16</a:t>
+              <a:t>08/11/2018</a:t>
             </a:fld>
             <a:endParaRPr lang="fr-FR" dirty="0"/>
           </a:p>
@@ -25021,7 +23707,7 @@
           <a:lstStyle/>
           <a:p>
             <a:r>
-              <a:rPr lang="fr-FR" smtClean="0"/>
+              <a:rPr lang="fr-FR"/>
               <a:t>Python pour la biologie</a:t>
             </a:r>
             <a:endParaRPr lang="fr-FR" dirty="0"/>
@@ -25090,18 +23776,11 @@
           </a:lstStyle>
           <a:p>
             <a:r>
-              <a:rPr lang="en-US" sz="1200" dirty="0" smtClean="0">
-                <a:latin typeface="Arial"/>
-                <a:cs typeface="Arial"/>
-              </a:rPr>
-              <a:t>&gt;</a:t>
-            </a:r>
-            <a:r>
               <a:rPr lang="en-US" sz="1200" dirty="0">
                 <a:latin typeface="Arial"/>
                 <a:cs typeface="Arial"/>
               </a:rPr>
-              <a:t>&gt;&gt; from </a:t>
+              <a:t>&gt;&gt;&gt; from </a:t>
             </a:r>
             <a:r>
               <a:rPr lang="en-US" sz="1200" dirty="0" err="1">
@@ -25274,7 +23953,7 @@
           </a:lstStyle>
           <a:p>
             <a:r>
-              <a:rPr lang="nl-NL" sz="1200" dirty="0" err="1" smtClean="0">
+              <a:rPr lang="nl-NL" sz="1200" dirty="0" err="1">
                 <a:solidFill>
                   <a:srgbClr val="FF0000"/>
                 </a:solidFill>
@@ -25284,7 +23963,7 @@
               <a:t>Seq</a:t>
             </a:r>
             <a:r>
-              <a:rPr lang="nl-NL" sz="1200" dirty="0" smtClean="0">
+              <a:rPr lang="nl-NL" sz="1200" dirty="0">
                 <a:solidFill>
                   <a:srgbClr val="FF0000"/>
                 </a:solidFill>
@@ -25301,25 +23980,8 @@
                 <a:latin typeface="Arial"/>
                 <a:cs typeface="Arial"/>
               </a:rPr>
-              <a:t> HasStopCodon(ExtendedIUPACProtein(), '</a:t>
-            </a:r>
-            <a:r>
-              <a:rPr lang="mr-IN" sz="1200" dirty="0" smtClean="0">
-                <a:solidFill>
-                  <a:srgbClr val="FF0000"/>
-                </a:solidFill>
-                <a:latin typeface="Arial"/>
-                <a:cs typeface="Arial"/>
-              </a:rPr>
-              <a:t>*’)</a:t>
-            </a:r>
-            <a:endParaRPr lang="mr-IN" sz="1200" dirty="0">
-              <a:solidFill>
-                <a:srgbClr val="FF0000"/>
-              </a:solidFill>
-              <a:latin typeface="Arial"/>
-              <a:cs typeface="Arial"/>
-            </a:endParaRPr>
+              <a:t> HasStopCodon(ExtendedIUPACProtein(), '*’)</a:t>
+            </a:r>
           </a:p>
         </p:txBody>
       </p:sp>
@@ -25470,40 +24132,8 @@
           <a:p>
             <a:pPr algn="just"/>
             <a:r>
-              <a:rPr lang="en-US" dirty="0" smtClean="0"/>
-              <a:t>In </a:t>
-            </a:r>
-            <a:r>
               <a:rPr lang="en-US" dirty="0"/>
-              <a:t>the bacterial genetic </a:t>
-            </a:r>
-            <a:r>
-              <a:rPr lang="en-US" dirty="0" smtClean="0"/>
-              <a:t>code GTG</a:t>
-            </a:r>
-            <a:r>
-              <a:rPr lang="en-US" dirty="0"/>
-              <a:t> </a:t>
-            </a:r>
-            <a:r>
-              <a:rPr lang="en-US" dirty="0" smtClean="0"/>
-              <a:t>is </a:t>
-            </a:r>
-            <a:r>
-              <a:rPr lang="en-US" dirty="0"/>
-              <a:t>a valid start codon, and while it </a:t>
-            </a:r>
-            <a:r>
-              <a:rPr lang="en-US" dirty="0" smtClean="0"/>
-              <a:t>does normally</a:t>
-            </a:r>
-            <a:r>
-              <a:rPr lang="en-US" dirty="0"/>
-              <a:t> </a:t>
-            </a:r>
-            <a:r>
-              <a:rPr lang="en-US" dirty="0" smtClean="0"/>
-              <a:t>encode </a:t>
+              <a:t>In the bacterial genetic code GTG is a valid start codon, and while it does normally encode </a:t>
             </a:r>
             <a:r>
               <a:rPr lang="en-US" dirty="0" err="1"/>
@@ -25511,23 +24141,7 @@
             </a:r>
             <a:r>
               <a:rPr lang="en-US" dirty="0"/>
-              <a:t>, if used </a:t>
-            </a:r>
-            <a:r>
-              <a:rPr lang="en-US" dirty="0" smtClean="0"/>
-              <a:t>as a </a:t>
-            </a:r>
-            <a:r>
-              <a:rPr lang="en-US" dirty="0"/>
-              <a:t>start codon it should be translated as methionine. This happens if you tell Biopython your sequence is </a:t>
-            </a:r>
-            <a:r>
-              <a:rPr lang="en-US" dirty="0" smtClean="0"/>
-              <a:t>a complete </a:t>
-            </a:r>
-            <a:r>
-              <a:rPr lang="en-US" dirty="0"/>
-              <a:t>CDS:</a:t>
+              <a:t>, if used as a start codon it should be translated as methionine. This happens if you tell Biopython your sequence is a complete CDS:</a:t>
             </a:r>
           </a:p>
           <a:p>
@@ -25702,10 +24316,9 @@
           <a:lstStyle/>
           <a:p>
             <a:r>
-              <a:rPr lang="fr-FR" dirty="0" smtClean="0"/>
+              <a:rPr lang="fr-FR" dirty="0"/>
               <a:t>Translation Tables</a:t>
             </a:r>
-            <a:endParaRPr lang="fr-FR" dirty="0"/>
           </a:p>
         </p:txBody>
       </p:sp>
@@ -25726,7 +24339,7 @@
           <a:p>
             <a:fld id="{9FDB5FE5-E111-8B43-907E-911C1A8B8ACA}" type="datetime1">
               <a:rPr lang="fr-FR" smtClean="0"/>
-              <a:t>16/11/16</a:t>
+              <a:t>08/11/2018</a:t>
             </a:fld>
             <a:endParaRPr lang="fr-FR" dirty="0"/>
           </a:p>
@@ -25748,7 +24361,7 @@
           <a:lstStyle/>
           <a:p>
             <a:r>
-              <a:rPr lang="fr-FR" smtClean="0"/>
+              <a:rPr lang="fr-FR"/>
               <a:t>Python pour la biologie</a:t>
             </a:r>
             <a:endParaRPr lang="fr-FR" dirty="0"/>
@@ -26023,16 +24636,9 @@
                 <a:latin typeface="Arial"/>
                 <a:cs typeface="Arial"/>
               </a:rPr>
-              <a:t>&gt;&gt;&gt; print(standard_table</a:t>
-            </a:r>
-            <a:r>
-              <a:rPr lang="mr-IN" sz="1200" dirty="0" smtClean="0">
-                <a:latin typeface="Arial"/>
-                <a:cs typeface="Arial"/>
-              </a:rPr>
-              <a:t>)</a:t>
-            </a:r>
-            <a:endParaRPr lang="fr-FR" sz="1200" dirty="0" smtClean="0">
+              <a:t>&gt;&gt;&gt; print(standard_table)</a:t>
+            </a:r>
+            <a:endParaRPr lang="fr-FR" sz="1200" dirty="0">
               <a:latin typeface="Arial"/>
               <a:cs typeface="Arial"/>
             </a:endParaRPr>
@@ -26132,13 +24738,8 @@
           <a:p>
             <a:r>
               <a:rPr lang="fr-FR" dirty="0"/>
-              <a:t>Translation </a:t>
-            </a:r>
-            <a:r>
-              <a:rPr lang="fr-FR" dirty="0" smtClean="0"/>
-              <a:t>Tables (2)</a:t>
-            </a:r>
-            <a:endParaRPr lang="fr-FR" dirty="0"/>
+              <a:t>Translation Tables (2)</a:t>
+            </a:r>
           </a:p>
         </p:txBody>
       </p:sp>
@@ -26187,7 +24788,7 @@
           <a:p>
             <a:fld id="{90CA1F5A-103A-244D-8F4A-262A8624F39D}" type="datetime1">
               <a:rPr lang="fr-FR" smtClean="0"/>
-              <a:t>16/11/16</a:t>
+              <a:t>08/11/2018</a:t>
             </a:fld>
             <a:endParaRPr lang="fr-FR" dirty="0"/>
           </a:p>
@@ -26209,7 +24810,7 @@
           <a:lstStyle/>
           <a:p>
             <a:r>
-              <a:rPr lang="fr-FR" smtClean="0"/>
+              <a:rPr lang="fr-FR"/>
               <a:t>Python pour la biologie</a:t>
             </a:r>
             <a:endParaRPr lang="fr-FR" dirty="0"/>
@@ -26282,30 +24883,23 @@
                 <a:latin typeface="Arial"/>
                 <a:cs typeface="Arial"/>
               </a:rPr>
-              <a:t>&gt;&gt;&gt; print</a:t>
-            </a:r>
-            <a:r>
-              <a:rPr lang="mr-IN" sz="1200" dirty="0" smtClean="0">
+              <a:t>&gt;&gt;&gt; print(</a:t>
+            </a:r>
+            <a:r>
+              <a:rPr lang="fr-FR" sz="1200" dirty="0" err="1">
                 <a:latin typeface="Arial"/>
                 <a:cs typeface="Arial"/>
               </a:rPr>
-              <a:t>(</a:t>
-            </a:r>
-            <a:r>
-              <a:rPr lang="fr-FR" sz="1200" dirty="0" err="1" smtClean="0">
+              <a:t>mito</a:t>
+            </a:r>
+            <a:r>
+              <a:rPr lang="mr-IN" sz="1200" dirty="0">
                 <a:latin typeface="Arial"/>
                 <a:cs typeface="Arial"/>
               </a:rPr>
-              <a:t>mito</a:t>
-            </a:r>
-            <a:r>
-              <a:rPr lang="mr-IN" sz="1200" dirty="0" smtClean="0">
-                <a:latin typeface="Arial"/>
-                <a:cs typeface="Arial"/>
-              </a:rPr>
               <a:t>_table)</a:t>
             </a:r>
-            <a:endParaRPr lang="fr-FR" sz="1200" dirty="0" smtClean="0">
+            <a:endParaRPr lang="fr-FR" sz="1200" dirty="0">
               <a:latin typeface="Arial"/>
               <a:cs typeface="Arial"/>
             </a:endParaRPr>
@@ -26462,33 +25056,22 @@
                 <a:latin typeface="Arial"/>
                 <a:cs typeface="Arial"/>
               </a:rPr>
-              <a:t>&gt;&gt;&gt; </a:t>
-            </a:r>
-            <a:r>
-              <a:rPr lang="mr-IN" sz="1200" dirty="0" smtClean="0">
+              <a:t>&gt;&gt;&gt; mito_table.st</a:t>
+            </a:r>
+            <a:r>
+              <a:rPr lang="fr-FR" sz="1200" dirty="0">
                 <a:latin typeface="Arial"/>
                 <a:cs typeface="Arial"/>
               </a:rPr>
-              <a:t>mito_table.st</a:t>
-            </a:r>
-            <a:r>
-              <a:rPr lang="fr-FR" sz="1200" dirty="0" smtClean="0">
+              <a:t>art</a:t>
+            </a:r>
+            <a:r>
+              <a:rPr lang="mr-IN" sz="1200" dirty="0">
                 <a:latin typeface="Arial"/>
                 <a:cs typeface="Arial"/>
               </a:rPr>
-              <a:t>art</a:t>
-            </a:r>
-            <a:r>
-              <a:rPr lang="mr-IN" sz="1200" dirty="0" smtClean="0">
-                <a:latin typeface="Arial"/>
-                <a:cs typeface="Arial"/>
-              </a:rPr>
               <a:t>_codons</a:t>
             </a:r>
-            <a:endParaRPr lang="mr-IN" sz="1200" dirty="0">
-              <a:latin typeface="Arial"/>
-              <a:cs typeface="Arial"/>
-            </a:endParaRPr>
           </a:p>
           <a:p>
             <a:r>
@@ -26645,88 +25228,35 @@
           <a:lstStyle/>
           <a:p>
             <a:r>
-              <a:rPr lang="en-US" dirty="0" smtClean="0"/>
-              <a:t>Meaning </a:t>
-            </a:r>
-            <a:r>
               <a:rPr lang="en-US" dirty="0"/>
-              <a:t>of the letters in a sequence are context </a:t>
-            </a:r>
-            <a:r>
-              <a:rPr lang="en-US" dirty="0" smtClean="0"/>
-              <a:t>dependent</a:t>
+              <a:t>Meaning of the letters in a sequence are context dependent</a:t>
             </a:r>
           </a:p>
           <a:p>
             <a:r>
               <a:rPr lang="en-US" dirty="0"/>
-              <a:t>T</a:t>
-            </a:r>
-            <a:r>
-              <a:rPr lang="en-US" dirty="0" smtClean="0"/>
-              <a:t>he letter “A</a:t>
-            </a:r>
+              <a:t>The letter “A" could be part of a DNA, RNA or protein sequence. </a:t>
+            </a:r>
+          </a:p>
+          <a:p>
             <a:r>
               <a:rPr lang="en-US" dirty="0"/>
-              <a:t>" could be part of a DNA, RNA or protein sequence. </a:t>
-            </a:r>
-          </a:p>
-          <a:p>
-            <a:r>
-              <a:rPr lang="en-US" dirty="0" smtClean="0"/>
               <a:t>Comparing two </a:t>
             </a:r>
             <a:r>
-              <a:rPr lang="en-US" dirty="0" err="1" smtClean="0"/>
+              <a:rPr lang="en-US" dirty="0" err="1"/>
               <a:t>Seq</a:t>
             </a:r>
             <a:r>
               <a:rPr lang="en-US" dirty="0"/>
-              <a:t> </a:t>
-            </a:r>
-            <a:r>
-              <a:rPr lang="en-US" dirty="0" smtClean="0"/>
-              <a:t>objects </a:t>
-            </a:r>
+              <a:t> objects could mean considering both the sequence strings and the alphabets</a:t>
+            </a:r>
+          </a:p>
+          <a:p>
             <a:r>
               <a:rPr lang="en-US" dirty="0"/>
-              <a:t>could mean considering </a:t>
-            </a:r>
-            <a:r>
-              <a:rPr lang="en-US" dirty="0" smtClean="0"/>
-              <a:t>both the </a:t>
-            </a:r>
-            <a:r>
-              <a:rPr lang="en-US" dirty="0"/>
-              <a:t>sequence </a:t>
-            </a:r>
-            <a:r>
-              <a:rPr lang="en-US" dirty="0" smtClean="0"/>
-              <a:t>strings and</a:t>
-            </a:r>
-            <a:r>
-              <a:rPr lang="en-US" dirty="0"/>
-              <a:t> </a:t>
-            </a:r>
-            <a:r>
-              <a:rPr lang="en-US" dirty="0" smtClean="0"/>
-              <a:t>the alphabets</a:t>
-            </a:r>
-          </a:p>
-          <a:p>
-            <a:r>
-              <a:rPr lang="en-US" dirty="0" smtClean="0"/>
-              <a:t>Compare the sequences </a:t>
-            </a:r>
-            <a:r>
-              <a:rPr lang="en-US" dirty="0"/>
-              <a:t>as </a:t>
-            </a:r>
-            <a:r>
-              <a:rPr lang="en-US" dirty="0" smtClean="0"/>
-              <a:t>string:</a:t>
-            </a:r>
-            <a:endParaRPr lang="en-US" dirty="0"/>
+              <a:t>Compare the sequences as string:</a:t>
+            </a:r>
           </a:p>
           <a:p>
             <a:endParaRPr lang="en-US" dirty="0"/>
@@ -26753,7 +25283,7 @@
           <a:p>
             <a:fld id="{91722139-D3E7-4C40-A912-CF1D68207057}" type="datetime1">
               <a:rPr lang="fr-FR" smtClean="0"/>
-              <a:t>16/11/16</a:t>
+              <a:t>08/11/2018</a:t>
             </a:fld>
             <a:endParaRPr lang="fr-FR" dirty="0"/>
           </a:p>
@@ -26775,7 +25305,7 @@
           <a:lstStyle/>
           <a:p>
             <a:r>
-              <a:rPr lang="fr-FR" smtClean="0"/>
+              <a:rPr lang="fr-FR"/>
               <a:t>Python pour la biologie</a:t>
             </a:r>
             <a:endParaRPr lang="fr-FR" dirty="0"/>
@@ -26948,7 +25478,7 @@
           </a:p>
           <a:p>
             <a:r>
-              <a:rPr lang="de-DE" sz="1200" dirty="0" smtClean="0">
+              <a:rPr lang="de-DE" sz="1200" dirty="0">
                 <a:solidFill>
                   <a:srgbClr val="FF0000"/>
                 </a:solidFill>
@@ -27256,16 +25786,8 @@
           </a:lstStyle>
           <a:p>
             <a:r>
-              <a:rPr lang="en-US" dirty="0" smtClean="0"/>
-              <a:t>Sequence </a:t>
-            </a:r>
-            <a:r>
               <a:rPr lang="en-US" dirty="0"/>
-              <a:t>comparison only looks at the </a:t>
-            </a:r>
-            <a:r>
-              <a:rPr lang="en-US" dirty="0" smtClean="0"/>
-              <a:t>sequence, ignoring alphabet</a:t>
+              <a:t>Sequence comparison only looks at the sequence, ignoring alphabet</a:t>
             </a:r>
             <a:endParaRPr lang="fr-FR" dirty="0"/>
           </a:p>
@@ -27350,23 +25872,7 @@
             </a:r>
             <a:r>
               <a:rPr lang="en-US" dirty="0"/>
-              <a:t> RNA, or nucleotide </a:t>
-            </a:r>
-            <a:r>
-              <a:rPr lang="en-US" dirty="0" smtClean="0"/>
-              <a:t>versus protein</a:t>
-            </a:r>
-            <a:r>
-              <a:rPr lang="en-US" dirty="0"/>
-              <a:t>), then you will get a warning but for the comparison itself only the string of letters in the </a:t>
-            </a:r>
-            <a:r>
-              <a:rPr lang="en-US" dirty="0" smtClean="0"/>
-              <a:t>sequence is </a:t>
-            </a:r>
-            <a:r>
-              <a:rPr lang="en-US" dirty="0"/>
-              <a:t>used:</a:t>
+              <a:t> RNA, or nucleotide versus protein), then you will get a warning but for the comparison itself only the string of letters in the sequence is used:</a:t>
             </a:r>
           </a:p>
           <a:p>
@@ -27391,7 +25897,7 @@
           <a:p>
             <a:fld id="{F575202B-7270-FA4F-9347-72520CA09DD1}" type="datetime1">
               <a:rPr lang="fr-FR" smtClean="0"/>
-              <a:t>16/11/16</a:t>
+              <a:t>08/11/2018</a:t>
             </a:fld>
             <a:endParaRPr lang="fr-FR" dirty="0"/>
           </a:p>
@@ -27413,7 +25919,7 @@
           <a:lstStyle/>
           <a:p>
             <a:r>
-              <a:rPr lang="fr-FR" smtClean="0"/>
+              <a:rPr lang="fr-FR"/>
               <a:t>Python pour la biologie</a:t>
             </a:r>
             <a:endParaRPr lang="fr-FR" dirty="0"/>
@@ -27600,10 +26106,10 @@
               <a:t> == </a:t>
             </a:r>
             <a:r>
-              <a:rPr lang="en-US" sz="1200" dirty="0" err="1" smtClean="0"/>
+              <a:rPr lang="en-US" sz="1200" dirty="0" err="1"/>
               <a:t>prot_seq</a:t>
             </a:r>
-            <a:endParaRPr lang="en-US" sz="1200" dirty="0" smtClean="0"/>
+            <a:endParaRPr lang="en-US" sz="1200" dirty="0"/>
           </a:p>
           <a:p>
             <a:r>
@@ -27657,18 +26163,13 @@
           </a:p>
           <a:p>
             <a:r>
-              <a:rPr lang="en-US" sz="1200" dirty="0" smtClean="0">
+              <a:rPr lang="en-US" sz="1200" dirty="0">
                 <a:solidFill>
                   <a:srgbClr val="FF0000"/>
                 </a:solidFill>
               </a:rPr>
               <a:t>True</a:t>
             </a:r>
-            <a:endParaRPr lang="en-US" sz="1200" dirty="0">
-              <a:solidFill>
-                <a:srgbClr val="FF0000"/>
-              </a:solidFill>
-            </a:endParaRPr>
           </a:p>
         </p:txBody>
       </p:sp>
@@ -27887,39 +26388,35 @@
           </a:lstStyle>
           <a:p>
             <a:r>
-              <a:rPr lang="en-US" dirty="0" smtClean="0"/>
+              <a:rPr lang="en-US" dirty="0"/>
               <a:t>WARNING: Older versions of Biopython instead used to check if the </a:t>
             </a:r>
             <a:r>
-              <a:rPr lang="en-US" dirty="0" err="1" smtClean="0"/>
+              <a:rPr lang="en-US" dirty="0" err="1"/>
               <a:t>Seq</a:t>
             </a:r>
             <a:r>
-              <a:rPr lang="en-US" dirty="0" smtClean="0"/>
+              <a:rPr lang="en-US" dirty="0"/>
               <a:t> objects were the same object in memory. </a:t>
             </a:r>
           </a:p>
           <a:p>
             <a:r>
               <a:rPr lang="en-US" dirty="0"/>
-              <a:t>I</a:t>
-            </a:r>
-            <a:r>
-              <a:rPr lang="en-US" dirty="0" smtClean="0"/>
-              <a:t>mportant if you need to support scripts on both old and new versions of Biopython.</a:t>
-            </a:r>
-          </a:p>
-          <a:p>
-            <a:r>
-              <a:rPr lang="en-US" dirty="0" smtClean="0"/>
+              <a:t>Important if you need to support scripts on both old and new versions of Biopython.</a:t>
+            </a:r>
+          </a:p>
+          <a:p>
+            <a:r>
+              <a:rPr lang="en-US" dirty="0"/>
               <a:t>Make the comparison explicit by wrapping your sequence objects with either </a:t>
             </a:r>
             <a:r>
-              <a:rPr lang="en-US" dirty="0" err="1" smtClean="0"/>
+              <a:rPr lang="en-US" dirty="0" err="1"/>
               <a:t>str</a:t>
             </a:r>
             <a:r>
-              <a:rPr lang="en-US" dirty="0" smtClean="0"/>
+              <a:rPr lang="en-US" dirty="0"/>
               <a:t>(...) for string based comparison or id(...) for object instance based comparison.</a:t>
             </a:r>
           </a:p>
@@ -27938,13 +26435,6 @@
   <p:clrMapOvr>
     <a:masterClrMapping/>
   </p:clrMapOvr>
-  <p:timing>
-    <p:tnLst>
-      <p:par>
-        <p:cTn xmlns:p14="http://schemas.microsoft.com/office/powerpoint/2010/main" id="1" dur="indefinite" restart="never" nodeType="tmRoot"/>
-      </p:par>
-    </p:tnLst>
-  </p:timing>
 </p:sld>
 </file>
 
@@ -27981,26 +26471,21 @@
           <a:lstStyle/>
           <a:p>
             <a:r>
-              <a:rPr lang="fr-FR" dirty="0" err="1" smtClean="0"/>
+              <a:rPr lang="fr-FR" dirty="0" err="1"/>
               <a:t>What</a:t>
             </a:r>
             <a:r>
-              <a:rPr lang="fr-FR" dirty="0" smtClean="0"/>
+              <a:rPr lang="fr-FR" dirty="0"/>
               <a:t> </a:t>
             </a:r>
             <a:r>
-              <a:rPr lang="fr-FR" dirty="0" err="1" smtClean="0"/>
+              <a:rPr lang="fr-FR" dirty="0" err="1"/>
               <a:t>is</a:t>
             </a:r>
             <a:r>
-              <a:rPr lang="fr-FR" dirty="0" smtClean="0"/>
-              <a:t> Biopython </a:t>
-            </a:r>
-            <a:r>
-              <a:rPr lang="fr-FR" dirty="0" smtClean="0"/>
-              <a:t>?</a:t>
-            </a:r>
-            <a:endParaRPr lang="fr-FR" dirty="0"/>
+              <a:rPr lang="fr-FR" dirty="0"/>
+              <a:t> Biopython ?</a:t>
+            </a:r>
           </a:p>
         </p:txBody>
       </p:sp>
@@ -28031,15 +26516,11 @@
             </a:r>
             <a:r>
               <a:rPr lang="en-US" dirty="0"/>
-              <a:t>) tools for computational molecular </a:t>
-            </a:r>
-            <a:r>
-              <a:rPr lang="en-US" dirty="0" smtClean="0"/>
-              <a:t>biology</a:t>
-            </a:r>
-          </a:p>
-          <a:p>
-            <a:endParaRPr lang="en-US" dirty="0" smtClean="0"/>
+              <a:t>) tools for computational molecular biology</a:t>
+            </a:r>
+          </a:p>
+          <a:p>
+            <a:endParaRPr lang="en-US" dirty="0"/>
           </a:p>
           <a:p>
             <a:r>
@@ -28054,11 +26535,7 @@
             </a:r>
             <a:r>
               <a:rPr lang="en-US" dirty="0"/>
-              <a:t>) provides an online resource for modules, scripts, and web links for developers of Python-based software for bioinformatics use and </a:t>
-            </a:r>
-            <a:r>
-              <a:rPr lang="en-US" dirty="0" smtClean="0"/>
-              <a:t>research</a:t>
+              <a:t>) provides an online resource for modules, scripts, and web links for developers of Python-based software for bioinformatics use and research</a:t>
             </a:r>
           </a:p>
           <a:p>
@@ -28066,37 +26543,12 @@
           </a:p>
           <a:p>
             <a:r>
-              <a:rPr lang="en-US" dirty="0" smtClean="0"/>
-              <a:t>Basically</a:t>
-            </a:r>
-            <a:r>
               <a:rPr lang="en-US" dirty="0"/>
-              <a:t>, </a:t>
-            </a:r>
-            <a:r>
-              <a:rPr lang="en-US" dirty="0" smtClean="0"/>
-              <a:t>the goal </a:t>
-            </a:r>
-            <a:r>
-              <a:rPr lang="en-US" dirty="0"/>
-              <a:t>of Biopython is to make it as easy as possible to use Python for bioinformatics by creating high-quality</a:t>
-            </a:r>
-            <a:r>
-              <a:rPr lang="en-US" dirty="0" smtClean="0"/>
-              <a:t>, reusable </a:t>
-            </a:r>
-            <a:r>
-              <a:rPr lang="en-US" dirty="0"/>
-              <a:t>modules and </a:t>
-            </a:r>
-            <a:r>
-              <a:rPr lang="en-US" dirty="0" smtClean="0"/>
-              <a:t>classes</a:t>
-            </a:r>
-            <a:endParaRPr lang="en-US" dirty="0"/>
-          </a:p>
-          <a:p>
-            <a:endParaRPr lang="fr-FR" dirty="0" smtClean="0"/>
+              <a:t>Basically, the goal of Biopython is to make it as easy as possible to use Python for bioinformatics by creating high-quality, reusable modules and classes</a:t>
+            </a:r>
+          </a:p>
+          <a:p>
+            <a:endParaRPr lang="fr-FR" dirty="0"/>
           </a:p>
         </p:txBody>
       </p:sp>
@@ -28117,7 +26569,7 @@
           <a:p>
             <a:fld id="{9BBFB046-DC18-C04D-BD7C-1BA0FC9E7F71}" type="datetime1">
               <a:rPr lang="fr-FR" smtClean="0"/>
-              <a:t>16/11/16</a:t>
+              <a:t>08/11/2018</a:t>
             </a:fld>
             <a:endParaRPr lang="fr-FR" dirty="0"/>
           </a:p>
@@ -28139,7 +26591,7 @@
           <a:lstStyle/>
           <a:p>
             <a:r>
-              <a:rPr lang="fr-FR" smtClean="0"/>
+              <a:rPr lang="fr-FR"/>
               <a:t>Python pour la biologie</a:t>
             </a:r>
             <a:endParaRPr lang="fr-FR" dirty="0"/>
@@ -28277,36 +26729,20 @@
           <a:lstStyle/>
           <a:p>
             <a:r>
-              <a:rPr lang="fr-FR" dirty="0" err="1" smtClean="0"/>
+              <a:rPr lang="fr-FR" dirty="0" err="1"/>
               <a:t>T</a:t>
             </a:r>
             <a:r>
-              <a:rPr lang="en-US" dirty="0" smtClean="0"/>
+              <a:rPr lang="en-US" dirty="0"/>
               <a:t>he </a:t>
             </a:r>
             <a:r>
-              <a:rPr lang="en-US" dirty="0" err="1" smtClean="0"/>
+              <a:rPr lang="en-US" dirty="0" err="1"/>
               <a:t>Seq</a:t>
             </a:r>
             <a:r>
               <a:rPr lang="en-US" dirty="0"/>
-              <a:t> </a:t>
-            </a:r>
-            <a:r>
-              <a:rPr lang="en-US" dirty="0" smtClean="0"/>
-              <a:t>object </a:t>
-            </a:r>
-            <a:r>
-              <a:rPr lang="en-US" dirty="0"/>
-              <a:t>is </a:t>
-            </a:r>
-            <a:r>
-              <a:rPr lang="en-US" dirty="0" smtClean="0"/>
-              <a:t>“read </a:t>
-            </a:r>
-            <a:r>
-              <a:rPr lang="en-US" dirty="0"/>
-              <a:t>only", or in Python terminology, immutable</a:t>
+              <a:t> object is “read only", or in Python terminology, immutable</a:t>
             </a:r>
           </a:p>
           <a:p>
@@ -28331,7 +26767,7 @@
           <a:p>
             <a:fld id="{7CB59A03-4E78-3143-BA5B-9B04A458933E}" type="datetime1">
               <a:rPr lang="fr-FR" smtClean="0"/>
-              <a:t>16/11/16</a:t>
+              <a:t>08/11/2018</a:t>
             </a:fld>
             <a:endParaRPr lang="fr-FR" dirty="0"/>
           </a:p>
@@ -28353,7 +26789,7 @@
           <a:lstStyle/>
           <a:p>
             <a:r>
-              <a:rPr lang="fr-FR" smtClean="0"/>
+              <a:rPr lang="fr-FR"/>
               <a:t>Python pour la biologie</a:t>
             </a:r>
             <a:endParaRPr lang="fr-FR" dirty="0"/>
@@ -28422,55 +26858,55 @@
           </a:lstStyle>
           <a:p>
             <a:r>
-              <a:rPr lang="en-US" sz="1200" dirty="0" smtClean="0">
+              <a:rPr lang="en-US" sz="1200" dirty="0">
                 <a:latin typeface="Arial"/>
                 <a:cs typeface="Arial"/>
               </a:rPr>
               <a:t>&gt;&gt;&gt; from </a:t>
             </a:r>
             <a:r>
-              <a:rPr lang="en-US" sz="1200" dirty="0" err="1" smtClean="0">
+              <a:rPr lang="en-US" sz="1200" dirty="0" err="1">
                 <a:latin typeface="Arial"/>
                 <a:cs typeface="Arial"/>
               </a:rPr>
               <a:t>Bio.Seq</a:t>
             </a:r>
             <a:r>
-              <a:rPr lang="en-US" sz="1200" dirty="0" smtClean="0">
+              <a:rPr lang="en-US" sz="1200" dirty="0">
                 <a:latin typeface="Arial"/>
                 <a:cs typeface="Arial"/>
               </a:rPr>
               <a:t> import </a:t>
             </a:r>
             <a:r>
-              <a:rPr lang="en-US" sz="1200" dirty="0" err="1" smtClean="0">
+              <a:rPr lang="en-US" sz="1200" dirty="0" err="1">
                 <a:latin typeface="Arial"/>
                 <a:cs typeface="Arial"/>
               </a:rPr>
               <a:t>Seq</a:t>
             </a:r>
-            <a:endParaRPr lang="en-US" sz="1200" dirty="0" smtClean="0">
+            <a:endParaRPr lang="en-US" sz="1200" dirty="0">
               <a:latin typeface="Arial"/>
               <a:cs typeface="Arial"/>
             </a:endParaRPr>
           </a:p>
           <a:p>
             <a:r>
-              <a:rPr lang="en-US" sz="1200" dirty="0" smtClean="0">
+              <a:rPr lang="en-US" sz="1200" dirty="0">
                 <a:latin typeface="Arial"/>
                 <a:cs typeface="Arial"/>
               </a:rPr>
               <a:t>&gt;&gt;&gt; from </a:t>
             </a:r>
             <a:r>
-              <a:rPr lang="en-US" sz="1200" dirty="0" err="1" smtClean="0">
+              <a:rPr lang="en-US" sz="1200" dirty="0" err="1">
                 <a:latin typeface="Arial"/>
                 <a:cs typeface="Arial"/>
               </a:rPr>
               <a:t>Bio.Alphabet</a:t>
             </a:r>
             <a:r>
-              <a:rPr lang="en-US" sz="1200" dirty="0" smtClean="0">
+              <a:rPr lang="en-US" sz="1200" dirty="0">
                 <a:latin typeface="Arial"/>
                 <a:cs typeface="Arial"/>
               </a:rPr>
@@ -28479,49 +26915,49 @@
           </a:p>
           <a:p>
             <a:r>
-              <a:rPr lang="en-US" sz="1200" dirty="0" smtClean="0">
+              <a:rPr lang="en-US" sz="1200" dirty="0">
                 <a:latin typeface="Arial"/>
                 <a:cs typeface="Arial"/>
               </a:rPr>
               <a:t>&gt;&gt;&gt; </a:t>
             </a:r>
             <a:r>
-              <a:rPr lang="en-US" sz="1200" dirty="0" err="1" smtClean="0">
+              <a:rPr lang="en-US" sz="1200" dirty="0" err="1">
                 <a:latin typeface="Arial"/>
                 <a:cs typeface="Arial"/>
               </a:rPr>
               <a:t>my_seq</a:t>
             </a:r>
             <a:r>
-              <a:rPr lang="en-US" sz="1200" dirty="0" smtClean="0">
+              <a:rPr lang="en-US" sz="1200" dirty="0">
                 <a:latin typeface="Arial"/>
                 <a:cs typeface="Arial"/>
               </a:rPr>
               <a:t> = </a:t>
             </a:r>
             <a:r>
-              <a:rPr lang="en-US" sz="1200" dirty="0" err="1" smtClean="0">
+              <a:rPr lang="en-US" sz="1200" dirty="0" err="1">
                 <a:latin typeface="Arial"/>
                 <a:cs typeface="Arial"/>
               </a:rPr>
               <a:t>Seq</a:t>
             </a:r>
             <a:r>
-              <a:rPr lang="en-US" sz="1200" dirty="0" smtClean="0">
+              <a:rPr lang="en-US" sz="1200" dirty="0">
                 <a:latin typeface="Arial"/>
                 <a:cs typeface="Arial"/>
               </a:rPr>
               <a:t>("GCCATTGTAATGGGCCGCTGAAAGGGTGCCCGA", </a:t>
             </a:r>
             <a:r>
-              <a:rPr lang="en-US" sz="1200" dirty="0" err="1" smtClean="0">
+              <a:rPr lang="en-US" sz="1200" dirty="0" err="1">
                 <a:latin typeface="Arial"/>
                 <a:cs typeface="Arial"/>
               </a:rPr>
               <a:t>IUPAC.unambiguous_dna</a:t>
             </a:r>
             <a:r>
-              <a:rPr lang="en-US" sz="1200" dirty="0" smtClean="0">
+              <a:rPr lang="en-US" sz="1200" dirty="0">
                 <a:latin typeface="Arial"/>
                 <a:cs typeface="Arial"/>
               </a:rPr>
@@ -28568,35 +27004,35 @@
           </a:lstStyle>
           <a:p>
             <a:r>
-              <a:rPr lang="en-US" sz="1200" dirty="0" smtClean="0">
+              <a:rPr lang="en-US" sz="1200" dirty="0">
                 <a:latin typeface="Arial"/>
                 <a:cs typeface="Arial"/>
               </a:rPr>
               <a:t>&gt;&gt;&gt; </a:t>
             </a:r>
             <a:r>
-              <a:rPr lang="en-US" sz="1200" dirty="0" err="1" smtClean="0">
+              <a:rPr lang="en-US" sz="1200" dirty="0" err="1">
                 <a:latin typeface="Arial"/>
                 <a:cs typeface="Arial"/>
               </a:rPr>
               <a:t>mutable_seq</a:t>
             </a:r>
             <a:r>
-              <a:rPr lang="en-US" sz="1200" dirty="0" smtClean="0">
+              <a:rPr lang="en-US" sz="1200" dirty="0">
                 <a:latin typeface="Arial"/>
                 <a:cs typeface="Arial"/>
               </a:rPr>
               <a:t> = </a:t>
             </a:r>
             <a:r>
-              <a:rPr lang="en-US" sz="1200" dirty="0" err="1" smtClean="0">
+              <a:rPr lang="en-US" sz="1200" dirty="0" err="1">
                 <a:latin typeface="Arial"/>
                 <a:cs typeface="Arial"/>
               </a:rPr>
               <a:t>my_seq.tomutable</a:t>
             </a:r>
             <a:r>
-              <a:rPr lang="en-US" sz="1200" dirty="0" smtClean="0">
+              <a:rPr lang="en-US" sz="1200" dirty="0">
                 <a:latin typeface="Arial"/>
                 <a:cs typeface="Arial"/>
               </a:rPr>
@@ -28605,27 +27041,27 @@
           </a:p>
           <a:p>
             <a:r>
-              <a:rPr lang="en-US" sz="1200" dirty="0" smtClean="0">
+              <a:rPr lang="en-US" sz="1200" dirty="0">
                 <a:latin typeface="Arial"/>
                 <a:cs typeface="Arial"/>
               </a:rPr>
               <a:t>&gt;&gt;&gt; </a:t>
             </a:r>
             <a:r>
-              <a:rPr lang="en-US" sz="1200" dirty="0" err="1" smtClean="0">
+              <a:rPr lang="en-US" sz="1200" dirty="0" err="1">
                 <a:latin typeface="Arial"/>
                 <a:cs typeface="Arial"/>
               </a:rPr>
               <a:t>mutable_seq</a:t>
             </a:r>
-            <a:endParaRPr lang="en-US" sz="1200" dirty="0" smtClean="0">
+            <a:endParaRPr lang="en-US" sz="1200" dirty="0">
               <a:latin typeface="Arial"/>
               <a:cs typeface="Arial"/>
             </a:endParaRPr>
           </a:p>
           <a:p>
             <a:r>
-              <a:rPr lang="en-US" sz="1200" dirty="0" err="1" smtClean="0">
+              <a:rPr lang="en-US" sz="1200" dirty="0" err="1">
                 <a:solidFill>
                   <a:srgbClr val="FF0000"/>
                 </a:solidFill>
@@ -28635,7 +27071,7 @@
               <a:t>MutableSeq</a:t>
             </a:r>
             <a:r>
-              <a:rPr lang="en-US" sz="1200" dirty="0" smtClean="0">
+              <a:rPr lang="en-US" sz="1200" dirty="0">
                 <a:solidFill>
                   <a:srgbClr val="FF0000"/>
                 </a:solidFill>
@@ -28645,7 +27081,7 @@
               <a:t>('GCCATTGTAATGGGCCGCTGAAAGGGTGCCCGA', </a:t>
             </a:r>
             <a:r>
-              <a:rPr lang="en-US" sz="1200" dirty="0" err="1" smtClean="0">
+              <a:rPr lang="en-US" sz="1200" dirty="0" err="1">
                 <a:solidFill>
                   <a:srgbClr val="FF0000"/>
                 </a:solidFill>
@@ -28655,7 +27091,7 @@
               <a:t>IUPACUnambiguousDNA</a:t>
             </a:r>
             <a:r>
-              <a:rPr lang="en-US" sz="1200" dirty="0" smtClean="0">
+              <a:rPr lang="en-US" sz="1200" dirty="0">
                 <a:solidFill>
                   <a:srgbClr val="FF0000"/>
                 </a:solidFill>
@@ -28705,20 +27141,20 @@
           </a:lstStyle>
           <a:p>
             <a:r>
-              <a:rPr lang="mr-IN" sz="1200" dirty="0" smtClean="0">
+              <a:rPr lang="mr-IN" sz="1200" dirty="0">
                 <a:latin typeface="Arial"/>
                 <a:cs typeface="Arial"/>
               </a:rPr>
               <a:t>&gt;&gt;&gt; my_seq[5] = "G »</a:t>
             </a:r>
-            <a:endParaRPr lang="fr-FR" sz="1200" dirty="0" smtClean="0">
+            <a:endParaRPr lang="fr-FR" sz="1200" dirty="0">
               <a:latin typeface="Arial"/>
               <a:cs typeface="Arial"/>
             </a:endParaRPr>
           </a:p>
           <a:p>
             <a:r>
-              <a:rPr lang="en-US" sz="1200" dirty="0" err="1" smtClean="0">
+              <a:rPr lang="en-US" sz="1200" dirty="0" err="1">
                 <a:solidFill>
                   <a:srgbClr val="FF0000"/>
                 </a:solidFill>
@@ -28728,7 +27164,7 @@
               <a:t>Traceback</a:t>
             </a:r>
             <a:r>
-              <a:rPr lang="en-US" sz="1200" dirty="0" smtClean="0">
+              <a:rPr lang="en-US" sz="1200" dirty="0">
                 <a:solidFill>
                   <a:srgbClr val="FF0000"/>
                 </a:solidFill>
@@ -28740,7 +27176,7 @@
           </a:p>
           <a:p>
             <a:r>
-              <a:rPr lang="en-US" sz="1200" dirty="0" err="1" smtClean="0">
+              <a:rPr lang="en-US" sz="1200" dirty="0" err="1">
                 <a:solidFill>
                   <a:srgbClr val="FF0000"/>
                 </a:solidFill>
@@ -28750,7 +27186,7 @@
               <a:t>TypeError</a:t>
             </a:r>
             <a:r>
-              <a:rPr lang="en-US" sz="1200" dirty="0" smtClean="0">
+              <a:rPr lang="en-US" sz="1200" dirty="0">
                 <a:solidFill>
                   <a:srgbClr val="FF0000"/>
                 </a:solidFill>
@@ -28760,7 +27196,7 @@
               <a:t>: '</a:t>
             </a:r>
             <a:r>
-              <a:rPr lang="en-US" sz="1200" dirty="0" err="1" smtClean="0">
+              <a:rPr lang="en-US" sz="1200" dirty="0" err="1">
                 <a:solidFill>
                   <a:srgbClr val="FF0000"/>
                 </a:solidFill>
@@ -28770,7 +27206,7 @@
               <a:t>Seq</a:t>
             </a:r>
             <a:r>
-              <a:rPr lang="en-US" sz="1200" dirty="0" smtClean="0">
+              <a:rPr lang="en-US" sz="1200" dirty="0">
                 <a:solidFill>
                   <a:srgbClr val="FF0000"/>
                 </a:solidFill>
@@ -29375,55 +27811,55 @@
           </a:lstStyle>
           <a:p>
             <a:r>
-              <a:rPr lang="en-US" sz="1200" dirty="0" smtClean="0">
+              <a:rPr lang="en-US" sz="1200" dirty="0">
                 <a:latin typeface="Arial"/>
                 <a:cs typeface="Arial"/>
               </a:rPr>
               <a:t>&gt;&gt;&gt; from </a:t>
             </a:r>
             <a:r>
-              <a:rPr lang="en-US" sz="1200" dirty="0" err="1" smtClean="0">
+              <a:rPr lang="en-US" sz="1200" dirty="0" err="1">
                 <a:latin typeface="Arial"/>
                 <a:cs typeface="Arial"/>
               </a:rPr>
               <a:t>Bio.Seq</a:t>
             </a:r>
             <a:r>
-              <a:rPr lang="en-US" sz="1200" dirty="0" smtClean="0">
+              <a:rPr lang="en-US" sz="1200" dirty="0">
                 <a:latin typeface="Arial"/>
                 <a:cs typeface="Arial"/>
               </a:rPr>
               <a:t> import </a:t>
             </a:r>
             <a:r>
-              <a:rPr lang="en-US" sz="1200" dirty="0" err="1" smtClean="0">
+              <a:rPr lang="en-US" sz="1200" dirty="0" err="1">
                 <a:latin typeface="Arial"/>
                 <a:cs typeface="Arial"/>
               </a:rPr>
               <a:t>MutableSeq</a:t>
             </a:r>
-            <a:endParaRPr lang="en-US" sz="1200" dirty="0" smtClean="0">
+            <a:endParaRPr lang="en-US" sz="1200" dirty="0">
               <a:latin typeface="Arial"/>
               <a:cs typeface="Arial"/>
             </a:endParaRPr>
           </a:p>
           <a:p>
             <a:r>
-              <a:rPr lang="en-US" sz="1200" dirty="0" smtClean="0">
+              <a:rPr lang="en-US" sz="1200" dirty="0">
                 <a:latin typeface="Arial"/>
                 <a:cs typeface="Arial"/>
               </a:rPr>
               <a:t>&gt;&gt;&gt; from </a:t>
             </a:r>
             <a:r>
-              <a:rPr lang="en-US" sz="1200" dirty="0" err="1" smtClean="0">
+              <a:rPr lang="en-US" sz="1200" dirty="0" err="1">
                 <a:latin typeface="Arial"/>
                 <a:cs typeface="Arial"/>
               </a:rPr>
               <a:t>Bio.Alphabet</a:t>
             </a:r>
             <a:r>
-              <a:rPr lang="en-US" sz="1200" dirty="0" smtClean="0">
+              <a:rPr lang="en-US" sz="1200" dirty="0">
                 <a:latin typeface="Arial"/>
                 <a:cs typeface="Arial"/>
               </a:rPr>
@@ -29432,49 +27868,49 @@
           </a:p>
           <a:p>
             <a:r>
-              <a:rPr lang="en-US" sz="1200" dirty="0" smtClean="0">
+              <a:rPr lang="en-US" sz="1200" dirty="0">
                 <a:latin typeface="Arial"/>
                 <a:cs typeface="Arial"/>
               </a:rPr>
               <a:t>&gt;&gt;&gt; </a:t>
             </a:r>
             <a:r>
-              <a:rPr lang="en-US" sz="1200" dirty="0" err="1" smtClean="0">
+              <a:rPr lang="en-US" sz="1200" dirty="0" err="1">
                 <a:latin typeface="Arial"/>
                 <a:cs typeface="Arial"/>
               </a:rPr>
               <a:t>mutable_seq</a:t>
             </a:r>
             <a:r>
-              <a:rPr lang="en-US" sz="1200" dirty="0" smtClean="0">
+              <a:rPr lang="en-US" sz="1200" dirty="0">
                 <a:latin typeface="Arial"/>
                 <a:cs typeface="Arial"/>
               </a:rPr>
               <a:t> = </a:t>
             </a:r>
             <a:r>
-              <a:rPr lang="en-US" sz="1200" dirty="0" err="1" smtClean="0">
+              <a:rPr lang="en-US" sz="1200" dirty="0" err="1">
                 <a:latin typeface="Arial"/>
                 <a:cs typeface="Arial"/>
               </a:rPr>
               <a:t>MutableSeq</a:t>
             </a:r>
             <a:r>
-              <a:rPr lang="en-US" sz="1200" dirty="0" smtClean="0">
+              <a:rPr lang="en-US" sz="1200" dirty="0">
                 <a:latin typeface="Arial"/>
                 <a:cs typeface="Arial"/>
               </a:rPr>
               <a:t>("GCCATTGTAATGGGCCGCTGAAAGGGTGCCCGA", </a:t>
             </a:r>
             <a:r>
-              <a:rPr lang="en-US" sz="1200" dirty="0" err="1" smtClean="0">
+              <a:rPr lang="en-US" sz="1200" dirty="0" err="1">
                 <a:latin typeface="Arial"/>
                 <a:cs typeface="Arial"/>
               </a:rPr>
               <a:t>IUPAC.unambiguous_dna</a:t>
             </a:r>
             <a:r>
-              <a:rPr lang="en-US" sz="1200" dirty="0" smtClean="0">
+              <a:rPr lang="en-US" sz="1200" dirty="0">
                 <a:latin typeface="Arial"/>
                 <a:cs typeface="Arial"/>
               </a:rPr>
@@ -29499,25 +27935,8 @@
                 <a:latin typeface="Arial"/>
                 <a:cs typeface="Arial"/>
               </a:rPr>
-              <a:t>MutableSeq('GCCATTGTAATGGGCCGCTGAAAGGGTGCCCGA', IUPACUnambiguousDNA()</a:t>
-            </a:r>
-            <a:r>
-              <a:rPr lang="mr-IN" sz="1200" dirty="0" smtClean="0">
-                <a:solidFill>
-                  <a:srgbClr val="FF0000"/>
-                </a:solidFill>
-                <a:latin typeface="Arial"/>
-                <a:cs typeface="Arial"/>
-              </a:rPr>
-              <a:t>)</a:t>
-            </a:r>
-            <a:endParaRPr lang="mr-IN" sz="1200" dirty="0">
-              <a:solidFill>
-                <a:srgbClr val="FF0000"/>
-              </a:solidFill>
-              <a:latin typeface="Arial"/>
-              <a:cs typeface="Arial"/>
-            </a:endParaRPr>
+              <a:t>MutableSeq('GCCATTGTAATGGGCCGCTGAAAGGGTGCCCGA', IUPACUnambiguousDNA())</a:t>
+            </a:r>
           </a:p>
         </p:txBody>
       </p:sp>
@@ -29615,7 +28034,7 @@
           <a:p>
             <a:fld id="{816908AA-A60E-9D4B-A089-9B6A43B56327}" type="datetime1">
               <a:rPr lang="fr-FR" smtClean="0"/>
-              <a:t>16/11/16</a:t>
+              <a:t>08/11/2018</a:t>
             </a:fld>
             <a:endParaRPr lang="fr-FR" dirty="0"/>
           </a:p>
@@ -29637,7 +28056,7 @@
           <a:lstStyle/>
           <a:p>
             <a:r>
-              <a:rPr lang="fr-FR" smtClean="0"/>
+              <a:rPr lang="fr-FR"/>
               <a:t>Python pour la biologie</a:t>
             </a:r>
             <a:endParaRPr lang="fr-FR" dirty="0"/>
@@ -29706,18 +28125,11 @@
           </a:lstStyle>
           <a:p>
             <a:r>
-              <a:rPr lang="mr-IN" sz="1200" dirty="0" smtClean="0">
-                <a:latin typeface="Arial"/>
-                <a:cs typeface="Arial"/>
-              </a:rPr>
-              <a:t>&gt;</a:t>
-            </a:r>
-            <a:r>
               <a:rPr lang="mr-IN" sz="1200" dirty="0">
                 <a:latin typeface="Arial"/>
                 <a:cs typeface="Arial"/>
               </a:rPr>
-              <a:t>&gt;&gt; mutable_seq[5] = "C"</a:t>
+              <a:t>&gt;&gt;&gt; mutable_seq[5] = "C"</a:t>
             </a:r>
           </a:p>
           <a:p>
@@ -29798,25 +28210,8 @@
                 <a:latin typeface="Arial"/>
                 <a:cs typeface="Arial"/>
               </a:rPr>
-              <a:t>MutableSeq('AGCCCGTGGGAAAGTCGCCGGGTAATGCACCG', IUPACUnambiguousDNA()</a:t>
-            </a:r>
-            <a:r>
-              <a:rPr lang="mr-IN" sz="1200" dirty="0" smtClean="0">
-                <a:solidFill>
-                  <a:srgbClr val="FF0000"/>
-                </a:solidFill>
-                <a:latin typeface="Arial"/>
-                <a:cs typeface="Arial"/>
-              </a:rPr>
-              <a:t>)</a:t>
-            </a:r>
-            <a:endParaRPr lang="mr-IN" sz="1200" dirty="0">
-              <a:solidFill>
-                <a:srgbClr val="FF0000"/>
-              </a:solidFill>
-              <a:latin typeface="Arial"/>
-              <a:cs typeface="Arial"/>
-            </a:endParaRPr>
+              <a:t>MutableSeq('AGCCCGTGGGAAAGTCGCCGGGTAATGCACCG', IUPACUnambiguousDNA())</a:t>
+            </a:r>
           </a:p>
         </p:txBody>
       </p:sp>
@@ -29858,55 +28253,55 @@
           </a:lstStyle>
           <a:p>
             <a:r>
-              <a:rPr lang="en-US" sz="1200" dirty="0" smtClean="0">
+              <a:rPr lang="en-US" sz="1200" dirty="0">
                 <a:latin typeface="Arial"/>
                 <a:cs typeface="Arial"/>
               </a:rPr>
               <a:t>&gt;&gt;&gt; from </a:t>
             </a:r>
             <a:r>
-              <a:rPr lang="en-US" sz="1200" dirty="0" err="1" smtClean="0">
+              <a:rPr lang="en-US" sz="1200" dirty="0" err="1">
                 <a:latin typeface="Arial"/>
                 <a:cs typeface="Arial"/>
               </a:rPr>
               <a:t>Bio.Seq</a:t>
             </a:r>
             <a:r>
-              <a:rPr lang="en-US" sz="1200" dirty="0" smtClean="0">
+              <a:rPr lang="en-US" sz="1200" dirty="0">
                 <a:latin typeface="Arial"/>
                 <a:cs typeface="Arial"/>
               </a:rPr>
               <a:t> import </a:t>
             </a:r>
             <a:r>
-              <a:rPr lang="en-US" sz="1200" dirty="0" err="1" smtClean="0">
+              <a:rPr lang="en-US" sz="1200" dirty="0" err="1">
                 <a:latin typeface="Arial"/>
                 <a:cs typeface="Arial"/>
               </a:rPr>
               <a:t>MutableSeq</a:t>
             </a:r>
-            <a:endParaRPr lang="en-US" sz="1200" dirty="0" smtClean="0">
+            <a:endParaRPr lang="en-US" sz="1200" dirty="0">
               <a:latin typeface="Arial"/>
               <a:cs typeface="Arial"/>
             </a:endParaRPr>
           </a:p>
           <a:p>
             <a:r>
-              <a:rPr lang="en-US" sz="1200" dirty="0" smtClean="0">
+              <a:rPr lang="en-US" sz="1200" dirty="0">
                 <a:latin typeface="Arial"/>
                 <a:cs typeface="Arial"/>
               </a:rPr>
               <a:t>&gt;&gt;&gt; from </a:t>
             </a:r>
             <a:r>
-              <a:rPr lang="en-US" sz="1200" dirty="0" err="1" smtClean="0">
+              <a:rPr lang="en-US" sz="1200" dirty="0" err="1">
                 <a:latin typeface="Arial"/>
                 <a:cs typeface="Arial"/>
               </a:rPr>
               <a:t>Bio.Alphabet</a:t>
             </a:r>
             <a:r>
-              <a:rPr lang="en-US" sz="1200" dirty="0" smtClean="0">
+              <a:rPr lang="en-US" sz="1200" dirty="0">
                 <a:latin typeface="Arial"/>
                 <a:cs typeface="Arial"/>
               </a:rPr>
@@ -29915,49 +28310,49 @@
           </a:p>
           <a:p>
             <a:r>
-              <a:rPr lang="en-US" sz="1200" dirty="0" smtClean="0">
+              <a:rPr lang="en-US" sz="1200" dirty="0">
                 <a:latin typeface="Arial"/>
                 <a:cs typeface="Arial"/>
               </a:rPr>
               <a:t>&gt;&gt;&gt; </a:t>
             </a:r>
             <a:r>
-              <a:rPr lang="en-US" sz="1200" dirty="0" err="1" smtClean="0">
+              <a:rPr lang="en-US" sz="1200" dirty="0" err="1">
                 <a:latin typeface="Arial"/>
                 <a:cs typeface="Arial"/>
               </a:rPr>
               <a:t>mutable_seq</a:t>
             </a:r>
             <a:r>
-              <a:rPr lang="en-US" sz="1200" dirty="0" smtClean="0">
+              <a:rPr lang="en-US" sz="1200" dirty="0">
                 <a:latin typeface="Arial"/>
                 <a:cs typeface="Arial"/>
               </a:rPr>
               <a:t> = </a:t>
             </a:r>
             <a:r>
-              <a:rPr lang="en-US" sz="1200" dirty="0" err="1" smtClean="0">
+              <a:rPr lang="en-US" sz="1200" dirty="0" err="1">
                 <a:latin typeface="Arial"/>
                 <a:cs typeface="Arial"/>
               </a:rPr>
               <a:t>MutableSeq</a:t>
             </a:r>
             <a:r>
-              <a:rPr lang="en-US" sz="1200" dirty="0" smtClean="0">
+              <a:rPr lang="en-US" sz="1200" dirty="0">
                 <a:latin typeface="Arial"/>
                 <a:cs typeface="Arial"/>
               </a:rPr>
               <a:t>("GCCATTGTAATGGGCCGCTGAAAGGGTGCCCGA", </a:t>
             </a:r>
             <a:r>
-              <a:rPr lang="en-US" sz="1200" dirty="0" err="1" smtClean="0">
+              <a:rPr lang="en-US" sz="1200" dirty="0" err="1">
                 <a:latin typeface="Arial"/>
                 <a:cs typeface="Arial"/>
               </a:rPr>
               <a:t>IUPAC.unambiguous_dna</a:t>
             </a:r>
             <a:r>
-              <a:rPr lang="en-US" sz="1200" dirty="0" smtClean="0">
+              <a:rPr lang="en-US" sz="1200" dirty="0">
                 <a:latin typeface="Arial"/>
                 <a:cs typeface="Arial"/>
               </a:rPr>
@@ -29982,25 +28377,8 @@
                 <a:latin typeface="Arial"/>
                 <a:cs typeface="Arial"/>
               </a:rPr>
-              <a:t>MutableSeq('GCCATTGTAATGGGCCGCTGAAAGGGTGCCCGA', IUPACUnambiguousDNA()</a:t>
-            </a:r>
-            <a:r>
-              <a:rPr lang="mr-IN" sz="1200" dirty="0" smtClean="0">
-                <a:solidFill>
-                  <a:srgbClr val="FF0000"/>
-                </a:solidFill>
-                <a:latin typeface="Arial"/>
-                <a:cs typeface="Arial"/>
-              </a:rPr>
-              <a:t>)</a:t>
-            </a:r>
-            <a:endParaRPr lang="mr-IN" sz="1200" dirty="0">
-              <a:solidFill>
-                <a:srgbClr val="FF0000"/>
-              </a:solidFill>
-              <a:latin typeface="Arial"/>
-              <a:cs typeface="Arial"/>
-            </a:endParaRPr>
+              <a:t>MutableSeq('GCCATTGTAATGGGCCGCTGAAAGGGTGCCCGA', IUPACUnambiguousDNA())</a:t>
+            </a:r>
           </a:p>
         </p:txBody>
       </p:sp>
@@ -30214,91 +28592,31 @@
           <a:p>
             <a:r>
               <a:rPr lang="en-US" dirty="0"/>
-              <a:t>N</a:t>
-            </a:r>
-            <a:r>
-              <a:rPr lang="en-US" dirty="0" smtClean="0"/>
-              <a:t>ote </a:t>
+              <a:t>Note that unlike the </a:t>
+            </a:r>
+            <a:r>
+              <a:rPr lang="en-US" dirty="0" err="1"/>
+              <a:t>Seq</a:t>
             </a:r>
             <a:r>
               <a:rPr lang="en-US" dirty="0"/>
-              <a:t>that unlike </a:t>
-            </a:r>
-            <a:r>
-              <a:rPr lang="en-US" dirty="0" smtClean="0"/>
-              <a:t>the </a:t>
-            </a:r>
-            <a:r>
-              <a:rPr lang="en-US" dirty="0" err="1" smtClean="0"/>
-              <a:t>Seq</a:t>
+              <a:t> object, the </a:t>
+            </a:r>
+            <a:r>
+              <a:rPr lang="en-US" dirty="0" err="1"/>
+              <a:t>MutableSeq</a:t>
             </a:r>
             <a:r>
               <a:rPr lang="en-US" dirty="0"/>
-              <a:t> </a:t>
-            </a:r>
-            <a:r>
-              <a:rPr lang="en-US" dirty="0" smtClean="0"/>
-              <a:t>object</a:t>
+              <a:t> object's methods like </a:t>
+            </a:r>
+            <a:r>
+              <a:rPr lang="en-US" dirty="0" err="1"/>
+              <a:t>reverse_complement</a:t>
             </a:r>
             <a:r>
               <a:rPr lang="en-US" dirty="0"/>
-              <a:t>, </a:t>
-            </a:r>
-            <a:r>
-              <a:rPr lang="en-US" dirty="0" smtClean="0"/>
-              <a:t>the </a:t>
-            </a:r>
-            <a:r>
-              <a:rPr lang="en-US" dirty="0" err="1" smtClean="0"/>
-              <a:t>MutableSeq</a:t>
-            </a:r>
-            <a:r>
-              <a:rPr lang="en-US" dirty="0"/>
-              <a:t> </a:t>
-            </a:r>
-            <a:r>
-              <a:rPr lang="en-US" dirty="0" smtClean="0"/>
-              <a:t>object's </a:t>
-            </a:r>
-            <a:r>
-              <a:rPr lang="en-US" dirty="0"/>
-              <a:t>methods </a:t>
-            </a:r>
-            <a:r>
-              <a:rPr lang="en-US" dirty="0" smtClean="0"/>
-              <a:t>like </a:t>
-            </a:r>
-            <a:r>
-              <a:rPr lang="en-US" dirty="0" err="1" smtClean="0"/>
-              <a:t>reverse_complement</a:t>
-            </a:r>
-            <a:r>
-              <a:rPr lang="en-US" dirty="0"/>
-              <a:t>(</a:t>
-            </a:r>
-            <a:r>
-              <a:rPr lang="en-US" dirty="0" smtClean="0"/>
-              <a:t>) and</a:t>
-            </a:r>
-            <a:r>
-              <a:rPr lang="en-US" dirty="0"/>
-              <a:t> </a:t>
-            </a:r>
-            <a:r>
-              <a:rPr lang="en-US" dirty="0" smtClean="0"/>
-              <a:t>reverse</a:t>
-            </a:r>
-            <a:r>
-              <a:rPr lang="en-US" dirty="0"/>
-              <a:t>(</a:t>
-            </a:r>
-            <a:r>
-              <a:rPr lang="en-US" dirty="0" smtClean="0"/>
-              <a:t>) act </a:t>
-            </a:r>
-            <a:r>
-              <a:rPr lang="en-US" dirty="0"/>
-              <a:t>in-situ!</a:t>
+              <a:t>() and reverse() act in-situ!</a:t>
             </a:r>
           </a:p>
           <a:p>
@@ -30457,15 +28775,15 @@
           <a:lstStyle/>
           <a:p>
             <a:r>
-              <a:rPr lang="fr-FR" dirty="0" err="1" smtClean="0"/>
+              <a:rPr lang="fr-FR" dirty="0" err="1"/>
               <a:t>UnknowSeq</a:t>
             </a:r>
             <a:r>
-              <a:rPr lang="fr-FR" dirty="0" smtClean="0"/>
+              <a:rPr lang="fr-FR" dirty="0"/>
               <a:t> </a:t>
             </a:r>
             <a:r>
-              <a:rPr lang="fr-FR" dirty="0" err="1" smtClean="0"/>
+              <a:rPr lang="fr-FR" dirty="0" err="1"/>
               <a:t>objects</a:t>
             </a:r>
             <a:endParaRPr lang="fr-FR" dirty="0"/>
@@ -30493,63 +28811,37 @@
           <a:lstStyle/>
           <a:p>
             <a:r>
-              <a:rPr lang="en-US" dirty="0" smtClean="0"/>
-              <a:t>Subclass </a:t>
-            </a:r>
-            <a:r>
               <a:rPr lang="en-US" dirty="0"/>
-              <a:t>of the </a:t>
-            </a:r>
-            <a:r>
-              <a:rPr lang="en-US" dirty="0" smtClean="0"/>
-              <a:t>basic </a:t>
-            </a:r>
-            <a:r>
-              <a:rPr lang="en-US" dirty="0" err="1" smtClean="0"/>
+              <a:t>Subclass of the basic </a:t>
+            </a:r>
+            <a:r>
+              <a:rPr lang="en-US" dirty="0" err="1"/>
               <a:t>Seq</a:t>
             </a:r>
             <a:r>
               <a:rPr lang="en-US" dirty="0"/>
-              <a:t> </a:t>
-            </a:r>
-            <a:r>
-              <a:rPr lang="en-US" dirty="0" smtClean="0"/>
-              <a:t>object </a:t>
-            </a:r>
-          </a:p>
-          <a:p>
-            <a:r>
-              <a:rPr lang="en-US" dirty="0" smtClean="0"/>
-              <a:t>Represent </a:t>
-            </a:r>
+              <a:t> object </a:t>
+            </a:r>
+          </a:p>
+          <a:p>
             <a:r>
               <a:rPr lang="en-US" dirty="0"/>
-              <a:t>a sequence </a:t>
-            </a:r>
-            <a:r>
-              <a:rPr lang="en-US" dirty="0" smtClean="0"/>
-              <a:t>where we </a:t>
-            </a:r>
+              <a:t>Represent a sequence where we know the length, but not the actual letters making it up. </a:t>
+            </a:r>
+          </a:p>
+          <a:p>
             <a:r>
               <a:rPr lang="en-US" dirty="0"/>
-              <a:t>know the length, but not the actual letters making it up. </a:t>
-            </a:r>
-            <a:endParaRPr lang="en-US" dirty="0" smtClean="0"/>
-          </a:p>
-          <a:p>
-            <a:r>
-              <a:rPr lang="en-US" dirty="0" smtClean="0"/>
               <a:t>Better than </a:t>
             </a:r>
             <a:r>
-              <a:rPr lang="en-US" dirty="0" err="1" smtClean="0"/>
+              <a:rPr lang="en-US" dirty="0" err="1"/>
               <a:t>Seq</a:t>
             </a:r>
             <a:r>
-              <a:rPr lang="en-US" dirty="0" smtClean="0"/>
+              <a:rPr lang="en-US" dirty="0"/>
               <a:t> object for memory</a:t>
             </a:r>
-            <a:endParaRPr lang="en-US" dirty="0"/>
           </a:p>
           <a:p>
             <a:endParaRPr lang="en-US" dirty="0"/>
@@ -30576,7 +28868,7 @@
           <a:p>
             <a:fld id="{FA7473CA-1C1D-5047-82A9-6D3164075AEC}" type="datetime1">
               <a:rPr lang="fr-FR" smtClean="0"/>
-              <a:t>16/11/16</a:t>
+              <a:t>08/11/2018</a:t>
             </a:fld>
             <a:endParaRPr lang="fr-FR" dirty="0"/>
           </a:p>
@@ -30598,7 +28890,7 @@
           <a:lstStyle/>
           <a:p>
             <a:r>
-              <a:rPr lang="fr-FR" smtClean="0"/>
+              <a:rPr lang="fr-FR"/>
               <a:t>Python pour la biologie</a:t>
             </a:r>
             <a:endParaRPr lang="fr-FR" dirty="0"/>
@@ -30736,7 +29028,7 @@
           </a:p>
           <a:p>
             <a:r>
-              <a:rPr lang="mr-IN" sz="1200" dirty="0" smtClean="0">
+              <a:rPr lang="mr-IN" sz="1200" dirty="0">
                 <a:solidFill>
                   <a:srgbClr val="FF0000"/>
                 </a:solidFill>
@@ -30745,7 +29037,7 @@
               </a:rPr>
               <a:t>20</a:t>
             </a:r>
-            <a:endParaRPr lang="fr-FR" sz="1200" dirty="0" smtClean="0">
+            <a:endParaRPr lang="fr-FR" sz="1200" dirty="0">
               <a:solidFill>
                 <a:srgbClr val="FF0000"/>
               </a:solidFill>
@@ -30900,47 +29192,7 @@
           <a:p>
             <a:r>
               <a:rPr lang="en-US" dirty="0"/>
-              <a:t>S</a:t>
-            </a:r>
-            <a:r>
-              <a:rPr lang="en-US" dirty="0" smtClean="0"/>
-              <a:t>pecify </a:t>
-            </a:r>
-            <a:r>
-              <a:rPr lang="en-US" dirty="0"/>
-              <a:t>an alphabet, meaning for nucleotide sequences the letter defaults to </a:t>
-            </a:r>
-            <a:r>
-              <a:rPr lang="en-US" dirty="0" smtClean="0"/>
-              <a:t>“N</a:t>
-            </a:r>
-            <a:r>
-              <a:rPr lang="en-US" dirty="0"/>
-              <a:t>" </a:t>
-            </a:r>
-            <a:r>
-              <a:rPr lang="en-US" dirty="0" smtClean="0"/>
-              <a:t>and for </a:t>
-            </a:r>
-            <a:r>
-              <a:rPr lang="en-US" dirty="0"/>
-              <a:t>proteins </a:t>
-            </a:r>
-            <a:r>
-              <a:rPr lang="en-US" dirty="0" smtClean="0"/>
-              <a:t>“X</a:t>
-            </a:r>
-            <a:r>
-              <a:rPr lang="en-US" dirty="0"/>
-              <a:t>", rather than just </a:t>
-            </a:r>
-            <a:r>
-              <a:rPr lang="en-US" dirty="0" smtClean="0"/>
-              <a:t>“?</a:t>
-            </a:r>
-            <a:r>
-              <a:rPr lang="en-US" dirty="0"/>
-              <a:t>"</a:t>
+              <a:t>Specify an alphabet, meaning for nucleotide sequences the letter defaults to “N" and for proteins “X", rather than just “?"</a:t>
             </a:r>
           </a:p>
           <a:p>
@@ -30986,12 +29238,8 @@
           </a:lstStyle>
           <a:p>
             <a:r>
-              <a:rPr lang="en-US" sz="1200" dirty="0" smtClean="0"/>
-              <a:t>&gt;</a:t>
-            </a:r>
-            <a:r>
               <a:rPr lang="en-US" sz="1200" dirty="0"/>
-              <a:t>&gt;&gt; from </a:t>
+              <a:t>&gt;&gt;&gt; from </a:t>
             </a:r>
             <a:r>
               <a:rPr lang="en-US" sz="1200" dirty="0" err="1"/>
@@ -31112,18 +29360,13 @@
           </a:p>
           <a:p>
             <a:r>
-              <a:rPr lang="en-US" sz="1200" dirty="0" smtClean="0">
+              <a:rPr lang="en-US" sz="1200" dirty="0">
                 <a:solidFill>
                   <a:srgbClr val="FF0000"/>
                 </a:solidFill>
               </a:rPr>
               <a:t>NNNNNNNNNNNNNNNNNNNN</a:t>
             </a:r>
-            <a:endParaRPr lang="en-US" sz="1200" dirty="0">
-              <a:solidFill>
-                <a:srgbClr val="FF0000"/>
-              </a:solidFill>
-            </a:endParaRPr>
           </a:p>
         </p:txBody>
       </p:sp>
@@ -31212,7 +29455,7 @@
           <a:p>
             <a:fld id="{9881040A-37B7-1E4F-8B8D-A8349C44DD58}" type="datetime1">
               <a:rPr lang="fr-FR" smtClean="0"/>
-              <a:t>16/11/16</a:t>
+              <a:t>08/11/2018</a:t>
             </a:fld>
             <a:endParaRPr lang="fr-FR" dirty="0"/>
           </a:p>
@@ -31234,7 +29477,7 @@
           <a:lstStyle/>
           <a:p>
             <a:r>
-              <a:rPr lang="fr-FR" smtClean="0"/>
+              <a:rPr lang="fr-FR"/>
               <a:t>Python pour la biologie</a:t>
             </a:r>
             <a:endParaRPr lang="fr-FR" dirty="0"/>
@@ -31319,14 +29562,13 @@
               <a:t>functionalities</a:t>
             </a:r>
             <a:r>
-              <a:rPr lang="mr-IN" dirty="0" smtClean="0"/>
+              <a:rPr lang="mr-IN" dirty="0"/>
               <a:t>(</a:t>
             </a:r>
             <a:r>
-              <a:rPr lang="fr-FR" dirty="0" smtClean="0"/>
+              <a:rPr lang="fr-FR" dirty="0"/>
               <a:t>1)</a:t>
             </a:r>
-            <a:endParaRPr lang="fr-FR" dirty="0"/>
           </a:p>
         </p:txBody>
       </p:sp>
@@ -31347,84 +29589,45 @@
           <a:p>
             <a:r>
               <a:rPr lang="en-US" dirty="0"/>
-              <a:t>The ability to parse bioinformatics </a:t>
-            </a:r>
-            <a:r>
-              <a:rPr lang="en-US" dirty="0" smtClean="0"/>
-              <a:t>files </a:t>
-            </a:r>
-            <a:r>
-              <a:rPr lang="en-US" dirty="0"/>
-              <a:t>into Python utilizable data structures, including support </a:t>
-            </a:r>
-            <a:r>
-              <a:rPr lang="en-US" dirty="0" smtClean="0"/>
-              <a:t>for the </a:t>
-            </a:r>
-            <a:r>
-              <a:rPr lang="en-US" dirty="0"/>
-              <a:t>following formats</a:t>
-            </a:r>
-            <a:r>
-              <a:rPr lang="en-US" dirty="0" smtClean="0"/>
-              <a:t>:</a:t>
-            </a:r>
-            <a:endParaRPr lang="en-US" dirty="0"/>
+              <a:t>The ability to parse bioinformatics files into Python utilizable data structures, including support for the following formats:</a:t>
+            </a:r>
           </a:p>
           <a:p>
             <a:pPr lvl="1"/>
             <a:r>
               <a:rPr lang="en-US" sz="1800" dirty="0"/>
-              <a:t>Blast output </a:t>
-            </a:r>
-            <a:r>
-              <a:rPr lang="en-US" sz="1800" dirty="0" smtClean="0"/>
-              <a:t>- </a:t>
-            </a:r>
+              <a:t>Blast output - both from standalone and WWW Blast</a:t>
+            </a:r>
+          </a:p>
+          <a:p>
+            <a:pPr lvl="1"/>
+            <a:r>
+              <a:rPr lang="en-US" sz="1800" dirty="0" err="1"/>
+              <a:t>Clustalw</a:t>
+            </a:r>
+            <a:endParaRPr lang="en-US" sz="1800" dirty="0"/>
+          </a:p>
+          <a:p>
+            <a:pPr lvl="1"/>
             <a:r>
               <a:rPr lang="en-US" sz="1800" dirty="0"/>
-              <a:t>both from standalone and WWW </a:t>
-            </a:r>
-            <a:r>
-              <a:rPr lang="en-US" sz="1800" dirty="0" smtClean="0"/>
-              <a:t>Blast</a:t>
+              <a:t>FASTA</a:t>
             </a:r>
           </a:p>
           <a:p>
             <a:pPr lvl="1"/>
             <a:r>
-              <a:rPr lang="en-US" sz="1800" dirty="0" err="1" smtClean="0"/>
-              <a:t>Clustalw</a:t>
+              <a:rPr lang="en-US" sz="1800" dirty="0" err="1"/>
+              <a:t>GenBank</a:t>
             </a:r>
             <a:endParaRPr lang="en-US" sz="1800" dirty="0"/>
           </a:p>
           <a:p>
             <a:pPr lvl="1"/>
             <a:r>
-              <a:rPr lang="en-US" sz="1800" dirty="0" smtClean="0"/>
-              <a:t>FASTA</a:t>
-            </a:r>
-            <a:endParaRPr lang="en-US" sz="1800" dirty="0"/>
-          </a:p>
-          <a:p>
-            <a:pPr lvl="1"/>
-            <a:r>
-              <a:rPr lang="en-US" sz="1800" dirty="0" err="1" smtClean="0"/>
-              <a:t>GenBank</a:t>
-            </a:r>
-            <a:endParaRPr lang="en-US" sz="1800" dirty="0"/>
-          </a:p>
-          <a:p>
-            <a:pPr lvl="1"/>
-            <a:r>
               <a:rPr lang="en-US" sz="1800" dirty="0"/>
-              <a:t>PubMed and </a:t>
-            </a:r>
-            <a:r>
-              <a:rPr lang="en-US" sz="1800" dirty="0" smtClean="0"/>
-              <a:t>Medline</a:t>
-            </a:r>
-            <a:endParaRPr lang="en-US" sz="1800" dirty="0"/>
+              <a:t>PubMed and Medline</a:t>
+            </a:r>
           </a:p>
           <a:p>
             <a:pPr lvl="1"/>
@@ -31434,62 +29637,41 @@
             </a:r>
             <a:r>
               <a:rPr lang="en-US" sz="1800" dirty="0"/>
-              <a:t> </a:t>
-            </a:r>
-            <a:r>
-              <a:rPr lang="en-US" sz="1800" dirty="0" smtClean="0"/>
-              <a:t>files</a:t>
-            </a:r>
+              <a:t> files, like Enzyme and </a:t>
+            </a:r>
+            <a:r>
+              <a:rPr lang="en-US" sz="1800" dirty="0" err="1"/>
+              <a:t>Prosite</a:t>
+            </a:r>
+            <a:endParaRPr lang="en-US" sz="1800" dirty="0"/>
+          </a:p>
+          <a:p>
+            <a:pPr lvl="1"/>
             <a:r>
               <a:rPr lang="en-US" sz="1800" dirty="0"/>
-              <a:t>, like Enzyme and </a:t>
-            </a:r>
-            <a:r>
-              <a:rPr lang="en-US" sz="1800" dirty="0" err="1" smtClean="0"/>
-              <a:t>Prosite</a:t>
-            </a:r>
-            <a:endParaRPr lang="en-US" sz="1800" dirty="0"/>
+              <a:t>SCOP, including “</a:t>
+            </a:r>
+            <a:r>
+              <a:rPr lang="en-US" sz="1800" dirty="0" err="1"/>
+              <a:t>dom</a:t>
+            </a:r>
+            <a:r>
+              <a:rPr lang="en-US" sz="1800" dirty="0"/>
+              <a:t>” and “</a:t>
+            </a:r>
+            <a:r>
+              <a:rPr lang="en-US" sz="1800" dirty="0" err="1"/>
+              <a:t>lin</a:t>
+            </a:r>
+            <a:r>
+              <a:rPr lang="en-US" sz="1800" dirty="0"/>
+              <a:t>” files</a:t>
+            </a:r>
           </a:p>
           <a:p>
             <a:pPr lvl="1"/>
             <a:r>
-              <a:rPr lang="en-US" sz="1800" dirty="0"/>
-              <a:t>SCOP, including </a:t>
-            </a:r>
-            <a:r>
-              <a:rPr lang="en-US" sz="1800" dirty="0" smtClean="0"/>
-              <a:t>“</a:t>
-            </a:r>
-            <a:r>
-              <a:rPr lang="en-US" sz="1800" dirty="0" err="1" smtClean="0"/>
-              <a:t>dom</a:t>
-            </a:r>
-            <a:r>
-              <a:rPr lang="en-US" sz="1800" dirty="0" smtClean="0"/>
-              <a:t>” </a:t>
-            </a:r>
-            <a:r>
-              <a:rPr lang="en-US" sz="1800" dirty="0"/>
-              <a:t>and </a:t>
-            </a:r>
-            <a:r>
-              <a:rPr lang="en-US" sz="1800" dirty="0" smtClean="0"/>
-              <a:t>“</a:t>
-            </a:r>
-            <a:r>
-              <a:rPr lang="en-US" sz="1800" dirty="0" err="1" smtClean="0"/>
-              <a:t>lin</a:t>
-            </a:r>
-            <a:r>
-              <a:rPr lang="en-US" sz="1800" dirty="0" smtClean="0"/>
-              <a:t>” files</a:t>
-            </a:r>
-            <a:endParaRPr lang="en-US" sz="1800" dirty="0"/>
-          </a:p>
-          <a:p>
-            <a:pPr lvl="1"/>
-            <a:r>
-              <a:rPr lang="en-US" sz="1800" dirty="0" err="1" smtClean="0"/>
+              <a:rPr lang="en-US" sz="1800" dirty="0" err="1"/>
               <a:t>UniGene</a:t>
             </a:r>
             <a:endParaRPr lang="en-US" sz="1800" dirty="0"/>
@@ -31524,7 +29706,7 @@
           <a:p>
             <a:fld id="{B30A75EC-4088-B547-BDB8-649A7E021FEA}" type="datetime1">
               <a:rPr lang="fr-FR" smtClean="0"/>
-              <a:t>16/11/16</a:t>
+              <a:t>08/11/2018</a:t>
             </a:fld>
             <a:endParaRPr lang="fr-FR" dirty="0"/>
           </a:p>
@@ -31546,7 +29728,7 @@
           <a:lstStyle/>
           <a:p>
             <a:r>
-              <a:rPr lang="fr-FR" smtClean="0"/>
+              <a:rPr lang="fr-FR"/>
               <a:t>Python pour la biologie</a:t>
             </a:r>
             <a:endParaRPr lang="fr-FR" dirty="0"/>
@@ -31623,22 +29805,21 @@
           <a:lstStyle/>
           <a:p>
             <a:r>
-              <a:rPr lang="fr-FR" dirty="0" smtClean="0"/>
+              <a:rPr lang="fr-FR" dirty="0"/>
               <a:t>Biopython </a:t>
             </a:r>
             <a:r>
-              <a:rPr lang="fr-FR" dirty="0" err="1" smtClean="0"/>
+              <a:rPr lang="fr-FR" dirty="0" err="1"/>
               <a:t>functionalities</a:t>
             </a:r>
             <a:r>
-              <a:rPr lang="mr-IN" dirty="0" smtClean="0"/>
+              <a:rPr lang="mr-IN" dirty="0"/>
               <a:t>(</a:t>
             </a:r>
             <a:r>
-              <a:rPr lang="fr-FR" dirty="0" smtClean="0"/>
+              <a:rPr lang="fr-FR" dirty="0"/>
               <a:t>2)</a:t>
             </a:r>
-            <a:endParaRPr lang="fr-FR" dirty="0"/>
           </a:p>
         </p:txBody>
       </p:sp>
@@ -31659,34 +29840,17 @@
           <a:p>
             <a:r>
               <a:rPr lang="en-US" dirty="0"/>
-              <a:t>Files in the supported formats can be iterated over record by record or indexed and accessed via </a:t>
-            </a:r>
-            <a:r>
-              <a:rPr lang="en-US" dirty="0" smtClean="0"/>
-              <a:t>a Dictionary </a:t>
-            </a:r>
+              <a:t>Files in the supported formats can be iterated over record by record or indexed and accessed via a Dictionary interface.</a:t>
+            </a:r>
+          </a:p>
+          <a:p>
+            <a:endParaRPr lang="en-US" dirty="0"/>
+          </a:p>
+          <a:p>
             <a:r>
               <a:rPr lang="en-US" dirty="0"/>
-              <a:t>interface</a:t>
-            </a:r>
-            <a:r>
-              <a:rPr lang="en-US" dirty="0" smtClean="0"/>
-              <a:t>.</a:t>
-            </a:r>
-          </a:p>
-          <a:p>
-            <a:endParaRPr lang="en-US" dirty="0"/>
-          </a:p>
-          <a:p>
-            <a:r>
-              <a:rPr lang="en-US" dirty="0"/>
-              <a:t>Code to deal with popular on-line bioinformatics destinations such as</a:t>
-            </a:r>
-            <a:r>
-              <a:rPr lang="en-US" dirty="0" smtClean="0"/>
-              <a:t>:</a:t>
-            </a:r>
-            <a:endParaRPr lang="en-US" dirty="0"/>
+              <a:t>Code to deal with popular on-line bioinformatics destinations such as:</a:t>
+            </a:r>
           </a:p>
           <a:p>
             <a:pPr lvl="1"/>
@@ -31700,26 +29864,18 @@
             </a:r>
             <a:r>
               <a:rPr lang="en-US" sz="1800" dirty="0"/>
-              <a:t> and PubMed </a:t>
-            </a:r>
-            <a:r>
-              <a:rPr lang="en-US" sz="1800" dirty="0" smtClean="0"/>
-              <a:t>services</a:t>
+              <a:t> and PubMed services</a:t>
             </a:r>
           </a:p>
           <a:p>
             <a:pPr lvl="1"/>
             <a:r>
-              <a:rPr lang="en-US" sz="1800" dirty="0" err="1" smtClean="0"/>
+              <a:rPr lang="en-US" sz="1800" dirty="0" err="1"/>
               <a:t>ExPASy</a:t>
             </a:r>
             <a:r>
-              <a:rPr lang="en-US" sz="1800" dirty="0" smtClean="0"/>
-              <a:t> </a:t>
-            </a:r>
-            <a:r>
               <a:rPr lang="en-US" sz="1800" dirty="0"/>
-              <a:t>{ Swiss-</a:t>
+              <a:t> { Swiss-</a:t>
             </a:r>
             <a:r>
               <a:rPr lang="en-US" sz="1800" dirty="0" err="1"/>
@@ -31743,11 +29899,7 @@
             </a:r>
             <a:r>
               <a:rPr lang="en-US" sz="1800" dirty="0"/>
-              <a:t> </a:t>
-            </a:r>
-            <a:r>
-              <a:rPr lang="en-US" sz="1800" dirty="0" smtClean="0"/>
-              <a:t>searches</a:t>
+              <a:t> searches</a:t>
             </a:r>
           </a:p>
           <a:p>
@@ -31763,34 +29915,26 @@
           <a:p>
             <a:pPr lvl="1"/>
             <a:r>
-              <a:rPr lang="en-US" sz="1800" dirty="0" smtClean="0"/>
+              <a:rPr lang="en-US" sz="1800" dirty="0"/>
               <a:t>Standalone Blast from NCBI</a:t>
             </a:r>
           </a:p>
           <a:p>
             <a:pPr lvl="1"/>
             <a:r>
-              <a:rPr lang="en-US" sz="1800" dirty="0" err="1" smtClean="0"/>
+              <a:rPr lang="en-US" sz="1800" dirty="0" err="1"/>
               <a:t>Clustalw</a:t>
             </a:r>
             <a:r>
-              <a:rPr lang="en-US" sz="1800" dirty="0" smtClean="0"/>
-              <a:t> </a:t>
-            </a:r>
-            <a:r>
               <a:rPr lang="en-US" sz="1800" dirty="0"/>
-              <a:t>alignment program</a:t>
+              <a:t> alignment program</a:t>
             </a:r>
           </a:p>
           <a:p>
             <a:pPr lvl="1"/>
             <a:r>
-              <a:rPr lang="en-US" sz="1800" dirty="0" smtClean="0"/>
-              <a:t>EMBOSS </a:t>
-            </a:r>
-            <a:r>
               <a:rPr lang="en-US" sz="1800" dirty="0"/>
-              <a:t>command line tools</a:t>
+              <a:t>EMBOSS command line tools</a:t>
             </a:r>
           </a:p>
           <a:p>
@@ -31818,7 +29962,7 @@
           <a:p>
             <a:fld id="{B78E4C01-D620-5F47-81AE-6CCE1DF3C584}" type="datetime1">
               <a:rPr lang="fr-FR" smtClean="0"/>
-              <a:t>16/11/16</a:t>
+              <a:t>08/11/2018</a:t>
             </a:fld>
             <a:endParaRPr lang="fr-FR" dirty="0"/>
           </a:p>
@@ -31840,7 +29984,7 @@
           <a:lstStyle/>
           <a:p>
             <a:r>
-              <a:rPr lang="fr-FR" smtClean="0"/>
+              <a:rPr lang="fr-FR"/>
               <a:t>Python pour la biologie</a:t>
             </a:r>
             <a:endParaRPr lang="fr-FR" dirty="0"/>
@@ -31921,14 +30065,13 @@
               <a:t>Les fonctionnalités Biopython </a:t>
             </a:r>
             <a:r>
-              <a:rPr lang="mr-IN" dirty="0" smtClean="0"/>
+              <a:rPr lang="mr-IN" dirty="0"/>
               <a:t>(</a:t>
             </a:r>
             <a:r>
-              <a:rPr lang="fr-FR" dirty="0" smtClean="0"/>
+              <a:rPr lang="fr-FR" dirty="0"/>
               <a:t>3)</a:t>
             </a:r>
-            <a:endParaRPr lang="fr-FR" dirty="0"/>
           </a:p>
         </p:txBody>
       </p:sp>
@@ -31949,33 +30092,31 @@
           <a:p>
             <a:r>
               <a:rPr lang="en-US" dirty="0"/>
-              <a:t>S</a:t>
-            </a:r>
-            <a:r>
-              <a:rPr lang="en-US" dirty="0" smtClean="0"/>
-              <a:t>tandard </a:t>
-            </a:r>
+              <a:t>Standard sequence class that deals with sequences, ids on sequences, and sequence features.</a:t>
+            </a:r>
+          </a:p>
+          <a:p>
             <a:r>
               <a:rPr lang="en-US" dirty="0"/>
-              <a:t>sequence class that deals with sequences, ids on sequences, and sequence features.</a:t>
+              <a:t>Performing common operations on sequences, such as translation, transcription and weight calculations.</a:t>
             </a:r>
           </a:p>
           <a:p>
             <a:r>
               <a:rPr lang="en-US" dirty="0"/>
-              <a:t>P</a:t>
-            </a:r>
-            <a:r>
-              <a:rPr lang="en-US" dirty="0" smtClean="0"/>
-              <a:t>erforming </a:t>
+              <a:t>Perform </a:t>
+            </a:r>
+            <a:r>
+              <a:rPr lang="en-US" dirty="0" err="1"/>
+              <a:t>classication</a:t>
             </a:r>
             <a:r>
               <a:rPr lang="en-US" dirty="0"/>
-              <a:t>common operations on sequences, such as translation, transcription and </a:t>
-            </a:r>
-            <a:r>
-              <a:rPr lang="en-US" dirty="0" smtClean="0"/>
-              <a:t>weight calculations</a:t>
+              <a:t> of data using k-Nearest Neighbors, Naive Bayes or Support </a:t>
+            </a:r>
+            <a:r>
+              <a:rPr lang="en-US" dirty="0" err="1"/>
+              <a:t>VectorMachines</a:t>
             </a:r>
             <a:r>
               <a:rPr lang="en-US" dirty="0"/>
@@ -31985,93 +30126,19 @@
           <a:p>
             <a:r>
               <a:rPr lang="en-US" dirty="0"/>
-              <a:t>P</a:t>
-            </a:r>
-            <a:r>
-              <a:rPr lang="en-US" dirty="0" smtClean="0"/>
-              <a:t>erform </a:t>
-            </a:r>
-            <a:r>
-              <a:rPr lang="en-US" dirty="0" err="1" smtClean="0"/>
-              <a:t>classication</a:t>
-            </a:r>
-            <a:r>
-              <a:rPr lang="en-US" dirty="0" smtClean="0"/>
-              <a:t> </a:t>
-            </a:r>
+              <a:t>Dealing with alignments, including a standard way to create and deal with substitution matrices.</a:t>
+            </a:r>
+          </a:p>
+          <a:p>
             <a:r>
               <a:rPr lang="en-US" dirty="0"/>
-              <a:t>of data using </a:t>
-            </a:r>
-            <a:r>
-              <a:rPr lang="en-US" dirty="0" smtClean="0"/>
-              <a:t>k-Nearest </a:t>
-            </a:r>
+              <a:t>Making it easy to split up parallelizable tasks into separate processes.</a:t>
+            </a:r>
+          </a:p>
+          <a:p>
             <a:r>
               <a:rPr lang="en-US" dirty="0"/>
-              <a:t>Neighbors, Naive Bayes or Support </a:t>
-            </a:r>
-            <a:r>
-              <a:rPr lang="en-US" dirty="0" err="1" smtClean="0"/>
-              <a:t>VectorMachines</a:t>
-            </a:r>
-            <a:r>
-              <a:rPr lang="en-US" dirty="0"/>
-              <a:t>.</a:t>
-            </a:r>
-          </a:p>
-          <a:p>
-            <a:r>
-              <a:rPr lang="en-US" dirty="0"/>
-              <a:t>D</a:t>
-            </a:r>
-            <a:r>
-              <a:rPr lang="en-US" dirty="0" smtClean="0"/>
-              <a:t>ealing </a:t>
-            </a:r>
-            <a:r>
-              <a:rPr lang="en-US" dirty="0"/>
-              <a:t>with alignments, including a standard way to create and deal with </a:t>
-            </a:r>
-            <a:r>
-              <a:rPr lang="en-US" dirty="0" smtClean="0"/>
-              <a:t>substitution matrices</a:t>
-            </a:r>
-            <a:r>
-              <a:rPr lang="en-US" dirty="0"/>
-              <a:t>.</a:t>
-            </a:r>
-          </a:p>
-          <a:p>
-            <a:r>
-              <a:rPr lang="en-US" dirty="0"/>
-              <a:t>M</a:t>
-            </a:r>
-            <a:r>
-              <a:rPr lang="en-US" dirty="0" smtClean="0"/>
-              <a:t>aking </a:t>
-            </a:r>
-            <a:r>
-              <a:rPr lang="en-US" dirty="0"/>
-              <a:t>it easy to split up parallelizable tasks into </a:t>
-            </a:r>
-            <a:r>
-              <a:rPr lang="en-US" dirty="0" smtClean="0"/>
-              <a:t>separate processes</a:t>
-            </a:r>
-            <a:r>
-              <a:rPr lang="en-US" dirty="0"/>
-              <a:t>.</a:t>
-            </a:r>
-          </a:p>
-          <a:p>
-            <a:r>
-              <a:rPr lang="en-US" dirty="0" smtClean="0"/>
-              <a:t>GUI</a:t>
-            </a:r>
-            <a:r>
-              <a:rPr lang="en-US" dirty="0"/>
-              <a:t>-based programs to do basic sequence manipulations, translations, </a:t>
+              <a:t>GUI-based programs to do basic sequence manipulations, translations, </a:t>
             </a:r>
             <a:r>
               <a:rPr lang="en-US" dirty="0" err="1"/>
@@ -32084,20 +30151,8 @@
           </a:p>
           <a:p>
             <a:r>
-              <a:rPr lang="en-US" dirty="0" smtClean="0"/>
-              <a:t>Extensive </a:t>
-            </a:r>
-            <a:r>
               <a:rPr lang="en-US" dirty="0"/>
-              <a:t>documentation and help with using the modules, including this le, on-line wiki </a:t>
-            </a:r>
-            <a:r>
-              <a:rPr lang="en-US" dirty="0" smtClean="0"/>
-              <a:t>documentation</a:t>
-            </a:r>
-            <a:r>
-              <a:rPr lang="en-US" dirty="0"/>
-              <a:t>, the web site, and the mailing list.</a:t>
+              <a:t>Extensive documentation and help with using the modules, including this le, on-line wiki documentation, the web site, and the mailing list.</a:t>
             </a:r>
           </a:p>
           <a:p>
@@ -32122,7 +30177,7 @@
           <a:p>
             <a:fld id="{CECE4330-7765-6A46-8D6E-E482C0B014EB}" type="datetime1">
               <a:rPr lang="fr-FR" smtClean="0"/>
-              <a:t>16/11/16</a:t>
+              <a:t>08/11/2018</a:t>
             </a:fld>
             <a:endParaRPr lang="fr-FR" dirty="0"/>
           </a:p>
@@ -32144,7 +30199,7 @@
           <a:lstStyle/>
           <a:p>
             <a:r>
-              <a:rPr lang="fr-FR" smtClean="0"/>
+              <a:rPr lang="fr-FR"/>
               <a:t>Python pour la biologie</a:t>
             </a:r>
             <a:endParaRPr lang="fr-FR" dirty="0"/>
@@ -32221,19 +30276,15 @@
           <a:lstStyle/>
           <a:p>
             <a:r>
-              <a:rPr lang="nl-NL" dirty="0" smtClean="0"/>
-              <a:t>The Lady </a:t>
-            </a:r>
-            <a:r>
               <a:rPr lang="nl-NL" dirty="0"/>
-              <a:t>Slipper </a:t>
-            </a:r>
-            <a:r>
-              <a:rPr lang="nl-NL" dirty="0" err="1" smtClean="0"/>
+              <a:t>The Lady Slipper </a:t>
+            </a:r>
+            <a:r>
+              <a:rPr lang="nl-NL" dirty="0" err="1"/>
               <a:t>Orchids</a:t>
             </a:r>
             <a:r>
-              <a:rPr lang="nl-NL" dirty="0" smtClean="0"/>
+              <a:rPr lang="nl-NL" dirty="0"/>
               <a:t> case </a:t>
             </a:r>
             <a:endParaRPr lang="fr-FR" dirty="0"/>
@@ -32256,12 +30307,8 @@
           <a:lstStyle/>
           <a:p>
             <a:r>
-              <a:rPr lang="en-US" dirty="0" smtClean="0"/>
-              <a:t>The Lady </a:t>
-            </a:r>
-            <a:r>
               <a:rPr lang="en-US" dirty="0"/>
-              <a:t>Slipper Orchids are in the </a:t>
+              <a:t>The Lady Slipper Orchids are in the </a:t>
             </a:r>
             <a:r>
               <a:rPr lang="en-US" dirty="0" err="1"/>
@@ -32269,11 +30316,7 @@
             </a:r>
             <a:r>
               <a:rPr lang="en-US" dirty="0"/>
-              <a:t> family </a:t>
-            </a:r>
-            <a:r>
-              <a:rPr lang="en-US" dirty="0" smtClean="0"/>
-              <a:t>and the </a:t>
+              <a:t> family and the </a:t>
             </a:r>
             <a:r>
               <a:rPr lang="en-US" dirty="0" err="1"/>
@@ -32281,30 +30324,25 @@
             </a:r>
             <a:r>
               <a:rPr lang="en-US" dirty="0"/>
-              <a:t> sub-family and are made up of 5 genera</a:t>
-            </a:r>
-            <a:r>
-              <a:rPr lang="en-US" dirty="0" smtClean="0"/>
-              <a:t>:</a:t>
-            </a:r>
-          </a:p>
-          <a:p>
-            <a:r>
-              <a:rPr lang="en-US" dirty="0" smtClean="0"/>
+              <a:t> sub-family and are made up of 5 genera:</a:t>
+            </a:r>
+          </a:p>
+          <a:p>
+            <a:r>
+              <a:rPr lang="en-US" dirty="0"/>
               <a:t>Cypripedium</a:t>
             </a:r>
+          </a:p>
+          <a:p>
+            <a:r>
+              <a:rPr lang="en-US" dirty="0" err="1"/>
+              <a:t>Paphiopedilum</a:t>
+            </a:r>
             <a:endParaRPr lang="en-US" dirty="0"/>
           </a:p>
           <a:p>
             <a:r>
-              <a:rPr lang="en-US" dirty="0" err="1" smtClean="0"/>
-              <a:t>Paphiopedilum</a:t>
-            </a:r>
-            <a:endParaRPr lang="en-US" dirty="0"/>
-          </a:p>
-          <a:p>
-            <a:r>
-              <a:rPr lang="en-US" dirty="0" err="1" smtClean="0"/>
+              <a:rPr lang="en-US" dirty="0" err="1"/>
               <a:t>Phragmipedium</a:t>
             </a:r>
             <a:endParaRPr lang="en-US" dirty="0"/>
@@ -32318,7 +30356,7 @@
           </a:p>
           <a:p>
             <a:r>
-              <a:rPr lang="en-US" dirty="0" err="1" smtClean="0"/>
+              <a:rPr lang="en-US" dirty="0" err="1"/>
               <a:t>Mexipedium</a:t>
             </a:r>
             <a:endParaRPr lang="en-US" dirty="0"/>
@@ -32345,7 +30383,7 @@
           <a:p>
             <a:fld id="{EA70A93A-7945-DF4B-9F61-E692557D4A7D}" type="datetime1">
               <a:rPr lang="fr-FR" smtClean="0"/>
-              <a:t>16/11/16</a:t>
+              <a:t>08/11/2018</a:t>
             </a:fld>
             <a:endParaRPr lang="fr-FR" dirty="0"/>
           </a:p>
@@ -32367,7 +30405,7 @@
           <a:lstStyle/>
           <a:p>
             <a:r>
-              <a:rPr lang="fr-FR" smtClean="0"/>
+              <a:rPr lang="fr-FR"/>
               <a:t>Python pour la biologie</a:t>
             </a:r>
             <a:endParaRPr lang="fr-FR" dirty="0"/>
@@ -32468,14 +30506,6 @@
   <p:clrMapOvr>
     <a:masterClrMapping/>
   </p:clrMapOvr>
-  <mc:AlternateContent xmlns:mc="http://schemas.openxmlformats.org/markup-compatibility/2006">
-    <mc:Choice xmlns:p14="http://schemas.microsoft.com/office/powerpoint/2010/main" Requires="p14">
-      <p:transition spd="slow" p14:dur="2000"/>
-    </mc:Choice>
-    <mc:Fallback>
-      <p:transition xmlns:p14="http://schemas.microsoft.com/office/powerpoint/2010/main" spd="slow"/>
-    </mc:Fallback>
-  </mc:AlternateContent>
 </p:sld>
 </file>
 
@@ -32512,38 +30542,37 @@
           <a:lstStyle/>
           <a:p>
             <a:r>
-              <a:rPr lang="fr-FR" dirty="0" err="1" smtClean="0"/>
+              <a:rPr lang="fr-FR" dirty="0" err="1"/>
               <a:t>Working</a:t>
             </a:r>
             <a:r>
-              <a:rPr lang="fr-FR" dirty="0" smtClean="0"/>
+              <a:rPr lang="fr-FR" dirty="0"/>
               <a:t> </a:t>
             </a:r>
             <a:r>
-              <a:rPr lang="fr-FR" dirty="0" err="1" smtClean="0"/>
+              <a:rPr lang="fr-FR" dirty="0" err="1"/>
               <a:t>with</a:t>
             </a:r>
             <a:r>
-              <a:rPr lang="fr-FR" dirty="0" smtClean="0"/>
+              <a:rPr lang="fr-FR" dirty="0"/>
               <a:t> </a:t>
             </a:r>
             <a:r>
-              <a:rPr lang="fr-FR" dirty="0" err="1" smtClean="0"/>
+              <a:rPr lang="fr-FR" dirty="0" err="1"/>
               <a:t>sequence</a:t>
             </a:r>
             <a:r>
-              <a:rPr lang="fr-FR" dirty="0" smtClean="0"/>
+              <a:rPr lang="fr-FR" dirty="0"/>
               <a:t>: The </a:t>
             </a:r>
             <a:r>
-              <a:rPr lang="fr-FR" dirty="0" err="1" smtClean="0"/>
+              <a:rPr lang="fr-FR" dirty="0" err="1"/>
               <a:t>Seq</a:t>
             </a:r>
             <a:r>
-              <a:rPr lang="fr-FR" dirty="0" smtClean="0"/>
+              <a:rPr lang="fr-FR" dirty="0"/>
               <a:t> Object</a:t>
             </a:r>
-            <a:endParaRPr lang="fr-FR" dirty="0"/>
           </a:p>
         </p:txBody>
       </p:sp>
@@ -32569,47 +30598,27 @@
           <a:p>
             <a:r>
               <a:rPr lang="en-US" dirty="0"/>
-              <a:t>Most of the time when we think about sequences we have in my mind a string of letters like </a:t>
-            </a:r>
-            <a:r>
-              <a:rPr lang="en-US" dirty="0" smtClean="0"/>
-              <a:t>`AGTACACTGGT’. </a:t>
-            </a:r>
-          </a:p>
-          <a:p>
-            <a:r>
-              <a:rPr lang="en-US" dirty="0" smtClean="0"/>
+              <a:t>Most of the time when we think about sequences we have in my mind a string of letters like `AGTACACTGGT’. </a:t>
+            </a:r>
+          </a:p>
+          <a:p>
+            <a:r>
+              <a:rPr lang="en-US" dirty="0"/>
               <a:t>You can create such </a:t>
             </a:r>
             <a:r>
-              <a:rPr lang="en-US" dirty="0" err="1" smtClean="0"/>
+              <a:rPr lang="en-US" dirty="0" err="1"/>
               <a:t>Seq</a:t>
             </a:r>
             <a:r>
-              <a:rPr lang="en-US" dirty="0" smtClean="0"/>
-              <a:t> object with this sequence as follows the “&gt;&gt;&gt;” represents the </a:t>
-            </a:r>
-            <a:r>
               <a:rPr lang="en-US" dirty="0"/>
-              <a:t>Python prompt followed by what you would type </a:t>
-            </a:r>
-            <a:r>
-              <a:rPr lang="en-US" dirty="0" smtClean="0"/>
-              <a:t>in</a:t>
-            </a:r>
-          </a:p>
-          <a:p>
-            <a:r>
-              <a:rPr lang="en-US" dirty="0" smtClean="0"/>
-              <a:t>DON’T </a:t>
-            </a:r>
+              <a:t> object with this sequence as follows the “&gt;&gt;&gt;” represents the Python prompt followed by what you would type in</a:t>
+            </a:r>
+          </a:p>
+          <a:p>
             <a:r>
               <a:rPr lang="en-US" dirty="0"/>
-              <a:t>FORGET TO </a:t>
-            </a:r>
-            <a:r>
-              <a:rPr lang="en-US" dirty="0" smtClean="0"/>
-              <a:t>USE =&gt;  </a:t>
+              <a:t>DON’T FORGET TO USE =&gt;  </a:t>
             </a:r>
             <a:r>
               <a:rPr lang="en-US" dirty="0">
@@ -32636,7 +30645,7 @@
               <a:t> import </a:t>
             </a:r>
             <a:r>
-              <a:rPr lang="en-US" dirty="0" err="1" smtClean="0">
+              <a:rPr lang="en-US" dirty="0" err="1">
                 <a:solidFill>
                   <a:srgbClr val="FF0000"/>
                 </a:solidFill>
@@ -32644,7 +30653,7 @@
               <a:t>Seq</a:t>
             </a:r>
             <a:r>
-              <a:rPr lang="en-US" dirty="0" smtClean="0">
+              <a:rPr lang="en-US" dirty="0">
                 <a:solidFill>
                   <a:srgbClr val="FF0000"/>
                 </a:solidFill>
@@ -32652,7 +30661,7 @@
               <a:t> </a:t>
             </a:r>
             <a:r>
-              <a:rPr lang="en-US" dirty="0" smtClean="0"/>
+              <a:rPr lang="en-US" dirty="0"/>
               <a:t>in your script</a:t>
             </a:r>
           </a:p>
@@ -32675,7 +30684,7 @@
           <a:p>
             <a:fld id="{CB78E28A-D2CD-F44F-A0BB-600E48514626}" type="datetime1">
               <a:rPr lang="fr-FR" smtClean="0"/>
-              <a:t>16/11/16</a:t>
+              <a:t>08/11/2018</a:t>
             </a:fld>
             <a:endParaRPr lang="fr-FR" dirty="0"/>
           </a:p>
@@ -32697,7 +30706,7 @@
           <a:lstStyle/>
           <a:p>
             <a:r>
-              <a:rPr lang="fr-FR" smtClean="0"/>
+              <a:rPr lang="fr-FR"/>
               <a:t>Python pour la biologie</a:t>
             </a:r>
             <a:endParaRPr lang="fr-FR" dirty="0"/>
@@ -32766,20 +30775,12 @@
           </a:lstStyle>
           <a:p>
             <a:r>
-              <a:rPr lang="fr-FR" sz="1200" dirty="0" smtClean="0"/>
-              <a:t>&gt;</a:t>
-            </a:r>
-            <a:r>
               <a:rPr lang="fr-FR" sz="1200" dirty="0"/>
-              <a:t>&gt;&gt;</a:t>
-            </a:r>
-            <a:r>
-              <a:rPr lang="mr-IN" sz="1200" dirty="0" smtClean="0"/>
-              <a:t>my_seq </a:t>
+              <a:t>&gt;&gt;&gt;</a:t>
             </a:r>
             <a:r>
               <a:rPr lang="mr-IN" sz="1200" dirty="0"/>
-              <a:t>= Seq</a:t>
+              <a:t>my_seq = Seq</a:t>
             </a:r>
             <a:r>
               <a:rPr lang="fr-FR" sz="1200" dirty="0"/>
@@ -32790,7 +30791,7 @@
               <a:t>"AGTACACTGGT”</a:t>
             </a:r>
             <a:r>
-              <a:rPr lang="fr-FR" sz="1200" dirty="0" smtClean="0"/>
+              <a:rPr lang="fr-FR" sz="1200" dirty="0"/>
               <a:t>)</a:t>
             </a:r>
             <a:endParaRPr lang="mr-IN" sz="1200" dirty="0"/>
@@ -32801,10 +30802,9 @@
               <a:t>&gt;&gt;&gt;</a:t>
             </a:r>
             <a:r>
-              <a:rPr lang="mr-IN" sz="1200" dirty="0" smtClean="0"/>
+              <a:rPr lang="mr-IN" sz="1200" dirty="0"/>
               <a:t>my_seq</a:t>
             </a:r>
-            <a:endParaRPr lang="mr-IN" sz="1200" dirty="0"/>
           </a:p>
         </p:txBody>
       </p:sp>
@@ -32846,7 +30846,7 @@
           </a:lstStyle>
           <a:p>
             <a:r>
-              <a:rPr lang="mr-IN" sz="1200" dirty="0" smtClean="0">
+              <a:rPr lang="mr-IN" sz="1200" dirty="0">
                 <a:solidFill>
                   <a:srgbClr val="CE4215"/>
                 </a:solidFill>
@@ -32875,15 +30875,7 @@
                   <a:srgbClr val="CE4215"/>
                 </a:solidFill>
               </a:rPr>
-              <a:t>()</a:t>
-            </a:r>
-            <a:r>
-              <a:rPr lang="fr-FR" sz="1200" dirty="0" smtClean="0">
-                <a:solidFill>
-                  <a:srgbClr val="CE4215"/>
-                </a:solidFill>
-              </a:rPr>
-              <a:t>)</a:t>
+              <a:t>())</a:t>
             </a:r>
           </a:p>
         </p:txBody>
@@ -32926,18 +30918,18 @@
           </a:lstStyle>
           <a:p>
             <a:r>
-              <a:rPr lang="fr-FR" sz="1200" dirty="0" smtClean="0"/>
+              <a:rPr lang="fr-FR" sz="1200" dirty="0"/>
               <a:t>&gt;&gt;&gt;</a:t>
             </a:r>
             <a:r>
-              <a:rPr lang="mr-IN" sz="1200" dirty="0" smtClean="0"/>
+              <a:rPr lang="mr-IN" sz="1200" dirty="0"/>
               <a:t>my_seq.reverse_complement</a:t>
             </a:r>
             <a:r>
-              <a:rPr lang="fr-FR" sz="1200" dirty="0" smtClean="0"/>
+              <a:rPr lang="fr-FR" sz="1200" dirty="0"/>
               <a:t>()</a:t>
             </a:r>
-            <a:endParaRPr lang="mr-IN" sz="1200" dirty="0" smtClean="0"/>
+            <a:endParaRPr lang="mr-IN" sz="1200" dirty="0"/>
           </a:p>
         </p:txBody>
       </p:sp>
@@ -32979,7 +30971,7 @@
           </a:lstStyle>
           <a:p>
             <a:r>
-              <a:rPr lang="mr-IN" sz="1200" dirty="0" smtClean="0">
+              <a:rPr lang="mr-IN" sz="1200" dirty="0">
                 <a:solidFill>
                   <a:srgbClr val="CE4215"/>
                 </a:solidFill>
@@ -33000,47 +30992,23 @@
                   <a:srgbClr val="CE4215"/>
                 </a:solidFill>
               </a:rPr>
-              <a:t>TCATGTGACCA', </a:t>
-            </a:r>
-            <a:r>
-              <a:rPr lang="mr-IN" sz="1200" dirty="0" smtClean="0">
+              <a:t>TCATGTGACCA', Alphabe</a:t>
+            </a:r>
+            <a:r>
+              <a:rPr lang="fr-FR" sz="1200" dirty="0" err="1">
                 <a:solidFill>
                   <a:srgbClr val="CE4215"/>
                 </a:solidFill>
               </a:rPr>
-              <a:t>Alphabe</a:t>
-            </a:r>
-            <a:r>
-              <a:rPr lang="fr-FR" sz="1200" dirty="0" err="1" smtClean="0">
+              <a:t>t</a:t>
+            </a:r>
+            <a:r>
+              <a:rPr lang="fr-FR" sz="1200" dirty="0">
                 <a:solidFill>
                   <a:srgbClr val="CE4215"/>
                 </a:solidFill>
               </a:rPr>
-              <a:t>t</a:t>
-            </a:r>
-            <a:r>
-              <a:rPr lang="fr-FR" sz="1200" dirty="0" smtClean="0">
-                <a:solidFill>
-                  <a:srgbClr val="CE4215"/>
-                </a:solidFill>
-              </a:rPr>
-              <a:t>(</a:t>
-            </a:r>
-            <a:r>
-              <a:rPr lang="fr-FR" sz="1200" dirty="0">
-                <a:solidFill>
-                  <a:srgbClr val="CE4215"/>
-                </a:solidFill>
-              </a:rPr>
-              <a:t>)</a:t>
-            </a:r>
-            <a:r>
-              <a:rPr lang="fr-FR" sz="1200" dirty="0" smtClean="0">
-                <a:solidFill>
-                  <a:srgbClr val="CE4215"/>
-                </a:solidFill>
-              </a:rPr>
-              <a:t>)</a:t>
+              <a:t>())</a:t>
             </a:r>
           </a:p>
         </p:txBody>
@@ -33083,24 +31051,16 @@
           </a:lstStyle>
           <a:p>
             <a:r>
-              <a:rPr lang="fr-FR" sz="1200" dirty="0" smtClean="0"/>
-              <a:t>&gt;</a:t>
-            </a:r>
-            <a:r>
               <a:rPr lang="fr-FR" sz="1200" dirty="0"/>
-              <a:t>&gt;&gt;</a:t>
-            </a:r>
-            <a:r>
-              <a:rPr lang="mr-IN" sz="1200" dirty="0" smtClean="0"/>
+              <a:t>&gt;&gt;&gt;</a:t>
+            </a:r>
+            <a:r>
+              <a:rPr lang="mr-IN" sz="1200" dirty="0"/>
               <a:t>my_seq.complement</a:t>
             </a:r>
             <a:r>
               <a:rPr lang="fr-FR" sz="1200" dirty="0"/>
-              <a:t>(</a:t>
-            </a:r>
-            <a:r>
-              <a:rPr lang="fr-FR" sz="1200" dirty="0" smtClean="0"/>
-              <a:t>)</a:t>
+              <a:t>()</a:t>
             </a:r>
             <a:endParaRPr lang="mr-IN" sz="1200" dirty="0"/>
           </a:p>
@@ -33144,7 +31104,7 @@
           </a:lstStyle>
           <a:p>
             <a:r>
-              <a:rPr lang="mr-IN" sz="1200" dirty="0" smtClean="0">
+              <a:rPr lang="mr-IN" sz="1200" dirty="0">
                 <a:solidFill>
                   <a:srgbClr val="CE4215"/>
                 </a:solidFill>
@@ -33152,26 +31112,13 @@
               <a:t>Alphabet</a:t>
             </a:r>
             <a:r>
-              <a:rPr lang="fr-FR" sz="1200" dirty="0" smtClean="0">
+              <a:rPr lang="fr-FR" sz="1200" dirty="0">
                 <a:solidFill>
                   <a:srgbClr val="CE4215"/>
                 </a:solidFill>
               </a:rPr>
-              <a:t>(</a:t>
-            </a:r>
-            <a:r>
-              <a:rPr lang="fr-FR" sz="1200" dirty="0">
-                <a:solidFill>
-                  <a:srgbClr val="CE4215"/>
-                </a:solidFill>
-              </a:rPr>
-              <a:t>)</a:t>
-            </a:r>
-            <a:endParaRPr lang="fr-FR" sz="1200" dirty="0" smtClean="0">
-              <a:solidFill>
-                <a:srgbClr val="CE4215"/>
-              </a:solidFill>
-            </a:endParaRPr>
+              <a:t>()</a:t>
+            </a:r>
           </a:p>
         </p:txBody>
       </p:sp>
@@ -33213,18 +31160,13 @@
           </a:lstStyle>
           <a:p>
             <a:r>
-              <a:rPr lang="fr-FR" sz="1200" dirty="0" smtClean="0"/>
-              <a:t>&gt;</a:t>
-            </a:r>
-            <a:r>
               <a:rPr lang="fr-FR" sz="1200" dirty="0"/>
-              <a:t>&gt;&gt;</a:t>
-            </a:r>
-            <a:r>
-              <a:rPr lang="mr-IN" sz="1200" dirty="0" smtClean="0"/>
+              <a:t>&gt;&gt;&gt;</a:t>
+            </a:r>
+            <a:r>
+              <a:rPr lang="mr-IN" sz="1200" dirty="0"/>
               <a:t>my_seq.alphabet</a:t>
             </a:r>
-            <a:endParaRPr lang="mr-IN" sz="1200" dirty="0"/>
           </a:p>
         </p:txBody>
       </p:sp>
@@ -33266,7 +31208,7 @@
           </a:lstStyle>
           <a:p>
             <a:r>
-              <a:rPr lang="mr-IN" sz="1200" dirty="0" smtClean="0">
+              <a:rPr lang="mr-IN" sz="1200" dirty="0">
                 <a:solidFill>
                   <a:srgbClr val="CE4215"/>
                 </a:solidFill>
@@ -33315,20 +31257,12 @@
           </a:lstStyle>
           <a:p>
             <a:r>
-              <a:rPr lang="fr-FR" sz="1200" dirty="0" smtClean="0"/>
-              <a:t>&gt;</a:t>
-            </a:r>
-            <a:r>
               <a:rPr lang="fr-FR" sz="1200" dirty="0"/>
-              <a:t>&gt;&gt;</a:t>
-            </a:r>
-            <a:r>
-              <a:rPr lang="mr-IN" sz="1200" dirty="0" smtClean="0"/>
-              <a:t> </a:t>
+              <a:t>&gt;&gt;&gt;</a:t>
             </a:r>
             <a:r>
               <a:rPr lang="mr-IN" sz="1200" dirty="0"/>
-              <a:t>print</a:t>
+              <a:t> print</a:t>
             </a:r>
             <a:r>
               <a:rPr lang="fr-FR" sz="1200" dirty="0"/>
@@ -33339,7 +31273,7 @@
               <a:t>my_seq</a:t>
             </a:r>
             <a:r>
-              <a:rPr lang="fr-FR" sz="1200" dirty="0" smtClean="0"/>
+              <a:rPr lang="fr-FR" sz="1200" dirty="0"/>
               <a:t>)</a:t>
             </a:r>
             <a:endParaRPr lang="mr-IN" sz="1200" dirty="0"/>
@@ -33384,7 +31318,7 @@
           </a:lstStyle>
           <a:p>
             <a:r>
-              <a:rPr lang="mr-IN" sz="1200" dirty="0" smtClean="0">
+              <a:rPr lang="mr-IN" sz="1200" dirty="0">
                 <a:solidFill>
                   <a:schemeClr val="accent6">
                     <a:lumMod val="75000"/>
@@ -33421,17 +31355,7 @@
                   </a:schemeClr>
                 </a:solidFill>
               </a:rPr>
-              <a:t>()</a:t>
-            </a:r>
-            <a:r>
-              <a:rPr lang="fr-FR" sz="1200" dirty="0" smtClean="0">
-                <a:solidFill>
-                  <a:schemeClr val="accent6">
-                    <a:lumMod val="75000"/>
-                  </a:schemeClr>
-                </a:solidFill>
-              </a:rPr>
-              <a:t>)</a:t>
+              <a:t>())</a:t>
             </a:r>
             <a:endParaRPr lang="mr-IN" sz="1200" dirty="0"/>
           </a:p>
@@ -33450,7 +31374,7 @@
   <p:timing>
     <p:tnLst>
       <p:par>
-        <p:cTn xmlns:p14="http://schemas.microsoft.com/office/powerpoint/2010/main" id="1" dur="indefinite" restart="never" nodeType="tmRoot">
+        <p:cTn id="1" dur="indefinite" restart="never" nodeType="tmRoot">
           <p:childTnLst>
             <p:seq concurrent="1" nextAc="seek">
               <p:cTn id="2" dur="indefinite" nodeType="mainSeq">
@@ -33752,14 +31676,10 @@
             </a:r>
             <a:r>
               <a:rPr lang="fr-FR" dirty="0"/>
-              <a:t> et </a:t>
-            </a:r>
-            <a:r>
-              <a:rPr lang="fr-FR" dirty="0" smtClean="0"/>
-              <a:t>Alphabet: IUPAC Alphabet for </a:t>
-            </a:r>
-            <a:r>
-              <a:rPr lang="en-US" dirty="0" smtClean="0"/>
+              <a:t> et Alphabet: IUPAC Alphabet for </a:t>
+            </a:r>
+            <a:r>
+              <a:rPr lang="en-US" dirty="0"/>
               <a:t>DNA, RNA and proteins</a:t>
             </a:r>
             <a:endParaRPr lang="fr-FR" dirty="0"/>
@@ -33783,97 +31703,57 @@
           <a:p>
             <a:r>
               <a:rPr lang="en-US" dirty="0"/>
-              <a:t>A</a:t>
-            </a:r>
-            <a:r>
-              <a:rPr lang="en-US" dirty="0" smtClean="0"/>
-              <a:t>vailable </a:t>
+              <a:t>Available alphabets for Biopython are defined in the </a:t>
+            </a:r>
+            <a:r>
+              <a:rPr lang="en-US" dirty="0" err="1"/>
+              <a:t>Bio.Alphabet</a:t>
             </a:r>
             <a:r>
               <a:rPr lang="en-US" dirty="0"/>
-              <a:t>alphabets for Biopython are </a:t>
-            </a:r>
-            <a:r>
-              <a:rPr lang="en-US" dirty="0" smtClean="0"/>
-              <a:t>defined </a:t>
-            </a:r>
+              <a:t> module.</a:t>
+            </a:r>
+          </a:p>
+          <a:p>
             <a:r>
               <a:rPr lang="en-US" dirty="0"/>
-              <a:t>in </a:t>
-            </a:r>
-            <a:r>
-              <a:rPr lang="en-US" dirty="0" smtClean="0"/>
-              <a:t>the </a:t>
-            </a:r>
-            <a:r>
-              <a:rPr lang="en-US" dirty="0" err="1" smtClean="0"/>
-              <a:t>Bio.Alphabet</a:t>
-            </a:r>
-            <a:r>
-              <a:rPr lang="en-US" dirty="0"/>
-              <a:t> </a:t>
-            </a:r>
-            <a:r>
-              <a:rPr lang="en-US" dirty="0" smtClean="0"/>
-              <a:t>module.</a:t>
-            </a:r>
-          </a:p>
-          <a:p>
-            <a:r>
-              <a:rPr lang="en-US" dirty="0" smtClean="0"/>
               <a:t>IUPAC (</a:t>
-            </a:r>
-            <a:r>
-              <a:rPr lang="en-US" dirty="0" smtClean="0">
-                <a:hlinkClick r:id="rId2"/>
-              </a:rPr>
-              <a:t>http</a:t>
             </a:r>
             <a:r>
               <a:rPr lang="en-US" dirty="0">
                 <a:hlinkClick r:id="rId2"/>
               </a:rPr>
-              <a:t>://www.chem.qmw.ac.uk/iupac</a:t>
-            </a:r>
-            <a:r>
-              <a:rPr lang="en-US" dirty="0" smtClean="0">
-                <a:hlinkClick r:id="rId2"/>
-              </a:rPr>
-              <a:t>/</a:t>
-            </a:r>
-            <a:r>
-              <a:rPr lang="en-US" dirty="0" smtClean="0"/>
+              <a:t>http://www.chem.qmw.ac.uk/iupac/</a:t>
+            </a:r>
+            <a:r>
+              <a:rPr lang="en-US" dirty="0"/>
               <a:t>): </a:t>
             </a:r>
             <a:r>
-              <a:rPr lang="pt-BR" dirty="0" err="1" smtClean="0"/>
+              <a:rPr lang="pt-BR" dirty="0" err="1"/>
               <a:t>Bio.Alphabet.IUPAC</a:t>
             </a:r>
-            <a:endParaRPr lang="pt-BR" dirty="0" smtClean="0"/>
+            <a:endParaRPr lang="pt-BR" dirty="0"/>
           </a:p>
           <a:p>
             <a:pPr lvl="1"/>
             <a:r>
               <a:rPr lang="en-US" sz="1600" dirty="0"/>
-              <a:t>B</a:t>
-            </a:r>
-            <a:r>
-              <a:rPr lang="en-US" sz="1600" dirty="0" smtClean="0"/>
-              <a:t>asic </a:t>
-            </a:r>
-            <a:r>
-              <a:rPr lang="en-US" sz="1600" dirty="0" err="1" smtClean="0"/>
+              <a:t>Basic </a:t>
+            </a:r>
+            <a:r>
+              <a:rPr lang="en-US" sz="1600" dirty="0" err="1"/>
               <a:t>IUPACProtein</a:t>
             </a:r>
             <a:r>
-              <a:rPr lang="en-US" sz="1600" dirty="0" smtClean="0"/>
+              <a:rPr lang="en-US" sz="1600" dirty="0"/>
               <a:t> class</a:t>
             </a:r>
           </a:p>
           <a:p>
             <a:pPr lvl="1"/>
             <a:r>
-              <a:rPr lang="en-US" sz="1600" dirty="0" smtClean="0"/>
+              <a:rPr lang="en-US" sz="1600" dirty="0"/>
               <a:t>Additional </a:t>
             </a:r>
             <a:r>
@@ -33882,38 +31762,45 @@
             </a:r>
             <a:r>
               <a:rPr lang="en-US" sz="1600" dirty="0"/>
-              <a:t> </a:t>
-            </a:r>
-            <a:r>
-              <a:rPr lang="en-US" sz="1600" dirty="0" smtClean="0"/>
-              <a:t>class with </a:t>
-            </a:r>
-            <a:r>
-              <a:rPr lang="fr-FR" sz="1600" dirty="0" smtClean="0"/>
+              <a:t> class with </a:t>
+            </a:r>
+            <a:r>
+              <a:rPr lang="fr-FR" sz="1600" dirty="0"/>
               <a:t>A</a:t>
             </a:r>
             <a:r>
-              <a:rPr lang="en-US" sz="1600" dirty="0" err="1" smtClean="0"/>
+              <a:rPr lang="en-US" sz="1600" dirty="0" err="1"/>
               <a:t>dditional</a:t>
             </a:r>
             <a:r>
-              <a:rPr lang="en-US" sz="1600" dirty="0" smtClean="0"/>
+              <a:rPr lang="en-US" sz="1600" dirty="0"/>
               <a:t> elements:</a:t>
             </a:r>
           </a:p>
           <a:p>
             <a:pPr lvl="2"/>
             <a:r>
-              <a:rPr lang="en-US" sz="1400" dirty="0" smtClean="0"/>
-              <a:t>"U</a:t>
-            </a:r>
-            <a:r>
               <a:rPr lang="en-US" sz="1400" dirty="0"/>
-              <a:t>" (or "</a:t>
-            </a:r>
-            <a:r>
-              <a:rPr lang="en-US" sz="1400" dirty="0" smtClean="0"/>
-              <a:t>Sec</a:t>
+              <a:t>"U" (or "Sec" for </a:t>
+            </a:r>
+            <a:r>
+              <a:rPr lang="en-US" sz="1400" dirty="0" err="1"/>
+              <a:t>selenocysteine</a:t>
+            </a:r>
+            <a:r>
+              <a:rPr lang="en-US" sz="1400" dirty="0"/>
+              <a:t>) </a:t>
+            </a:r>
+          </a:p>
+          <a:p>
+            <a:pPr lvl="2"/>
+            <a:r>
+              <a:rPr lang="en-US" sz="1400" dirty="0"/>
+              <a:t>"O" (or "</a:t>
+            </a:r>
+            <a:r>
+              <a:rPr lang="en-US" sz="1400" dirty="0" err="1"/>
+              <a:t>Pyl</a:t>
             </a:r>
             <a:r>
               <a:rPr lang="en-US" sz="1400" dirty="0"/>
@@ -33921,61 +31808,25 @@
             </a:r>
             <a:r>
               <a:rPr lang="en-US" sz="1400" dirty="0" err="1"/>
-              <a:t>selenocysteine</a:t>
+              <a:t>pyrrolysine</a:t>
             </a:r>
             <a:r>
               <a:rPr lang="en-US" sz="1400" dirty="0"/>
-              <a:t>) </a:t>
+              <a:t>)</a:t>
+            </a:r>
+          </a:p>
+          <a:p>
+            <a:pPr lvl="1"/>
+            <a:r>
+              <a:rPr lang="en-US" sz="1600" dirty="0"/>
+              <a:t>Plus the ambiguous symbols:</a:t>
             </a:r>
           </a:p>
           <a:p>
             <a:pPr lvl="2"/>
             <a:r>
-              <a:rPr lang="en-US" sz="1400" dirty="0" smtClean="0"/>
-              <a:t>"O</a:t>
-            </a:r>
-            <a:r>
               <a:rPr lang="en-US" sz="1400" dirty="0"/>
-              <a:t>" (or "</a:t>
-            </a:r>
-            <a:r>
-              <a:rPr lang="en-US" sz="1400" dirty="0" err="1" smtClean="0"/>
-              <a:t>Pyl</a:t>
-            </a:r>
-            <a:r>
-              <a:rPr lang="en-US" sz="1400" dirty="0"/>
-              <a:t>" for </a:t>
-            </a:r>
-            <a:r>
-              <a:rPr lang="en-US" sz="1400" dirty="0" err="1"/>
-              <a:t>pyrrolysine</a:t>
-            </a:r>
-            <a:r>
-              <a:rPr lang="en-US" sz="1400" dirty="0" smtClean="0"/>
-              <a:t>)</a:t>
-            </a:r>
-            <a:endParaRPr lang="en-US" sz="1400" dirty="0"/>
-          </a:p>
-          <a:p>
-            <a:pPr lvl="1"/>
-            <a:r>
-              <a:rPr lang="en-US" sz="1600" dirty="0" smtClean="0"/>
-              <a:t>Plus </a:t>
-            </a:r>
-            <a:r>
-              <a:rPr lang="en-US" sz="1600" dirty="0"/>
-              <a:t>the ambiguous symbols:</a:t>
-            </a:r>
-          </a:p>
-          <a:p>
-            <a:pPr lvl="2"/>
-            <a:r>
-              <a:rPr lang="en-US" sz="1400" dirty="0" smtClean="0"/>
-              <a:t>"</a:t>
-            </a:r>
-            <a:r>
-              <a:rPr lang="en-US" sz="1400" dirty="0"/>
-              <a:t>B" (or "</a:t>
+              <a:t>"B" (or "</a:t>
             </a:r>
             <a:r>
               <a:rPr lang="en-US" sz="1400" dirty="0" err="1"/>
@@ -33983,53 +31834,36 @@
             </a:r>
             <a:r>
               <a:rPr lang="en-US" sz="1400" dirty="0"/>
-              <a:t>" for asparagine or aspartic acid</a:t>
-            </a:r>
-            <a:r>
-              <a:rPr lang="en-US" sz="1400" dirty="0" smtClean="0"/>
-              <a:t>)</a:t>
+              <a:t>" for asparagine or aspartic acid)</a:t>
             </a:r>
           </a:p>
           <a:p>
             <a:pPr lvl="2"/>
             <a:r>
-              <a:rPr lang="en-US" sz="1400" dirty="0" smtClean="0"/>
-              <a:t>"Z</a:t>
-            </a:r>
-            <a:r>
               <a:rPr lang="en-US" sz="1400" dirty="0"/>
-              <a:t>" (or "</a:t>
-            </a:r>
-            <a:r>
-              <a:rPr lang="en-US" sz="1400" dirty="0" err="1" smtClean="0"/>
+              <a:t>"Z" (or "</a:t>
+            </a:r>
+            <a:r>
+              <a:rPr lang="en-US" sz="1400" dirty="0" err="1"/>
               <a:t>Glx</a:t>
             </a:r>
             <a:r>
               <a:rPr lang="en-US" sz="1400" dirty="0"/>
-              <a:t>" for glutamine or glutamic acid</a:t>
-            </a:r>
-            <a:r>
-              <a:rPr lang="en-US" sz="1400" dirty="0" smtClean="0"/>
-              <a:t>)</a:t>
-            </a:r>
-            <a:endParaRPr lang="en-US" sz="1400" dirty="0"/>
+              <a:t>" for glutamine or glutamic acid)</a:t>
+            </a:r>
           </a:p>
           <a:p>
             <a:pPr lvl="2"/>
             <a:r>
-              <a:rPr lang="en-US" sz="1400" dirty="0" smtClean="0"/>
-              <a:t>"J</a:t>
-            </a:r>
-            <a:r>
               <a:rPr lang="en-US" sz="1400" dirty="0"/>
-              <a:t>" (or "</a:t>
-            </a:r>
-            <a:r>
-              <a:rPr lang="en-US" sz="1400" dirty="0" err="1" smtClean="0"/>
+              <a:t>"J" (or "</a:t>
+            </a:r>
+            <a:r>
+              <a:rPr lang="en-US" sz="1400" dirty="0" err="1"/>
               <a:t>Xle</a:t>
             </a:r>
             <a:r>
-              <a:rPr lang="en-US" sz="1400" dirty="0" smtClean="0"/>
+              <a:rPr lang="en-US" sz="1400" dirty="0"/>
               <a:t>” for </a:t>
             </a:r>
             <a:r>
@@ -34038,80 +31872,52 @@
             </a:r>
             <a:r>
               <a:rPr lang="en-US" sz="1400" dirty="0"/>
-              <a:t> isoleucine</a:t>
-            </a:r>
-            <a:r>
-              <a:rPr lang="en-US" sz="1400" dirty="0" smtClean="0"/>
-              <a:t>) </a:t>
+              <a:t> isoleucine) </a:t>
             </a:r>
           </a:p>
           <a:p>
             <a:pPr lvl="2"/>
             <a:r>
-              <a:rPr lang="en-US" sz="1400" dirty="0" smtClean="0"/>
-              <a:t>"X</a:t>
-            </a:r>
-            <a:r>
               <a:rPr lang="en-US" sz="1400" dirty="0"/>
-              <a:t>" (or "</a:t>
-            </a:r>
-            <a:r>
-              <a:rPr lang="en-US" sz="1400" dirty="0" smtClean="0"/>
-              <a:t>Xxx</a:t>
-            </a:r>
-            <a:r>
-              <a:rPr lang="en-US" sz="1400" dirty="0"/>
-              <a:t>" for an unknown amino acid).</a:t>
+              <a:t>"X" (or "Xxx" for an unknown amino acid).</a:t>
             </a:r>
           </a:p>
           <a:p>
             <a:pPr lvl="1"/>
             <a:r>
-              <a:rPr lang="it-IT" sz="1600" dirty="0" err="1" smtClean="0"/>
+              <a:rPr lang="it-IT" sz="1600" dirty="0" err="1"/>
               <a:t>IUPACUnambiguousDNA</a:t>
             </a:r>
             <a:r>
-              <a:rPr lang="it-IT" sz="1600" dirty="0" smtClean="0"/>
+              <a:rPr lang="it-IT" sz="1600" dirty="0"/>
               <a:t>,</a:t>
             </a:r>
             <a:r>
               <a:rPr lang="en-US" sz="1600" dirty="0"/>
               <a:t> which provides for just the basic letters</a:t>
             </a:r>
-            <a:endParaRPr lang="it-IT" sz="1600" dirty="0" smtClean="0"/>
+            <a:endParaRPr lang="it-IT" sz="1600" dirty="0"/>
           </a:p>
           <a:p>
             <a:pPr lvl="1"/>
             <a:r>
-              <a:rPr lang="it-IT" sz="1600" dirty="0" err="1" smtClean="0"/>
+              <a:rPr lang="it-IT" sz="1600" dirty="0" err="1"/>
               <a:t>IUPACAmbiguousDNA</a:t>
             </a:r>
             <a:r>
-              <a:rPr lang="it-IT" sz="1600" dirty="0" smtClean="0"/>
+              <a:rPr lang="it-IT" sz="1600" dirty="0"/>
               <a:t>, </a:t>
             </a:r>
             <a:r>
               <a:rPr lang="en-US" sz="1600" dirty="0"/>
-              <a:t>which provides </a:t>
-            </a:r>
-            <a:r>
-              <a:rPr lang="en-US" sz="1600" dirty="0" smtClean="0"/>
-              <a:t>for ambiguity </a:t>
-            </a:r>
-            <a:r>
-              <a:rPr lang="en-US" sz="1600" dirty="0"/>
-              <a:t>letters for every possible </a:t>
-            </a:r>
-            <a:r>
-              <a:rPr lang="en-US" sz="1600" dirty="0" smtClean="0"/>
-              <a:t>situation</a:t>
+              <a:t>which provides for ambiguity letters for every possible situation</a:t>
             </a:r>
             <a:endParaRPr lang="it-IT" sz="1600" dirty="0"/>
           </a:p>
           <a:p>
             <a:pPr lvl="1"/>
             <a:r>
-              <a:rPr lang="en-US" sz="1600" dirty="0" err="1" smtClean="0"/>
+              <a:rPr lang="en-US" sz="1600" dirty="0" err="1"/>
               <a:t>ExtendedIUPACDNA</a:t>
             </a:r>
             <a:r>
@@ -34119,7 +31925,7 @@
               <a:t>, which allows letters for </a:t>
             </a:r>
             <a:r>
-              <a:rPr lang="en-US" sz="1600" dirty="0" err="1" smtClean="0"/>
+              <a:rPr lang="en-US" sz="1600" dirty="0" err="1"/>
               <a:t>modifiedbase</a:t>
             </a:r>
             <a:endParaRPr lang="en-US" sz="1600" dirty="0"/>
@@ -34159,7 +31965,7 @@
           <a:p>
             <a:fld id="{67C2DE1B-3D66-5E48-B45C-4460F9197AEE}" type="datetime1">
               <a:rPr lang="fr-FR" smtClean="0"/>
-              <a:t>16/11/16</a:t>
+              <a:t>08/11/2018</a:t>
             </a:fld>
             <a:endParaRPr lang="fr-FR" dirty="0"/>
           </a:p>
@@ -34181,7 +31987,7 @@
           <a:lstStyle/>
           <a:p>
             <a:r>
-              <a:rPr lang="fr-FR" smtClean="0"/>
+              <a:rPr lang="fr-FR"/>
               <a:t>Python pour la biologie</a:t>
             </a:r>
             <a:endParaRPr lang="fr-FR" dirty="0"/>
@@ -34222,13 +32028,6 @@
   <p:clrMapOvr>
     <a:masterClrMapping/>
   </p:clrMapOvr>
-  <p:timing>
-    <p:tnLst>
-      <p:par>
-        <p:cTn xmlns:p14="http://schemas.microsoft.com/office/powerpoint/2010/main" id="1" dur="indefinite" restart="never" nodeType="tmRoot"/>
-      </p:par>
-    </p:tnLst>
-  </p:timing>
 </p:sld>
 </file>
 
